--- a/報告擋/Fintech.pptx
+++ b/報告擋/Fintech.pptx
@@ -3081,7 +3081,7 @@
           <a:lstStyle/>
           <a:p>
             <a:r>
-              <a:rPr kumimoji="1" lang="zh-TW" altLang="en-US" dirty="0">
+              <a:rPr kumimoji="1" lang="zh-TW" altLang="en-US" b="1" dirty="0">
                 <a:solidFill>
                   <a:schemeClr val="bg1"/>
                 </a:solidFill>

--- a/報告擋/Fintech.pptx
+++ b/報告擋/Fintech.pptx
@@ -5,50 +5,52 @@
     <p:sldMasterId id="2147483684" r:id="rId1"/>
   </p:sldMasterIdLst>
   <p:notesMasterIdLst>
-    <p:notesMasterId r:id="rId40"/>
+    <p:notesMasterId r:id="rId42"/>
   </p:notesMasterIdLst>
   <p:handoutMasterIdLst>
-    <p:handoutMasterId r:id="rId41"/>
+    <p:handoutMasterId r:id="rId43"/>
   </p:handoutMasterIdLst>
   <p:sldIdLst>
     <p:sldId id="257" r:id="rId2"/>
     <p:sldId id="288" r:id="rId3"/>
     <p:sldId id="432" r:id="rId4"/>
     <p:sldId id="436" r:id="rId5"/>
-    <p:sldId id="437" r:id="rId6"/>
-    <p:sldId id="438" r:id="rId7"/>
-    <p:sldId id="439" r:id="rId8"/>
-    <p:sldId id="435" r:id="rId9"/>
-    <p:sldId id="287" r:id="rId10"/>
-    <p:sldId id="433" r:id="rId11"/>
-    <p:sldId id="455" r:id="rId12"/>
-    <p:sldId id="456" r:id="rId13"/>
-    <p:sldId id="440" r:id="rId14"/>
-    <p:sldId id="447" r:id="rId15"/>
-    <p:sldId id="441" r:id="rId16"/>
-    <p:sldId id="460" r:id="rId17"/>
-    <p:sldId id="461" r:id="rId18"/>
-    <p:sldId id="448" r:id="rId19"/>
-    <p:sldId id="464" r:id="rId20"/>
-    <p:sldId id="465" r:id="rId21"/>
-    <p:sldId id="466" r:id="rId22"/>
-    <p:sldId id="301" r:id="rId23"/>
-    <p:sldId id="469" r:id="rId24"/>
-    <p:sldId id="470" r:id="rId25"/>
-    <p:sldId id="468" r:id="rId26"/>
-    <p:sldId id="471" r:id="rId27"/>
-    <p:sldId id="467" r:id="rId28"/>
-    <p:sldId id="472" r:id="rId29"/>
-    <p:sldId id="444" r:id="rId30"/>
-    <p:sldId id="445" r:id="rId31"/>
-    <p:sldId id="446" r:id="rId32"/>
-    <p:sldId id="450" r:id="rId33"/>
-    <p:sldId id="453" r:id="rId34"/>
-    <p:sldId id="454" r:id="rId35"/>
-    <p:sldId id="452" r:id="rId36"/>
-    <p:sldId id="451" r:id="rId37"/>
-    <p:sldId id="462" r:id="rId38"/>
-    <p:sldId id="463" r:id="rId39"/>
+    <p:sldId id="473" r:id="rId6"/>
+    <p:sldId id="439" r:id="rId7"/>
+    <p:sldId id="437" r:id="rId8"/>
+    <p:sldId id="438" r:id="rId9"/>
+    <p:sldId id="474" r:id="rId10"/>
+    <p:sldId id="435" r:id="rId11"/>
+    <p:sldId id="287" r:id="rId12"/>
+    <p:sldId id="433" r:id="rId13"/>
+    <p:sldId id="455" r:id="rId14"/>
+    <p:sldId id="456" r:id="rId15"/>
+    <p:sldId id="440" r:id="rId16"/>
+    <p:sldId id="447" r:id="rId17"/>
+    <p:sldId id="441" r:id="rId18"/>
+    <p:sldId id="460" r:id="rId19"/>
+    <p:sldId id="461" r:id="rId20"/>
+    <p:sldId id="448" r:id="rId21"/>
+    <p:sldId id="464" r:id="rId22"/>
+    <p:sldId id="465" r:id="rId23"/>
+    <p:sldId id="466" r:id="rId24"/>
+    <p:sldId id="301" r:id="rId25"/>
+    <p:sldId id="469" r:id="rId26"/>
+    <p:sldId id="470" r:id="rId27"/>
+    <p:sldId id="468" r:id="rId28"/>
+    <p:sldId id="471" r:id="rId29"/>
+    <p:sldId id="467" r:id="rId30"/>
+    <p:sldId id="472" r:id="rId31"/>
+    <p:sldId id="444" r:id="rId32"/>
+    <p:sldId id="445" r:id="rId33"/>
+    <p:sldId id="446" r:id="rId34"/>
+    <p:sldId id="450" r:id="rId35"/>
+    <p:sldId id="453" r:id="rId36"/>
+    <p:sldId id="454" r:id="rId37"/>
+    <p:sldId id="452" r:id="rId38"/>
+    <p:sldId id="451" r:id="rId39"/>
+    <p:sldId id="462" r:id="rId40"/>
+    <p:sldId id="463" r:id="rId41"/>
   </p:sldIdLst>
   <p:sldSz cx="9144000" cy="6858000" type="screen4x3"/>
   <p:notesSz cx="6858000" cy="9144000"/>
@@ -3170,7 +3172,7 @@
                 </a:solidFill>
                 <a:latin typeface="Microsoft JhengHei" panose="020B0604030504040204" pitchFamily="34" charset="-120"/>
               </a:rPr>
-              <a:t>03</a:t>
+              <a:t>02</a:t>
             </a:r>
             <a:endParaRPr lang="zh-TW" altLang="en-US" dirty="0">
               <a:solidFill>
@@ -3213,11 +3215,11 @@
               </a:spcBef>
             </a:pPr>
             <a:r>
-              <a:rPr lang="zh-CN" altLang="en-US" dirty="0">
+              <a:rPr lang="zh-TW" altLang="en-US" dirty="0">
                 <a:latin typeface="微軟正黑體" panose="020B0604030504040204" pitchFamily="34" charset="-120"/>
                 <a:ea typeface="微軟正黑體" panose="020B0604030504040204" pitchFamily="34" charset="-120"/>
               </a:rPr>
-              <a:t>資料及樣態說明</a:t>
+              <a:t>專案流程圖</a:t>
             </a:r>
             <a:endParaRPr lang="en-US" altLang="zh-CN" dirty="0">
               <a:latin typeface="微軟正黑體" panose="020B0604030504040204" pitchFamily="34" charset="-120"/>
@@ -3229,7 +3231,7 @@
     </p:spTree>
     <p:extLst>
       <p:ext uri="{BB962C8B-B14F-4D97-AF65-F5344CB8AC3E}">
-        <p14:creationId xmlns:p14="http://schemas.microsoft.com/office/powerpoint/2010/main" val="3420168332"/>
+        <p14:creationId xmlns:p14="http://schemas.microsoft.com/office/powerpoint/2010/main" val="1553861855"/>
       </p:ext>
     </p:extLst>
   </p:cSld>
@@ -3258,10 +3260,38 @@
       </p:grpSpPr>
       <p:sp>
         <p:nvSpPr>
+          <p:cNvPr id="2" name="標題 1">
+            <a:extLst>
+              <a:ext uri="{FF2B5EF4-FFF2-40B4-BE49-F238E27FC236}">
+                <a16:creationId xmlns:a16="http://schemas.microsoft.com/office/drawing/2014/main" id="{21D46EF1-12EA-C94F-9F03-C7FE589E8C7A}"/>
+              </a:ext>
+            </a:extLst>
+          </p:cNvPr>
+          <p:cNvSpPr>
+            <a:spLocks noGrp="1"/>
+          </p:cNvSpPr>
+          <p:nvPr>
+            <p:ph type="title"/>
+          </p:nvPr>
+        </p:nvSpPr>
+        <p:spPr/>
+        <p:txBody>
+          <a:bodyPr/>
+          <a:lstStyle/>
+          <a:p>
+            <a:r>
+              <a:rPr kumimoji="1" lang="zh-TW" altLang="en-US" dirty="0"/>
+              <a:t>專案流程圖</a:t>
+            </a:r>
+          </a:p>
+        </p:txBody>
+      </p:sp>
+      <p:sp>
+        <p:nvSpPr>
           <p:cNvPr id="4" name="日期版面配置區 3">
             <a:extLst>
               <a:ext uri="{FF2B5EF4-FFF2-40B4-BE49-F238E27FC236}">
-                <a16:creationId xmlns:a16="http://schemas.microsoft.com/office/drawing/2014/main" id="{2431A5AF-B085-9840-A2AF-A5E095D36C6C}"/>
+                <a16:creationId xmlns:a16="http://schemas.microsoft.com/office/drawing/2014/main" id="{190A1806-A5E7-ED48-84B7-A10F862FB7D3}"/>
               </a:ext>
             </a:extLst>
           </p:cNvPr>
@@ -3279,7 +3309,6 @@
           <a:p>
             <a:fld id="{868F4FC5-FE50-A64D-A7E3-22233A0C6925}" type="datetime1">
               <a:rPr kumimoji="1" lang="zh-TW" altLang="en-US" smtClean="0"/>
-              <a:pPr/>
               <a:t>2020/6/18</a:t>
             </a:fld>
             <a:endParaRPr kumimoji="1" lang="zh-TW" altLang="en-US" dirty="0"/>
@@ -3291,7 +3320,7 @@
           <p:cNvPr id="5" name="投影片編號版面配置區 4">
             <a:extLst>
               <a:ext uri="{FF2B5EF4-FFF2-40B4-BE49-F238E27FC236}">
-                <a16:creationId xmlns:a16="http://schemas.microsoft.com/office/drawing/2014/main" id="{8C31E96F-A8AD-484B-8C44-070301EE00FD}"/>
+                <a16:creationId xmlns:a16="http://schemas.microsoft.com/office/drawing/2014/main" id="{DABF132B-1148-4041-B62C-1765B1EFCE4B}"/>
               </a:ext>
             </a:extLst>
           </p:cNvPr>
@@ -3311,6 +3340,384 @@
               <a:rPr kumimoji="1" lang="zh-TW" altLang="en-US" smtClean="0"/>
               <a:pPr/>
               <a:t>11</a:t>
+            </a:fld>
+            <a:endParaRPr kumimoji="1" lang="zh-TW" altLang="en-US" dirty="0"/>
+          </a:p>
+        </p:txBody>
+      </p:sp>
+      <p:pic>
+        <p:nvPicPr>
+          <p:cNvPr id="11" name="圖片 10" descr="一張含有 文字, 地圖 的圖片&#10;&#10;自動產生的描述">
+            <a:extLst>
+              <a:ext uri="{FF2B5EF4-FFF2-40B4-BE49-F238E27FC236}">
+                <a16:creationId xmlns:a16="http://schemas.microsoft.com/office/drawing/2014/main" id="{102E35A8-6754-BF4D-BFDE-E914C8AA20F2}"/>
+              </a:ext>
+            </a:extLst>
+          </p:cNvPr>
+          <p:cNvPicPr>
+            <a:picLocks noChangeAspect="1"/>
+          </p:cNvPicPr>
+          <p:nvPr/>
+        </p:nvPicPr>
+        <p:blipFill>
+          <a:blip r:embed="rId2"/>
+          <a:stretch>
+            <a:fillRect/>
+          </a:stretch>
+        </p:blipFill>
+        <p:spPr>
+          <a:xfrm>
+            <a:off x="864192" y="934295"/>
+            <a:ext cx="6848945" cy="5479383"/>
+          </a:xfrm>
+          <a:prstGeom prst="rect">
+            <a:avLst/>
+          </a:prstGeom>
+        </p:spPr>
+      </p:pic>
+      <p:sp>
+        <p:nvSpPr>
+          <p:cNvPr id="12" name="文字方塊 11">
+            <a:extLst>
+              <a:ext uri="{FF2B5EF4-FFF2-40B4-BE49-F238E27FC236}">
+                <a16:creationId xmlns:a16="http://schemas.microsoft.com/office/drawing/2014/main" id="{3275FB1E-0A70-6C4B-A791-11D11D4E914A}"/>
+              </a:ext>
+            </a:extLst>
+          </p:cNvPr>
+          <p:cNvSpPr txBox="1"/>
+          <p:nvPr/>
+        </p:nvSpPr>
+        <p:spPr>
+          <a:xfrm>
+            <a:off x="1734623" y="1056067"/>
+            <a:ext cx="1569660" cy="369332"/>
+          </a:xfrm>
+          <a:prstGeom prst="rect">
+            <a:avLst/>
+          </a:prstGeom>
+          <a:noFill/>
+        </p:spPr>
+        <p:txBody>
+          <a:bodyPr wrap="none" rtlCol="0">
+            <a:spAutoFit/>
+          </a:bodyPr>
+          <a:lstStyle/>
+          <a:p>
+            <a:r>
+              <a:rPr kumimoji="1" lang="zh-TW" altLang="en-US" b="1" dirty="0">
+                <a:solidFill>
+                  <a:srgbClr val="4AAC99"/>
+                </a:solidFill>
+                <a:latin typeface="Microsoft JhengHei" panose="020B0604030504040204" pitchFamily="34" charset="-120"/>
+                <a:ea typeface="Microsoft JhengHei" panose="020B0604030504040204" pitchFamily="34" charset="-120"/>
+              </a:rPr>
+              <a:t>模型訓練過程</a:t>
+            </a:r>
+          </a:p>
+        </p:txBody>
+      </p:sp>
+      <p:sp>
+        <p:nvSpPr>
+          <p:cNvPr id="13" name="文字方塊 12">
+            <a:extLst>
+              <a:ext uri="{FF2B5EF4-FFF2-40B4-BE49-F238E27FC236}">
+                <a16:creationId xmlns:a16="http://schemas.microsoft.com/office/drawing/2014/main" id="{F70AA940-037C-1F4D-8032-1B08D7EE3E32}"/>
+              </a:ext>
+            </a:extLst>
+          </p:cNvPr>
+          <p:cNvSpPr txBox="1"/>
+          <p:nvPr/>
+        </p:nvSpPr>
+        <p:spPr>
+          <a:xfrm>
+            <a:off x="7338426" y="3075230"/>
+            <a:ext cx="1415772" cy="584775"/>
+          </a:xfrm>
+          <a:prstGeom prst="rect">
+            <a:avLst/>
+          </a:prstGeom>
+          <a:noFill/>
+        </p:spPr>
+        <p:txBody>
+          <a:bodyPr wrap="none" rtlCol="0">
+            <a:spAutoFit/>
+          </a:bodyPr>
+          <a:lstStyle/>
+          <a:p>
+            <a:pPr algn="ctr"/>
+            <a:r>
+              <a:rPr kumimoji="1" lang="zh-TW" altLang="en-US" sz="1600" b="1" dirty="0">
+                <a:solidFill>
+                  <a:srgbClr val="4AAC99"/>
+                </a:solidFill>
+                <a:latin typeface="Microsoft JhengHei" panose="020B0604030504040204" pitchFamily="34" charset="-120"/>
+                <a:ea typeface="Microsoft JhengHei" panose="020B0604030504040204" pitchFamily="34" charset="-120"/>
+              </a:rPr>
+              <a:t>最新新聞評分</a:t>
+            </a:r>
+            <a:br>
+              <a:rPr kumimoji="1" lang="en-US" altLang="zh-TW" sz="1600" b="1" dirty="0">
+                <a:solidFill>
+                  <a:srgbClr val="4AAC99"/>
+                </a:solidFill>
+                <a:latin typeface="Microsoft JhengHei" panose="020B0604030504040204" pitchFamily="34" charset="-120"/>
+                <a:ea typeface="Microsoft JhengHei" panose="020B0604030504040204" pitchFamily="34" charset="-120"/>
+              </a:rPr>
+            </a:br>
+            <a:r>
+              <a:rPr kumimoji="1" lang="zh-TW" altLang="en-US" sz="1600" b="1" dirty="0">
+                <a:solidFill>
+                  <a:srgbClr val="4AAC99"/>
+                </a:solidFill>
+                <a:latin typeface="Microsoft JhengHei" panose="020B0604030504040204" pitchFamily="34" charset="-120"/>
+                <a:ea typeface="Microsoft JhengHei" panose="020B0604030504040204" pitchFamily="34" charset="-120"/>
+              </a:rPr>
+              <a:t>與漲跌預測</a:t>
+            </a:r>
+          </a:p>
+        </p:txBody>
+      </p:sp>
+      <p:sp>
+        <p:nvSpPr>
+          <p:cNvPr id="14" name="文字方塊 13">
+            <a:extLst>
+              <a:ext uri="{FF2B5EF4-FFF2-40B4-BE49-F238E27FC236}">
+                <a16:creationId xmlns:a16="http://schemas.microsoft.com/office/drawing/2014/main" id="{96933F0B-C702-A048-8C9E-59698DF9AAC9}"/>
+              </a:ext>
+            </a:extLst>
+          </p:cNvPr>
+          <p:cNvSpPr txBox="1"/>
+          <p:nvPr/>
+        </p:nvSpPr>
+        <p:spPr>
+          <a:xfrm>
+            <a:off x="7543611" y="5508551"/>
+            <a:ext cx="1005403" cy="338554"/>
+          </a:xfrm>
+          <a:prstGeom prst="rect">
+            <a:avLst/>
+          </a:prstGeom>
+          <a:noFill/>
+        </p:spPr>
+        <p:txBody>
+          <a:bodyPr wrap="none" rtlCol="0">
+            <a:spAutoFit/>
+          </a:bodyPr>
+          <a:lstStyle/>
+          <a:p>
+            <a:pPr algn="ctr"/>
+            <a:r>
+              <a:rPr kumimoji="1" lang="zh-TW" altLang="en-US" sz="1600" b="1" dirty="0">
+                <a:solidFill>
+                  <a:srgbClr val="4AAC99"/>
+                </a:solidFill>
+                <a:latin typeface="Microsoft JhengHei" panose="020B0604030504040204" pitchFamily="34" charset="-120"/>
+                <a:ea typeface="Microsoft JhengHei" panose="020B0604030504040204" pitchFamily="34" charset="-120"/>
+              </a:rPr>
+              <a:t>結果呈現</a:t>
+            </a:r>
+          </a:p>
+        </p:txBody>
+      </p:sp>
+    </p:spTree>
+    <p:extLst>
+      <p:ext uri="{BB962C8B-B14F-4D97-AF65-F5344CB8AC3E}">
+        <p14:creationId xmlns:p14="http://schemas.microsoft.com/office/powerpoint/2010/main" val="3654779372"/>
+      </p:ext>
+    </p:extLst>
+  </p:cSld>
+  <p:clrMapOvr>
+    <a:masterClrMapping/>
+  </p:clrMapOvr>
+</p:sld>
+</file>
+
+<file path=ppt/slides/slide12.xml><?xml version="1.0" encoding="utf-8"?>
+<p:sld xmlns:a="http://schemas.openxmlformats.org/drawingml/2006/main" xmlns:r="http://schemas.openxmlformats.org/officeDocument/2006/relationships" xmlns:p="http://schemas.openxmlformats.org/presentationml/2006/main">
+  <p:cSld>
+    <p:spTree>
+      <p:nvGrpSpPr>
+        <p:cNvPr id="1" name=""/>
+        <p:cNvGrpSpPr/>
+        <p:nvPr/>
+      </p:nvGrpSpPr>
+      <p:grpSpPr>
+        <a:xfrm>
+          <a:off x="0" y="0"/>
+          <a:ext cx="0" cy="0"/>
+          <a:chOff x="0" y="0"/>
+          <a:chExt cx="0" cy="0"/>
+        </a:xfrm>
+      </p:grpSpPr>
+      <p:sp>
+        <p:nvSpPr>
+          <p:cNvPr id="4" name="標題 3">
+            <a:extLst>
+              <a:ext uri="{FF2B5EF4-FFF2-40B4-BE49-F238E27FC236}">
+                <a16:creationId xmlns:a16="http://schemas.microsoft.com/office/drawing/2014/main" id="{65D8D0B7-A88F-8444-A50B-614843E904C6}"/>
+              </a:ext>
+            </a:extLst>
+          </p:cNvPr>
+          <p:cNvSpPr>
+            <a:spLocks noGrp="1"/>
+          </p:cNvSpPr>
+          <p:nvPr>
+            <p:ph type="title"/>
+          </p:nvPr>
+        </p:nvSpPr>
+        <p:spPr/>
+        <p:txBody>
+          <a:bodyPr/>
+          <a:lstStyle/>
+          <a:p>
+            <a:r>
+              <a:rPr lang="en-US" altLang="zh-TW" dirty="0">
+                <a:solidFill>
+                  <a:srgbClr val="4AAC99"/>
+                </a:solidFill>
+                <a:latin typeface="Microsoft JhengHei" panose="020B0604030504040204" pitchFamily="34" charset="-120"/>
+              </a:rPr>
+              <a:t>03</a:t>
+            </a:r>
+            <a:endParaRPr lang="zh-TW" altLang="en-US" dirty="0">
+              <a:solidFill>
+                <a:srgbClr val="4AAC99"/>
+              </a:solidFill>
+              <a:latin typeface="Microsoft JhengHei" panose="020B0604030504040204" pitchFamily="34" charset="-120"/>
+            </a:endParaRPr>
+          </a:p>
+        </p:txBody>
+      </p:sp>
+      <p:sp>
+        <p:nvSpPr>
+          <p:cNvPr id="5" name="文字版面配置區 4">
+            <a:extLst>
+              <a:ext uri="{FF2B5EF4-FFF2-40B4-BE49-F238E27FC236}">
+                <a16:creationId xmlns:a16="http://schemas.microsoft.com/office/drawing/2014/main" id="{001D45A4-756B-054A-88C9-BD20D1A2C25B}"/>
+              </a:ext>
+            </a:extLst>
+          </p:cNvPr>
+          <p:cNvSpPr>
+            <a:spLocks noGrp="1"/>
+          </p:cNvSpPr>
+          <p:nvPr>
+            <p:ph type="body" sz="quarter" idx="13"/>
+          </p:nvPr>
+        </p:nvSpPr>
+        <p:spPr>
+          <a:xfrm>
+            <a:off x="2104373" y="3171031"/>
+            <a:ext cx="4982227" cy="515938"/>
+          </a:xfrm>
+        </p:spPr>
+        <p:txBody>
+          <a:bodyPr/>
+          <a:lstStyle/>
+          <a:p>
+            <a:pPr>
+              <a:spcBef>
+                <a:spcPct val="0"/>
+              </a:spcBef>
+            </a:pPr>
+            <a:r>
+              <a:rPr lang="zh-CN" altLang="en-US" dirty="0">
+                <a:latin typeface="微軟正黑體" panose="020B0604030504040204" pitchFamily="34" charset="-120"/>
+                <a:ea typeface="微軟正黑體" panose="020B0604030504040204" pitchFamily="34" charset="-120"/>
+              </a:rPr>
+              <a:t>資料及樣態說明</a:t>
+            </a:r>
+            <a:endParaRPr lang="en-US" altLang="zh-CN" dirty="0">
+              <a:latin typeface="微軟正黑體" panose="020B0604030504040204" pitchFamily="34" charset="-120"/>
+              <a:ea typeface="微軟正黑體" panose="020B0604030504040204" pitchFamily="34" charset="-120"/>
+            </a:endParaRPr>
+          </a:p>
+        </p:txBody>
+      </p:sp>
+    </p:spTree>
+    <p:extLst>
+      <p:ext uri="{BB962C8B-B14F-4D97-AF65-F5344CB8AC3E}">
+        <p14:creationId xmlns:p14="http://schemas.microsoft.com/office/powerpoint/2010/main" val="3420168332"/>
+      </p:ext>
+    </p:extLst>
+  </p:cSld>
+  <p:clrMapOvr>
+    <a:masterClrMapping/>
+  </p:clrMapOvr>
+</p:sld>
+</file>
+
+<file path=ppt/slides/slide13.xml><?xml version="1.0" encoding="utf-8"?>
+<p:sld xmlns:a="http://schemas.openxmlformats.org/drawingml/2006/main" xmlns:r="http://schemas.openxmlformats.org/officeDocument/2006/relationships" xmlns:p="http://schemas.openxmlformats.org/presentationml/2006/main">
+  <p:cSld>
+    <p:spTree>
+      <p:nvGrpSpPr>
+        <p:cNvPr id="1" name=""/>
+        <p:cNvGrpSpPr/>
+        <p:nvPr/>
+      </p:nvGrpSpPr>
+      <p:grpSpPr>
+        <a:xfrm>
+          <a:off x="0" y="0"/>
+          <a:ext cx="0" cy="0"/>
+          <a:chOff x="0" y="0"/>
+          <a:chExt cx="0" cy="0"/>
+        </a:xfrm>
+      </p:grpSpPr>
+      <p:sp>
+        <p:nvSpPr>
+          <p:cNvPr id="4" name="日期版面配置區 3">
+            <a:extLst>
+              <a:ext uri="{FF2B5EF4-FFF2-40B4-BE49-F238E27FC236}">
+                <a16:creationId xmlns:a16="http://schemas.microsoft.com/office/drawing/2014/main" id="{2431A5AF-B085-9840-A2AF-A5E095D36C6C}"/>
+              </a:ext>
+            </a:extLst>
+          </p:cNvPr>
+          <p:cNvSpPr>
+            <a:spLocks noGrp="1"/>
+          </p:cNvSpPr>
+          <p:nvPr>
+            <p:ph type="dt" sz="half" idx="10"/>
+          </p:nvPr>
+        </p:nvSpPr>
+        <p:spPr/>
+        <p:txBody>
+          <a:bodyPr/>
+          <a:lstStyle/>
+          <a:p>
+            <a:fld id="{868F4FC5-FE50-A64D-A7E3-22233A0C6925}" type="datetime1">
+              <a:rPr kumimoji="1" lang="zh-TW" altLang="en-US" smtClean="0"/>
+              <a:pPr/>
+              <a:t>2020/6/18</a:t>
+            </a:fld>
+            <a:endParaRPr kumimoji="1" lang="zh-TW" altLang="en-US" dirty="0"/>
+          </a:p>
+        </p:txBody>
+      </p:sp>
+      <p:sp>
+        <p:nvSpPr>
+          <p:cNvPr id="5" name="投影片編號版面配置區 4">
+            <a:extLst>
+              <a:ext uri="{FF2B5EF4-FFF2-40B4-BE49-F238E27FC236}">
+                <a16:creationId xmlns:a16="http://schemas.microsoft.com/office/drawing/2014/main" id="{8C31E96F-A8AD-484B-8C44-070301EE00FD}"/>
+              </a:ext>
+            </a:extLst>
+          </p:cNvPr>
+          <p:cNvSpPr>
+            <a:spLocks noGrp="1"/>
+          </p:cNvSpPr>
+          <p:nvPr>
+            <p:ph type="sldNum" sz="quarter" idx="12"/>
+          </p:nvPr>
+        </p:nvSpPr>
+        <p:spPr/>
+        <p:txBody>
+          <a:bodyPr/>
+          <a:lstStyle/>
+          <a:p>
+            <a:fld id="{80929F01-733D-5847-83A7-C9CEA74310DB}" type="slidenum">
+              <a:rPr kumimoji="1" lang="zh-TW" altLang="en-US" smtClean="0"/>
+              <a:pPr/>
+              <a:t>13</a:t>
             </a:fld>
             <a:endParaRPr kumimoji="1" lang="zh-TW" altLang="en-US" dirty="0"/>
           </a:p>
@@ -3613,7 +4020,7 @@
 </p:sld>
 </file>
 
-<file path=ppt/slides/slide12.xml><?xml version="1.0" encoding="utf-8"?>
+<file path=ppt/slides/slide14.xml><?xml version="1.0" encoding="utf-8"?>
 <p:sld xmlns:a="http://schemas.openxmlformats.org/drawingml/2006/main" xmlns:r="http://schemas.openxmlformats.org/officeDocument/2006/relationships" xmlns:p="http://schemas.openxmlformats.org/presentationml/2006/main">
   <p:cSld>
     <p:spTree>
@@ -3684,7 +4091,7 @@
             <a:fld id="{80929F01-733D-5847-83A7-C9CEA74310DB}" type="slidenum">
               <a:rPr kumimoji="1" lang="zh-TW" altLang="en-US" smtClean="0"/>
               <a:pPr/>
-              <a:t>12</a:t>
+              <a:t>14</a:t>
             </a:fld>
             <a:endParaRPr kumimoji="1" lang="zh-TW" altLang="en-US" dirty="0"/>
           </a:p>
@@ -4154,7 +4561,7 @@
 </p:sld>
 </file>
 
-<file path=ppt/slides/slide13.xml><?xml version="1.0" encoding="utf-8"?>
+<file path=ppt/slides/slide15.xml><?xml version="1.0" encoding="utf-8"?>
 <p:sld xmlns:a="http://schemas.openxmlformats.org/drawingml/2006/main" xmlns:r="http://schemas.openxmlformats.org/officeDocument/2006/relationships" xmlns:p="http://schemas.openxmlformats.org/presentationml/2006/main">
   <p:cSld>
     <p:spTree>
@@ -4333,7 +4740,7 @@
 </p:sld>
 </file>
 
-<file path=ppt/slides/slide14.xml><?xml version="1.0" encoding="utf-8"?>
+<file path=ppt/slides/slide16.xml><?xml version="1.0" encoding="utf-8"?>
 <p:sld xmlns:a="http://schemas.openxmlformats.org/drawingml/2006/main" xmlns:r="http://schemas.openxmlformats.org/officeDocument/2006/relationships" xmlns:p="http://schemas.openxmlformats.org/presentationml/2006/main">
   <p:cSld>
     <p:spTree>
@@ -4443,7 +4850,7 @@
             <a:fld id="{80929F01-733D-5847-83A7-C9CEA74310DB}" type="slidenum">
               <a:rPr kumimoji="1" lang="zh-TW" altLang="en-US" smtClean="0"/>
               <a:pPr/>
-              <a:t>14</a:t>
+              <a:t>16</a:t>
             </a:fld>
             <a:endParaRPr kumimoji="1" lang="zh-TW" altLang="en-US" dirty="0"/>
           </a:p>
@@ -4727,7 +5134,7 @@
 </p:sld>
 </file>
 
-<file path=ppt/slides/slide15.xml><?xml version="1.0" encoding="utf-8"?>
+<file path=ppt/slides/slide17.xml><?xml version="1.0" encoding="utf-8"?>
 <p:sld xmlns:a="http://schemas.openxmlformats.org/drawingml/2006/main" xmlns:r="http://schemas.openxmlformats.org/officeDocument/2006/relationships" xmlns:p="http://schemas.openxmlformats.org/presentationml/2006/main">
   <p:cSld>
     <p:spTree>
@@ -4798,7 +5205,7 @@
             <a:fld id="{80929F01-733D-5847-83A7-C9CEA74310DB}" type="slidenum">
               <a:rPr kumimoji="1" lang="zh-TW" altLang="en-US" smtClean="0"/>
               <a:pPr/>
-              <a:t>15</a:t>
+              <a:t>17</a:t>
             </a:fld>
             <a:endParaRPr kumimoji="1" lang="zh-TW" altLang="en-US" dirty="0"/>
           </a:p>
@@ -5331,7 +5738,7 @@
 </p:sld>
 </file>
 
-<file path=ppt/slides/slide16.xml><?xml version="1.0" encoding="utf-8"?>
+<file path=ppt/slides/slide18.xml><?xml version="1.0" encoding="utf-8"?>
 <p:sld xmlns:a="http://schemas.openxmlformats.org/drawingml/2006/main" xmlns:r="http://schemas.openxmlformats.org/officeDocument/2006/relationships" xmlns:p="http://schemas.openxmlformats.org/presentationml/2006/main">
   <p:cSld>
     <p:spTree>
@@ -5372,7 +5779,7 @@
             <a:fld id="{80929F01-733D-5847-83A7-C9CEA74310DB}" type="slidenum">
               <a:rPr kumimoji="1" lang="zh-TW" altLang="en-US" smtClean="0"/>
               <a:pPr/>
-              <a:t>16</a:t>
+              <a:t>18</a:t>
             </a:fld>
             <a:endParaRPr kumimoji="1" lang="zh-TW" altLang="en-US" dirty="0"/>
           </a:p>
@@ -6703,7 +7110,7 @@
 </p:sld>
 </file>
 
-<file path=ppt/slides/slide17.xml><?xml version="1.0" encoding="utf-8"?>
+<file path=ppt/slides/slide19.xml><?xml version="1.0" encoding="utf-8"?>
 <p:sld xmlns:a="http://schemas.openxmlformats.org/drawingml/2006/main" xmlns:r="http://schemas.openxmlformats.org/officeDocument/2006/relationships" xmlns:p="http://schemas.openxmlformats.org/presentationml/2006/main">
   <p:cSld>
     <p:spTree>
@@ -6774,7 +7181,7 @@
             <a:fld id="{80929F01-733D-5847-83A7-C9CEA74310DB}" type="slidenum">
               <a:rPr kumimoji="1" lang="zh-TW" altLang="en-US" smtClean="0"/>
               <a:pPr/>
-              <a:t>17</a:t>
+              <a:t>19</a:t>
             </a:fld>
             <a:endParaRPr kumimoji="1" lang="zh-TW" altLang="en-US" dirty="0"/>
           </a:p>
@@ -7270,1749 +7677,6 @@
     <p:extLst>
       <p:ext uri="{BB962C8B-B14F-4D97-AF65-F5344CB8AC3E}">
         <p14:creationId xmlns:p14="http://schemas.microsoft.com/office/powerpoint/2010/main" val="3518465801"/>
-      </p:ext>
-    </p:extLst>
-  </p:cSld>
-  <p:clrMapOvr>
-    <a:masterClrMapping/>
-  </p:clrMapOvr>
-</p:sld>
-</file>
-
-<file path=ppt/slides/slide18.xml><?xml version="1.0" encoding="utf-8"?>
-<p:sld xmlns:a="http://schemas.openxmlformats.org/drawingml/2006/main" xmlns:r="http://schemas.openxmlformats.org/officeDocument/2006/relationships" xmlns:p="http://schemas.openxmlformats.org/presentationml/2006/main">
-  <p:cSld>
-    <p:spTree>
-      <p:nvGrpSpPr>
-        <p:cNvPr id="1" name=""/>
-        <p:cNvGrpSpPr/>
-        <p:nvPr/>
-      </p:nvGrpSpPr>
-      <p:grpSpPr>
-        <a:xfrm>
-          <a:off x="0" y="0"/>
-          <a:ext cx="0" cy="0"/>
-          <a:chOff x="0" y="0"/>
-          <a:chExt cx="0" cy="0"/>
-        </a:xfrm>
-      </p:grpSpPr>
-      <p:sp>
-        <p:nvSpPr>
-          <p:cNvPr id="4" name="日期版面配置區 3">
-            <a:extLst>
-              <a:ext uri="{FF2B5EF4-FFF2-40B4-BE49-F238E27FC236}">
-                <a16:creationId xmlns:a16="http://schemas.microsoft.com/office/drawing/2014/main" id="{285B31FA-CCB5-ED41-8876-47FA5EE2ABAC}"/>
-              </a:ext>
-            </a:extLst>
-          </p:cNvPr>
-          <p:cNvSpPr>
-            <a:spLocks noGrp="1"/>
-          </p:cNvSpPr>
-          <p:nvPr>
-            <p:ph type="dt" sz="half" idx="10"/>
-          </p:nvPr>
-        </p:nvSpPr>
-        <p:spPr/>
-        <p:txBody>
-          <a:bodyPr/>
-          <a:lstStyle/>
-          <a:p>
-            <a:fld id="{868F4FC5-FE50-A64D-A7E3-22233A0C6925}" type="datetime1">
-              <a:rPr kumimoji="1" lang="zh-TW" altLang="en-US" smtClean="0"/>
-              <a:pPr/>
-              <a:t>2020/6/18</a:t>
-            </a:fld>
-            <a:endParaRPr kumimoji="1" lang="zh-TW" altLang="en-US" dirty="0"/>
-          </a:p>
-        </p:txBody>
-      </p:sp>
-      <p:sp>
-        <p:nvSpPr>
-          <p:cNvPr id="5" name="投影片編號版面配置區 4">
-            <a:extLst>
-              <a:ext uri="{FF2B5EF4-FFF2-40B4-BE49-F238E27FC236}">
-                <a16:creationId xmlns:a16="http://schemas.microsoft.com/office/drawing/2014/main" id="{105C58B2-7F10-8745-B700-1A1C6D51A714}"/>
-              </a:ext>
-            </a:extLst>
-          </p:cNvPr>
-          <p:cNvSpPr>
-            <a:spLocks noGrp="1"/>
-          </p:cNvSpPr>
-          <p:nvPr>
-            <p:ph type="sldNum" sz="quarter" idx="12"/>
-          </p:nvPr>
-        </p:nvSpPr>
-        <p:spPr/>
-        <p:txBody>
-          <a:bodyPr/>
-          <a:lstStyle/>
-          <a:p>
-            <a:fld id="{80929F01-733D-5847-83A7-C9CEA74310DB}" type="slidenum">
-              <a:rPr kumimoji="1" lang="zh-TW" altLang="en-US" smtClean="0"/>
-              <a:pPr/>
-              <a:t>18</a:t>
-            </a:fld>
-            <a:endParaRPr kumimoji="1" lang="zh-TW" altLang="en-US" dirty="0"/>
-          </a:p>
-        </p:txBody>
-      </p:sp>
-      <p:sp>
-        <p:nvSpPr>
-          <p:cNvPr id="6" name="文字方塊 5">
-            <a:extLst>
-              <a:ext uri="{FF2B5EF4-FFF2-40B4-BE49-F238E27FC236}">
-                <a16:creationId xmlns:a16="http://schemas.microsoft.com/office/drawing/2014/main" id="{7D94E14C-36FB-B04C-B208-1F65084F5707}"/>
-              </a:ext>
-            </a:extLst>
-          </p:cNvPr>
-          <p:cNvSpPr txBox="1"/>
-          <p:nvPr/>
-        </p:nvSpPr>
-        <p:spPr>
-          <a:xfrm>
-            <a:off x="6243119" y="120951"/>
-            <a:ext cx="2646879" cy="338554"/>
-          </a:xfrm>
-          <a:prstGeom prst="rect">
-            <a:avLst/>
-          </a:prstGeom>
-          <a:noFill/>
-        </p:spPr>
-        <p:txBody>
-          <a:bodyPr wrap="none" rtlCol="0">
-            <a:spAutoFit/>
-          </a:bodyPr>
-          <a:lstStyle/>
-          <a:p>
-            <a:pPr algn="r"/>
-            <a:r>
-              <a:rPr lang="zh-CN" altLang="en-US" sz="1600" dirty="0">
-                <a:solidFill>
-                  <a:schemeClr val="tx1">
-                    <a:lumMod val="65000"/>
-                    <a:lumOff val="35000"/>
-                  </a:schemeClr>
-                </a:solidFill>
-                <a:latin typeface="Microsoft JhengHei" panose="020B0604030504040204" pitchFamily="34" charset="-120"/>
-                <a:ea typeface="Microsoft JhengHei" panose="020B0604030504040204" pitchFamily="34" charset="-120"/>
-              </a:rPr>
-              <a:t>爬蟲</a:t>
-            </a:r>
-            <a:r>
-              <a:rPr kumimoji="1" lang="zh-CN" altLang="en-US" sz="1600" dirty="0">
-                <a:solidFill>
-                  <a:schemeClr val="tx1">
-                    <a:lumMod val="65000"/>
-                    <a:lumOff val="35000"/>
-                  </a:schemeClr>
-                </a:solidFill>
-                <a:latin typeface="微軟正黑體" pitchFamily="34" charset="-120"/>
-                <a:ea typeface="微軟正黑體" pitchFamily="34" charset="-120"/>
-                <a:cs typeface="BiauKai"/>
-              </a:rPr>
-              <a:t>｜</a:t>
-            </a:r>
-            <a:r>
-              <a:rPr lang="zh-CN" altLang="en-US" sz="1600" dirty="0">
-                <a:solidFill>
-                  <a:schemeClr val="tx1">
-                    <a:lumMod val="65000"/>
-                    <a:lumOff val="35000"/>
-                  </a:schemeClr>
-                </a:solidFill>
-                <a:latin typeface="Microsoft JhengHei" panose="020B0604030504040204" pitchFamily="34" charset="-120"/>
-                <a:ea typeface="Microsoft JhengHei" panose="020B0604030504040204" pitchFamily="34" charset="-120"/>
-              </a:rPr>
-              <a:t>切詞</a:t>
-            </a:r>
-            <a:r>
-              <a:rPr kumimoji="1" lang="zh-CN" altLang="en-US" sz="1600" dirty="0">
-                <a:solidFill>
-                  <a:schemeClr val="tx1">
-                    <a:lumMod val="65000"/>
-                    <a:lumOff val="35000"/>
-                  </a:schemeClr>
-                </a:solidFill>
-                <a:latin typeface="微軟正黑體" pitchFamily="34" charset="-120"/>
-                <a:ea typeface="微軟正黑體" pitchFamily="34" charset="-120"/>
-                <a:cs typeface="BiauKai"/>
-              </a:rPr>
-              <a:t>｜</a:t>
-            </a:r>
-            <a:r>
-              <a:rPr lang="zh-CN" altLang="en-US" sz="1600" b="1" dirty="0">
-                <a:latin typeface="Microsoft JhengHei" panose="020B0604030504040204" pitchFamily="34" charset="-120"/>
-                <a:ea typeface="Microsoft JhengHei" panose="020B0604030504040204" pitchFamily="34" charset="-120"/>
-              </a:rPr>
-              <a:t>新聞評分模型</a:t>
-            </a:r>
-            <a:endParaRPr kumimoji="1" lang="zh-TW" altLang="en-US" sz="1600" b="1" dirty="0">
-              <a:latin typeface="微軟正黑體" pitchFamily="34" charset="-120"/>
-              <a:ea typeface="微軟正黑體" pitchFamily="34" charset="-120"/>
-              <a:cs typeface="BiauKai"/>
-            </a:endParaRPr>
-          </a:p>
-        </p:txBody>
-      </p:sp>
-      <p:sp>
-        <p:nvSpPr>
-          <p:cNvPr id="7" name="標題 1">
-            <a:extLst>
-              <a:ext uri="{FF2B5EF4-FFF2-40B4-BE49-F238E27FC236}">
-                <a16:creationId xmlns:a16="http://schemas.microsoft.com/office/drawing/2014/main" id="{BF6B957C-C1CC-5346-A1DC-758625B662C5}"/>
-              </a:ext>
-            </a:extLst>
-          </p:cNvPr>
-          <p:cNvSpPr>
-            <a:spLocks noGrp="1"/>
-          </p:cNvSpPr>
-          <p:nvPr>
-            <p:ph type="title"/>
-          </p:nvPr>
-        </p:nvSpPr>
-        <p:spPr>
-          <a:xfrm>
-            <a:off x="628650" y="520551"/>
-            <a:ext cx="7886700" cy="599076"/>
-          </a:xfrm>
-        </p:spPr>
-        <p:txBody>
-          <a:bodyPr>
-            <a:normAutofit/>
-          </a:bodyPr>
-          <a:lstStyle/>
-          <a:p>
-            <a:r>
-              <a:rPr lang="zh-CN" altLang="en-US" dirty="0">
-                <a:latin typeface="Microsoft JhengHei" panose="020B0604030504040204" pitchFamily="34" charset="-120"/>
-                <a:ea typeface="Microsoft JhengHei" panose="020B0604030504040204" pitchFamily="34" charset="-120"/>
-              </a:rPr>
-              <a:t>模型建立</a:t>
-            </a:r>
-            <a:endParaRPr kumimoji="1" lang="zh-TW" altLang="en-US" dirty="0"/>
-          </a:p>
-        </p:txBody>
-      </p:sp>
-      <p:sp>
-        <p:nvSpPr>
-          <p:cNvPr id="8" name="文字方塊 7">
-            <a:extLst>
-              <a:ext uri="{FF2B5EF4-FFF2-40B4-BE49-F238E27FC236}">
-                <a16:creationId xmlns:a16="http://schemas.microsoft.com/office/drawing/2014/main" id="{997DEB25-4A42-C04D-8325-E6A4FAAAAD5C}"/>
-              </a:ext>
-            </a:extLst>
-          </p:cNvPr>
-          <p:cNvSpPr txBox="1"/>
-          <p:nvPr/>
-        </p:nvSpPr>
-        <p:spPr>
-          <a:xfrm>
-            <a:off x="1657350" y="1361497"/>
-            <a:ext cx="5600699" cy="461665"/>
-          </a:xfrm>
-          <a:prstGeom prst="rect">
-            <a:avLst/>
-          </a:prstGeom>
-          <a:noFill/>
-        </p:spPr>
-        <p:txBody>
-          <a:bodyPr wrap="square" rtlCol="0">
-            <a:spAutoFit/>
-          </a:bodyPr>
-          <a:lstStyle/>
-          <a:p>
-            <a:r>
-              <a:rPr lang="zh-CN" altLang="en-US" sz="2400" dirty="0">
-                <a:latin typeface="Microsoft JhengHei" panose="020B0604030504040204" pitchFamily="34" charset="-120"/>
-                <a:ea typeface="Microsoft JhengHei" panose="020B0604030504040204" pitchFamily="34" charset="-120"/>
-              </a:rPr>
-              <a:t>利用長短期記憶模型（</a:t>
-            </a:r>
-            <a:r>
-              <a:rPr lang="en-US" altLang="zh-CN" sz="2400" dirty="0">
-                <a:latin typeface="Microsoft JhengHei" panose="020B0604030504040204" pitchFamily="34" charset="-120"/>
-                <a:ea typeface="Microsoft JhengHei" panose="020B0604030504040204" pitchFamily="34" charset="-120"/>
-              </a:rPr>
-              <a:t>LSTM</a:t>
-            </a:r>
-            <a:r>
-              <a:rPr lang="zh-CN" altLang="en-US" sz="2400" dirty="0">
-                <a:latin typeface="Microsoft JhengHei" panose="020B0604030504040204" pitchFamily="34" charset="-120"/>
-                <a:ea typeface="Microsoft JhengHei" panose="020B0604030504040204" pitchFamily="34" charset="-120"/>
-              </a:rPr>
-              <a:t>）建立：</a:t>
-            </a:r>
-            <a:endParaRPr lang="en-US" altLang="zh-TW" sz="2400" dirty="0">
-              <a:latin typeface="Microsoft JhengHei" panose="020B0604030504040204" pitchFamily="34" charset="-120"/>
-              <a:ea typeface="Microsoft JhengHei" panose="020B0604030504040204" pitchFamily="34" charset="-120"/>
-            </a:endParaRPr>
-          </a:p>
-        </p:txBody>
-      </p:sp>
-      <p:sp>
-        <p:nvSpPr>
-          <p:cNvPr id="9" name="矩形: 圓角 4">
-            <a:extLst>
-              <a:ext uri="{FF2B5EF4-FFF2-40B4-BE49-F238E27FC236}">
-                <a16:creationId xmlns:a16="http://schemas.microsoft.com/office/drawing/2014/main" id="{CB80BABF-5174-4348-8C19-F85E68528BB1}"/>
-              </a:ext>
-            </a:extLst>
-          </p:cNvPr>
-          <p:cNvSpPr/>
-          <p:nvPr/>
-        </p:nvSpPr>
-        <p:spPr>
-          <a:xfrm>
-            <a:off x="898071" y="2371474"/>
-            <a:ext cx="2993572" cy="1213758"/>
-          </a:xfrm>
-          <a:prstGeom prst="roundRect">
-            <a:avLst/>
-          </a:prstGeom>
-          <a:solidFill>
-            <a:srgbClr val="479793"/>
-          </a:solidFill>
-          <a:ln>
-            <a:solidFill>
-              <a:srgbClr val="479793"/>
-            </a:solidFill>
-          </a:ln>
-        </p:spPr>
-        <p:style>
-          <a:lnRef idx="2">
-            <a:schemeClr val="accent1">
-              <a:shade val="50000"/>
-            </a:schemeClr>
-          </a:lnRef>
-          <a:fillRef idx="1">
-            <a:schemeClr val="accent1"/>
-          </a:fillRef>
-          <a:effectRef idx="0">
-            <a:schemeClr val="accent1"/>
-          </a:effectRef>
-          <a:fontRef idx="minor">
-            <a:schemeClr val="lt1"/>
-          </a:fontRef>
-        </p:style>
-        <p:txBody>
-          <a:bodyPr rtlCol="0" anchor="ctr"/>
-          <a:lstStyle/>
-          <a:p>
-            <a:pPr algn="ctr"/>
-            <a:r>
-              <a:rPr lang="zh-TW" altLang="en-US" b="1" dirty="0">
-                <a:solidFill>
-                  <a:schemeClr val="tx1"/>
-                </a:solidFill>
-                <a:latin typeface="Microsoft JhengHei" panose="020B0604030504040204" pitchFamily="34" charset="-120"/>
-                <a:ea typeface="Microsoft JhengHei" panose="020B0604030504040204" pitchFamily="34" charset="-120"/>
-              </a:rPr>
-              <a:t>大事件類別分類器</a:t>
-            </a:r>
-            <a:endParaRPr lang="en-US" altLang="zh-TW" b="1" dirty="0">
-              <a:solidFill>
-                <a:schemeClr val="tx1"/>
-              </a:solidFill>
-              <a:latin typeface="Microsoft JhengHei" panose="020B0604030504040204" pitchFamily="34" charset="-120"/>
-              <a:ea typeface="Microsoft JhengHei" panose="020B0604030504040204" pitchFamily="34" charset="-120"/>
-            </a:endParaRPr>
-          </a:p>
-        </p:txBody>
-      </p:sp>
-      <p:sp>
-        <p:nvSpPr>
-          <p:cNvPr id="10" name="矩形: 圓角 10">
-            <a:extLst>
-              <a:ext uri="{FF2B5EF4-FFF2-40B4-BE49-F238E27FC236}">
-                <a16:creationId xmlns:a16="http://schemas.microsoft.com/office/drawing/2014/main" id="{6476EE18-5FF0-E541-A0E3-3690C1598863}"/>
-              </a:ext>
-            </a:extLst>
-          </p:cNvPr>
-          <p:cNvSpPr/>
-          <p:nvPr/>
-        </p:nvSpPr>
-        <p:spPr>
-          <a:xfrm>
-            <a:off x="4762500" y="2371474"/>
-            <a:ext cx="2993572" cy="1213758"/>
-          </a:xfrm>
-          <a:prstGeom prst="roundRect">
-            <a:avLst/>
-          </a:prstGeom>
-          <a:solidFill>
-            <a:srgbClr val="A3D5CB"/>
-          </a:solidFill>
-          <a:ln>
-            <a:solidFill>
-              <a:srgbClr val="A3D5CB"/>
-            </a:solidFill>
-          </a:ln>
-        </p:spPr>
-        <p:style>
-          <a:lnRef idx="2">
-            <a:schemeClr val="accent1">
-              <a:shade val="50000"/>
-            </a:schemeClr>
-          </a:lnRef>
-          <a:fillRef idx="1">
-            <a:schemeClr val="accent1"/>
-          </a:fillRef>
-          <a:effectRef idx="0">
-            <a:schemeClr val="accent1"/>
-          </a:effectRef>
-          <a:fontRef idx="minor">
-            <a:schemeClr val="lt1"/>
-          </a:fontRef>
-        </p:style>
-        <p:txBody>
-          <a:bodyPr rtlCol="0" anchor="ctr"/>
-          <a:lstStyle/>
-          <a:p>
-            <a:pPr algn="ctr"/>
-            <a:r>
-              <a:rPr lang="zh-CN" altLang="en-US" b="1" dirty="0">
-                <a:solidFill>
-                  <a:schemeClr val="tx1"/>
-                </a:solidFill>
-                <a:latin typeface="Microsoft JhengHei" panose="020B0604030504040204" pitchFamily="34" charset="-120"/>
-                <a:ea typeface="Microsoft JhengHei" panose="020B0604030504040204" pitchFamily="34" charset="-120"/>
-              </a:rPr>
-              <a:t>小事件類別分類器</a:t>
-            </a:r>
-            <a:endParaRPr lang="en-US" altLang="zh-CN" b="1" dirty="0">
-              <a:solidFill>
-                <a:schemeClr val="tx1"/>
-              </a:solidFill>
-              <a:latin typeface="Microsoft JhengHei" panose="020B0604030504040204" pitchFamily="34" charset="-120"/>
-              <a:ea typeface="Microsoft JhengHei" panose="020B0604030504040204" pitchFamily="34" charset="-120"/>
-            </a:endParaRPr>
-          </a:p>
-        </p:txBody>
-      </p:sp>
-      <p:sp>
-        <p:nvSpPr>
-          <p:cNvPr id="11" name="矩形: 圓角 12">
-            <a:extLst>
-              <a:ext uri="{FF2B5EF4-FFF2-40B4-BE49-F238E27FC236}">
-                <a16:creationId xmlns:a16="http://schemas.microsoft.com/office/drawing/2014/main" id="{CFB45BA5-482E-7E44-A411-D70A5E1810AC}"/>
-              </a:ext>
-            </a:extLst>
-          </p:cNvPr>
-          <p:cNvSpPr/>
-          <p:nvPr/>
-        </p:nvSpPr>
-        <p:spPr>
-          <a:xfrm>
-            <a:off x="4762500" y="4129211"/>
-            <a:ext cx="2993572" cy="1213758"/>
-          </a:xfrm>
-          <a:prstGeom prst="roundRect">
-            <a:avLst/>
-          </a:prstGeom>
-          <a:solidFill>
-            <a:srgbClr val="479793"/>
-          </a:solidFill>
-          <a:ln>
-            <a:solidFill>
-              <a:srgbClr val="479793"/>
-            </a:solidFill>
-          </a:ln>
-        </p:spPr>
-        <p:style>
-          <a:lnRef idx="2">
-            <a:schemeClr val="accent1">
-              <a:shade val="50000"/>
-            </a:schemeClr>
-          </a:lnRef>
-          <a:fillRef idx="1">
-            <a:schemeClr val="accent1"/>
-          </a:fillRef>
-          <a:effectRef idx="0">
-            <a:schemeClr val="accent1"/>
-          </a:effectRef>
-          <a:fontRef idx="minor">
-            <a:schemeClr val="lt1"/>
-          </a:fontRef>
-        </p:style>
-        <p:txBody>
-          <a:bodyPr rtlCol="0" anchor="ctr"/>
-          <a:lstStyle/>
-          <a:p>
-            <a:pPr algn="ctr"/>
-            <a:r>
-              <a:rPr lang="zh-CN" altLang="en-US" b="1" dirty="0">
-                <a:solidFill>
-                  <a:schemeClr val="tx1"/>
-                </a:solidFill>
-                <a:latin typeface="Microsoft JhengHei" panose="020B0604030504040204" pitchFamily="34" charset="-120"/>
-                <a:ea typeface="Microsoft JhengHei" panose="020B0604030504040204" pitchFamily="34" charset="-120"/>
-              </a:rPr>
-              <a:t>股價異常報酬分類器</a:t>
-            </a:r>
-            <a:endParaRPr lang="zh-TW" altLang="en-US" b="1" dirty="0"/>
-          </a:p>
-        </p:txBody>
-      </p:sp>
-      <p:sp>
-        <p:nvSpPr>
-          <p:cNvPr id="12" name="矩形: 圓角 13">
-            <a:extLst>
-              <a:ext uri="{FF2B5EF4-FFF2-40B4-BE49-F238E27FC236}">
-                <a16:creationId xmlns:a16="http://schemas.microsoft.com/office/drawing/2014/main" id="{2D43D0AA-4857-A243-9C4E-926975EA86C4}"/>
-              </a:ext>
-            </a:extLst>
-          </p:cNvPr>
-          <p:cNvSpPr/>
-          <p:nvPr/>
-        </p:nvSpPr>
-        <p:spPr>
-          <a:xfrm>
-            <a:off x="898071" y="4133544"/>
-            <a:ext cx="2993572" cy="1213758"/>
-          </a:xfrm>
-          <a:prstGeom prst="roundRect">
-            <a:avLst/>
-          </a:prstGeom>
-          <a:solidFill>
-            <a:srgbClr val="A3D5CB"/>
-          </a:solidFill>
-          <a:ln>
-            <a:solidFill>
-              <a:srgbClr val="A3D5CB"/>
-            </a:solidFill>
-          </a:ln>
-        </p:spPr>
-        <p:style>
-          <a:lnRef idx="2">
-            <a:schemeClr val="accent1">
-              <a:shade val="50000"/>
-            </a:schemeClr>
-          </a:lnRef>
-          <a:fillRef idx="1">
-            <a:schemeClr val="accent1"/>
-          </a:fillRef>
-          <a:effectRef idx="0">
-            <a:schemeClr val="accent1"/>
-          </a:effectRef>
-          <a:fontRef idx="minor">
-            <a:schemeClr val="lt1"/>
-          </a:fontRef>
-        </p:style>
-        <p:txBody>
-          <a:bodyPr rtlCol="0" anchor="ctr"/>
-          <a:lstStyle/>
-          <a:p>
-            <a:pPr algn="ctr"/>
-            <a:r>
-              <a:rPr lang="zh-CN" altLang="en-US" b="1" dirty="0">
-                <a:solidFill>
-                  <a:schemeClr val="tx1"/>
-                </a:solidFill>
-                <a:latin typeface="Microsoft JhengHei" panose="020B0604030504040204" pitchFamily="34" charset="-120"/>
-                <a:ea typeface="Microsoft JhengHei" panose="020B0604030504040204" pitchFamily="34" charset="-120"/>
-              </a:rPr>
-              <a:t>事件強度分類器</a:t>
-            </a:r>
-            <a:endParaRPr lang="en-US" altLang="zh-CN" b="1" dirty="0">
-              <a:solidFill>
-                <a:schemeClr val="tx1"/>
-              </a:solidFill>
-              <a:latin typeface="Microsoft JhengHei" panose="020B0604030504040204" pitchFamily="34" charset="-120"/>
-              <a:ea typeface="Microsoft JhengHei" panose="020B0604030504040204" pitchFamily="34" charset="-120"/>
-            </a:endParaRPr>
-          </a:p>
-        </p:txBody>
-      </p:sp>
-    </p:spTree>
-    <p:extLst>
-      <p:ext uri="{BB962C8B-B14F-4D97-AF65-F5344CB8AC3E}">
-        <p14:creationId xmlns:p14="http://schemas.microsoft.com/office/powerpoint/2010/main" val="1915409224"/>
-      </p:ext>
-    </p:extLst>
-  </p:cSld>
-  <p:clrMapOvr>
-    <a:masterClrMapping/>
-  </p:clrMapOvr>
-</p:sld>
-</file>
-
-<file path=ppt/slides/slide19.xml><?xml version="1.0" encoding="utf-8"?>
-<p:sld xmlns:a="http://schemas.openxmlformats.org/drawingml/2006/main" xmlns:r="http://schemas.openxmlformats.org/officeDocument/2006/relationships" xmlns:p="http://schemas.openxmlformats.org/presentationml/2006/main">
-  <p:cSld>
-    <p:spTree>
-      <p:nvGrpSpPr>
-        <p:cNvPr id="1" name=""/>
-        <p:cNvGrpSpPr/>
-        <p:nvPr/>
-      </p:nvGrpSpPr>
-      <p:grpSpPr>
-        <a:xfrm>
-          <a:off x="0" y="0"/>
-          <a:ext cx="0" cy="0"/>
-          <a:chOff x="0" y="0"/>
-          <a:chExt cx="0" cy="0"/>
-        </a:xfrm>
-      </p:grpSpPr>
-      <p:sp>
-        <p:nvSpPr>
-          <p:cNvPr id="4" name="日期版面配置區 3">
-            <a:extLst>
-              <a:ext uri="{FF2B5EF4-FFF2-40B4-BE49-F238E27FC236}">
-                <a16:creationId xmlns:a16="http://schemas.microsoft.com/office/drawing/2014/main" id="{285B31FA-CCB5-ED41-8876-47FA5EE2ABAC}"/>
-              </a:ext>
-            </a:extLst>
-          </p:cNvPr>
-          <p:cNvSpPr>
-            <a:spLocks noGrp="1"/>
-          </p:cNvSpPr>
-          <p:nvPr>
-            <p:ph type="dt" sz="half" idx="10"/>
-          </p:nvPr>
-        </p:nvSpPr>
-        <p:spPr/>
-        <p:txBody>
-          <a:bodyPr/>
-          <a:lstStyle/>
-          <a:p>
-            <a:fld id="{868F4FC5-FE50-A64D-A7E3-22233A0C6925}" type="datetime1">
-              <a:rPr kumimoji="1" lang="zh-TW" altLang="en-US" smtClean="0"/>
-              <a:pPr/>
-              <a:t>2020/6/18</a:t>
-            </a:fld>
-            <a:endParaRPr kumimoji="1" lang="zh-TW" altLang="en-US" dirty="0"/>
-          </a:p>
-        </p:txBody>
-      </p:sp>
-      <p:sp>
-        <p:nvSpPr>
-          <p:cNvPr id="5" name="投影片編號版面配置區 4">
-            <a:extLst>
-              <a:ext uri="{FF2B5EF4-FFF2-40B4-BE49-F238E27FC236}">
-                <a16:creationId xmlns:a16="http://schemas.microsoft.com/office/drawing/2014/main" id="{105C58B2-7F10-8745-B700-1A1C6D51A714}"/>
-              </a:ext>
-            </a:extLst>
-          </p:cNvPr>
-          <p:cNvSpPr>
-            <a:spLocks noGrp="1"/>
-          </p:cNvSpPr>
-          <p:nvPr>
-            <p:ph type="sldNum" sz="quarter" idx="12"/>
-          </p:nvPr>
-        </p:nvSpPr>
-        <p:spPr/>
-        <p:txBody>
-          <a:bodyPr/>
-          <a:lstStyle/>
-          <a:p>
-            <a:fld id="{80929F01-733D-5847-83A7-C9CEA74310DB}" type="slidenum">
-              <a:rPr kumimoji="1" lang="zh-TW" altLang="en-US" smtClean="0"/>
-              <a:pPr/>
-              <a:t>19</a:t>
-            </a:fld>
-            <a:endParaRPr kumimoji="1" lang="zh-TW" altLang="en-US" dirty="0"/>
-          </a:p>
-        </p:txBody>
-      </p:sp>
-      <p:sp>
-        <p:nvSpPr>
-          <p:cNvPr id="6" name="文字方塊 5">
-            <a:extLst>
-              <a:ext uri="{FF2B5EF4-FFF2-40B4-BE49-F238E27FC236}">
-                <a16:creationId xmlns:a16="http://schemas.microsoft.com/office/drawing/2014/main" id="{7D94E14C-36FB-B04C-B208-1F65084F5707}"/>
-              </a:ext>
-            </a:extLst>
-          </p:cNvPr>
-          <p:cNvSpPr txBox="1"/>
-          <p:nvPr/>
-        </p:nvSpPr>
-        <p:spPr>
-          <a:xfrm>
-            <a:off x="6243119" y="120951"/>
-            <a:ext cx="2646879" cy="338554"/>
-          </a:xfrm>
-          <a:prstGeom prst="rect">
-            <a:avLst/>
-          </a:prstGeom>
-          <a:noFill/>
-        </p:spPr>
-        <p:txBody>
-          <a:bodyPr wrap="none" rtlCol="0">
-            <a:spAutoFit/>
-          </a:bodyPr>
-          <a:lstStyle/>
-          <a:p>
-            <a:pPr algn="r"/>
-            <a:r>
-              <a:rPr lang="zh-CN" altLang="en-US" sz="1600" dirty="0">
-                <a:solidFill>
-                  <a:schemeClr val="tx1">
-                    <a:lumMod val="65000"/>
-                    <a:lumOff val="35000"/>
-                  </a:schemeClr>
-                </a:solidFill>
-                <a:latin typeface="Microsoft JhengHei" panose="020B0604030504040204" pitchFamily="34" charset="-120"/>
-                <a:ea typeface="Microsoft JhengHei" panose="020B0604030504040204" pitchFamily="34" charset="-120"/>
-              </a:rPr>
-              <a:t>爬蟲</a:t>
-            </a:r>
-            <a:r>
-              <a:rPr kumimoji="1" lang="zh-CN" altLang="en-US" sz="1600" dirty="0">
-                <a:solidFill>
-                  <a:schemeClr val="tx1">
-                    <a:lumMod val="65000"/>
-                    <a:lumOff val="35000"/>
-                  </a:schemeClr>
-                </a:solidFill>
-                <a:latin typeface="微軟正黑體" pitchFamily="34" charset="-120"/>
-                <a:ea typeface="微軟正黑體" pitchFamily="34" charset="-120"/>
-                <a:cs typeface="BiauKai"/>
-              </a:rPr>
-              <a:t>｜</a:t>
-            </a:r>
-            <a:r>
-              <a:rPr lang="zh-CN" altLang="en-US" sz="1600" dirty="0">
-                <a:solidFill>
-                  <a:schemeClr val="tx1">
-                    <a:lumMod val="65000"/>
-                    <a:lumOff val="35000"/>
-                  </a:schemeClr>
-                </a:solidFill>
-                <a:latin typeface="Microsoft JhengHei" panose="020B0604030504040204" pitchFamily="34" charset="-120"/>
-                <a:ea typeface="Microsoft JhengHei" panose="020B0604030504040204" pitchFamily="34" charset="-120"/>
-              </a:rPr>
-              <a:t>切詞</a:t>
-            </a:r>
-            <a:r>
-              <a:rPr kumimoji="1" lang="zh-CN" altLang="en-US" sz="1600" dirty="0">
-                <a:solidFill>
-                  <a:schemeClr val="tx1">
-                    <a:lumMod val="65000"/>
-                    <a:lumOff val="35000"/>
-                  </a:schemeClr>
-                </a:solidFill>
-                <a:latin typeface="微軟正黑體" pitchFamily="34" charset="-120"/>
-                <a:ea typeface="微軟正黑體" pitchFamily="34" charset="-120"/>
-                <a:cs typeface="BiauKai"/>
-              </a:rPr>
-              <a:t>｜</a:t>
-            </a:r>
-            <a:r>
-              <a:rPr lang="zh-CN" altLang="en-US" sz="1600" b="1" dirty="0">
-                <a:latin typeface="Microsoft JhengHei" panose="020B0604030504040204" pitchFamily="34" charset="-120"/>
-                <a:ea typeface="Microsoft JhengHei" panose="020B0604030504040204" pitchFamily="34" charset="-120"/>
-              </a:rPr>
-              <a:t>新聞評分模型</a:t>
-            </a:r>
-            <a:endParaRPr kumimoji="1" lang="zh-TW" altLang="en-US" sz="1600" b="1" dirty="0">
-              <a:latin typeface="微軟正黑體" pitchFamily="34" charset="-120"/>
-              <a:ea typeface="微軟正黑體" pitchFamily="34" charset="-120"/>
-              <a:cs typeface="BiauKai"/>
-            </a:endParaRPr>
-          </a:p>
-        </p:txBody>
-      </p:sp>
-      <p:sp>
-        <p:nvSpPr>
-          <p:cNvPr id="7" name="矩形: 圓角 22">
-            <a:extLst>
-              <a:ext uri="{FF2B5EF4-FFF2-40B4-BE49-F238E27FC236}">
-                <a16:creationId xmlns:a16="http://schemas.microsoft.com/office/drawing/2014/main" id="{10EE45DA-516E-A547-AF0A-624702A22D1B}"/>
-              </a:ext>
-            </a:extLst>
-          </p:cNvPr>
-          <p:cNvSpPr/>
-          <p:nvPr/>
-        </p:nvSpPr>
-        <p:spPr>
-          <a:xfrm>
-            <a:off x="6232071" y="952501"/>
-            <a:ext cx="2741244" cy="5290456"/>
-          </a:xfrm>
-          <a:prstGeom prst="roundRect">
-            <a:avLst>
-              <a:gd name="adj" fmla="val 17459"/>
-            </a:avLst>
-          </a:prstGeom>
-          <a:solidFill>
-            <a:srgbClr val="479793"/>
-          </a:solidFill>
-          <a:ln>
-            <a:noFill/>
-          </a:ln>
-        </p:spPr>
-        <p:style>
-          <a:lnRef idx="2">
-            <a:schemeClr val="accent1">
-              <a:shade val="50000"/>
-            </a:schemeClr>
-          </a:lnRef>
-          <a:fillRef idx="1">
-            <a:schemeClr val="accent1"/>
-          </a:fillRef>
-          <a:effectRef idx="0">
-            <a:schemeClr val="accent1"/>
-          </a:effectRef>
-          <a:fontRef idx="minor">
-            <a:schemeClr val="lt1"/>
-          </a:fontRef>
-        </p:style>
-        <p:txBody>
-          <a:bodyPr rtlCol="0" anchor="ctr"/>
-          <a:lstStyle/>
-          <a:p>
-            <a:pPr algn="ctr"/>
-            <a:endParaRPr lang="zh-TW" altLang="en-US"/>
-          </a:p>
-        </p:txBody>
-      </p:sp>
-      <p:sp>
-        <p:nvSpPr>
-          <p:cNvPr id="8" name="標題 1">
-            <a:extLst>
-              <a:ext uri="{FF2B5EF4-FFF2-40B4-BE49-F238E27FC236}">
-                <a16:creationId xmlns:a16="http://schemas.microsoft.com/office/drawing/2014/main" id="{010F9691-B134-7A4C-B56C-9B1057348B52}"/>
-              </a:ext>
-            </a:extLst>
-          </p:cNvPr>
-          <p:cNvSpPr>
-            <a:spLocks noGrp="1"/>
-          </p:cNvSpPr>
-          <p:nvPr>
-            <p:ph type="title"/>
-          </p:nvPr>
-        </p:nvSpPr>
-        <p:spPr>
-          <a:xfrm>
-            <a:off x="234043" y="214109"/>
-            <a:ext cx="8281307" cy="599076"/>
-          </a:xfrm>
-        </p:spPr>
-        <p:txBody>
-          <a:bodyPr>
-            <a:normAutofit/>
-          </a:bodyPr>
-          <a:lstStyle/>
-          <a:p>
-            <a:r>
-              <a:rPr lang="zh-CN" altLang="en-US" dirty="0">
-                <a:latin typeface="Microsoft JhengHei" panose="020B0604030504040204" pitchFamily="34" charset="-120"/>
-                <a:ea typeface="Microsoft JhengHei" panose="020B0604030504040204" pitchFamily="34" charset="-120"/>
-              </a:rPr>
-              <a:t>大事件分類器：資料分割</a:t>
-            </a:r>
-            <a:r>
-              <a:rPr lang="zh-TW" altLang="en-US" dirty="0"/>
-              <a:t>與</a:t>
-            </a:r>
-            <a:r>
-              <a:rPr lang="zh-CN" altLang="en-US" dirty="0"/>
-              <a:t>不平衡資料</a:t>
-            </a:r>
-            <a:r>
-              <a:rPr lang="zh-TW" altLang="en-US" dirty="0"/>
-              <a:t>處理</a:t>
-            </a:r>
-            <a:endParaRPr kumimoji="1" lang="zh-TW" altLang="en-US" dirty="0"/>
-          </a:p>
-        </p:txBody>
-      </p:sp>
-      <p:sp>
-        <p:nvSpPr>
-          <p:cNvPr id="9" name="矩形: 圓角 8">
-            <a:extLst>
-              <a:ext uri="{FF2B5EF4-FFF2-40B4-BE49-F238E27FC236}">
-                <a16:creationId xmlns:a16="http://schemas.microsoft.com/office/drawing/2014/main" id="{6DEB3B8F-C411-1241-8464-937E629C9663}"/>
-              </a:ext>
-            </a:extLst>
-          </p:cNvPr>
-          <p:cNvSpPr/>
-          <p:nvPr/>
-        </p:nvSpPr>
-        <p:spPr>
-          <a:xfrm>
-            <a:off x="3233052" y="952500"/>
-            <a:ext cx="2741244" cy="5290457"/>
-          </a:xfrm>
-          <a:prstGeom prst="roundRect">
-            <a:avLst>
-              <a:gd name="adj" fmla="val 17459"/>
-            </a:avLst>
-          </a:prstGeom>
-          <a:solidFill>
-            <a:srgbClr val="A3D5CB"/>
-          </a:solidFill>
-          <a:ln>
-            <a:noFill/>
-          </a:ln>
-        </p:spPr>
-        <p:style>
-          <a:lnRef idx="2">
-            <a:schemeClr val="accent1">
-              <a:shade val="50000"/>
-            </a:schemeClr>
-          </a:lnRef>
-          <a:fillRef idx="1">
-            <a:schemeClr val="accent1"/>
-          </a:fillRef>
-          <a:effectRef idx="0">
-            <a:schemeClr val="accent1"/>
-          </a:effectRef>
-          <a:fontRef idx="minor">
-            <a:schemeClr val="lt1"/>
-          </a:fontRef>
-        </p:style>
-        <p:txBody>
-          <a:bodyPr rtlCol="0" anchor="ctr"/>
-          <a:lstStyle/>
-          <a:p>
-            <a:pPr algn="ctr"/>
-            <a:endParaRPr lang="zh-TW" altLang="en-US"/>
-          </a:p>
-        </p:txBody>
-      </p:sp>
-      <p:sp>
-        <p:nvSpPr>
-          <p:cNvPr id="10" name="矩形 9">
-            <a:extLst>
-              <a:ext uri="{FF2B5EF4-FFF2-40B4-BE49-F238E27FC236}">
-                <a16:creationId xmlns:a16="http://schemas.microsoft.com/office/drawing/2014/main" id="{3237DAF5-DFED-1B4B-87FD-FB19DD6C244E}"/>
-              </a:ext>
-            </a:extLst>
-          </p:cNvPr>
-          <p:cNvSpPr/>
-          <p:nvPr/>
-        </p:nvSpPr>
-        <p:spPr>
-          <a:xfrm>
-            <a:off x="3895788" y="1104389"/>
-            <a:ext cx="1415772" cy="461665"/>
-          </a:xfrm>
-          <a:prstGeom prst="rect">
-            <a:avLst/>
-          </a:prstGeom>
-        </p:spPr>
-        <p:txBody>
-          <a:bodyPr wrap="none">
-            <a:spAutoFit/>
-          </a:bodyPr>
-          <a:lstStyle/>
-          <a:p>
-            <a:r>
-              <a:rPr lang="zh-CN" altLang="en-US" sz="2400" b="1" dirty="0">
-                <a:latin typeface="Microsoft JhengHei" panose="020B0604030504040204" pitchFamily="34" charset="-120"/>
-                <a:ea typeface="Microsoft JhengHei" panose="020B0604030504040204" pitchFamily="34" charset="-120"/>
-              </a:rPr>
-              <a:t>資料分割</a:t>
-            </a:r>
-            <a:endParaRPr lang="zh-TW" altLang="en-US" sz="2400" b="1" dirty="0">
-              <a:solidFill>
-                <a:schemeClr val="bg1"/>
-              </a:solidFill>
-            </a:endParaRPr>
-          </a:p>
-        </p:txBody>
-      </p:sp>
-      <p:sp>
-        <p:nvSpPr>
-          <p:cNvPr id="11" name="矩形 10">
-            <a:extLst>
-              <a:ext uri="{FF2B5EF4-FFF2-40B4-BE49-F238E27FC236}">
-                <a16:creationId xmlns:a16="http://schemas.microsoft.com/office/drawing/2014/main" id="{07166BA1-2C7F-534E-8294-8FC2CEE77D81}"/>
-              </a:ext>
-            </a:extLst>
-          </p:cNvPr>
-          <p:cNvSpPr/>
-          <p:nvPr/>
-        </p:nvSpPr>
-        <p:spPr>
-          <a:xfrm>
-            <a:off x="6424767" y="1090531"/>
-            <a:ext cx="2339102" cy="461665"/>
-          </a:xfrm>
-          <a:prstGeom prst="rect">
-            <a:avLst/>
-          </a:prstGeom>
-        </p:spPr>
-        <p:txBody>
-          <a:bodyPr wrap="none">
-            <a:spAutoFit/>
-          </a:bodyPr>
-          <a:lstStyle/>
-          <a:p>
-            <a:r>
-              <a:rPr lang="zh-CN" altLang="en-US" sz="2400" b="1" dirty="0">
-                <a:latin typeface="Microsoft JhengHei" panose="020B0604030504040204" pitchFamily="34" charset="-120"/>
-                <a:ea typeface="Microsoft JhengHei" panose="020B0604030504040204" pitchFamily="34" charset="-120"/>
-              </a:rPr>
-              <a:t>不平衡資料</a:t>
-            </a:r>
-            <a:r>
-              <a:rPr lang="zh-TW" altLang="en-US" sz="2400" b="1" dirty="0">
-                <a:latin typeface="Microsoft JhengHei" panose="020B0604030504040204" pitchFamily="34" charset="-120"/>
-                <a:ea typeface="Microsoft JhengHei" panose="020B0604030504040204" pitchFamily="34" charset="-120"/>
-              </a:rPr>
-              <a:t>處理</a:t>
-            </a:r>
-          </a:p>
-        </p:txBody>
-      </p:sp>
-      <p:cxnSp>
-        <p:nvCxnSpPr>
-          <p:cNvPr id="12" name="直線接點 11">
-            <a:extLst>
-              <a:ext uri="{FF2B5EF4-FFF2-40B4-BE49-F238E27FC236}">
-                <a16:creationId xmlns:a16="http://schemas.microsoft.com/office/drawing/2014/main" id="{923CF268-02B6-7749-8603-B553A0266B28}"/>
-              </a:ext>
-            </a:extLst>
-          </p:cNvPr>
-          <p:cNvCxnSpPr/>
-          <p:nvPr/>
-        </p:nvCxnSpPr>
-        <p:spPr>
-          <a:xfrm>
-            <a:off x="3578893" y="3020711"/>
-            <a:ext cx="2103120" cy="0"/>
-          </a:xfrm>
-          <a:prstGeom prst="line">
-            <a:avLst/>
-          </a:prstGeom>
-          <a:ln>
-            <a:solidFill>
-              <a:schemeClr val="tx1"/>
-            </a:solidFill>
-          </a:ln>
-        </p:spPr>
-        <p:style>
-          <a:lnRef idx="1">
-            <a:schemeClr val="accent1"/>
-          </a:lnRef>
-          <a:fillRef idx="0">
-            <a:schemeClr val="accent1"/>
-          </a:fillRef>
-          <a:effectRef idx="0">
-            <a:schemeClr val="accent1"/>
-          </a:effectRef>
-          <a:fontRef idx="minor">
-            <a:schemeClr val="tx1"/>
-          </a:fontRef>
-        </p:style>
-      </p:cxnSp>
-      <p:cxnSp>
-        <p:nvCxnSpPr>
-          <p:cNvPr id="13" name="直線接點 12">
-            <a:extLst>
-              <a:ext uri="{FF2B5EF4-FFF2-40B4-BE49-F238E27FC236}">
-                <a16:creationId xmlns:a16="http://schemas.microsoft.com/office/drawing/2014/main" id="{E9A90EF7-CA8B-0C44-8DF9-1B178D330770}"/>
-              </a:ext>
-            </a:extLst>
-          </p:cNvPr>
-          <p:cNvCxnSpPr/>
-          <p:nvPr/>
-        </p:nvCxnSpPr>
-        <p:spPr>
-          <a:xfrm>
-            <a:off x="6600792" y="3020711"/>
-            <a:ext cx="2103120" cy="0"/>
-          </a:xfrm>
-          <a:prstGeom prst="line">
-            <a:avLst/>
-          </a:prstGeom>
-          <a:ln>
-            <a:solidFill>
-              <a:srgbClr val="1E3148"/>
-            </a:solidFill>
-          </a:ln>
-        </p:spPr>
-        <p:style>
-          <a:lnRef idx="1">
-            <a:schemeClr val="accent1"/>
-          </a:lnRef>
-          <a:fillRef idx="0">
-            <a:schemeClr val="accent1"/>
-          </a:fillRef>
-          <a:effectRef idx="0">
-            <a:schemeClr val="accent1"/>
-          </a:effectRef>
-          <a:fontRef idx="minor">
-            <a:schemeClr val="tx1"/>
-          </a:fontRef>
-        </p:style>
-      </p:cxnSp>
-      <p:pic>
-        <p:nvPicPr>
-          <p:cNvPr id="14" name="圖片 13">
-            <a:extLst>
-              <a:ext uri="{FF2B5EF4-FFF2-40B4-BE49-F238E27FC236}">
-                <a16:creationId xmlns:a16="http://schemas.microsoft.com/office/drawing/2014/main" id="{2BF8E442-0D56-6443-B7E4-352D0CE50286}"/>
-              </a:ext>
-            </a:extLst>
-          </p:cNvPr>
-          <p:cNvPicPr>
-            <a:picLocks noChangeAspect="1"/>
-          </p:cNvPicPr>
-          <p:nvPr/>
-        </p:nvPicPr>
-        <p:blipFill>
-          <a:blip r:embed="rId2"/>
-          <a:stretch>
-            <a:fillRect/>
-          </a:stretch>
-        </p:blipFill>
-        <p:spPr>
-          <a:xfrm>
-            <a:off x="4096162" y="1694746"/>
-            <a:ext cx="1068582" cy="1068582"/>
-          </a:xfrm>
-          <a:prstGeom prst="rect">
-            <a:avLst/>
-          </a:prstGeom>
-        </p:spPr>
-      </p:pic>
-      <p:pic>
-        <p:nvPicPr>
-          <p:cNvPr id="15" name="圖片 14">
-            <a:extLst>
-              <a:ext uri="{FF2B5EF4-FFF2-40B4-BE49-F238E27FC236}">
-                <a16:creationId xmlns:a16="http://schemas.microsoft.com/office/drawing/2014/main" id="{08BBEF6A-40CD-BD48-89D6-5F24B8FA9183}"/>
-              </a:ext>
-            </a:extLst>
-          </p:cNvPr>
-          <p:cNvPicPr>
-            <a:picLocks noChangeAspect="1"/>
-          </p:cNvPicPr>
-          <p:nvPr/>
-        </p:nvPicPr>
-        <p:blipFill>
-          <a:blip r:embed="rId3"/>
-          <a:stretch>
-            <a:fillRect/>
-          </a:stretch>
-        </p:blipFill>
-        <p:spPr>
-          <a:xfrm>
-            <a:off x="6983567" y="1585233"/>
-            <a:ext cx="1238250" cy="1238250"/>
-          </a:xfrm>
-          <a:prstGeom prst="rect">
-            <a:avLst/>
-          </a:prstGeom>
-        </p:spPr>
-      </p:pic>
-      <p:sp>
-        <p:nvSpPr>
-          <p:cNvPr id="16" name="矩形: 圓角 23">
-            <a:extLst>
-              <a:ext uri="{FF2B5EF4-FFF2-40B4-BE49-F238E27FC236}">
-                <a16:creationId xmlns:a16="http://schemas.microsoft.com/office/drawing/2014/main" id="{9EED81F1-7805-A445-9EF8-1E313BD11BB2}"/>
-              </a:ext>
-            </a:extLst>
-          </p:cNvPr>
-          <p:cNvSpPr/>
-          <p:nvPr/>
-        </p:nvSpPr>
-        <p:spPr>
-          <a:xfrm>
-            <a:off x="231971" y="952500"/>
-            <a:ext cx="2741244" cy="5290457"/>
-          </a:xfrm>
-          <a:prstGeom prst="roundRect">
-            <a:avLst>
-              <a:gd name="adj" fmla="val 17459"/>
-            </a:avLst>
-          </a:prstGeom>
-          <a:solidFill>
-            <a:srgbClr val="479793"/>
-          </a:solidFill>
-          <a:ln>
-            <a:noFill/>
-          </a:ln>
-        </p:spPr>
-        <p:style>
-          <a:lnRef idx="2">
-            <a:schemeClr val="accent1">
-              <a:shade val="50000"/>
-            </a:schemeClr>
-          </a:lnRef>
-          <a:fillRef idx="1">
-            <a:schemeClr val="accent1"/>
-          </a:fillRef>
-          <a:effectRef idx="0">
-            <a:schemeClr val="accent1"/>
-          </a:effectRef>
-          <a:fontRef idx="minor">
-            <a:schemeClr val="lt1"/>
-          </a:fontRef>
-        </p:style>
-        <p:txBody>
-          <a:bodyPr rtlCol="0" anchor="ctr"/>
-          <a:lstStyle/>
-          <a:p>
-            <a:pPr algn="ctr"/>
-            <a:endParaRPr lang="zh-TW" altLang="en-US"/>
-          </a:p>
-        </p:txBody>
-      </p:sp>
-      <p:sp>
-        <p:nvSpPr>
-          <p:cNvPr id="17" name="矩形 16">
-            <a:extLst>
-              <a:ext uri="{FF2B5EF4-FFF2-40B4-BE49-F238E27FC236}">
-                <a16:creationId xmlns:a16="http://schemas.microsoft.com/office/drawing/2014/main" id="{9AECBA90-54E2-2043-B1FC-2B75C7D10D06}"/>
-              </a:ext>
-            </a:extLst>
-          </p:cNvPr>
-          <p:cNvSpPr/>
-          <p:nvPr/>
-        </p:nvSpPr>
-        <p:spPr>
-          <a:xfrm>
-            <a:off x="568391" y="1146610"/>
-            <a:ext cx="2031325" cy="461665"/>
-          </a:xfrm>
-          <a:prstGeom prst="rect">
-            <a:avLst/>
-          </a:prstGeom>
-        </p:spPr>
-        <p:txBody>
-          <a:bodyPr wrap="none">
-            <a:spAutoFit/>
-          </a:bodyPr>
-          <a:lstStyle/>
-          <a:p>
-            <a:r>
-              <a:rPr lang="zh-CN" altLang="en-US" sz="2400" b="1" dirty="0">
-                <a:latin typeface="Microsoft JhengHei" panose="020B0604030504040204" pitchFamily="34" charset="-120"/>
-                <a:ea typeface="Microsoft JhengHei" panose="020B0604030504040204" pitchFamily="34" charset="-120"/>
-              </a:rPr>
-              <a:t>大事件分類器</a:t>
-            </a:r>
-            <a:endParaRPr lang="zh-TW" altLang="en-US" sz="2400" b="1" dirty="0">
-              <a:latin typeface="Microsoft JhengHei" panose="020B0604030504040204" pitchFamily="34" charset="-120"/>
-              <a:ea typeface="Microsoft JhengHei" panose="020B0604030504040204" pitchFamily="34" charset="-120"/>
-            </a:endParaRPr>
-          </a:p>
-        </p:txBody>
-      </p:sp>
-      <p:cxnSp>
-        <p:nvCxnSpPr>
-          <p:cNvPr id="18" name="直線接點 17">
-            <a:extLst>
-              <a:ext uri="{FF2B5EF4-FFF2-40B4-BE49-F238E27FC236}">
-                <a16:creationId xmlns:a16="http://schemas.microsoft.com/office/drawing/2014/main" id="{6BDBD244-7022-5242-A77B-A77C61B7CB4F}"/>
-              </a:ext>
-            </a:extLst>
-          </p:cNvPr>
-          <p:cNvCxnSpPr/>
-          <p:nvPr/>
-        </p:nvCxnSpPr>
-        <p:spPr>
-          <a:xfrm>
-            <a:off x="582930" y="3020711"/>
-            <a:ext cx="2103120" cy="0"/>
-          </a:xfrm>
-          <a:prstGeom prst="line">
-            <a:avLst/>
-          </a:prstGeom>
-          <a:ln>
-            <a:solidFill>
-              <a:schemeClr val="tx1"/>
-            </a:solidFill>
-          </a:ln>
-        </p:spPr>
-        <p:style>
-          <a:lnRef idx="1">
-            <a:schemeClr val="accent1"/>
-          </a:lnRef>
-          <a:fillRef idx="0">
-            <a:schemeClr val="accent1"/>
-          </a:fillRef>
-          <a:effectRef idx="0">
-            <a:schemeClr val="accent1"/>
-          </a:effectRef>
-          <a:fontRef idx="minor">
-            <a:schemeClr val="tx1"/>
-          </a:fontRef>
-        </p:style>
-      </p:cxnSp>
-      <p:pic>
-        <p:nvPicPr>
-          <p:cNvPr id="19" name="圖形 18">
-            <a:extLst>
-              <a:ext uri="{FF2B5EF4-FFF2-40B4-BE49-F238E27FC236}">
-                <a16:creationId xmlns:a16="http://schemas.microsoft.com/office/drawing/2014/main" id="{24519EB5-E1DB-E747-ABD6-E4C65C22B001}"/>
-              </a:ext>
-            </a:extLst>
-          </p:cNvPr>
-          <p:cNvPicPr>
-            <a:picLocks noChangeAspect="1"/>
-          </p:cNvPicPr>
-          <p:nvPr/>
-        </p:nvPicPr>
-        <p:blipFill rotWithShape="1">
-          <a:blip r:embed="rId4">
-            <a:extLst>
-              <a:ext uri="{96DAC541-7B7A-43D3-8B79-37D633B846F1}">
-                <asvg:svgBlip xmlns:asvg="http://schemas.microsoft.com/office/drawing/2016/SVG/main" r:embed="rId5"/>
-              </a:ext>
-            </a:extLst>
-          </a:blip>
-          <a:srcRect b="11560"/>
-          <a:stretch/>
-        </p:blipFill>
-        <p:spPr>
-          <a:xfrm>
-            <a:off x="807883" y="1677933"/>
-            <a:ext cx="1376517" cy="1303985"/>
-          </a:xfrm>
-          <a:prstGeom prst="rect">
-            <a:avLst/>
-          </a:prstGeom>
-        </p:spPr>
-      </p:pic>
-      <p:sp>
-        <p:nvSpPr>
-          <p:cNvPr id="20" name="文字方塊 19">
-            <a:extLst>
-              <a:ext uri="{FF2B5EF4-FFF2-40B4-BE49-F238E27FC236}">
-                <a16:creationId xmlns:a16="http://schemas.microsoft.com/office/drawing/2014/main" id="{1B646D2D-2600-3042-BF2A-E6D3612F1A0D}"/>
-              </a:ext>
-            </a:extLst>
-          </p:cNvPr>
-          <p:cNvSpPr txBox="1"/>
-          <p:nvPr/>
-        </p:nvSpPr>
-        <p:spPr>
-          <a:xfrm>
-            <a:off x="444500" y="3364185"/>
-            <a:ext cx="2375494" cy="1815882"/>
-          </a:xfrm>
-          <a:prstGeom prst="rect">
-            <a:avLst/>
-          </a:prstGeom>
-          <a:noFill/>
-        </p:spPr>
-        <p:txBody>
-          <a:bodyPr wrap="square" rtlCol="0">
-            <a:spAutoFit/>
-          </a:bodyPr>
-          <a:lstStyle/>
-          <a:p>
-            <a:r>
-              <a:rPr lang="zh-CN" altLang="en-US" sz="1600" b="1" dirty="0">
-                <a:latin typeface="微軟正黑體" panose="020B0604030504040204" pitchFamily="34" charset="-120"/>
-                <a:ea typeface="微軟正黑體" panose="020B0604030504040204" pitchFamily="34" charset="-120"/>
-              </a:rPr>
-              <a:t>將新聞分類為以下五個大事件類別：</a:t>
-            </a:r>
-            <a:endParaRPr lang="en-US" altLang="zh-CN" sz="1600" b="1" dirty="0">
-              <a:latin typeface="微軟正黑體" panose="020B0604030504040204" pitchFamily="34" charset="-120"/>
-              <a:ea typeface="微軟正黑體" panose="020B0604030504040204" pitchFamily="34" charset="-120"/>
-            </a:endParaRPr>
-          </a:p>
-          <a:p>
-            <a:pPr marL="285750" indent="-285750">
-              <a:buFont typeface="Arial" panose="020B0604020202020204" pitchFamily="34" charset="0"/>
-              <a:buChar char="•"/>
-            </a:pPr>
-            <a:r>
-              <a:rPr lang="en-US" altLang="zh-TW" sz="1600" b="1" dirty="0">
-                <a:latin typeface="微軟正黑體" panose="020B0604030504040204" pitchFamily="34" charset="-120"/>
-                <a:ea typeface="微軟正黑體" panose="020B0604030504040204" pitchFamily="34" charset="-120"/>
-              </a:rPr>
-              <a:t>'A_</a:t>
-            </a:r>
-            <a:r>
-              <a:rPr lang="zh-CN" altLang="en-US" sz="1600" b="1" dirty="0">
-                <a:latin typeface="微軟正黑體" panose="020B0604030504040204" pitchFamily="34" charset="-120"/>
-                <a:ea typeface="微軟正黑體" panose="020B0604030504040204" pitchFamily="34" charset="-120"/>
-              </a:rPr>
-              <a:t>會計</a:t>
-            </a:r>
-            <a:r>
-              <a:rPr lang="en-US" altLang="zh-CN" sz="1600" b="1" dirty="0">
-                <a:latin typeface="微軟正黑體" panose="020B0604030504040204" pitchFamily="34" charset="-120"/>
-                <a:ea typeface="微軟正黑體" panose="020B0604030504040204" pitchFamily="34" charset="-120"/>
-              </a:rPr>
-              <a:t>/</a:t>
-            </a:r>
-            <a:r>
-              <a:rPr lang="zh-CN" altLang="en-US" sz="1600" b="1" dirty="0">
-                <a:latin typeface="微軟正黑體" panose="020B0604030504040204" pitchFamily="34" charset="-120"/>
-                <a:ea typeface="微軟正黑體" panose="020B0604030504040204" pitchFamily="34" charset="-120"/>
-              </a:rPr>
-              <a:t>財報分析</a:t>
-            </a:r>
-            <a:r>
-              <a:rPr lang="en-US" altLang="zh-CN" sz="1600" b="1" dirty="0">
-                <a:latin typeface="微軟正黑體" panose="020B0604030504040204" pitchFamily="34" charset="-120"/>
-                <a:ea typeface="微軟正黑體" panose="020B0604030504040204" pitchFamily="34" charset="-120"/>
-              </a:rPr>
-              <a:t>’</a:t>
-            </a:r>
-          </a:p>
-          <a:p>
-            <a:pPr marL="285750" indent="-285750">
-              <a:buFont typeface="Arial" panose="020B0604020202020204" pitchFamily="34" charset="0"/>
-              <a:buChar char="•"/>
-            </a:pPr>
-            <a:r>
-              <a:rPr lang="en-US" altLang="zh-CN" sz="1600" b="1" dirty="0">
-                <a:latin typeface="微軟正黑體" panose="020B0604030504040204" pitchFamily="34" charset="-120"/>
-                <a:ea typeface="微軟正黑體" panose="020B0604030504040204" pitchFamily="34" charset="-120"/>
-              </a:rPr>
-              <a:t>'</a:t>
-            </a:r>
-            <a:r>
-              <a:rPr lang="en-US" altLang="zh-TW" sz="1600" b="1" dirty="0">
-                <a:latin typeface="微軟正黑體" panose="020B0604030504040204" pitchFamily="34" charset="-120"/>
-                <a:ea typeface="微軟正黑體" panose="020B0604030504040204" pitchFamily="34" charset="-120"/>
-              </a:rPr>
-              <a:t>F_</a:t>
-            </a:r>
-            <a:r>
-              <a:rPr lang="zh-CN" altLang="en-US" sz="1600" b="1" dirty="0">
-                <a:latin typeface="微軟正黑體" panose="020B0604030504040204" pitchFamily="34" charset="-120"/>
-                <a:ea typeface="微軟正黑體" panose="020B0604030504040204" pitchFamily="34" charset="-120"/>
-              </a:rPr>
-              <a:t>市場交易</a:t>
-            </a:r>
-            <a:r>
-              <a:rPr lang="en-US" altLang="zh-CN" sz="1600" b="1" dirty="0">
-                <a:latin typeface="微軟正黑體" panose="020B0604030504040204" pitchFamily="34" charset="-120"/>
-                <a:ea typeface="微軟正黑體" panose="020B0604030504040204" pitchFamily="34" charset="-120"/>
-              </a:rPr>
-              <a:t>’</a:t>
-            </a:r>
-          </a:p>
-          <a:p>
-            <a:pPr marL="285750" indent="-285750">
-              <a:buFont typeface="Arial" panose="020B0604020202020204" pitchFamily="34" charset="0"/>
-              <a:buChar char="•"/>
-            </a:pPr>
-            <a:r>
-              <a:rPr lang="en-US" altLang="zh-CN" sz="1600" b="1" dirty="0">
-                <a:latin typeface="微軟正黑體" panose="020B0604030504040204" pitchFamily="34" charset="-120"/>
-                <a:ea typeface="微軟正黑體" panose="020B0604030504040204" pitchFamily="34" charset="-120"/>
-              </a:rPr>
-              <a:t>'</a:t>
-            </a:r>
-            <a:r>
-              <a:rPr lang="en-US" altLang="zh-TW" sz="1600" b="1" dirty="0">
-                <a:latin typeface="微軟正黑體" panose="020B0604030504040204" pitchFamily="34" charset="-120"/>
-                <a:ea typeface="微軟正黑體" panose="020B0604030504040204" pitchFamily="34" charset="-120"/>
-              </a:rPr>
-              <a:t>I_</a:t>
-            </a:r>
-            <a:r>
-              <a:rPr lang="zh-CN" altLang="en-US" sz="1600" b="1" dirty="0">
-                <a:latin typeface="微軟正黑體" panose="020B0604030504040204" pitchFamily="34" charset="-120"/>
-                <a:ea typeface="微軟正黑體" panose="020B0604030504040204" pitchFamily="34" charset="-120"/>
-              </a:rPr>
-              <a:t>產業前景</a:t>
-            </a:r>
-            <a:r>
-              <a:rPr lang="en-US" altLang="zh-CN" sz="1600" b="1" dirty="0">
-                <a:latin typeface="微軟正黑體" panose="020B0604030504040204" pitchFamily="34" charset="-120"/>
-                <a:ea typeface="微軟正黑體" panose="020B0604030504040204" pitchFamily="34" charset="-120"/>
-              </a:rPr>
-              <a:t>’</a:t>
-            </a:r>
-          </a:p>
-          <a:p>
-            <a:pPr marL="285750" indent="-285750">
-              <a:buFont typeface="Arial" panose="020B0604020202020204" pitchFamily="34" charset="0"/>
-              <a:buChar char="•"/>
-            </a:pPr>
-            <a:r>
-              <a:rPr lang="en-US" altLang="zh-CN" sz="1600" b="1" dirty="0">
-                <a:latin typeface="微軟正黑體" panose="020B0604030504040204" pitchFamily="34" charset="-120"/>
-                <a:ea typeface="微軟正黑體" panose="020B0604030504040204" pitchFamily="34" charset="-120"/>
-              </a:rPr>
-              <a:t>'</a:t>
-            </a:r>
-            <a:r>
-              <a:rPr lang="en-US" altLang="zh-TW" sz="1600" b="1" dirty="0">
-                <a:latin typeface="微軟正黑體" panose="020B0604030504040204" pitchFamily="34" charset="-120"/>
-                <a:ea typeface="微軟正黑體" panose="020B0604030504040204" pitchFamily="34" charset="-120"/>
-              </a:rPr>
-              <a:t>M_</a:t>
-            </a:r>
-            <a:r>
-              <a:rPr lang="zh-CN" altLang="en-US" sz="1600" b="1" dirty="0">
-                <a:latin typeface="微軟正黑體" panose="020B0604030504040204" pitchFamily="34" charset="-120"/>
-                <a:ea typeface="微軟正黑體" panose="020B0604030504040204" pitchFamily="34" charset="-120"/>
-              </a:rPr>
-              <a:t>經營層</a:t>
-            </a:r>
-            <a:r>
-              <a:rPr lang="en-US" altLang="zh-CN" sz="1600" b="1" dirty="0">
-                <a:latin typeface="微軟正黑體" panose="020B0604030504040204" pitchFamily="34" charset="-120"/>
-                <a:ea typeface="微軟正黑體" panose="020B0604030504040204" pitchFamily="34" charset="-120"/>
-              </a:rPr>
-              <a:t>’</a:t>
-            </a:r>
-          </a:p>
-          <a:p>
-            <a:pPr marL="285750" indent="-285750">
-              <a:buFont typeface="Arial" panose="020B0604020202020204" pitchFamily="34" charset="0"/>
-              <a:buChar char="•"/>
-            </a:pPr>
-            <a:r>
-              <a:rPr lang="en-US" altLang="zh-CN" sz="1600" b="1" dirty="0">
-                <a:latin typeface="微軟正黑體" panose="020B0604030504040204" pitchFamily="34" charset="-120"/>
-                <a:ea typeface="微軟正黑體" panose="020B0604030504040204" pitchFamily="34" charset="-120"/>
-              </a:rPr>
-              <a:t>'</a:t>
-            </a:r>
-            <a:r>
-              <a:rPr lang="en-US" altLang="zh-TW" sz="1600" b="1" dirty="0">
-                <a:latin typeface="微軟正黑體" panose="020B0604030504040204" pitchFamily="34" charset="-120"/>
-                <a:ea typeface="微軟正黑體" panose="020B0604030504040204" pitchFamily="34" charset="-120"/>
-              </a:rPr>
-              <a:t>R_</a:t>
-            </a:r>
-            <a:r>
-              <a:rPr lang="zh-CN" altLang="en-US" sz="1600" b="1" dirty="0">
-                <a:latin typeface="微軟正黑體" panose="020B0604030504040204" pitchFamily="34" charset="-120"/>
-                <a:ea typeface="微軟正黑體" panose="020B0604030504040204" pitchFamily="34" charset="-120"/>
-              </a:rPr>
-              <a:t>危機</a:t>
-            </a:r>
-            <a:r>
-              <a:rPr lang="en-US" altLang="zh-CN" sz="1600" b="1" dirty="0">
-                <a:latin typeface="微軟正黑體" panose="020B0604030504040204" pitchFamily="34" charset="-120"/>
-                <a:ea typeface="微軟正黑體" panose="020B0604030504040204" pitchFamily="34" charset="-120"/>
-              </a:rPr>
-              <a:t>'</a:t>
-            </a:r>
-          </a:p>
-        </p:txBody>
-      </p:sp>
-      <p:sp>
-        <p:nvSpPr>
-          <p:cNvPr id="21" name="文字方塊 20">
-            <a:extLst>
-              <a:ext uri="{FF2B5EF4-FFF2-40B4-BE49-F238E27FC236}">
-                <a16:creationId xmlns:a16="http://schemas.microsoft.com/office/drawing/2014/main" id="{E4A6C54E-0D1E-9643-A58E-01E0DE8EC9DD}"/>
-              </a:ext>
-            </a:extLst>
-          </p:cNvPr>
-          <p:cNvSpPr txBox="1"/>
-          <p:nvPr/>
-        </p:nvSpPr>
-        <p:spPr>
-          <a:xfrm>
-            <a:off x="3331569" y="3353299"/>
-            <a:ext cx="2459631" cy="1569660"/>
-          </a:xfrm>
-          <a:prstGeom prst="rect">
-            <a:avLst/>
-          </a:prstGeom>
-          <a:noFill/>
-        </p:spPr>
-        <p:txBody>
-          <a:bodyPr wrap="square" rtlCol="0">
-            <a:spAutoFit/>
-          </a:bodyPr>
-          <a:lstStyle/>
-          <a:p>
-            <a:pPr marL="285750" indent="-285750">
-              <a:buFont typeface="Arial" panose="020B0604020202020204" pitchFamily="34" charset="0"/>
-              <a:buChar char="•"/>
-            </a:pPr>
-            <a:r>
-              <a:rPr lang="zh-CN" altLang="en-US" sz="1600" b="1" dirty="0">
-                <a:latin typeface="微軟正黑體" panose="020B0604030504040204" pitchFamily="34" charset="-120"/>
-                <a:ea typeface="微軟正黑體" panose="020B0604030504040204" pitchFamily="34" charset="-120"/>
-              </a:rPr>
-              <a:t>所有資料的</a:t>
-            </a:r>
-            <a:r>
-              <a:rPr lang="en-US" altLang="zh-TW" sz="1600" b="1" dirty="0">
-                <a:latin typeface="微軟正黑體" panose="020B0604030504040204" pitchFamily="34" charset="-120"/>
-                <a:ea typeface="微軟正黑體" panose="020B0604030504040204" pitchFamily="34" charset="-120"/>
-              </a:rPr>
-              <a:t>64%</a:t>
-            </a:r>
-            <a:r>
-              <a:rPr lang="zh-CN" altLang="en-US" sz="1600" b="1" dirty="0">
-                <a:latin typeface="微軟正黑體" panose="020B0604030504040204" pitchFamily="34" charset="-120"/>
-                <a:ea typeface="微軟正黑體" panose="020B0604030504040204" pitchFamily="34" charset="-120"/>
-              </a:rPr>
-              <a:t>作為訓練資料</a:t>
-            </a:r>
-            <a:endParaRPr lang="en-US" altLang="zh-CN" sz="1600" b="1" dirty="0">
-              <a:latin typeface="微軟正黑體" panose="020B0604030504040204" pitchFamily="34" charset="-120"/>
-              <a:ea typeface="微軟正黑體" panose="020B0604030504040204" pitchFamily="34" charset="-120"/>
-            </a:endParaRPr>
-          </a:p>
-          <a:p>
-            <a:pPr marL="285750" indent="-285750">
-              <a:buFont typeface="Arial" panose="020B0604020202020204" pitchFamily="34" charset="0"/>
-              <a:buChar char="•"/>
-            </a:pPr>
-            <a:r>
-              <a:rPr lang="zh-CN" altLang="en-US" sz="1600" b="1" dirty="0">
-                <a:latin typeface="微軟正黑體" panose="020B0604030504040204" pitchFamily="34" charset="-120"/>
-                <a:ea typeface="微軟正黑體" panose="020B0604030504040204" pitchFamily="34" charset="-120"/>
-              </a:rPr>
-              <a:t>所有資料的</a:t>
-            </a:r>
-            <a:r>
-              <a:rPr lang="en-US" altLang="zh-TW" sz="1600" b="1" dirty="0">
-                <a:latin typeface="微軟正黑體" panose="020B0604030504040204" pitchFamily="34" charset="-120"/>
-                <a:ea typeface="微軟正黑體" panose="020B0604030504040204" pitchFamily="34" charset="-120"/>
-              </a:rPr>
-              <a:t>16%</a:t>
-            </a:r>
-            <a:r>
-              <a:rPr lang="zh-CN" altLang="en-US" sz="1600" b="1" dirty="0">
-                <a:latin typeface="微軟正黑體" panose="020B0604030504040204" pitchFamily="34" charset="-120"/>
-                <a:ea typeface="微軟正黑體" panose="020B0604030504040204" pitchFamily="34" charset="-120"/>
-              </a:rPr>
-              <a:t>作為驗證集</a:t>
-            </a:r>
-            <a:endParaRPr lang="en-US" altLang="zh-CN" sz="1600" b="1" dirty="0">
-              <a:latin typeface="微軟正黑體" panose="020B0604030504040204" pitchFamily="34" charset="-120"/>
-              <a:ea typeface="微軟正黑體" panose="020B0604030504040204" pitchFamily="34" charset="-120"/>
-            </a:endParaRPr>
-          </a:p>
-          <a:p>
-            <a:pPr marL="285750" indent="-285750">
-              <a:buFont typeface="Arial" panose="020B0604020202020204" pitchFamily="34" charset="0"/>
-              <a:buChar char="•"/>
-            </a:pPr>
-            <a:r>
-              <a:rPr lang="zh-CN" altLang="en-US" sz="1600" b="1" dirty="0">
-                <a:latin typeface="微軟正黑體" panose="020B0604030504040204" pitchFamily="34" charset="-120"/>
-                <a:ea typeface="微軟正黑體" panose="020B0604030504040204" pitchFamily="34" charset="-120"/>
-              </a:rPr>
-              <a:t>所有資料的</a:t>
-            </a:r>
-            <a:r>
-              <a:rPr lang="en-US" altLang="zh-TW" sz="1600" b="1" dirty="0">
-                <a:latin typeface="微軟正黑體" panose="020B0604030504040204" pitchFamily="34" charset="-120"/>
-                <a:ea typeface="微軟正黑體" panose="020B0604030504040204" pitchFamily="34" charset="-120"/>
-              </a:rPr>
-              <a:t>20%</a:t>
-            </a:r>
-            <a:r>
-              <a:rPr lang="zh-CN" altLang="en-US" sz="1600" b="1" dirty="0">
-                <a:latin typeface="微軟正黑體" panose="020B0604030504040204" pitchFamily="34" charset="-120"/>
-                <a:ea typeface="微軟正黑體" panose="020B0604030504040204" pitchFamily="34" charset="-120"/>
-              </a:rPr>
-              <a:t>作為測試集</a:t>
-            </a:r>
-            <a:endParaRPr lang="zh-TW" altLang="en-US" dirty="0"/>
-          </a:p>
-        </p:txBody>
-      </p:sp>
-      <p:sp>
-        <p:nvSpPr>
-          <p:cNvPr id="22" name="文字方塊 21">
-            <a:extLst>
-              <a:ext uri="{FF2B5EF4-FFF2-40B4-BE49-F238E27FC236}">
-                <a16:creationId xmlns:a16="http://schemas.microsoft.com/office/drawing/2014/main" id="{71983A41-1FBA-1145-9BF9-B22A8A6422F6}"/>
-              </a:ext>
-            </a:extLst>
-          </p:cNvPr>
-          <p:cNvSpPr txBox="1"/>
-          <p:nvPr/>
-        </p:nvSpPr>
-        <p:spPr>
-          <a:xfrm>
-            <a:off x="6415350" y="3242358"/>
-            <a:ext cx="2454187" cy="2862322"/>
-          </a:xfrm>
-          <a:prstGeom prst="rect">
-            <a:avLst/>
-          </a:prstGeom>
-          <a:noFill/>
-        </p:spPr>
-        <p:txBody>
-          <a:bodyPr wrap="square" rtlCol="0">
-            <a:spAutoFit/>
-          </a:bodyPr>
-          <a:lstStyle/>
-          <a:p>
-            <a:r>
-              <a:rPr lang="zh-CN" altLang="en-US" b="1" dirty="0">
-                <a:latin typeface="微軟正黑體" panose="020B0604030504040204" pitchFamily="34" charset="-120"/>
-                <a:ea typeface="微軟正黑體" panose="020B0604030504040204" pitchFamily="34" charset="-120"/>
-              </a:rPr>
-              <a:t>由於大事件類別的分布相當不平衡，所以我們使用了以下兩種方法來處理資料不平衡的問題</a:t>
-            </a:r>
-            <a:endParaRPr lang="en-US" altLang="zh-TW" b="1" dirty="0">
-              <a:latin typeface="微軟正黑體" panose="020B0604030504040204" pitchFamily="34" charset="-120"/>
-              <a:ea typeface="微軟正黑體" panose="020B0604030504040204" pitchFamily="34" charset="-120"/>
-            </a:endParaRPr>
-          </a:p>
-          <a:p>
-            <a:r>
-              <a:rPr lang="en-US" altLang="zh-TW" b="1" dirty="0">
-                <a:latin typeface="微軟正黑體" panose="020B0604030504040204" pitchFamily="34" charset="-120"/>
-                <a:ea typeface="微軟正黑體" panose="020B0604030504040204" pitchFamily="34" charset="-120"/>
-              </a:rPr>
-              <a:t>1.</a:t>
-            </a:r>
-            <a:r>
-              <a:rPr lang="zh-TW" altLang="en-US" b="1" dirty="0">
-                <a:latin typeface="微軟正黑體" panose="020B0604030504040204" pitchFamily="34" charset="-120"/>
-                <a:ea typeface="微軟正黑體" panose="020B0604030504040204" pitchFamily="34" charset="-120"/>
-              </a:rPr>
-              <a:t> 使用</a:t>
-            </a:r>
-            <a:r>
-              <a:rPr lang="en-US" altLang="zh-TW" b="1" dirty="0">
-                <a:latin typeface="微軟正黑體" panose="020B0604030504040204" pitchFamily="34" charset="-120"/>
-                <a:ea typeface="微軟正黑體" panose="020B0604030504040204" pitchFamily="34" charset="-120"/>
-              </a:rPr>
-              <a:t>Oversampling</a:t>
-            </a:r>
-          </a:p>
-          <a:p>
-            <a:r>
-              <a:rPr lang="en-US" altLang="zh-TW" b="1" dirty="0">
-                <a:latin typeface="微軟正黑體" panose="020B0604030504040204" pitchFamily="34" charset="-120"/>
-                <a:ea typeface="微軟正黑體" panose="020B0604030504040204" pitchFamily="34" charset="-120"/>
-              </a:rPr>
-              <a:t>2. </a:t>
-            </a:r>
-            <a:r>
-              <a:rPr lang="zh-CN" altLang="en-US" b="1" dirty="0">
-                <a:latin typeface="微軟正黑體" panose="020B0604030504040204" pitchFamily="34" charset="-120"/>
-                <a:ea typeface="微軟正黑體" panose="020B0604030504040204" pitchFamily="34" charset="-120"/>
-              </a:rPr>
-              <a:t>調整損失函數（</a:t>
-            </a:r>
-            <a:r>
-              <a:rPr lang="en-US" altLang="zh-CN" b="1" dirty="0">
-                <a:latin typeface="微軟正黑體" panose="020B0604030504040204" pitchFamily="34" charset="-120"/>
-                <a:ea typeface="微軟正黑體" panose="020B0604030504040204" pitchFamily="34" charset="-120"/>
-              </a:rPr>
-              <a:t>loss function</a:t>
-            </a:r>
-            <a:r>
-              <a:rPr lang="zh-CN" altLang="en-US" b="1" dirty="0">
-                <a:latin typeface="微軟正黑體" panose="020B0604030504040204" pitchFamily="34" charset="-120"/>
-                <a:ea typeface="微軟正黑體" panose="020B0604030504040204" pitchFamily="34" charset="-120"/>
-              </a:rPr>
-              <a:t>）的權重</a:t>
-            </a:r>
-            <a:endParaRPr lang="en-US" altLang="zh-TW" b="1" dirty="0">
-              <a:latin typeface="微軟正黑體" panose="020B0604030504040204" pitchFamily="34" charset="-120"/>
-              <a:ea typeface="微軟正黑體" panose="020B0604030504040204" pitchFamily="34" charset="-120"/>
-            </a:endParaRPr>
-          </a:p>
-          <a:p>
-            <a:endParaRPr lang="zh-TW" altLang="en-US" dirty="0"/>
-          </a:p>
-        </p:txBody>
-      </p:sp>
-    </p:spTree>
-    <p:extLst>
-      <p:ext uri="{BB962C8B-B14F-4D97-AF65-F5344CB8AC3E}">
-        <p14:creationId xmlns:p14="http://schemas.microsoft.com/office/powerpoint/2010/main" val="3590594642"/>
       </p:ext>
     </p:extLst>
   </p:cSld>
@@ -10060,6 +8724,1749 @@
               <a:rPr kumimoji="1" lang="zh-TW" altLang="en-US" smtClean="0"/>
               <a:pPr/>
               <a:t>20</a:t>
+            </a:fld>
+            <a:endParaRPr kumimoji="1" lang="zh-TW" altLang="en-US" dirty="0"/>
+          </a:p>
+        </p:txBody>
+      </p:sp>
+      <p:sp>
+        <p:nvSpPr>
+          <p:cNvPr id="6" name="文字方塊 5">
+            <a:extLst>
+              <a:ext uri="{FF2B5EF4-FFF2-40B4-BE49-F238E27FC236}">
+                <a16:creationId xmlns:a16="http://schemas.microsoft.com/office/drawing/2014/main" id="{7D94E14C-36FB-B04C-B208-1F65084F5707}"/>
+              </a:ext>
+            </a:extLst>
+          </p:cNvPr>
+          <p:cNvSpPr txBox="1"/>
+          <p:nvPr/>
+        </p:nvSpPr>
+        <p:spPr>
+          <a:xfrm>
+            <a:off x="6243119" y="120951"/>
+            <a:ext cx="2646879" cy="338554"/>
+          </a:xfrm>
+          <a:prstGeom prst="rect">
+            <a:avLst/>
+          </a:prstGeom>
+          <a:noFill/>
+        </p:spPr>
+        <p:txBody>
+          <a:bodyPr wrap="none" rtlCol="0">
+            <a:spAutoFit/>
+          </a:bodyPr>
+          <a:lstStyle/>
+          <a:p>
+            <a:pPr algn="r"/>
+            <a:r>
+              <a:rPr lang="zh-CN" altLang="en-US" sz="1600" dirty="0">
+                <a:solidFill>
+                  <a:schemeClr val="tx1">
+                    <a:lumMod val="65000"/>
+                    <a:lumOff val="35000"/>
+                  </a:schemeClr>
+                </a:solidFill>
+                <a:latin typeface="Microsoft JhengHei" panose="020B0604030504040204" pitchFamily="34" charset="-120"/>
+                <a:ea typeface="Microsoft JhengHei" panose="020B0604030504040204" pitchFamily="34" charset="-120"/>
+              </a:rPr>
+              <a:t>爬蟲</a:t>
+            </a:r>
+            <a:r>
+              <a:rPr kumimoji="1" lang="zh-CN" altLang="en-US" sz="1600" dirty="0">
+                <a:solidFill>
+                  <a:schemeClr val="tx1">
+                    <a:lumMod val="65000"/>
+                    <a:lumOff val="35000"/>
+                  </a:schemeClr>
+                </a:solidFill>
+                <a:latin typeface="微軟正黑體" pitchFamily="34" charset="-120"/>
+                <a:ea typeface="微軟正黑體" pitchFamily="34" charset="-120"/>
+                <a:cs typeface="BiauKai"/>
+              </a:rPr>
+              <a:t>｜</a:t>
+            </a:r>
+            <a:r>
+              <a:rPr lang="zh-CN" altLang="en-US" sz="1600" dirty="0">
+                <a:solidFill>
+                  <a:schemeClr val="tx1">
+                    <a:lumMod val="65000"/>
+                    <a:lumOff val="35000"/>
+                  </a:schemeClr>
+                </a:solidFill>
+                <a:latin typeface="Microsoft JhengHei" panose="020B0604030504040204" pitchFamily="34" charset="-120"/>
+                <a:ea typeface="Microsoft JhengHei" panose="020B0604030504040204" pitchFamily="34" charset="-120"/>
+              </a:rPr>
+              <a:t>切詞</a:t>
+            </a:r>
+            <a:r>
+              <a:rPr kumimoji="1" lang="zh-CN" altLang="en-US" sz="1600" dirty="0">
+                <a:solidFill>
+                  <a:schemeClr val="tx1">
+                    <a:lumMod val="65000"/>
+                    <a:lumOff val="35000"/>
+                  </a:schemeClr>
+                </a:solidFill>
+                <a:latin typeface="微軟正黑體" pitchFamily="34" charset="-120"/>
+                <a:ea typeface="微軟正黑體" pitchFamily="34" charset="-120"/>
+                <a:cs typeface="BiauKai"/>
+              </a:rPr>
+              <a:t>｜</a:t>
+            </a:r>
+            <a:r>
+              <a:rPr lang="zh-CN" altLang="en-US" sz="1600" b="1" dirty="0">
+                <a:latin typeface="Microsoft JhengHei" panose="020B0604030504040204" pitchFamily="34" charset="-120"/>
+                <a:ea typeface="Microsoft JhengHei" panose="020B0604030504040204" pitchFamily="34" charset="-120"/>
+              </a:rPr>
+              <a:t>新聞評分模型</a:t>
+            </a:r>
+            <a:endParaRPr kumimoji="1" lang="zh-TW" altLang="en-US" sz="1600" b="1" dirty="0">
+              <a:latin typeface="微軟正黑體" pitchFamily="34" charset="-120"/>
+              <a:ea typeface="微軟正黑體" pitchFamily="34" charset="-120"/>
+              <a:cs typeface="BiauKai"/>
+            </a:endParaRPr>
+          </a:p>
+        </p:txBody>
+      </p:sp>
+      <p:sp>
+        <p:nvSpPr>
+          <p:cNvPr id="7" name="標題 1">
+            <a:extLst>
+              <a:ext uri="{FF2B5EF4-FFF2-40B4-BE49-F238E27FC236}">
+                <a16:creationId xmlns:a16="http://schemas.microsoft.com/office/drawing/2014/main" id="{BF6B957C-C1CC-5346-A1DC-758625B662C5}"/>
+              </a:ext>
+            </a:extLst>
+          </p:cNvPr>
+          <p:cNvSpPr>
+            <a:spLocks noGrp="1"/>
+          </p:cNvSpPr>
+          <p:nvPr>
+            <p:ph type="title"/>
+          </p:nvPr>
+        </p:nvSpPr>
+        <p:spPr>
+          <a:xfrm>
+            <a:off x="628650" y="520551"/>
+            <a:ext cx="7886700" cy="599076"/>
+          </a:xfrm>
+        </p:spPr>
+        <p:txBody>
+          <a:bodyPr>
+            <a:normAutofit/>
+          </a:bodyPr>
+          <a:lstStyle/>
+          <a:p>
+            <a:r>
+              <a:rPr lang="zh-CN" altLang="en-US" dirty="0">
+                <a:latin typeface="Microsoft JhengHei" panose="020B0604030504040204" pitchFamily="34" charset="-120"/>
+                <a:ea typeface="Microsoft JhengHei" panose="020B0604030504040204" pitchFamily="34" charset="-120"/>
+              </a:rPr>
+              <a:t>模型建立</a:t>
+            </a:r>
+            <a:endParaRPr kumimoji="1" lang="zh-TW" altLang="en-US" dirty="0"/>
+          </a:p>
+        </p:txBody>
+      </p:sp>
+      <p:sp>
+        <p:nvSpPr>
+          <p:cNvPr id="8" name="文字方塊 7">
+            <a:extLst>
+              <a:ext uri="{FF2B5EF4-FFF2-40B4-BE49-F238E27FC236}">
+                <a16:creationId xmlns:a16="http://schemas.microsoft.com/office/drawing/2014/main" id="{997DEB25-4A42-C04D-8325-E6A4FAAAAD5C}"/>
+              </a:ext>
+            </a:extLst>
+          </p:cNvPr>
+          <p:cNvSpPr txBox="1"/>
+          <p:nvPr/>
+        </p:nvSpPr>
+        <p:spPr>
+          <a:xfrm>
+            <a:off x="1657350" y="1361497"/>
+            <a:ext cx="5600699" cy="461665"/>
+          </a:xfrm>
+          <a:prstGeom prst="rect">
+            <a:avLst/>
+          </a:prstGeom>
+          <a:noFill/>
+        </p:spPr>
+        <p:txBody>
+          <a:bodyPr wrap="square" rtlCol="0">
+            <a:spAutoFit/>
+          </a:bodyPr>
+          <a:lstStyle/>
+          <a:p>
+            <a:r>
+              <a:rPr lang="zh-CN" altLang="en-US" sz="2400" dirty="0">
+                <a:latin typeface="Microsoft JhengHei" panose="020B0604030504040204" pitchFamily="34" charset="-120"/>
+                <a:ea typeface="Microsoft JhengHei" panose="020B0604030504040204" pitchFamily="34" charset="-120"/>
+              </a:rPr>
+              <a:t>利用長短期記憶模型（</a:t>
+            </a:r>
+            <a:r>
+              <a:rPr lang="en-US" altLang="zh-CN" sz="2400" dirty="0">
+                <a:latin typeface="Microsoft JhengHei" panose="020B0604030504040204" pitchFamily="34" charset="-120"/>
+                <a:ea typeface="Microsoft JhengHei" panose="020B0604030504040204" pitchFamily="34" charset="-120"/>
+              </a:rPr>
+              <a:t>LSTM</a:t>
+            </a:r>
+            <a:r>
+              <a:rPr lang="zh-CN" altLang="en-US" sz="2400" dirty="0">
+                <a:latin typeface="Microsoft JhengHei" panose="020B0604030504040204" pitchFamily="34" charset="-120"/>
+                <a:ea typeface="Microsoft JhengHei" panose="020B0604030504040204" pitchFamily="34" charset="-120"/>
+              </a:rPr>
+              <a:t>）建立：</a:t>
+            </a:r>
+            <a:endParaRPr lang="en-US" altLang="zh-TW" sz="2400" dirty="0">
+              <a:latin typeface="Microsoft JhengHei" panose="020B0604030504040204" pitchFamily="34" charset="-120"/>
+              <a:ea typeface="Microsoft JhengHei" panose="020B0604030504040204" pitchFamily="34" charset="-120"/>
+            </a:endParaRPr>
+          </a:p>
+        </p:txBody>
+      </p:sp>
+      <p:sp>
+        <p:nvSpPr>
+          <p:cNvPr id="9" name="矩形: 圓角 4">
+            <a:extLst>
+              <a:ext uri="{FF2B5EF4-FFF2-40B4-BE49-F238E27FC236}">
+                <a16:creationId xmlns:a16="http://schemas.microsoft.com/office/drawing/2014/main" id="{CB80BABF-5174-4348-8C19-F85E68528BB1}"/>
+              </a:ext>
+            </a:extLst>
+          </p:cNvPr>
+          <p:cNvSpPr/>
+          <p:nvPr/>
+        </p:nvSpPr>
+        <p:spPr>
+          <a:xfrm>
+            <a:off x="898071" y="2371474"/>
+            <a:ext cx="2993572" cy="1213758"/>
+          </a:xfrm>
+          <a:prstGeom prst="roundRect">
+            <a:avLst/>
+          </a:prstGeom>
+          <a:solidFill>
+            <a:srgbClr val="479793"/>
+          </a:solidFill>
+          <a:ln>
+            <a:solidFill>
+              <a:srgbClr val="479793"/>
+            </a:solidFill>
+          </a:ln>
+        </p:spPr>
+        <p:style>
+          <a:lnRef idx="2">
+            <a:schemeClr val="accent1">
+              <a:shade val="50000"/>
+            </a:schemeClr>
+          </a:lnRef>
+          <a:fillRef idx="1">
+            <a:schemeClr val="accent1"/>
+          </a:fillRef>
+          <a:effectRef idx="0">
+            <a:schemeClr val="accent1"/>
+          </a:effectRef>
+          <a:fontRef idx="minor">
+            <a:schemeClr val="lt1"/>
+          </a:fontRef>
+        </p:style>
+        <p:txBody>
+          <a:bodyPr rtlCol="0" anchor="ctr"/>
+          <a:lstStyle/>
+          <a:p>
+            <a:pPr algn="ctr"/>
+            <a:r>
+              <a:rPr lang="zh-TW" altLang="en-US" b="1" dirty="0">
+                <a:solidFill>
+                  <a:schemeClr val="tx1"/>
+                </a:solidFill>
+                <a:latin typeface="Microsoft JhengHei" panose="020B0604030504040204" pitchFamily="34" charset="-120"/>
+                <a:ea typeface="Microsoft JhengHei" panose="020B0604030504040204" pitchFamily="34" charset="-120"/>
+              </a:rPr>
+              <a:t>大事件類別分類器</a:t>
+            </a:r>
+            <a:endParaRPr lang="en-US" altLang="zh-TW" b="1" dirty="0">
+              <a:solidFill>
+                <a:schemeClr val="tx1"/>
+              </a:solidFill>
+              <a:latin typeface="Microsoft JhengHei" panose="020B0604030504040204" pitchFamily="34" charset="-120"/>
+              <a:ea typeface="Microsoft JhengHei" panose="020B0604030504040204" pitchFamily="34" charset="-120"/>
+            </a:endParaRPr>
+          </a:p>
+        </p:txBody>
+      </p:sp>
+      <p:sp>
+        <p:nvSpPr>
+          <p:cNvPr id="10" name="矩形: 圓角 10">
+            <a:extLst>
+              <a:ext uri="{FF2B5EF4-FFF2-40B4-BE49-F238E27FC236}">
+                <a16:creationId xmlns:a16="http://schemas.microsoft.com/office/drawing/2014/main" id="{6476EE18-5FF0-E541-A0E3-3690C1598863}"/>
+              </a:ext>
+            </a:extLst>
+          </p:cNvPr>
+          <p:cNvSpPr/>
+          <p:nvPr/>
+        </p:nvSpPr>
+        <p:spPr>
+          <a:xfrm>
+            <a:off x="4762500" y="2371474"/>
+            <a:ext cx="2993572" cy="1213758"/>
+          </a:xfrm>
+          <a:prstGeom prst="roundRect">
+            <a:avLst/>
+          </a:prstGeom>
+          <a:solidFill>
+            <a:srgbClr val="A3D5CB"/>
+          </a:solidFill>
+          <a:ln>
+            <a:solidFill>
+              <a:srgbClr val="A3D5CB"/>
+            </a:solidFill>
+          </a:ln>
+        </p:spPr>
+        <p:style>
+          <a:lnRef idx="2">
+            <a:schemeClr val="accent1">
+              <a:shade val="50000"/>
+            </a:schemeClr>
+          </a:lnRef>
+          <a:fillRef idx="1">
+            <a:schemeClr val="accent1"/>
+          </a:fillRef>
+          <a:effectRef idx="0">
+            <a:schemeClr val="accent1"/>
+          </a:effectRef>
+          <a:fontRef idx="minor">
+            <a:schemeClr val="lt1"/>
+          </a:fontRef>
+        </p:style>
+        <p:txBody>
+          <a:bodyPr rtlCol="0" anchor="ctr"/>
+          <a:lstStyle/>
+          <a:p>
+            <a:pPr algn="ctr"/>
+            <a:r>
+              <a:rPr lang="zh-CN" altLang="en-US" b="1" dirty="0">
+                <a:solidFill>
+                  <a:schemeClr val="tx1"/>
+                </a:solidFill>
+                <a:latin typeface="Microsoft JhengHei" panose="020B0604030504040204" pitchFamily="34" charset="-120"/>
+                <a:ea typeface="Microsoft JhengHei" panose="020B0604030504040204" pitchFamily="34" charset="-120"/>
+              </a:rPr>
+              <a:t>小事件類別分類器</a:t>
+            </a:r>
+            <a:endParaRPr lang="en-US" altLang="zh-CN" b="1" dirty="0">
+              <a:solidFill>
+                <a:schemeClr val="tx1"/>
+              </a:solidFill>
+              <a:latin typeface="Microsoft JhengHei" panose="020B0604030504040204" pitchFamily="34" charset="-120"/>
+              <a:ea typeface="Microsoft JhengHei" panose="020B0604030504040204" pitchFamily="34" charset="-120"/>
+            </a:endParaRPr>
+          </a:p>
+        </p:txBody>
+      </p:sp>
+      <p:sp>
+        <p:nvSpPr>
+          <p:cNvPr id="11" name="矩形: 圓角 12">
+            <a:extLst>
+              <a:ext uri="{FF2B5EF4-FFF2-40B4-BE49-F238E27FC236}">
+                <a16:creationId xmlns:a16="http://schemas.microsoft.com/office/drawing/2014/main" id="{CFB45BA5-482E-7E44-A411-D70A5E1810AC}"/>
+              </a:ext>
+            </a:extLst>
+          </p:cNvPr>
+          <p:cNvSpPr/>
+          <p:nvPr/>
+        </p:nvSpPr>
+        <p:spPr>
+          <a:xfrm>
+            <a:off x="4762500" y="4129211"/>
+            <a:ext cx="2993572" cy="1213758"/>
+          </a:xfrm>
+          <a:prstGeom prst="roundRect">
+            <a:avLst/>
+          </a:prstGeom>
+          <a:solidFill>
+            <a:srgbClr val="479793"/>
+          </a:solidFill>
+          <a:ln>
+            <a:solidFill>
+              <a:srgbClr val="479793"/>
+            </a:solidFill>
+          </a:ln>
+        </p:spPr>
+        <p:style>
+          <a:lnRef idx="2">
+            <a:schemeClr val="accent1">
+              <a:shade val="50000"/>
+            </a:schemeClr>
+          </a:lnRef>
+          <a:fillRef idx="1">
+            <a:schemeClr val="accent1"/>
+          </a:fillRef>
+          <a:effectRef idx="0">
+            <a:schemeClr val="accent1"/>
+          </a:effectRef>
+          <a:fontRef idx="minor">
+            <a:schemeClr val="lt1"/>
+          </a:fontRef>
+        </p:style>
+        <p:txBody>
+          <a:bodyPr rtlCol="0" anchor="ctr"/>
+          <a:lstStyle/>
+          <a:p>
+            <a:pPr algn="ctr"/>
+            <a:r>
+              <a:rPr lang="zh-CN" altLang="en-US" b="1" dirty="0">
+                <a:solidFill>
+                  <a:schemeClr val="tx1"/>
+                </a:solidFill>
+                <a:latin typeface="Microsoft JhengHei" panose="020B0604030504040204" pitchFamily="34" charset="-120"/>
+                <a:ea typeface="Microsoft JhengHei" panose="020B0604030504040204" pitchFamily="34" charset="-120"/>
+              </a:rPr>
+              <a:t>股價異常報酬分類器</a:t>
+            </a:r>
+            <a:endParaRPr lang="zh-TW" altLang="en-US" b="1" dirty="0"/>
+          </a:p>
+        </p:txBody>
+      </p:sp>
+      <p:sp>
+        <p:nvSpPr>
+          <p:cNvPr id="12" name="矩形: 圓角 13">
+            <a:extLst>
+              <a:ext uri="{FF2B5EF4-FFF2-40B4-BE49-F238E27FC236}">
+                <a16:creationId xmlns:a16="http://schemas.microsoft.com/office/drawing/2014/main" id="{2D43D0AA-4857-A243-9C4E-926975EA86C4}"/>
+              </a:ext>
+            </a:extLst>
+          </p:cNvPr>
+          <p:cNvSpPr/>
+          <p:nvPr/>
+        </p:nvSpPr>
+        <p:spPr>
+          <a:xfrm>
+            <a:off x="898071" y="4133544"/>
+            <a:ext cx="2993572" cy="1213758"/>
+          </a:xfrm>
+          <a:prstGeom prst="roundRect">
+            <a:avLst/>
+          </a:prstGeom>
+          <a:solidFill>
+            <a:srgbClr val="A3D5CB"/>
+          </a:solidFill>
+          <a:ln>
+            <a:solidFill>
+              <a:srgbClr val="A3D5CB"/>
+            </a:solidFill>
+          </a:ln>
+        </p:spPr>
+        <p:style>
+          <a:lnRef idx="2">
+            <a:schemeClr val="accent1">
+              <a:shade val="50000"/>
+            </a:schemeClr>
+          </a:lnRef>
+          <a:fillRef idx="1">
+            <a:schemeClr val="accent1"/>
+          </a:fillRef>
+          <a:effectRef idx="0">
+            <a:schemeClr val="accent1"/>
+          </a:effectRef>
+          <a:fontRef idx="minor">
+            <a:schemeClr val="lt1"/>
+          </a:fontRef>
+        </p:style>
+        <p:txBody>
+          <a:bodyPr rtlCol="0" anchor="ctr"/>
+          <a:lstStyle/>
+          <a:p>
+            <a:pPr algn="ctr"/>
+            <a:r>
+              <a:rPr lang="zh-CN" altLang="en-US" b="1" dirty="0">
+                <a:solidFill>
+                  <a:schemeClr val="tx1"/>
+                </a:solidFill>
+                <a:latin typeface="Microsoft JhengHei" panose="020B0604030504040204" pitchFamily="34" charset="-120"/>
+                <a:ea typeface="Microsoft JhengHei" panose="020B0604030504040204" pitchFamily="34" charset="-120"/>
+              </a:rPr>
+              <a:t>事件強度分類器</a:t>
+            </a:r>
+            <a:endParaRPr lang="en-US" altLang="zh-CN" b="1" dirty="0">
+              <a:solidFill>
+                <a:schemeClr val="tx1"/>
+              </a:solidFill>
+              <a:latin typeface="Microsoft JhengHei" panose="020B0604030504040204" pitchFamily="34" charset="-120"/>
+              <a:ea typeface="Microsoft JhengHei" panose="020B0604030504040204" pitchFamily="34" charset="-120"/>
+            </a:endParaRPr>
+          </a:p>
+        </p:txBody>
+      </p:sp>
+    </p:spTree>
+    <p:extLst>
+      <p:ext uri="{BB962C8B-B14F-4D97-AF65-F5344CB8AC3E}">
+        <p14:creationId xmlns:p14="http://schemas.microsoft.com/office/powerpoint/2010/main" val="1915409224"/>
+      </p:ext>
+    </p:extLst>
+  </p:cSld>
+  <p:clrMapOvr>
+    <a:masterClrMapping/>
+  </p:clrMapOvr>
+</p:sld>
+</file>
+
+<file path=ppt/slides/slide21.xml><?xml version="1.0" encoding="utf-8"?>
+<p:sld xmlns:a="http://schemas.openxmlformats.org/drawingml/2006/main" xmlns:r="http://schemas.openxmlformats.org/officeDocument/2006/relationships" xmlns:p="http://schemas.openxmlformats.org/presentationml/2006/main">
+  <p:cSld>
+    <p:spTree>
+      <p:nvGrpSpPr>
+        <p:cNvPr id="1" name=""/>
+        <p:cNvGrpSpPr/>
+        <p:nvPr/>
+      </p:nvGrpSpPr>
+      <p:grpSpPr>
+        <a:xfrm>
+          <a:off x="0" y="0"/>
+          <a:ext cx="0" cy="0"/>
+          <a:chOff x="0" y="0"/>
+          <a:chExt cx="0" cy="0"/>
+        </a:xfrm>
+      </p:grpSpPr>
+      <p:sp>
+        <p:nvSpPr>
+          <p:cNvPr id="4" name="日期版面配置區 3">
+            <a:extLst>
+              <a:ext uri="{FF2B5EF4-FFF2-40B4-BE49-F238E27FC236}">
+                <a16:creationId xmlns:a16="http://schemas.microsoft.com/office/drawing/2014/main" id="{285B31FA-CCB5-ED41-8876-47FA5EE2ABAC}"/>
+              </a:ext>
+            </a:extLst>
+          </p:cNvPr>
+          <p:cNvSpPr>
+            <a:spLocks noGrp="1"/>
+          </p:cNvSpPr>
+          <p:nvPr>
+            <p:ph type="dt" sz="half" idx="10"/>
+          </p:nvPr>
+        </p:nvSpPr>
+        <p:spPr/>
+        <p:txBody>
+          <a:bodyPr/>
+          <a:lstStyle/>
+          <a:p>
+            <a:fld id="{868F4FC5-FE50-A64D-A7E3-22233A0C6925}" type="datetime1">
+              <a:rPr kumimoji="1" lang="zh-TW" altLang="en-US" smtClean="0"/>
+              <a:pPr/>
+              <a:t>2020/6/18</a:t>
+            </a:fld>
+            <a:endParaRPr kumimoji="1" lang="zh-TW" altLang="en-US" dirty="0"/>
+          </a:p>
+        </p:txBody>
+      </p:sp>
+      <p:sp>
+        <p:nvSpPr>
+          <p:cNvPr id="5" name="投影片編號版面配置區 4">
+            <a:extLst>
+              <a:ext uri="{FF2B5EF4-FFF2-40B4-BE49-F238E27FC236}">
+                <a16:creationId xmlns:a16="http://schemas.microsoft.com/office/drawing/2014/main" id="{105C58B2-7F10-8745-B700-1A1C6D51A714}"/>
+              </a:ext>
+            </a:extLst>
+          </p:cNvPr>
+          <p:cNvSpPr>
+            <a:spLocks noGrp="1"/>
+          </p:cNvSpPr>
+          <p:nvPr>
+            <p:ph type="sldNum" sz="quarter" idx="12"/>
+          </p:nvPr>
+        </p:nvSpPr>
+        <p:spPr/>
+        <p:txBody>
+          <a:bodyPr/>
+          <a:lstStyle/>
+          <a:p>
+            <a:fld id="{80929F01-733D-5847-83A7-C9CEA74310DB}" type="slidenum">
+              <a:rPr kumimoji="1" lang="zh-TW" altLang="en-US" smtClean="0"/>
+              <a:pPr/>
+              <a:t>21</a:t>
+            </a:fld>
+            <a:endParaRPr kumimoji="1" lang="zh-TW" altLang="en-US" dirty="0"/>
+          </a:p>
+        </p:txBody>
+      </p:sp>
+      <p:sp>
+        <p:nvSpPr>
+          <p:cNvPr id="6" name="文字方塊 5">
+            <a:extLst>
+              <a:ext uri="{FF2B5EF4-FFF2-40B4-BE49-F238E27FC236}">
+                <a16:creationId xmlns:a16="http://schemas.microsoft.com/office/drawing/2014/main" id="{7D94E14C-36FB-B04C-B208-1F65084F5707}"/>
+              </a:ext>
+            </a:extLst>
+          </p:cNvPr>
+          <p:cNvSpPr txBox="1"/>
+          <p:nvPr/>
+        </p:nvSpPr>
+        <p:spPr>
+          <a:xfrm>
+            <a:off x="6243119" y="120951"/>
+            <a:ext cx="2646879" cy="338554"/>
+          </a:xfrm>
+          <a:prstGeom prst="rect">
+            <a:avLst/>
+          </a:prstGeom>
+          <a:noFill/>
+        </p:spPr>
+        <p:txBody>
+          <a:bodyPr wrap="none" rtlCol="0">
+            <a:spAutoFit/>
+          </a:bodyPr>
+          <a:lstStyle/>
+          <a:p>
+            <a:pPr algn="r"/>
+            <a:r>
+              <a:rPr lang="zh-CN" altLang="en-US" sz="1600" dirty="0">
+                <a:solidFill>
+                  <a:schemeClr val="tx1">
+                    <a:lumMod val="65000"/>
+                    <a:lumOff val="35000"/>
+                  </a:schemeClr>
+                </a:solidFill>
+                <a:latin typeface="Microsoft JhengHei" panose="020B0604030504040204" pitchFamily="34" charset="-120"/>
+                <a:ea typeface="Microsoft JhengHei" panose="020B0604030504040204" pitchFamily="34" charset="-120"/>
+              </a:rPr>
+              <a:t>爬蟲</a:t>
+            </a:r>
+            <a:r>
+              <a:rPr kumimoji="1" lang="zh-CN" altLang="en-US" sz="1600" dirty="0">
+                <a:solidFill>
+                  <a:schemeClr val="tx1">
+                    <a:lumMod val="65000"/>
+                    <a:lumOff val="35000"/>
+                  </a:schemeClr>
+                </a:solidFill>
+                <a:latin typeface="微軟正黑體" pitchFamily="34" charset="-120"/>
+                <a:ea typeface="微軟正黑體" pitchFamily="34" charset="-120"/>
+                <a:cs typeface="BiauKai"/>
+              </a:rPr>
+              <a:t>｜</a:t>
+            </a:r>
+            <a:r>
+              <a:rPr lang="zh-CN" altLang="en-US" sz="1600" dirty="0">
+                <a:solidFill>
+                  <a:schemeClr val="tx1">
+                    <a:lumMod val="65000"/>
+                    <a:lumOff val="35000"/>
+                  </a:schemeClr>
+                </a:solidFill>
+                <a:latin typeface="Microsoft JhengHei" panose="020B0604030504040204" pitchFamily="34" charset="-120"/>
+                <a:ea typeface="Microsoft JhengHei" panose="020B0604030504040204" pitchFamily="34" charset="-120"/>
+              </a:rPr>
+              <a:t>切詞</a:t>
+            </a:r>
+            <a:r>
+              <a:rPr kumimoji="1" lang="zh-CN" altLang="en-US" sz="1600" dirty="0">
+                <a:solidFill>
+                  <a:schemeClr val="tx1">
+                    <a:lumMod val="65000"/>
+                    <a:lumOff val="35000"/>
+                  </a:schemeClr>
+                </a:solidFill>
+                <a:latin typeface="微軟正黑體" pitchFamily="34" charset="-120"/>
+                <a:ea typeface="微軟正黑體" pitchFamily="34" charset="-120"/>
+                <a:cs typeface="BiauKai"/>
+              </a:rPr>
+              <a:t>｜</a:t>
+            </a:r>
+            <a:r>
+              <a:rPr lang="zh-CN" altLang="en-US" sz="1600" b="1" dirty="0">
+                <a:latin typeface="Microsoft JhengHei" panose="020B0604030504040204" pitchFamily="34" charset="-120"/>
+                <a:ea typeface="Microsoft JhengHei" panose="020B0604030504040204" pitchFamily="34" charset="-120"/>
+              </a:rPr>
+              <a:t>新聞評分模型</a:t>
+            </a:r>
+            <a:endParaRPr kumimoji="1" lang="zh-TW" altLang="en-US" sz="1600" b="1" dirty="0">
+              <a:latin typeface="微軟正黑體" pitchFamily="34" charset="-120"/>
+              <a:ea typeface="微軟正黑體" pitchFamily="34" charset="-120"/>
+              <a:cs typeface="BiauKai"/>
+            </a:endParaRPr>
+          </a:p>
+        </p:txBody>
+      </p:sp>
+      <p:sp>
+        <p:nvSpPr>
+          <p:cNvPr id="7" name="矩形: 圓角 22">
+            <a:extLst>
+              <a:ext uri="{FF2B5EF4-FFF2-40B4-BE49-F238E27FC236}">
+                <a16:creationId xmlns:a16="http://schemas.microsoft.com/office/drawing/2014/main" id="{10EE45DA-516E-A547-AF0A-624702A22D1B}"/>
+              </a:ext>
+            </a:extLst>
+          </p:cNvPr>
+          <p:cNvSpPr/>
+          <p:nvPr/>
+        </p:nvSpPr>
+        <p:spPr>
+          <a:xfrm>
+            <a:off x="6232071" y="952501"/>
+            <a:ext cx="2741244" cy="5290456"/>
+          </a:xfrm>
+          <a:prstGeom prst="roundRect">
+            <a:avLst>
+              <a:gd name="adj" fmla="val 17459"/>
+            </a:avLst>
+          </a:prstGeom>
+          <a:solidFill>
+            <a:srgbClr val="479793"/>
+          </a:solidFill>
+          <a:ln>
+            <a:noFill/>
+          </a:ln>
+        </p:spPr>
+        <p:style>
+          <a:lnRef idx="2">
+            <a:schemeClr val="accent1">
+              <a:shade val="50000"/>
+            </a:schemeClr>
+          </a:lnRef>
+          <a:fillRef idx="1">
+            <a:schemeClr val="accent1"/>
+          </a:fillRef>
+          <a:effectRef idx="0">
+            <a:schemeClr val="accent1"/>
+          </a:effectRef>
+          <a:fontRef idx="minor">
+            <a:schemeClr val="lt1"/>
+          </a:fontRef>
+        </p:style>
+        <p:txBody>
+          <a:bodyPr rtlCol="0" anchor="ctr"/>
+          <a:lstStyle/>
+          <a:p>
+            <a:pPr algn="ctr"/>
+            <a:endParaRPr lang="zh-TW" altLang="en-US"/>
+          </a:p>
+        </p:txBody>
+      </p:sp>
+      <p:sp>
+        <p:nvSpPr>
+          <p:cNvPr id="8" name="標題 1">
+            <a:extLst>
+              <a:ext uri="{FF2B5EF4-FFF2-40B4-BE49-F238E27FC236}">
+                <a16:creationId xmlns:a16="http://schemas.microsoft.com/office/drawing/2014/main" id="{010F9691-B134-7A4C-B56C-9B1057348B52}"/>
+              </a:ext>
+            </a:extLst>
+          </p:cNvPr>
+          <p:cNvSpPr>
+            <a:spLocks noGrp="1"/>
+          </p:cNvSpPr>
+          <p:nvPr>
+            <p:ph type="title"/>
+          </p:nvPr>
+        </p:nvSpPr>
+        <p:spPr>
+          <a:xfrm>
+            <a:off x="234043" y="214109"/>
+            <a:ext cx="8281307" cy="599076"/>
+          </a:xfrm>
+        </p:spPr>
+        <p:txBody>
+          <a:bodyPr>
+            <a:normAutofit/>
+          </a:bodyPr>
+          <a:lstStyle/>
+          <a:p>
+            <a:r>
+              <a:rPr lang="zh-CN" altLang="en-US" dirty="0">
+                <a:latin typeface="Microsoft JhengHei" panose="020B0604030504040204" pitchFamily="34" charset="-120"/>
+                <a:ea typeface="Microsoft JhengHei" panose="020B0604030504040204" pitchFamily="34" charset="-120"/>
+              </a:rPr>
+              <a:t>大事件分類器：資料分割</a:t>
+            </a:r>
+            <a:r>
+              <a:rPr lang="zh-TW" altLang="en-US" dirty="0"/>
+              <a:t>與</a:t>
+            </a:r>
+            <a:r>
+              <a:rPr lang="zh-CN" altLang="en-US" dirty="0"/>
+              <a:t>不平衡資料</a:t>
+            </a:r>
+            <a:r>
+              <a:rPr lang="zh-TW" altLang="en-US" dirty="0"/>
+              <a:t>處理</a:t>
+            </a:r>
+            <a:endParaRPr kumimoji="1" lang="zh-TW" altLang="en-US" dirty="0"/>
+          </a:p>
+        </p:txBody>
+      </p:sp>
+      <p:sp>
+        <p:nvSpPr>
+          <p:cNvPr id="9" name="矩形: 圓角 8">
+            <a:extLst>
+              <a:ext uri="{FF2B5EF4-FFF2-40B4-BE49-F238E27FC236}">
+                <a16:creationId xmlns:a16="http://schemas.microsoft.com/office/drawing/2014/main" id="{6DEB3B8F-C411-1241-8464-937E629C9663}"/>
+              </a:ext>
+            </a:extLst>
+          </p:cNvPr>
+          <p:cNvSpPr/>
+          <p:nvPr/>
+        </p:nvSpPr>
+        <p:spPr>
+          <a:xfrm>
+            <a:off x="3233052" y="952500"/>
+            <a:ext cx="2741244" cy="5290457"/>
+          </a:xfrm>
+          <a:prstGeom prst="roundRect">
+            <a:avLst>
+              <a:gd name="adj" fmla="val 17459"/>
+            </a:avLst>
+          </a:prstGeom>
+          <a:solidFill>
+            <a:srgbClr val="A3D5CB"/>
+          </a:solidFill>
+          <a:ln>
+            <a:noFill/>
+          </a:ln>
+        </p:spPr>
+        <p:style>
+          <a:lnRef idx="2">
+            <a:schemeClr val="accent1">
+              <a:shade val="50000"/>
+            </a:schemeClr>
+          </a:lnRef>
+          <a:fillRef idx="1">
+            <a:schemeClr val="accent1"/>
+          </a:fillRef>
+          <a:effectRef idx="0">
+            <a:schemeClr val="accent1"/>
+          </a:effectRef>
+          <a:fontRef idx="minor">
+            <a:schemeClr val="lt1"/>
+          </a:fontRef>
+        </p:style>
+        <p:txBody>
+          <a:bodyPr rtlCol="0" anchor="ctr"/>
+          <a:lstStyle/>
+          <a:p>
+            <a:pPr algn="ctr"/>
+            <a:endParaRPr lang="zh-TW" altLang="en-US"/>
+          </a:p>
+        </p:txBody>
+      </p:sp>
+      <p:sp>
+        <p:nvSpPr>
+          <p:cNvPr id="10" name="矩形 9">
+            <a:extLst>
+              <a:ext uri="{FF2B5EF4-FFF2-40B4-BE49-F238E27FC236}">
+                <a16:creationId xmlns:a16="http://schemas.microsoft.com/office/drawing/2014/main" id="{3237DAF5-DFED-1B4B-87FD-FB19DD6C244E}"/>
+              </a:ext>
+            </a:extLst>
+          </p:cNvPr>
+          <p:cNvSpPr/>
+          <p:nvPr/>
+        </p:nvSpPr>
+        <p:spPr>
+          <a:xfrm>
+            <a:off x="3895788" y="1104389"/>
+            <a:ext cx="1415772" cy="461665"/>
+          </a:xfrm>
+          <a:prstGeom prst="rect">
+            <a:avLst/>
+          </a:prstGeom>
+        </p:spPr>
+        <p:txBody>
+          <a:bodyPr wrap="none">
+            <a:spAutoFit/>
+          </a:bodyPr>
+          <a:lstStyle/>
+          <a:p>
+            <a:r>
+              <a:rPr lang="zh-CN" altLang="en-US" sz="2400" b="1" dirty="0">
+                <a:latin typeface="Microsoft JhengHei" panose="020B0604030504040204" pitchFamily="34" charset="-120"/>
+                <a:ea typeface="Microsoft JhengHei" panose="020B0604030504040204" pitchFamily="34" charset="-120"/>
+              </a:rPr>
+              <a:t>資料分割</a:t>
+            </a:r>
+            <a:endParaRPr lang="zh-TW" altLang="en-US" sz="2400" b="1" dirty="0">
+              <a:solidFill>
+                <a:schemeClr val="bg1"/>
+              </a:solidFill>
+            </a:endParaRPr>
+          </a:p>
+        </p:txBody>
+      </p:sp>
+      <p:sp>
+        <p:nvSpPr>
+          <p:cNvPr id="11" name="矩形 10">
+            <a:extLst>
+              <a:ext uri="{FF2B5EF4-FFF2-40B4-BE49-F238E27FC236}">
+                <a16:creationId xmlns:a16="http://schemas.microsoft.com/office/drawing/2014/main" id="{07166BA1-2C7F-534E-8294-8FC2CEE77D81}"/>
+              </a:ext>
+            </a:extLst>
+          </p:cNvPr>
+          <p:cNvSpPr/>
+          <p:nvPr/>
+        </p:nvSpPr>
+        <p:spPr>
+          <a:xfrm>
+            <a:off x="6424767" y="1090531"/>
+            <a:ext cx="2339102" cy="461665"/>
+          </a:xfrm>
+          <a:prstGeom prst="rect">
+            <a:avLst/>
+          </a:prstGeom>
+        </p:spPr>
+        <p:txBody>
+          <a:bodyPr wrap="none">
+            <a:spAutoFit/>
+          </a:bodyPr>
+          <a:lstStyle/>
+          <a:p>
+            <a:r>
+              <a:rPr lang="zh-CN" altLang="en-US" sz="2400" b="1" dirty="0">
+                <a:latin typeface="Microsoft JhengHei" panose="020B0604030504040204" pitchFamily="34" charset="-120"/>
+                <a:ea typeface="Microsoft JhengHei" panose="020B0604030504040204" pitchFamily="34" charset="-120"/>
+              </a:rPr>
+              <a:t>不平衡資料</a:t>
+            </a:r>
+            <a:r>
+              <a:rPr lang="zh-TW" altLang="en-US" sz="2400" b="1" dirty="0">
+                <a:latin typeface="Microsoft JhengHei" panose="020B0604030504040204" pitchFamily="34" charset="-120"/>
+                <a:ea typeface="Microsoft JhengHei" panose="020B0604030504040204" pitchFamily="34" charset="-120"/>
+              </a:rPr>
+              <a:t>處理</a:t>
+            </a:r>
+          </a:p>
+        </p:txBody>
+      </p:sp>
+      <p:cxnSp>
+        <p:nvCxnSpPr>
+          <p:cNvPr id="12" name="直線接點 11">
+            <a:extLst>
+              <a:ext uri="{FF2B5EF4-FFF2-40B4-BE49-F238E27FC236}">
+                <a16:creationId xmlns:a16="http://schemas.microsoft.com/office/drawing/2014/main" id="{923CF268-02B6-7749-8603-B553A0266B28}"/>
+              </a:ext>
+            </a:extLst>
+          </p:cNvPr>
+          <p:cNvCxnSpPr/>
+          <p:nvPr/>
+        </p:nvCxnSpPr>
+        <p:spPr>
+          <a:xfrm>
+            <a:off x="3578893" y="3020711"/>
+            <a:ext cx="2103120" cy="0"/>
+          </a:xfrm>
+          <a:prstGeom prst="line">
+            <a:avLst/>
+          </a:prstGeom>
+          <a:ln>
+            <a:solidFill>
+              <a:schemeClr val="tx1"/>
+            </a:solidFill>
+          </a:ln>
+        </p:spPr>
+        <p:style>
+          <a:lnRef idx="1">
+            <a:schemeClr val="accent1"/>
+          </a:lnRef>
+          <a:fillRef idx="0">
+            <a:schemeClr val="accent1"/>
+          </a:fillRef>
+          <a:effectRef idx="0">
+            <a:schemeClr val="accent1"/>
+          </a:effectRef>
+          <a:fontRef idx="minor">
+            <a:schemeClr val="tx1"/>
+          </a:fontRef>
+        </p:style>
+      </p:cxnSp>
+      <p:cxnSp>
+        <p:nvCxnSpPr>
+          <p:cNvPr id="13" name="直線接點 12">
+            <a:extLst>
+              <a:ext uri="{FF2B5EF4-FFF2-40B4-BE49-F238E27FC236}">
+                <a16:creationId xmlns:a16="http://schemas.microsoft.com/office/drawing/2014/main" id="{E9A90EF7-CA8B-0C44-8DF9-1B178D330770}"/>
+              </a:ext>
+            </a:extLst>
+          </p:cNvPr>
+          <p:cNvCxnSpPr/>
+          <p:nvPr/>
+        </p:nvCxnSpPr>
+        <p:spPr>
+          <a:xfrm>
+            <a:off x="6600792" y="3020711"/>
+            <a:ext cx="2103120" cy="0"/>
+          </a:xfrm>
+          <a:prstGeom prst="line">
+            <a:avLst/>
+          </a:prstGeom>
+          <a:ln>
+            <a:solidFill>
+              <a:srgbClr val="1E3148"/>
+            </a:solidFill>
+          </a:ln>
+        </p:spPr>
+        <p:style>
+          <a:lnRef idx="1">
+            <a:schemeClr val="accent1"/>
+          </a:lnRef>
+          <a:fillRef idx="0">
+            <a:schemeClr val="accent1"/>
+          </a:fillRef>
+          <a:effectRef idx="0">
+            <a:schemeClr val="accent1"/>
+          </a:effectRef>
+          <a:fontRef idx="minor">
+            <a:schemeClr val="tx1"/>
+          </a:fontRef>
+        </p:style>
+      </p:cxnSp>
+      <p:pic>
+        <p:nvPicPr>
+          <p:cNvPr id="14" name="圖片 13">
+            <a:extLst>
+              <a:ext uri="{FF2B5EF4-FFF2-40B4-BE49-F238E27FC236}">
+                <a16:creationId xmlns:a16="http://schemas.microsoft.com/office/drawing/2014/main" id="{2BF8E442-0D56-6443-B7E4-352D0CE50286}"/>
+              </a:ext>
+            </a:extLst>
+          </p:cNvPr>
+          <p:cNvPicPr>
+            <a:picLocks noChangeAspect="1"/>
+          </p:cNvPicPr>
+          <p:nvPr/>
+        </p:nvPicPr>
+        <p:blipFill>
+          <a:blip r:embed="rId2"/>
+          <a:stretch>
+            <a:fillRect/>
+          </a:stretch>
+        </p:blipFill>
+        <p:spPr>
+          <a:xfrm>
+            <a:off x="4096162" y="1694746"/>
+            <a:ext cx="1068582" cy="1068582"/>
+          </a:xfrm>
+          <a:prstGeom prst="rect">
+            <a:avLst/>
+          </a:prstGeom>
+        </p:spPr>
+      </p:pic>
+      <p:pic>
+        <p:nvPicPr>
+          <p:cNvPr id="15" name="圖片 14">
+            <a:extLst>
+              <a:ext uri="{FF2B5EF4-FFF2-40B4-BE49-F238E27FC236}">
+                <a16:creationId xmlns:a16="http://schemas.microsoft.com/office/drawing/2014/main" id="{08BBEF6A-40CD-BD48-89D6-5F24B8FA9183}"/>
+              </a:ext>
+            </a:extLst>
+          </p:cNvPr>
+          <p:cNvPicPr>
+            <a:picLocks noChangeAspect="1"/>
+          </p:cNvPicPr>
+          <p:nvPr/>
+        </p:nvPicPr>
+        <p:blipFill>
+          <a:blip r:embed="rId3"/>
+          <a:stretch>
+            <a:fillRect/>
+          </a:stretch>
+        </p:blipFill>
+        <p:spPr>
+          <a:xfrm>
+            <a:off x="6983567" y="1585233"/>
+            <a:ext cx="1238250" cy="1238250"/>
+          </a:xfrm>
+          <a:prstGeom prst="rect">
+            <a:avLst/>
+          </a:prstGeom>
+        </p:spPr>
+      </p:pic>
+      <p:sp>
+        <p:nvSpPr>
+          <p:cNvPr id="16" name="矩形: 圓角 23">
+            <a:extLst>
+              <a:ext uri="{FF2B5EF4-FFF2-40B4-BE49-F238E27FC236}">
+                <a16:creationId xmlns:a16="http://schemas.microsoft.com/office/drawing/2014/main" id="{9EED81F1-7805-A445-9EF8-1E313BD11BB2}"/>
+              </a:ext>
+            </a:extLst>
+          </p:cNvPr>
+          <p:cNvSpPr/>
+          <p:nvPr/>
+        </p:nvSpPr>
+        <p:spPr>
+          <a:xfrm>
+            <a:off x="231971" y="952500"/>
+            <a:ext cx="2741244" cy="5290457"/>
+          </a:xfrm>
+          <a:prstGeom prst="roundRect">
+            <a:avLst>
+              <a:gd name="adj" fmla="val 17459"/>
+            </a:avLst>
+          </a:prstGeom>
+          <a:solidFill>
+            <a:srgbClr val="479793"/>
+          </a:solidFill>
+          <a:ln>
+            <a:noFill/>
+          </a:ln>
+        </p:spPr>
+        <p:style>
+          <a:lnRef idx="2">
+            <a:schemeClr val="accent1">
+              <a:shade val="50000"/>
+            </a:schemeClr>
+          </a:lnRef>
+          <a:fillRef idx="1">
+            <a:schemeClr val="accent1"/>
+          </a:fillRef>
+          <a:effectRef idx="0">
+            <a:schemeClr val="accent1"/>
+          </a:effectRef>
+          <a:fontRef idx="minor">
+            <a:schemeClr val="lt1"/>
+          </a:fontRef>
+        </p:style>
+        <p:txBody>
+          <a:bodyPr rtlCol="0" anchor="ctr"/>
+          <a:lstStyle/>
+          <a:p>
+            <a:pPr algn="ctr"/>
+            <a:endParaRPr lang="zh-TW" altLang="en-US"/>
+          </a:p>
+        </p:txBody>
+      </p:sp>
+      <p:sp>
+        <p:nvSpPr>
+          <p:cNvPr id="17" name="矩形 16">
+            <a:extLst>
+              <a:ext uri="{FF2B5EF4-FFF2-40B4-BE49-F238E27FC236}">
+                <a16:creationId xmlns:a16="http://schemas.microsoft.com/office/drawing/2014/main" id="{9AECBA90-54E2-2043-B1FC-2B75C7D10D06}"/>
+              </a:ext>
+            </a:extLst>
+          </p:cNvPr>
+          <p:cNvSpPr/>
+          <p:nvPr/>
+        </p:nvSpPr>
+        <p:spPr>
+          <a:xfrm>
+            <a:off x="568391" y="1146610"/>
+            <a:ext cx="2031325" cy="461665"/>
+          </a:xfrm>
+          <a:prstGeom prst="rect">
+            <a:avLst/>
+          </a:prstGeom>
+        </p:spPr>
+        <p:txBody>
+          <a:bodyPr wrap="none">
+            <a:spAutoFit/>
+          </a:bodyPr>
+          <a:lstStyle/>
+          <a:p>
+            <a:r>
+              <a:rPr lang="zh-CN" altLang="en-US" sz="2400" b="1" dirty="0">
+                <a:latin typeface="Microsoft JhengHei" panose="020B0604030504040204" pitchFamily="34" charset="-120"/>
+                <a:ea typeface="Microsoft JhengHei" panose="020B0604030504040204" pitchFamily="34" charset="-120"/>
+              </a:rPr>
+              <a:t>大事件分類器</a:t>
+            </a:r>
+            <a:endParaRPr lang="zh-TW" altLang="en-US" sz="2400" b="1" dirty="0">
+              <a:latin typeface="Microsoft JhengHei" panose="020B0604030504040204" pitchFamily="34" charset="-120"/>
+              <a:ea typeface="Microsoft JhengHei" panose="020B0604030504040204" pitchFamily="34" charset="-120"/>
+            </a:endParaRPr>
+          </a:p>
+        </p:txBody>
+      </p:sp>
+      <p:cxnSp>
+        <p:nvCxnSpPr>
+          <p:cNvPr id="18" name="直線接點 17">
+            <a:extLst>
+              <a:ext uri="{FF2B5EF4-FFF2-40B4-BE49-F238E27FC236}">
+                <a16:creationId xmlns:a16="http://schemas.microsoft.com/office/drawing/2014/main" id="{6BDBD244-7022-5242-A77B-A77C61B7CB4F}"/>
+              </a:ext>
+            </a:extLst>
+          </p:cNvPr>
+          <p:cNvCxnSpPr/>
+          <p:nvPr/>
+        </p:nvCxnSpPr>
+        <p:spPr>
+          <a:xfrm>
+            <a:off x="582930" y="3020711"/>
+            <a:ext cx="2103120" cy="0"/>
+          </a:xfrm>
+          <a:prstGeom prst="line">
+            <a:avLst/>
+          </a:prstGeom>
+          <a:ln>
+            <a:solidFill>
+              <a:schemeClr val="tx1"/>
+            </a:solidFill>
+          </a:ln>
+        </p:spPr>
+        <p:style>
+          <a:lnRef idx="1">
+            <a:schemeClr val="accent1"/>
+          </a:lnRef>
+          <a:fillRef idx="0">
+            <a:schemeClr val="accent1"/>
+          </a:fillRef>
+          <a:effectRef idx="0">
+            <a:schemeClr val="accent1"/>
+          </a:effectRef>
+          <a:fontRef idx="minor">
+            <a:schemeClr val="tx1"/>
+          </a:fontRef>
+        </p:style>
+      </p:cxnSp>
+      <p:pic>
+        <p:nvPicPr>
+          <p:cNvPr id="19" name="圖形 18">
+            <a:extLst>
+              <a:ext uri="{FF2B5EF4-FFF2-40B4-BE49-F238E27FC236}">
+                <a16:creationId xmlns:a16="http://schemas.microsoft.com/office/drawing/2014/main" id="{24519EB5-E1DB-E747-ABD6-E4C65C22B001}"/>
+              </a:ext>
+            </a:extLst>
+          </p:cNvPr>
+          <p:cNvPicPr>
+            <a:picLocks noChangeAspect="1"/>
+          </p:cNvPicPr>
+          <p:nvPr/>
+        </p:nvPicPr>
+        <p:blipFill rotWithShape="1">
+          <a:blip r:embed="rId4">
+            <a:extLst>
+              <a:ext uri="{96DAC541-7B7A-43D3-8B79-37D633B846F1}">
+                <asvg:svgBlip xmlns:asvg="http://schemas.microsoft.com/office/drawing/2016/SVG/main" r:embed="rId5"/>
+              </a:ext>
+            </a:extLst>
+          </a:blip>
+          <a:srcRect b="11560"/>
+          <a:stretch/>
+        </p:blipFill>
+        <p:spPr>
+          <a:xfrm>
+            <a:off x="807883" y="1677933"/>
+            <a:ext cx="1376517" cy="1303985"/>
+          </a:xfrm>
+          <a:prstGeom prst="rect">
+            <a:avLst/>
+          </a:prstGeom>
+        </p:spPr>
+      </p:pic>
+      <p:sp>
+        <p:nvSpPr>
+          <p:cNvPr id="20" name="文字方塊 19">
+            <a:extLst>
+              <a:ext uri="{FF2B5EF4-FFF2-40B4-BE49-F238E27FC236}">
+                <a16:creationId xmlns:a16="http://schemas.microsoft.com/office/drawing/2014/main" id="{1B646D2D-2600-3042-BF2A-E6D3612F1A0D}"/>
+              </a:ext>
+            </a:extLst>
+          </p:cNvPr>
+          <p:cNvSpPr txBox="1"/>
+          <p:nvPr/>
+        </p:nvSpPr>
+        <p:spPr>
+          <a:xfrm>
+            <a:off x="444500" y="3364185"/>
+            <a:ext cx="2375494" cy="1815882"/>
+          </a:xfrm>
+          <a:prstGeom prst="rect">
+            <a:avLst/>
+          </a:prstGeom>
+          <a:noFill/>
+        </p:spPr>
+        <p:txBody>
+          <a:bodyPr wrap="square" rtlCol="0">
+            <a:spAutoFit/>
+          </a:bodyPr>
+          <a:lstStyle/>
+          <a:p>
+            <a:r>
+              <a:rPr lang="zh-CN" altLang="en-US" sz="1600" b="1" dirty="0">
+                <a:latin typeface="微軟正黑體" panose="020B0604030504040204" pitchFamily="34" charset="-120"/>
+                <a:ea typeface="微軟正黑體" panose="020B0604030504040204" pitchFamily="34" charset="-120"/>
+              </a:rPr>
+              <a:t>將新聞分類為以下五個大事件類別：</a:t>
+            </a:r>
+            <a:endParaRPr lang="en-US" altLang="zh-CN" sz="1600" b="1" dirty="0">
+              <a:latin typeface="微軟正黑體" panose="020B0604030504040204" pitchFamily="34" charset="-120"/>
+              <a:ea typeface="微軟正黑體" panose="020B0604030504040204" pitchFamily="34" charset="-120"/>
+            </a:endParaRPr>
+          </a:p>
+          <a:p>
+            <a:pPr marL="285750" indent="-285750">
+              <a:buFont typeface="Arial" panose="020B0604020202020204" pitchFamily="34" charset="0"/>
+              <a:buChar char="•"/>
+            </a:pPr>
+            <a:r>
+              <a:rPr lang="en-US" altLang="zh-TW" sz="1600" b="1" dirty="0">
+                <a:latin typeface="微軟正黑體" panose="020B0604030504040204" pitchFamily="34" charset="-120"/>
+                <a:ea typeface="微軟正黑體" panose="020B0604030504040204" pitchFamily="34" charset="-120"/>
+              </a:rPr>
+              <a:t>'A_</a:t>
+            </a:r>
+            <a:r>
+              <a:rPr lang="zh-CN" altLang="en-US" sz="1600" b="1" dirty="0">
+                <a:latin typeface="微軟正黑體" panose="020B0604030504040204" pitchFamily="34" charset="-120"/>
+                <a:ea typeface="微軟正黑體" panose="020B0604030504040204" pitchFamily="34" charset="-120"/>
+              </a:rPr>
+              <a:t>會計</a:t>
+            </a:r>
+            <a:r>
+              <a:rPr lang="en-US" altLang="zh-CN" sz="1600" b="1" dirty="0">
+                <a:latin typeface="微軟正黑體" panose="020B0604030504040204" pitchFamily="34" charset="-120"/>
+                <a:ea typeface="微軟正黑體" panose="020B0604030504040204" pitchFamily="34" charset="-120"/>
+              </a:rPr>
+              <a:t>/</a:t>
+            </a:r>
+            <a:r>
+              <a:rPr lang="zh-CN" altLang="en-US" sz="1600" b="1" dirty="0">
+                <a:latin typeface="微軟正黑體" panose="020B0604030504040204" pitchFamily="34" charset="-120"/>
+                <a:ea typeface="微軟正黑體" panose="020B0604030504040204" pitchFamily="34" charset="-120"/>
+              </a:rPr>
+              <a:t>財報分析</a:t>
+            </a:r>
+            <a:r>
+              <a:rPr lang="en-US" altLang="zh-CN" sz="1600" b="1" dirty="0">
+                <a:latin typeface="微軟正黑體" panose="020B0604030504040204" pitchFamily="34" charset="-120"/>
+                <a:ea typeface="微軟正黑體" panose="020B0604030504040204" pitchFamily="34" charset="-120"/>
+              </a:rPr>
+              <a:t>’</a:t>
+            </a:r>
+          </a:p>
+          <a:p>
+            <a:pPr marL="285750" indent="-285750">
+              <a:buFont typeface="Arial" panose="020B0604020202020204" pitchFamily="34" charset="0"/>
+              <a:buChar char="•"/>
+            </a:pPr>
+            <a:r>
+              <a:rPr lang="en-US" altLang="zh-CN" sz="1600" b="1" dirty="0">
+                <a:latin typeface="微軟正黑體" panose="020B0604030504040204" pitchFamily="34" charset="-120"/>
+                <a:ea typeface="微軟正黑體" panose="020B0604030504040204" pitchFamily="34" charset="-120"/>
+              </a:rPr>
+              <a:t>'</a:t>
+            </a:r>
+            <a:r>
+              <a:rPr lang="en-US" altLang="zh-TW" sz="1600" b="1" dirty="0">
+                <a:latin typeface="微軟正黑體" panose="020B0604030504040204" pitchFamily="34" charset="-120"/>
+                <a:ea typeface="微軟正黑體" panose="020B0604030504040204" pitchFamily="34" charset="-120"/>
+              </a:rPr>
+              <a:t>F_</a:t>
+            </a:r>
+            <a:r>
+              <a:rPr lang="zh-CN" altLang="en-US" sz="1600" b="1" dirty="0">
+                <a:latin typeface="微軟正黑體" panose="020B0604030504040204" pitchFamily="34" charset="-120"/>
+                <a:ea typeface="微軟正黑體" panose="020B0604030504040204" pitchFamily="34" charset="-120"/>
+              </a:rPr>
+              <a:t>市場交易</a:t>
+            </a:r>
+            <a:r>
+              <a:rPr lang="en-US" altLang="zh-CN" sz="1600" b="1" dirty="0">
+                <a:latin typeface="微軟正黑體" panose="020B0604030504040204" pitchFamily="34" charset="-120"/>
+                <a:ea typeface="微軟正黑體" panose="020B0604030504040204" pitchFamily="34" charset="-120"/>
+              </a:rPr>
+              <a:t>’</a:t>
+            </a:r>
+          </a:p>
+          <a:p>
+            <a:pPr marL="285750" indent="-285750">
+              <a:buFont typeface="Arial" panose="020B0604020202020204" pitchFamily="34" charset="0"/>
+              <a:buChar char="•"/>
+            </a:pPr>
+            <a:r>
+              <a:rPr lang="en-US" altLang="zh-CN" sz="1600" b="1" dirty="0">
+                <a:latin typeface="微軟正黑體" panose="020B0604030504040204" pitchFamily="34" charset="-120"/>
+                <a:ea typeface="微軟正黑體" panose="020B0604030504040204" pitchFamily="34" charset="-120"/>
+              </a:rPr>
+              <a:t>'</a:t>
+            </a:r>
+            <a:r>
+              <a:rPr lang="en-US" altLang="zh-TW" sz="1600" b="1" dirty="0">
+                <a:latin typeface="微軟正黑體" panose="020B0604030504040204" pitchFamily="34" charset="-120"/>
+                <a:ea typeface="微軟正黑體" panose="020B0604030504040204" pitchFamily="34" charset="-120"/>
+              </a:rPr>
+              <a:t>I_</a:t>
+            </a:r>
+            <a:r>
+              <a:rPr lang="zh-CN" altLang="en-US" sz="1600" b="1" dirty="0">
+                <a:latin typeface="微軟正黑體" panose="020B0604030504040204" pitchFamily="34" charset="-120"/>
+                <a:ea typeface="微軟正黑體" panose="020B0604030504040204" pitchFamily="34" charset="-120"/>
+              </a:rPr>
+              <a:t>產業前景</a:t>
+            </a:r>
+            <a:r>
+              <a:rPr lang="en-US" altLang="zh-CN" sz="1600" b="1" dirty="0">
+                <a:latin typeface="微軟正黑體" panose="020B0604030504040204" pitchFamily="34" charset="-120"/>
+                <a:ea typeface="微軟正黑體" panose="020B0604030504040204" pitchFamily="34" charset="-120"/>
+              </a:rPr>
+              <a:t>’</a:t>
+            </a:r>
+          </a:p>
+          <a:p>
+            <a:pPr marL="285750" indent="-285750">
+              <a:buFont typeface="Arial" panose="020B0604020202020204" pitchFamily="34" charset="0"/>
+              <a:buChar char="•"/>
+            </a:pPr>
+            <a:r>
+              <a:rPr lang="en-US" altLang="zh-CN" sz="1600" b="1" dirty="0">
+                <a:latin typeface="微軟正黑體" panose="020B0604030504040204" pitchFamily="34" charset="-120"/>
+                <a:ea typeface="微軟正黑體" panose="020B0604030504040204" pitchFamily="34" charset="-120"/>
+              </a:rPr>
+              <a:t>'</a:t>
+            </a:r>
+            <a:r>
+              <a:rPr lang="en-US" altLang="zh-TW" sz="1600" b="1" dirty="0">
+                <a:latin typeface="微軟正黑體" panose="020B0604030504040204" pitchFamily="34" charset="-120"/>
+                <a:ea typeface="微軟正黑體" panose="020B0604030504040204" pitchFamily="34" charset="-120"/>
+              </a:rPr>
+              <a:t>M_</a:t>
+            </a:r>
+            <a:r>
+              <a:rPr lang="zh-CN" altLang="en-US" sz="1600" b="1" dirty="0">
+                <a:latin typeface="微軟正黑體" panose="020B0604030504040204" pitchFamily="34" charset="-120"/>
+                <a:ea typeface="微軟正黑體" panose="020B0604030504040204" pitchFamily="34" charset="-120"/>
+              </a:rPr>
+              <a:t>經營層</a:t>
+            </a:r>
+            <a:r>
+              <a:rPr lang="en-US" altLang="zh-CN" sz="1600" b="1" dirty="0">
+                <a:latin typeface="微軟正黑體" panose="020B0604030504040204" pitchFamily="34" charset="-120"/>
+                <a:ea typeface="微軟正黑體" panose="020B0604030504040204" pitchFamily="34" charset="-120"/>
+              </a:rPr>
+              <a:t>’</a:t>
+            </a:r>
+          </a:p>
+          <a:p>
+            <a:pPr marL="285750" indent="-285750">
+              <a:buFont typeface="Arial" panose="020B0604020202020204" pitchFamily="34" charset="0"/>
+              <a:buChar char="•"/>
+            </a:pPr>
+            <a:r>
+              <a:rPr lang="en-US" altLang="zh-CN" sz="1600" b="1" dirty="0">
+                <a:latin typeface="微軟正黑體" panose="020B0604030504040204" pitchFamily="34" charset="-120"/>
+                <a:ea typeface="微軟正黑體" panose="020B0604030504040204" pitchFamily="34" charset="-120"/>
+              </a:rPr>
+              <a:t>'</a:t>
+            </a:r>
+            <a:r>
+              <a:rPr lang="en-US" altLang="zh-TW" sz="1600" b="1" dirty="0">
+                <a:latin typeface="微軟正黑體" panose="020B0604030504040204" pitchFamily="34" charset="-120"/>
+                <a:ea typeface="微軟正黑體" panose="020B0604030504040204" pitchFamily="34" charset="-120"/>
+              </a:rPr>
+              <a:t>R_</a:t>
+            </a:r>
+            <a:r>
+              <a:rPr lang="zh-CN" altLang="en-US" sz="1600" b="1" dirty="0">
+                <a:latin typeface="微軟正黑體" panose="020B0604030504040204" pitchFamily="34" charset="-120"/>
+                <a:ea typeface="微軟正黑體" panose="020B0604030504040204" pitchFamily="34" charset="-120"/>
+              </a:rPr>
+              <a:t>危機</a:t>
+            </a:r>
+            <a:r>
+              <a:rPr lang="en-US" altLang="zh-CN" sz="1600" b="1" dirty="0">
+                <a:latin typeface="微軟正黑體" panose="020B0604030504040204" pitchFamily="34" charset="-120"/>
+                <a:ea typeface="微軟正黑體" panose="020B0604030504040204" pitchFamily="34" charset="-120"/>
+              </a:rPr>
+              <a:t>'</a:t>
+            </a:r>
+          </a:p>
+        </p:txBody>
+      </p:sp>
+      <p:sp>
+        <p:nvSpPr>
+          <p:cNvPr id="21" name="文字方塊 20">
+            <a:extLst>
+              <a:ext uri="{FF2B5EF4-FFF2-40B4-BE49-F238E27FC236}">
+                <a16:creationId xmlns:a16="http://schemas.microsoft.com/office/drawing/2014/main" id="{E4A6C54E-0D1E-9643-A58E-01E0DE8EC9DD}"/>
+              </a:ext>
+            </a:extLst>
+          </p:cNvPr>
+          <p:cNvSpPr txBox="1"/>
+          <p:nvPr/>
+        </p:nvSpPr>
+        <p:spPr>
+          <a:xfrm>
+            <a:off x="3331569" y="3353299"/>
+            <a:ext cx="2459631" cy="1569660"/>
+          </a:xfrm>
+          <a:prstGeom prst="rect">
+            <a:avLst/>
+          </a:prstGeom>
+          <a:noFill/>
+        </p:spPr>
+        <p:txBody>
+          <a:bodyPr wrap="square" rtlCol="0">
+            <a:spAutoFit/>
+          </a:bodyPr>
+          <a:lstStyle/>
+          <a:p>
+            <a:pPr marL="285750" indent="-285750">
+              <a:buFont typeface="Arial" panose="020B0604020202020204" pitchFamily="34" charset="0"/>
+              <a:buChar char="•"/>
+            </a:pPr>
+            <a:r>
+              <a:rPr lang="zh-CN" altLang="en-US" sz="1600" b="1" dirty="0">
+                <a:latin typeface="微軟正黑體" panose="020B0604030504040204" pitchFamily="34" charset="-120"/>
+                <a:ea typeface="微軟正黑體" panose="020B0604030504040204" pitchFamily="34" charset="-120"/>
+              </a:rPr>
+              <a:t>所有資料的</a:t>
+            </a:r>
+            <a:r>
+              <a:rPr lang="en-US" altLang="zh-TW" sz="1600" b="1" dirty="0">
+                <a:latin typeface="微軟正黑體" panose="020B0604030504040204" pitchFamily="34" charset="-120"/>
+                <a:ea typeface="微軟正黑體" panose="020B0604030504040204" pitchFamily="34" charset="-120"/>
+              </a:rPr>
+              <a:t>64%</a:t>
+            </a:r>
+            <a:r>
+              <a:rPr lang="zh-CN" altLang="en-US" sz="1600" b="1" dirty="0">
+                <a:latin typeface="微軟正黑體" panose="020B0604030504040204" pitchFamily="34" charset="-120"/>
+                <a:ea typeface="微軟正黑體" panose="020B0604030504040204" pitchFamily="34" charset="-120"/>
+              </a:rPr>
+              <a:t>作為訓練資料</a:t>
+            </a:r>
+            <a:endParaRPr lang="en-US" altLang="zh-CN" sz="1600" b="1" dirty="0">
+              <a:latin typeface="微軟正黑體" panose="020B0604030504040204" pitchFamily="34" charset="-120"/>
+              <a:ea typeface="微軟正黑體" panose="020B0604030504040204" pitchFamily="34" charset="-120"/>
+            </a:endParaRPr>
+          </a:p>
+          <a:p>
+            <a:pPr marL="285750" indent="-285750">
+              <a:buFont typeface="Arial" panose="020B0604020202020204" pitchFamily="34" charset="0"/>
+              <a:buChar char="•"/>
+            </a:pPr>
+            <a:r>
+              <a:rPr lang="zh-CN" altLang="en-US" sz="1600" b="1" dirty="0">
+                <a:latin typeface="微軟正黑體" panose="020B0604030504040204" pitchFamily="34" charset="-120"/>
+                <a:ea typeface="微軟正黑體" panose="020B0604030504040204" pitchFamily="34" charset="-120"/>
+              </a:rPr>
+              <a:t>所有資料的</a:t>
+            </a:r>
+            <a:r>
+              <a:rPr lang="en-US" altLang="zh-TW" sz="1600" b="1" dirty="0">
+                <a:latin typeface="微軟正黑體" panose="020B0604030504040204" pitchFamily="34" charset="-120"/>
+                <a:ea typeface="微軟正黑體" panose="020B0604030504040204" pitchFamily="34" charset="-120"/>
+              </a:rPr>
+              <a:t>16%</a:t>
+            </a:r>
+            <a:r>
+              <a:rPr lang="zh-CN" altLang="en-US" sz="1600" b="1" dirty="0">
+                <a:latin typeface="微軟正黑體" panose="020B0604030504040204" pitchFamily="34" charset="-120"/>
+                <a:ea typeface="微軟正黑體" panose="020B0604030504040204" pitchFamily="34" charset="-120"/>
+              </a:rPr>
+              <a:t>作為驗證集</a:t>
+            </a:r>
+            <a:endParaRPr lang="en-US" altLang="zh-CN" sz="1600" b="1" dirty="0">
+              <a:latin typeface="微軟正黑體" panose="020B0604030504040204" pitchFamily="34" charset="-120"/>
+              <a:ea typeface="微軟正黑體" panose="020B0604030504040204" pitchFamily="34" charset="-120"/>
+            </a:endParaRPr>
+          </a:p>
+          <a:p>
+            <a:pPr marL="285750" indent="-285750">
+              <a:buFont typeface="Arial" panose="020B0604020202020204" pitchFamily="34" charset="0"/>
+              <a:buChar char="•"/>
+            </a:pPr>
+            <a:r>
+              <a:rPr lang="zh-CN" altLang="en-US" sz="1600" b="1" dirty="0">
+                <a:latin typeface="微軟正黑體" panose="020B0604030504040204" pitchFamily="34" charset="-120"/>
+                <a:ea typeface="微軟正黑體" panose="020B0604030504040204" pitchFamily="34" charset="-120"/>
+              </a:rPr>
+              <a:t>所有資料的</a:t>
+            </a:r>
+            <a:r>
+              <a:rPr lang="en-US" altLang="zh-TW" sz="1600" b="1" dirty="0">
+                <a:latin typeface="微軟正黑體" panose="020B0604030504040204" pitchFamily="34" charset="-120"/>
+                <a:ea typeface="微軟正黑體" panose="020B0604030504040204" pitchFamily="34" charset="-120"/>
+              </a:rPr>
+              <a:t>20%</a:t>
+            </a:r>
+            <a:r>
+              <a:rPr lang="zh-CN" altLang="en-US" sz="1600" b="1" dirty="0">
+                <a:latin typeface="微軟正黑體" panose="020B0604030504040204" pitchFamily="34" charset="-120"/>
+                <a:ea typeface="微軟正黑體" panose="020B0604030504040204" pitchFamily="34" charset="-120"/>
+              </a:rPr>
+              <a:t>作為測試集</a:t>
+            </a:r>
+            <a:endParaRPr lang="zh-TW" altLang="en-US" dirty="0"/>
+          </a:p>
+        </p:txBody>
+      </p:sp>
+      <p:sp>
+        <p:nvSpPr>
+          <p:cNvPr id="22" name="文字方塊 21">
+            <a:extLst>
+              <a:ext uri="{FF2B5EF4-FFF2-40B4-BE49-F238E27FC236}">
+                <a16:creationId xmlns:a16="http://schemas.microsoft.com/office/drawing/2014/main" id="{71983A41-1FBA-1145-9BF9-B22A8A6422F6}"/>
+              </a:ext>
+            </a:extLst>
+          </p:cNvPr>
+          <p:cNvSpPr txBox="1"/>
+          <p:nvPr/>
+        </p:nvSpPr>
+        <p:spPr>
+          <a:xfrm>
+            <a:off x="6415350" y="3242358"/>
+            <a:ext cx="2454187" cy="2862322"/>
+          </a:xfrm>
+          <a:prstGeom prst="rect">
+            <a:avLst/>
+          </a:prstGeom>
+          <a:noFill/>
+        </p:spPr>
+        <p:txBody>
+          <a:bodyPr wrap="square" rtlCol="0">
+            <a:spAutoFit/>
+          </a:bodyPr>
+          <a:lstStyle/>
+          <a:p>
+            <a:r>
+              <a:rPr lang="zh-CN" altLang="en-US" b="1" dirty="0">
+                <a:latin typeface="微軟正黑體" panose="020B0604030504040204" pitchFamily="34" charset="-120"/>
+                <a:ea typeface="微軟正黑體" panose="020B0604030504040204" pitchFamily="34" charset="-120"/>
+              </a:rPr>
+              <a:t>由於大事件類別的分布相當不平衡，所以我們使用了以下兩種方法來處理資料不平衡的問題</a:t>
+            </a:r>
+            <a:endParaRPr lang="en-US" altLang="zh-TW" b="1" dirty="0">
+              <a:latin typeface="微軟正黑體" panose="020B0604030504040204" pitchFamily="34" charset="-120"/>
+              <a:ea typeface="微軟正黑體" panose="020B0604030504040204" pitchFamily="34" charset="-120"/>
+            </a:endParaRPr>
+          </a:p>
+          <a:p>
+            <a:r>
+              <a:rPr lang="en-US" altLang="zh-TW" b="1" dirty="0">
+                <a:latin typeface="微軟正黑體" panose="020B0604030504040204" pitchFamily="34" charset="-120"/>
+                <a:ea typeface="微軟正黑體" panose="020B0604030504040204" pitchFamily="34" charset="-120"/>
+              </a:rPr>
+              <a:t>1.</a:t>
+            </a:r>
+            <a:r>
+              <a:rPr lang="zh-TW" altLang="en-US" b="1" dirty="0">
+                <a:latin typeface="微軟正黑體" panose="020B0604030504040204" pitchFamily="34" charset="-120"/>
+                <a:ea typeface="微軟正黑體" panose="020B0604030504040204" pitchFamily="34" charset="-120"/>
+              </a:rPr>
+              <a:t> 使用</a:t>
+            </a:r>
+            <a:r>
+              <a:rPr lang="en-US" altLang="zh-TW" b="1" dirty="0">
+                <a:latin typeface="微軟正黑體" panose="020B0604030504040204" pitchFamily="34" charset="-120"/>
+                <a:ea typeface="微軟正黑體" panose="020B0604030504040204" pitchFamily="34" charset="-120"/>
+              </a:rPr>
+              <a:t>Oversampling</a:t>
+            </a:r>
+          </a:p>
+          <a:p>
+            <a:r>
+              <a:rPr lang="en-US" altLang="zh-TW" b="1" dirty="0">
+                <a:latin typeface="微軟正黑體" panose="020B0604030504040204" pitchFamily="34" charset="-120"/>
+                <a:ea typeface="微軟正黑體" panose="020B0604030504040204" pitchFamily="34" charset="-120"/>
+              </a:rPr>
+              <a:t>2. </a:t>
+            </a:r>
+            <a:r>
+              <a:rPr lang="zh-CN" altLang="en-US" b="1" dirty="0">
+                <a:latin typeface="微軟正黑體" panose="020B0604030504040204" pitchFamily="34" charset="-120"/>
+                <a:ea typeface="微軟正黑體" panose="020B0604030504040204" pitchFamily="34" charset="-120"/>
+              </a:rPr>
+              <a:t>調整損失函數（</a:t>
+            </a:r>
+            <a:r>
+              <a:rPr lang="en-US" altLang="zh-CN" b="1" dirty="0">
+                <a:latin typeface="微軟正黑體" panose="020B0604030504040204" pitchFamily="34" charset="-120"/>
+                <a:ea typeface="微軟正黑體" panose="020B0604030504040204" pitchFamily="34" charset="-120"/>
+              </a:rPr>
+              <a:t>loss function</a:t>
+            </a:r>
+            <a:r>
+              <a:rPr lang="zh-CN" altLang="en-US" b="1" dirty="0">
+                <a:latin typeface="微軟正黑體" panose="020B0604030504040204" pitchFamily="34" charset="-120"/>
+                <a:ea typeface="微軟正黑體" panose="020B0604030504040204" pitchFamily="34" charset="-120"/>
+              </a:rPr>
+              <a:t>）的權重</a:t>
+            </a:r>
+            <a:endParaRPr lang="en-US" altLang="zh-TW" b="1" dirty="0">
+              <a:latin typeface="微軟正黑體" panose="020B0604030504040204" pitchFamily="34" charset="-120"/>
+              <a:ea typeface="微軟正黑體" panose="020B0604030504040204" pitchFamily="34" charset="-120"/>
+            </a:endParaRPr>
+          </a:p>
+          <a:p>
+            <a:endParaRPr lang="zh-TW" altLang="en-US" dirty="0"/>
+          </a:p>
+        </p:txBody>
+      </p:sp>
+    </p:spTree>
+    <p:extLst>
+      <p:ext uri="{BB962C8B-B14F-4D97-AF65-F5344CB8AC3E}">
+        <p14:creationId xmlns:p14="http://schemas.microsoft.com/office/powerpoint/2010/main" val="3590594642"/>
+      </p:ext>
+    </p:extLst>
+  </p:cSld>
+  <p:clrMapOvr>
+    <a:masterClrMapping/>
+  </p:clrMapOvr>
+</p:sld>
+</file>
+
+<file path=ppt/slides/slide22.xml><?xml version="1.0" encoding="utf-8"?>
+<p:sld xmlns:a="http://schemas.openxmlformats.org/drawingml/2006/main" xmlns:r="http://schemas.openxmlformats.org/officeDocument/2006/relationships" xmlns:p="http://schemas.openxmlformats.org/presentationml/2006/main">
+  <p:cSld>
+    <p:spTree>
+      <p:nvGrpSpPr>
+        <p:cNvPr id="1" name=""/>
+        <p:cNvGrpSpPr/>
+        <p:nvPr/>
+      </p:nvGrpSpPr>
+      <p:grpSpPr>
+        <a:xfrm>
+          <a:off x="0" y="0"/>
+          <a:ext cx="0" cy="0"/>
+          <a:chOff x="0" y="0"/>
+          <a:chExt cx="0" cy="0"/>
+        </a:xfrm>
+      </p:grpSpPr>
+      <p:sp>
+        <p:nvSpPr>
+          <p:cNvPr id="4" name="日期版面配置區 3">
+            <a:extLst>
+              <a:ext uri="{FF2B5EF4-FFF2-40B4-BE49-F238E27FC236}">
+                <a16:creationId xmlns:a16="http://schemas.microsoft.com/office/drawing/2014/main" id="{285B31FA-CCB5-ED41-8876-47FA5EE2ABAC}"/>
+              </a:ext>
+            </a:extLst>
+          </p:cNvPr>
+          <p:cNvSpPr>
+            <a:spLocks noGrp="1"/>
+          </p:cNvSpPr>
+          <p:nvPr>
+            <p:ph type="dt" sz="half" idx="10"/>
+          </p:nvPr>
+        </p:nvSpPr>
+        <p:spPr/>
+        <p:txBody>
+          <a:bodyPr/>
+          <a:lstStyle/>
+          <a:p>
+            <a:fld id="{868F4FC5-FE50-A64D-A7E3-22233A0C6925}" type="datetime1">
+              <a:rPr kumimoji="1" lang="zh-TW" altLang="en-US" smtClean="0"/>
+              <a:pPr/>
+              <a:t>2020/6/18</a:t>
+            </a:fld>
+            <a:endParaRPr kumimoji="1" lang="zh-TW" altLang="en-US" dirty="0"/>
+          </a:p>
+        </p:txBody>
+      </p:sp>
+      <p:sp>
+        <p:nvSpPr>
+          <p:cNvPr id="5" name="投影片編號版面配置區 4">
+            <a:extLst>
+              <a:ext uri="{FF2B5EF4-FFF2-40B4-BE49-F238E27FC236}">
+                <a16:creationId xmlns:a16="http://schemas.microsoft.com/office/drawing/2014/main" id="{105C58B2-7F10-8745-B700-1A1C6D51A714}"/>
+              </a:ext>
+            </a:extLst>
+          </p:cNvPr>
+          <p:cNvSpPr>
+            <a:spLocks noGrp="1"/>
+          </p:cNvSpPr>
+          <p:nvPr>
+            <p:ph type="sldNum" sz="quarter" idx="12"/>
+          </p:nvPr>
+        </p:nvSpPr>
+        <p:spPr/>
+        <p:txBody>
+          <a:bodyPr/>
+          <a:lstStyle/>
+          <a:p>
+            <a:fld id="{80929F01-733D-5847-83A7-C9CEA74310DB}" type="slidenum">
+              <a:rPr kumimoji="1" lang="zh-TW" altLang="en-US" smtClean="0"/>
+              <a:pPr/>
+              <a:t>22</a:t>
             </a:fld>
             <a:endParaRPr kumimoji="1" lang="zh-TW" altLang="en-US" dirty="0"/>
           </a:p>
@@ -10533,7 +10940,7 @@
 </p:sld>
 </file>
 
-<file path=ppt/slides/slide21.xml><?xml version="1.0" encoding="utf-8"?>
+<file path=ppt/slides/slide23.xml><?xml version="1.0" encoding="utf-8"?>
 <p:sld xmlns:a="http://schemas.openxmlformats.org/drawingml/2006/main" xmlns:r="http://schemas.openxmlformats.org/officeDocument/2006/relationships" xmlns:p="http://schemas.openxmlformats.org/presentationml/2006/main">
   <p:cSld>
     <p:spTree>
@@ -10604,7 +11011,7 @@
             <a:fld id="{80929F01-733D-5847-83A7-C9CEA74310DB}" type="slidenum">
               <a:rPr kumimoji="1" lang="zh-TW" altLang="en-US" smtClean="0"/>
               <a:pPr/>
-              <a:t>21</a:t>
+              <a:t>23</a:t>
             </a:fld>
             <a:endParaRPr kumimoji="1" lang="zh-TW" altLang="en-US" dirty="0"/>
           </a:p>
@@ -12204,7 +12611,7 @@
 </p:sld>
 </file>
 
-<file path=ppt/slides/slide22.xml><?xml version="1.0" encoding="utf-8"?>
+<file path=ppt/slides/slide24.xml><?xml version="1.0" encoding="utf-8"?>
 <p:sld xmlns:a="http://schemas.openxmlformats.org/drawingml/2006/main" xmlns:r="http://schemas.openxmlformats.org/officeDocument/2006/relationships" xmlns:p="http://schemas.openxmlformats.org/presentationml/2006/main">
   <p:cSld>
     <p:spTree>
@@ -13247,7 +13654,7 @@
 </p:sld>
 </file>
 
-<file path=ppt/slides/slide23.xml><?xml version="1.0" encoding="utf-8"?>
+<file path=ppt/slides/slide25.xml><?xml version="1.0" encoding="utf-8"?>
 <p:sld xmlns:a="http://schemas.openxmlformats.org/drawingml/2006/main" xmlns:r="http://schemas.openxmlformats.org/officeDocument/2006/relationships" xmlns:p="http://schemas.openxmlformats.org/presentationml/2006/main">
   <p:cSld>
     <p:spTree>
@@ -13318,7 +13725,7 @@
             <a:fld id="{80929F01-733D-5847-83A7-C9CEA74310DB}" type="slidenum">
               <a:rPr kumimoji="1" lang="zh-TW" altLang="en-US" smtClean="0"/>
               <a:pPr/>
-              <a:t>23</a:t>
+              <a:t>25</a:t>
             </a:fld>
             <a:endParaRPr kumimoji="1" lang="zh-TW" altLang="en-US" dirty="0"/>
           </a:p>
@@ -14064,7 +14471,7 @@
 </p:sld>
 </file>
 
-<file path=ppt/slides/slide24.xml><?xml version="1.0" encoding="utf-8"?>
+<file path=ppt/slides/slide26.xml><?xml version="1.0" encoding="utf-8"?>
 <p:sld xmlns:a="http://schemas.openxmlformats.org/drawingml/2006/main" xmlns:r="http://schemas.openxmlformats.org/officeDocument/2006/relationships" xmlns:p="http://schemas.openxmlformats.org/presentationml/2006/main">
   <p:cSld>
     <p:spTree>
@@ -14135,7 +14542,7 @@
             <a:fld id="{80929F01-733D-5847-83A7-C9CEA74310DB}" type="slidenum">
               <a:rPr kumimoji="1" lang="zh-TW" altLang="en-US" smtClean="0"/>
               <a:pPr/>
-              <a:t>24</a:t>
+              <a:t>26</a:t>
             </a:fld>
             <a:endParaRPr kumimoji="1" lang="zh-TW" altLang="en-US" dirty="0"/>
           </a:p>
@@ -14611,7 +15018,7 @@
 </p:sld>
 </file>
 
-<file path=ppt/slides/slide25.xml><?xml version="1.0" encoding="utf-8"?>
+<file path=ppt/slides/slide27.xml><?xml version="1.0" encoding="utf-8"?>
 <p:sld xmlns:a="http://schemas.openxmlformats.org/drawingml/2006/main" xmlns:r="http://schemas.openxmlformats.org/officeDocument/2006/relationships" xmlns:p="http://schemas.openxmlformats.org/presentationml/2006/main">
   <p:cSld>
     <p:spTree>
@@ -14682,7 +15089,7 @@
             <a:fld id="{80929F01-733D-5847-83A7-C9CEA74310DB}" type="slidenum">
               <a:rPr kumimoji="1" lang="zh-TW" altLang="en-US" smtClean="0"/>
               <a:pPr/>
-              <a:t>25</a:t>
+              <a:t>27</a:t>
             </a:fld>
             <a:endParaRPr kumimoji="1" lang="zh-TW" altLang="en-US" dirty="0"/>
           </a:p>
@@ -18618,7 +19025,7 @@
 </p:sld>
 </file>
 
-<file path=ppt/slides/slide26.xml><?xml version="1.0" encoding="utf-8"?>
+<file path=ppt/slides/slide28.xml><?xml version="1.0" encoding="utf-8"?>
 <p:sld xmlns:a="http://schemas.openxmlformats.org/drawingml/2006/main" xmlns:r="http://schemas.openxmlformats.org/officeDocument/2006/relationships" xmlns:p="http://schemas.openxmlformats.org/presentationml/2006/main">
   <p:cSld>
     <p:spTree>
@@ -18689,7 +19096,7 @@
             <a:fld id="{80929F01-733D-5847-83A7-C9CEA74310DB}" type="slidenum">
               <a:rPr kumimoji="1" lang="zh-TW" altLang="en-US" smtClean="0"/>
               <a:pPr/>
-              <a:t>26</a:t>
+              <a:t>28</a:t>
             </a:fld>
             <a:endParaRPr kumimoji="1" lang="zh-TW" altLang="en-US" dirty="0"/>
           </a:p>
@@ -19840,7 +20247,7 @@
 </p:sld>
 </file>
 
-<file path=ppt/slides/slide27.xml><?xml version="1.0" encoding="utf-8"?>
+<file path=ppt/slides/slide29.xml><?xml version="1.0" encoding="utf-8"?>
 <p:sld xmlns:a="http://schemas.openxmlformats.org/drawingml/2006/main" xmlns:r="http://schemas.openxmlformats.org/officeDocument/2006/relationships" xmlns:p="http://schemas.openxmlformats.org/presentationml/2006/main">
   <p:cSld>
     <p:spTree>
@@ -19911,7 +20318,7 @@
             <a:fld id="{80929F01-733D-5847-83A7-C9CEA74310DB}" type="slidenum">
               <a:rPr kumimoji="1" lang="zh-TW" altLang="en-US" smtClean="0"/>
               <a:pPr/>
-              <a:t>27</a:t>
+              <a:t>29</a:t>
             </a:fld>
             <a:endParaRPr kumimoji="1" lang="zh-TW" altLang="en-US" dirty="0"/>
           </a:p>
@@ -20392,7 +20799,184 @@
 </p:sld>
 </file>
 
-<file path=ppt/slides/slide28.xml><?xml version="1.0" encoding="utf-8"?>
+<file path=ppt/slides/slide3.xml><?xml version="1.0" encoding="utf-8"?>
+<p:sld xmlns:a="http://schemas.openxmlformats.org/drawingml/2006/main" xmlns:r="http://schemas.openxmlformats.org/officeDocument/2006/relationships" xmlns:p="http://schemas.openxmlformats.org/presentationml/2006/main">
+  <p:cSld>
+    <p:spTree>
+      <p:nvGrpSpPr>
+        <p:cNvPr id="1" name=""/>
+        <p:cNvGrpSpPr/>
+        <p:nvPr/>
+      </p:nvGrpSpPr>
+      <p:grpSpPr>
+        <a:xfrm>
+          <a:off x="0" y="0"/>
+          <a:ext cx="0" cy="0"/>
+          <a:chOff x="0" y="0"/>
+          <a:chExt cx="0" cy="0"/>
+        </a:xfrm>
+      </p:grpSpPr>
+      <p:sp>
+        <p:nvSpPr>
+          <p:cNvPr id="4" name="標題 3">
+            <a:extLst>
+              <a:ext uri="{FF2B5EF4-FFF2-40B4-BE49-F238E27FC236}">
+                <a16:creationId xmlns:a16="http://schemas.microsoft.com/office/drawing/2014/main" id="{65D8D0B7-A88F-8444-A50B-614843E904C6}"/>
+              </a:ext>
+            </a:extLst>
+          </p:cNvPr>
+          <p:cNvSpPr>
+            <a:spLocks noGrp="1"/>
+          </p:cNvSpPr>
+          <p:nvPr>
+            <p:ph type="title"/>
+          </p:nvPr>
+        </p:nvSpPr>
+        <p:spPr/>
+        <p:txBody>
+          <a:bodyPr/>
+          <a:lstStyle/>
+          <a:p>
+            <a:r>
+              <a:rPr lang="en-US" altLang="zh-TW" dirty="0">
+                <a:solidFill>
+                  <a:srgbClr val="4AAC99"/>
+                </a:solidFill>
+                <a:latin typeface="Microsoft JhengHei" panose="020B0604030504040204" pitchFamily="34" charset="-120"/>
+              </a:rPr>
+              <a:t>01</a:t>
+            </a:r>
+            <a:endParaRPr lang="zh-TW" altLang="en-US" dirty="0">
+              <a:solidFill>
+                <a:srgbClr val="4AAC99"/>
+              </a:solidFill>
+              <a:latin typeface="Microsoft JhengHei" panose="020B0604030504040204" pitchFamily="34" charset="-120"/>
+            </a:endParaRPr>
+          </a:p>
+        </p:txBody>
+      </p:sp>
+      <p:sp>
+        <p:nvSpPr>
+          <p:cNvPr id="5" name="文字版面配置區 4">
+            <a:extLst>
+              <a:ext uri="{FF2B5EF4-FFF2-40B4-BE49-F238E27FC236}">
+                <a16:creationId xmlns:a16="http://schemas.microsoft.com/office/drawing/2014/main" id="{001D45A4-756B-054A-88C9-BD20D1A2C25B}"/>
+              </a:ext>
+            </a:extLst>
+          </p:cNvPr>
+          <p:cNvSpPr>
+            <a:spLocks noGrp="1"/>
+          </p:cNvSpPr>
+          <p:nvPr>
+            <p:ph type="body" sz="quarter" idx="13"/>
+          </p:nvPr>
+        </p:nvSpPr>
+        <p:spPr>
+          <a:xfrm>
+            <a:off x="2104373" y="3171031"/>
+            <a:ext cx="4982227" cy="515938"/>
+          </a:xfrm>
+        </p:spPr>
+        <p:txBody>
+          <a:bodyPr/>
+          <a:lstStyle/>
+          <a:p>
+            <a:r>
+              <a:rPr lang="zh-TW" altLang="en-US" dirty="0">
+                <a:latin typeface="Microsoft JhengHei" panose="020B0604030504040204" pitchFamily="34" charset="-120"/>
+                <a:ea typeface="Microsoft JhengHei" panose="020B0604030504040204" pitchFamily="34" charset="-120"/>
+              </a:rPr>
+              <a:t>現有問題描述</a:t>
+            </a:r>
+          </a:p>
+        </p:txBody>
+      </p:sp>
+      <p:sp>
+        <p:nvSpPr>
+          <p:cNvPr id="7" name="文字版面配置區 5">
+            <a:extLst>
+              <a:ext uri="{FF2B5EF4-FFF2-40B4-BE49-F238E27FC236}">
+                <a16:creationId xmlns:a16="http://schemas.microsoft.com/office/drawing/2014/main" id="{CF12E081-28BC-3540-9573-6482A85FF98C}"/>
+              </a:ext>
+            </a:extLst>
+          </p:cNvPr>
+          <p:cNvSpPr>
+            <a:spLocks noGrp="1"/>
+          </p:cNvSpPr>
+          <p:nvPr>
+            <p:ph type="body" sz="quarter" idx="14"/>
+          </p:nvPr>
+        </p:nvSpPr>
+        <p:spPr>
+          <a:xfrm>
+            <a:off x="2801910" y="3872345"/>
+            <a:ext cx="3540179" cy="515938"/>
+          </a:xfrm>
+        </p:spPr>
+        <p:txBody>
+          <a:bodyPr/>
+          <a:lstStyle/>
+          <a:p>
+            <a:r>
+              <a:rPr lang="zh-CN" altLang="en-US" dirty="0">
+                <a:latin typeface="Microsoft JhengHei" panose="020B0604030504040204" pitchFamily="34" charset="-120"/>
+                <a:ea typeface="Microsoft JhengHei" panose="020B0604030504040204" pitchFamily="34" charset="-120"/>
+              </a:rPr>
+              <a:t>新聞重要性篩選</a:t>
+            </a:r>
+            <a:endParaRPr lang="en-US" altLang="zh-CN" dirty="0">
+              <a:latin typeface="Microsoft JhengHei" panose="020B0604030504040204" pitchFamily="34" charset="-120"/>
+              <a:ea typeface="Microsoft JhengHei" panose="020B0604030504040204" pitchFamily="34" charset="-120"/>
+            </a:endParaRPr>
+          </a:p>
+          <a:p>
+            <a:r>
+              <a:rPr lang="zh-CN" altLang="en-US" dirty="0">
+                <a:latin typeface="Microsoft JhengHei" panose="020B0604030504040204" pitchFamily="34" charset="-120"/>
+                <a:ea typeface="Microsoft JhengHei" panose="020B0604030504040204" pitchFamily="34" charset="-120"/>
+              </a:rPr>
+              <a:t>評分延遲</a:t>
+            </a:r>
+            <a:endParaRPr lang="en-US" altLang="zh-CN" dirty="0">
+              <a:latin typeface="Microsoft JhengHei" panose="020B0604030504040204" pitchFamily="34" charset="-120"/>
+              <a:ea typeface="Microsoft JhengHei" panose="020B0604030504040204" pitchFamily="34" charset="-120"/>
+            </a:endParaRPr>
+          </a:p>
+          <a:p>
+            <a:r>
+              <a:rPr lang="zh-CN" altLang="en-US" dirty="0">
+                <a:latin typeface="Microsoft JhengHei" panose="020B0604030504040204" pitchFamily="34" charset="-120"/>
+                <a:ea typeface="Microsoft JhengHei" panose="020B0604030504040204" pitchFamily="34" charset="-120"/>
+              </a:rPr>
+              <a:t>專家看法不一致</a:t>
+            </a:r>
+            <a:endParaRPr lang="en-US" altLang="zh-CN" dirty="0">
+              <a:latin typeface="Microsoft JhengHei" panose="020B0604030504040204" pitchFamily="34" charset="-120"/>
+              <a:ea typeface="Microsoft JhengHei" panose="020B0604030504040204" pitchFamily="34" charset="-120"/>
+            </a:endParaRPr>
+          </a:p>
+          <a:p>
+            <a:endParaRPr lang="zh-CN" altLang="en-US" dirty="0">
+              <a:latin typeface="Microsoft JhengHei" panose="020B0604030504040204" pitchFamily="34" charset="-120"/>
+              <a:ea typeface="Microsoft JhengHei" panose="020B0604030504040204" pitchFamily="34" charset="-120"/>
+            </a:endParaRPr>
+          </a:p>
+        </p:txBody>
+      </p:sp>
+    </p:spTree>
+    <p:extLst>
+      <p:ext uri="{BB962C8B-B14F-4D97-AF65-F5344CB8AC3E}">
+        <p14:creationId xmlns:p14="http://schemas.microsoft.com/office/powerpoint/2010/main" val="1277360429"/>
+      </p:ext>
+    </p:extLst>
+  </p:cSld>
+  <p:clrMapOvr>
+    <a:masterClrMapping/>
+  </p:clrMapOvr>
+</p:sld>
+</file>
+
+<file path=ppt/slides/slide30.xml><?xml version="1.0" encoding="utf-8"?>
 <p:sld xmlns:a="http://schemas.openxmlformats.org/drawingml/2006/main" xmlns:r="http://schemas.openxmlformats.org/officeDocument/2006/relationships" xmlns:p="http://schemas.openxmlformats.org/presentationml/2006/main">
   <p:cSld>
     <p:spTree>
@@ -20463,7 +21047,7 @@
             <a:fld id="{80929F01-733D-5847-83A7-C9CEA74310DB}" type="slidenum">
               <a:rPr kumimoji="1" lang="zh-TW" altLang="en-US" smtClean="0"/>
               <a:pPr/>
-              <a:t>28</a:t>
+              <a:t>30</a:t>
             </a:fld>
             <a:endParaRPr kumimoji="1" lang="zh-TW" altLang="en-US" dirty="0"/>
           </a:p>
@@ -22242,7 +22826,7 @@
 </p:sld>
 </file>
 
-<file path=ppt/slides/slide29.xml><?xml version="1.0" encoding="utf-8"?>
+<file path=ppt/slides/slide31.xml><?xml version="1.0" encoding="utf-8"?>
 <p:sld xmlns:a="http://schemas.openxmlformats.org/drawingml/2006/main" xmlns:r="http://schemas.openxmlformats.org/officeDocument/2006/relationships" xmlns:p="http://schemas.openxmlformats.org/presentationml/2006/main">
   <p:cSld>
     <p:spTree>
@@ -22364,7 +22948,7 @@
             <a:fld id="{80929F01-733D-5847-83A7-C9CEA74310DB}" type="slidenum">
               <a:rPr kumimoji="1" lang="zh-TW" altLang="en-US" smtClean="0"/>
               <a:pPr/>
-              <a:t>29</a:t>
+              <a:t>31</a:t>
             </a:fld>
             <a:endParaRPr kumimoji="1" lang="zh-TW" altLang="en-US" dirty="0"/>
           </a:p>
@@ -23092,184 +23676,7 @@
 </p:sld>
 </file>
 
-<file path=ppt/slides/slide3.xml><?xml version="1.0" encoding="utf-8"?>
-<p:sld xmlns:a="http://schemas.openxmlformats.org/drawingml/2006/main" xmlns:r="http://schemas.openxmlformats.org/officeDocument/2006/relationships" xmlns:p="http://schemas.openxmlformats.org/presentationml/2006/main">
-  <p:cSld>
-    <p:spTree>
-      <p:nvGrpSpPr>
-        <p:cNvPr id="1" name=""/>
-        <p:cNvGrpSpPr/>
-        <p:nvPr/>
-      </p:nvGrpSpPr>
-      <p:grpSpPr>
-        <a:xfrm>
-          <a:off x="0" y="0"/>
-          <a:ext cx="0" cy="0"/>
-          <a:chOff x="0" y="0"/>
-          <a:chExt cx="0" cy="0"/>
-        </a:xfrm>
-      </p:grpSpPr>
-      <p:sp>
-        <p:nvSpPr>
-          <p:cNvPr id="4" name="標題 3">
-            <a:extLst>
-              <a:ext uri="{FF2B5EF4-FFF2-40B4-BE49-F238E27FC236}">
-                <a16:creationId xmlns:a16="http://schemas.microsoft.com/office/drawing/2014/main" id="{65D8D0B7-A88F-8444-A50B-614843E904C6}"/>
-              </a:ext>
-            </a:extLst>
-          </p:cNvPr>
-          <p:cNvSpPr>
-            <a:spLocks noGrp="1"/>
-          </p:cNvSpPr>
-          <p:nvPr>
-            <p:ph type="title"/>
-          </p:nvPr>
-        </p:nvSpPr>
-        <p:spPr/>
-        <p:txBody>
-          <a:bodyPr/>
-          <a:lstStyle/>
-          <a:p>
-            <a:r>
-              <a:rPr lang="en-US" altLang="zh-TW" dirty="0">
-                <a:solidFill>
-                  <a:srgbClr val="4AAC99"/>
-                </a:solidFill>
-                <a:latin typeface="Microsoft JhengHei" panose="020B0604030504040204" pitchFamily="34" charset="-120"/>
-              </a:rPr>
-              <a:t>01</a:t>
-            </a:r>
-            <a:endParaRPr lang="zh-TW" altLang="en-US" dirty="0">
-              <a:solidFill>
-                <a:srgbClr val="4AAC99"/>
-              </a:solidFill>
-              <a:latin typeface="Microsoft JhengHei" panose="020B0604030504040204" pitchFamily="34" charset="-120"/>
-            </a:endParaRPr>
-          </a:p>
-        </p:txBody>
-      </p:sp>
-      <p:sp>
-        <p:nvSpPr>
-          <p:cNvPr id="5" name="文字版面配置區 4">
-            <a:extLst>
-              <a:ext uri="{FF2B5EF4-FFF2-40B4-BE49-F238E27FC236}">
-                <a16:creationId xmlns:a16="http://schemas.microsoft.com/office/drawing/2014/main" id="{001D45A4-756B-054A-88C9-BD20D1A2C25B}"/>
-              </a:ext>
-            </a:extLst>
-          </p:cNvPr>
-          <p:cNvSpPr>
-            <a:spLocks noGrp="1"/>
-          </p:cNvSpPr>
-          <p:nvPr>
-            <p:ph type="body" sz="quarter" idx="13"/>
-          </p:nvPr>
-        </p:nvSpPr>
-        <p:spPr>
-          <a:xfrm>
-            <a:off x="2104373" y="3171031"/>
-            <a:ext cx="4982227" cy="515938"/>
-          </a:xfrm>
-        </p:spPr>
-        <p:txBody>
-          <a:bodyPr/>
-          <a:lstStyle/>
-          <a:p>
-            <a:r>
-              <a:rPr lang="zh-TW" altLang="en-US" dirty="0">
-                <a:latin typeface="Microsoft JhengHei" panose="020B0604030504040204" pitchFamily="34" charset="-120"/>
-                <a:ea typeface="Microsoft JhengHei" panose="020B0604030504040204" pitchFamily="34" charset="-120"/>
-              </a:rPr>
-              <a:t>現有問題描述</a:t>
-            </a:r>
-          </a:p>
-        </p:txBody>
-      </p:sp>
-      <p:sp>
-        <p:nvSpPr>
-          <p:cNvPr id="7" name="文字版面配置區 5">
-            <a:extLst>
-              <a:ext uri="{FF2B5EF4-FFF2-40B4-BE49-F238E27FC236}">
-                <a16:creationId xmlns:a16="http://schemas.microsoft.com/office/drawing/2014/main" id="{CF12E081-28BC-3540-9573-6482A85FF98C}"/>
-              </a:ext>
-            </a:extLst>
-          </p:cNvPr>
-          <p:cNvSpPr>
-            <a:spLocks noGrp="1"/>
-          </p:cNvSpPr>
-          <p:nvPr>
-            <p:ph type="body" sz="quarter" idx="14"/>
-          </p:nvPr>
-        </p:nvSpPr>
-        <p:spPr>
-          <a:xfrm>
-            <a:off x="2801910" y="3872345"/>
-            <a:ext cx="3540179" cy="515938"/>
-          </a:xfrm>
-        </p:spPr>
-        <p:txBody>
-          <a:bodyPr/>
-          <a:lstStyle/>
-          <a:p>
-            <a:r>
-              <a:rPr lang="zh-CN" altLang="en-US" dirty="0">
-                <a:latin typeface="Microsoft JhengHei" panose="020B0604030504040204" pitchFamily="34" charset="-120"/>
-                <a:ea typeface="Microsoft JhengHei" panose="020B0604030504040204" pitchFamily="34" charset="-120"/>
-              </a:rPr>
-              <a:t>新聞重要性篩選</a:t>
-            </a:r>
-            <a:endParaRPr lang="en-US" altLang="zh-CN" dirty="0">
-              <a:latin typeface="Microsoft JhengHei" panose="020B0604030504040204" pitchFamily="34" charset="-120"/>
-              <a:ea typeface="Microsoft JhengHei" panose="020B0604030504040204" pitchFamily="34" charset="-120"/>
-            </a:endParaRPr>
-          </a:p>
-          <a:p>
-            <a:r>
-              <a:rPr lang="zh-CN" altLang="en-US" dirty="0">
-                <a:latin typeface="Microsoft JhengHei" panose="020B0604030504040204" pitchFamily="34" charset="-120"/>
-                <a:ea typeface="Microsoft JhengHei" panose="020B0604030504040204" pitchFamily="34" charset="-120"/>
-              </a:rPr>
-              <a:t>評分延遲</a:t>
-            </a:r>
-            <a:endParaRPr lang="en-US" altLang="zh-CN" dirty="0">
-              <a:latin typeface="Microsoft JhengHei" panose="020B0604030504040204" pitchFamily="34" charset="-120"/>
-              <a:ea typeface="Microsoft JhengHei" panose="020B0604030504040204" pitchFamily="34" charset="-120"/>
-            </a:endParaRPr>
-          </a:p>
-          <a:p>
-            <a:r>
-              <a:rPr lang="zh-CN" altLang="en-US" dirty="0">
-                <a:latin typeface="Microsoft JhengHei" panose="020B0604030504040204" pitchFamily="34" charset="-120"/>
-                <a:ea typeface="Microsoft JhengHei" panose="020B0604030504040204" pitchFamily="34" charset="-120"/>
-              </a:rPr>
-              <a:t>專家看法不一致</a:t>
-            </a:r>
-            <a:endParaRPr lang="en-US" altLang="zh-CN" dirty="0">
-              <a:latin typeface="Microsoft JhengHei" panose="020B0604030504040204" pitchFamily="34" charset="-120"/>
-              <a:ea typeface="Microsoft JhengHei" panose="020B0604030504040204" pitchFamily="34" charset="-120"/>
-            </a:endParaRPr>
-          </a:p>
-          <a:p>
-            <a:endParaRPr lang="zh-CN" altLang="en-US" dirty="0">
-              <a:latin typeface="Microsoft JhengHei" panose="020B0604030504040204" pitchFamily="34" charset="-120"/>
-              <a:ea typeface="Microsoft JhengHei" panose="020B0604030504040204" pitchFamily="34" charset="-120"/>
-            </a:endParaRPr>
-          </a:p>
-        </p:txBody>
-      </p:sp>
-    </p:spTree>
-    <p:extLst>
-      <p:ext uri="{BB962C8B-B14F-4D97-AF65-F5344CB8AC3E}">
-        <p14:creationId xmlns:p14="http://schemas.microsoft.com/office/powerpoint/2010/main" val="1277360429"/>
-      </p:ext>
-    </p:extLst>
-  </p:cSld>
-  <p:clrMapOvr>
-    <a:masterClrMapping/>
-  </p:clrMapOvr>
-</p:sld>
-</file>
-
-<file path=ppt/slides/slide30.xml><?xml version="1.0" encoding="utf-8"?>
+<file path=ppt/slides/slide32.xml><?xml version="1.0" encoding="utf-8"?>
 <p:sld xmlns:a="http://schemas.openxmlformats.org/drawingml/2006/main" xmlns:r="http://schemas.openxmlformats.org/officeDocument/2006/relationships" xmlns:p="http://schemas.openxmlformats.org/presentationml/2006/main">
   <p:cSld>
     <p:spTree>
@@ -23372,7 +23779,7 @@
             <a:fld id="{80929F01-733D-5847-83A7-C9CEA74310DB}" type="slidenum">
               <a:rPr kumimoji="1" lang="zh-TW" altLang="en-US" smtClean="0"/>
               <a:pPr/>
-              <a:t>30</a:t>
+              <a:t>32</a:t>
             </a:fld>
             <a:endParaRPr kumimoji="1" lang="zh-TW" altLang="en-US" dirty="0"/>
           </a:p>
@@ -24408,7 +24815,7 @@
 </p:sld>
 </file>
 
-<file path=ppt/slides/slide31.xml><?xml version="1.0" encoding="utf-8"?>
+<file path=ppt/slides/slide33.xml><?xml version="1.0" encoding="utf-8"?>
 <p:sld xmlns:a="http://schemas.openxmlformats.org/drawingml/2006/main" xmlns:r="http://schemas.openxmlformats.org/officeDocument/2006/relationships" xmlns:p="http://schemas.openxmlformats.org/presentationml/2006/main">
   <p:cSld>
     <p:spTree>
@@ -24584,7 +24991,7 @@
             <a:fld id="{80929F01-733D-5847-83A7-C9CEA74310DB}" type="slidenum">
               <a:rPr kumimoji="1" lang="zh-TW" altLang="en-US" smtClean="0"/>
               <a:pPr/>
-              <a:t>31</a:t>
+              <a:t>33</a:t>
             </a:fld>
             <a:endParaRPr kumimoji="1" lang="zh-TW" altLang="en-US" dirty="0"/>
           </a:p>
@@ -24741,7 +25148,7 @@
 </p:sld>
 </file>
 
-<file path=ppt/slides/slide32.xml><?xml version="1.0" encoding="utf-8"?>
+<file path=ppt/slides/slide34.xml><?xml version="1.0" encoding="utf-8"?>
 <p:sld xmlns:a="http://schemas.openxmlformats.org/drawingml/2006/main" xmlns:r="http://schemas.openxmlformats.org/officeDocument/2006/relationships" xmlns:p="http://schemas.openxmlformats.org/presentationml/2006/main">
   <p:cSld>
     <p:spTree>
@@ -24924,7 +25331,7 @@
             <a:fld id="{80929F01-733D-5847-83A7-C9CEA74310DB}" type="slidenum">
               <a:rPr kumimoji="1" lang="zh-TW" altLang="en-US" smtClean="0"/>
               <a:pPr/>
-              <a:t>32</a:t>
+              <a:t>34</a:t>
             </a:fld>
             <a:endParaRPr kumimoji="1" lang="zh-TW" altLang="en-US" dirty="0"/>
           </a:p>
@@ -25500,7 +25907,7 @@
 </p:sld>
 </file>
 
-<file path=ppt/slides/slide33.xml><?xml version="1.0" encoding="utf-8"?>
+<file path=ppt/slides/slide35.xml><?xml version="1.0" encoding="utf-8"?>
 <p:sld xmlns:a="http://schemas.openxmlformats.org/drawingml/2006/main" xmlns:r="http://schemas.openxmlformats.org/officeDocument/2006/relationships" xmlns:p="http://schemas.openxmlformats.org/presentationml/2006/main">
   <p:cSld>
     <p:spTree>
@@ -25599,7 +26006,7 @@
             <a:fld id="{80929F01-733D-5847-83A7-C9CEA74310DB}" type="slidenum">
               <a:rPr kumimoji="1" lang="zh-TW" altLang="en-US" smtClean="0"/>
               <a:pPr/>
-              <a:t>33</a:t>
+              <a:t>35</a:t>
             </a:fld>
             <a:endParaRPr kumimoji="1" lang="zh-TW" altLang="en-US" dirty="0"/>
           </a:p>
@@ -26547,7 +26954,7 @@
 </p:sld>
 </file>
 
-<file path=ppt/slides/slide34.xml><?xml version="1.0" encoding="utf-8"?>
+<file path=ppt/slides/slide36.xml><?xml version="1.0" encoding="utf-8"?>
 <p:sld xmlns:a="http://schemas.openxmlformats.org/drawingml/2006/main" xmlns:r="http://schemas.openxmlformats.org/officeDocument/2006/relationships" xmlns:p="http://schemas.openxmlformats.org/presentationml/2006/main">
   <p:cSld>
     <p:spTree>
@@ -26646,7 +27053,7 @@
             <a:fld id="{80929F01-733D-5847-83A7-C9CEA74310DB}" type="slidenum">
               <a:rPr kumimoji="1" lang="zh-TW" altLang="en-US" smtClean="0"/>
               <a:pPr/>
-              <a:t>34</a:t>
+              <a:t>36</a:t>
             </a:fld>
             <a:endParaRPr kumimoji="1" lang="zh-TW" altLang="en-US" dirty="0"/>
           </a:p>
@@ -27211,7 +27618,7 @@
 </p:sld>
 </file>
 
-<file path=ppt/slides/slide35.xml><?xml version="1.0" encoding="utf-8"?>
+<file path=ppt/slides/slide37.xml><?xml version="1.0" encoding="utf-8"?>
 <p:sld xmlns:a="http://schemas.openxmlformats.org/drawingml/2006/main" xmlns:r="http://schemas.openxmlformats.org/officeDocument/2006/relationships" xmlns:p="http://schemas.openxmlformats.org/presentationml/2006/main">
   <p:cSld>
     <p:spTree>
@@ -27310,7 +27717,7 @@
             <a:fld id="{80929F01-733D-5847-83A7-C9CEA74310DB}" type="slidenum">
               <a:rPr kumimoji="1" lang="zh-TW" altLang="en-US" smtClean="0"/>
               <a:pPr/>
-              <a:t>35</a:t>
+              <a:t>37</a:t>
             </a:fld>
             <a:endParaRPr kumimoji="1" lang="zh-TW" altLang="en-US" dirty="0"/>
           </a:p>
@@ -28272,7 +28679,7 @@
 </p:sld>
 </file>
 
-<file path=ppt/slides/slide36.xml><?xml version="1.0" encoding="utf-8"?>
+<file path=ppt/slides/slide38.xml><?xml version="1.0" encoding="utf-8"?>
 <p:sld xmlns:a="http://schemas.openxmlformats.org/drawingml/2006/main" xmlns:r="http://schemas.openxmlformats.org/officeDocument/2006/relationships" xmlns:p="http://schemas.openxmlformats.org/presentationml/2006/main">
   <p:cSld>
     <p:spTree>
@@ -28491,7 +28898,7 @@
             <a:fld id="{80929F01-733D-5847-83A7-C9CEA74310DB}" type="slidenum">
               <a:rPr kumimoji="1" lang="zh-TW" altLang="en-US" smtClean="0"/>
               <a:pPr/>
-              <a:t>36</a:t>
+              <a:t>38</a:t>
             </a:fld>
             <a:endParaRPr kumimoji="1" lang="zh-TW" altLang="en-US" dirty="0"/>
           </a:p>
@@ -28597,10 +29004,10 @@
       </p:sp>
       <p:grpSp>
         <p:nvGrpSpPr>
-          <p:cNvPr id="13" name="群組 12">
-            <a:extLst>
-              <a:ext uri="{FF2B5EF4-FFF2-40B4-BE49-F238E27FC236}">
-                <a16:creationId xmlns:a16="http://schemas.microsoft.com/office/drawing/2014/main" id="{E434EC3D-9774-6947-946D-D74C4E88225E}"/>
+          <p:cNvPr id="15" name="群組 14">
+            <a:extLst>
+              <a:ext uri="{FF2B5EF4-FFF2-40B4-BE49-F238E27FC236}">
+                <a16:creationId xmlns:a16="http://schemas.microsoft.com/office/drawing/2014/main" id="{E46751F7-51AC-7747-B42B-5C79F510ACE9}"/>
               </a:ext>
             </a:extLst>
           </p:cNvPr>
@@ -28609,193 +29016,7 @@
         </p:nvGrpSpPr>
         <p:grpSpPr>
           <a:xfrm>
-            <a:off x="518588" y="3586026"/>
-            <a:ext cx="1962793" cy="2611723"/>
-            <a:chOff x="518588" y="3725726"/>
-            <a:chExt cx="1962793" cy="2611723"/>
-          </a:xfrm>
-        </p:grpSpPr>
-        <p:pic>
-          <p:nvPicPr>
-            <p:cNvPr id="7" name="圖片 6" descr="一張含有 螢幕擷取畫面 的圖片&#10;&#10;自動產生的描述">
-              <a:extLst>
-                <a:ext uri="{FF2B5EF4-FFF2-40B4-BE49-F238E27FC236}">
-                  <a16:creationId xmlns:a16="http://schemas.microsoft.com/office/drawing/2014/main" id="{2D4B43F1-16A9-5145-A85D-B1956E7337BC}"/>
-                </a:ext>
-              </a:extLst>
-            </p:cNvPr>
-            <p:cNvPicPr>
-              <a:picLocks noChangeAspect="1"/>
-            </p:cNvPicPr>
-            <p:nvPr/>
-          </p:nvPicPr>
-          <p:blipFill rotWithShape="1">
-            <a:blip r:embed="rId2"/>
-            <a:srcRect b="43054"/>
-            <a:stretch/>
-          </p:blipFill>
-          <p:spPr>
-            <a:xfrm>
-              <a:off x="518588" y="4092956"/>
-              <a:ext cx="1962793" cy="2244493"/>
-            </a:xfrm>
-            <a:prstGeom prst="rect">
-              <a:avLst/>
-            </a:prstGeom>
-            <a:ln>
-              <a:solidFill>
-                <a:schemeClr val="tx1"/>
-              </a:solidFill>
-            </a:ln>
-          </p:spPr>
-        </p:pic>
-        <p:sp>
-          <p:nvSpPr>
-            <p:cNvPr id="10" name="文字方塊 9">
-              <a:extLst>
-                <a:ext uri="{FF2B5EF4-FFF2-40B4-BE49-F238E27FC236}">
-                  <a16:creationId xmlns:a16="http://schemas.microsoft.com/office/drawing/2014/main" id="{325396B8-E278-964F-A107-31FB839B8C2B}"/>
-                </a:ext>
-              </a:extLst>
-            </p:cNvPr>
-            <p:cNvSpPr txBox="1"/>
-            <p:nvPr/>
-          </p:nvSpPr>
-          <p:spPr>
-            <a:xfrm>
-              <a:off x="792098" y="3725726"/>
-              <a:ext cx="1415772" cy="338554"/>
-            </a:xfrm>
-            <a:prstGeom prst="rect">
-              <a:avLst/>
-            </a:prstGeom>
-            <a:noFill/>
-          </p:spPr>
-          <p:txBody>
-            <a:bodyPr wrap="none" rtlCol="0">
-              <a:spAutoFit/>
-            </a:bodyPr>
-            <a:lstStyle/>
-            <a:p>
-              <a:r>
-                <a:rPr kumimoji="1" lang="zh-TW" altLang="en-US" sz="1600" dirty="0">
-                  <a:latin typeface="Microsoft JhengHei" panose="020B0604030504040204" pitchFamily="34" charset="-120"/>
-                  <a:ea typeface="Microsoft JhengHei" panose="020B0604030504040204" pitchFamily="34" charset="-120"/>
-                </a:rPr>
-                <a:t>文章摘要畫面</a:t>
-              </a:r>
-            </a:p>
-          </p:txBody>
-        </p:sp>
-      </p:grpSp>
-      <p:grpSp>
-        <p:nvGrpSpPr>
-          <p:cNvPr id="14" name="群組 13">
-            <a:extLst>
-              <a:ext uri="{FF2B5EF4-FFF2-40B4-BE49-F238E27FC236}">
-                <a16:creationId xmlns:a16="http://schemas.microsoft.com/office/drawing/2014/main" id="{B5955295-5882-CB4E-BFA8-1ED04414AF38}"/>
-              </a:ext>
-            </a:extLst>
-          </p:cNvPr>
-          <p:cNvGrpSpPr/>
-          <p:nvPr/>
-        </p:nvGrpSpPr>
-        <p:grpSpPr>
-          <a:xfrm>
-            <a:off x="2686050" y="3586026"/>
-            <a:ext cx="3788189" cy="2615183"/>
-            <a:chOff x="2686050" y="3725726"/>
-            <a:chExt cx="3788189" cy="2615183"/>
-          </a:xfrm>
-        </p:grpSpPr>
-        <p:pic>
-          <p:nvPicPr>
-            <p:cNvPr id="9" name="內容版面配置區 3">
-              <a:extLst>
-                <a:ext uri="{FF2B5EF4-FFF2-40B4-BE49-F238E27FC236}">
-                  <a16:creationId xmlns:a16="http://schemas.microsoft.com/office/drawing/2014/main" id="{508F7C9B-3A1B-7041-AFB1-BF63AA78C015}"/>
-                </a:ext>
-              </a:extLst>
-            </p:cNvPr>
-            <p:cNvPicPr>
-              <a:picLocks noChangeAspect="1"/>
-            </p:cNvPicPr>
-            <p:nvPr/>
-          </p:nvPicPr>
-          <p:blipFill rotWithShape="1">
-            <a:blip r:embed="rId3"/>
-            <a:srcRect b="42967"/>
-            <a:stretch/>
-          </p:blipFill>
-          <p:spPr>
-            <a:xfrm>
-              <a:off x="2686050" y="4092956"/>
-              <a:ext cx="3788189" cy="2247953"/>
-            </a:xfrm>
-            <a:prstGeom prst="rect">
-              <a:avLst/>
-            </a:prstGeom>
-            <a:ln>
-              <a:solidFill>
-                <a:schemeClr val="tx1"/>
-              </a:solidFill>
-            </a:ln>
-          </p:spPr>
-        </p:pic>
-        <p:sp>
-          <p:nvSpPr>
-            <p:cNvPr id="11" name="文字方塊 10">
-              <a:extLst>
-                <a:ext uri="{FF2B5EF4-FFF2-40B4-BE49-F238E27FC236}">
-                  <a16:creationId xmlns:a16="http://schemas.microsoft.com/office/drawing/2014/main" id="{592E569C-727C-6342-9D62-15681ED816A6}"/>
-                </a:ext>
-              </a:extLst>
-            </p:cNvPr>
-            <p:cNvSpPr txBox="1"/>
-            <p:nvPr/>
-          </p:nvSpPr>
-          <p:spPr>
-            <a:xfrm>
-              <a:off x="3735503" y="3725726"/>
-              <a:ext cx="1415772" cy="338554"/>
-            </a:xfrm>
-            <a:prstGeom prst="rect">
-              <a:avLst/>
-            </a:prstGeom>
-            <a:noFill/>
-          </p:spPr>
-          <p:txBody>
-            <a:bodyPr wrap="none" rtlCol="0">
-              <a:spAutoFit/>
-            </a:bodyPr>
-            <a:lstStyle/>
-            <a:p>
-              <a:r>
-                <a:rPr kumimoji="1" lang="zh-TW" altLang="en-US" sz="1600" dirty="0">
-                  <a:latin typeface="Microsoft JhengHei" panose="020B0604030504040204" pitchFamily="34" charset="-120"/>
-                  <a:ea typeface="Microsoft JhengHei" panose="020B0604030504040204" pitchFamily="34" charset="-120"/>
-                </a:rPr>
-                <a:t>文章內文畫面</a:t>
-              </a:r>
-            </a:p>
-          </p:txBody>
-        </p:sp>
-      </p:grpSp>
-      <p:grpSp>
-        <p:nvGrpSpPr>
-          <p:cNvPr id="15" name="群組 14">
-            <a:extLst>
-              <a:ext uri="{FF2B5EF4-FFF2-40B4-BE49-F238E27FC236}">
-                <a16:creationId xmlns:a16="http://schemas.microsoft.com/office/drawing/2014/main" id="{E46751F7-51AC-7747-B42B-5C79F510ACE9}"/>
-              </a:ext>
-            </a:extLst>
-          </p:cNvPr>
-          <p:cNvGrpSpPr/>
-          <p:nvPr/>
-        </p:nvGrpSpPr>
-        <p:grpSpPr>
-          <a:xfrm>
-            <a:off x="6678908" y="1331936"/>
+            <a:off x="6577308" y="1206774"/>
             <a:ext cx="2112070" cy="4514768"/>
             <a:chOff x="6678908" y="1331936"/>
             <a:chExt cx="2112070" cy="4514768"/>
@@ -28816,7 +29037,7 @@
             <p:nvPr/>
           </p:nvPicPr>
           <p:blipFill>
-            <a:blip r:embed="rId4"/>
+            <a:blip r:embed="rId2"/>
             <a:stretch>
               <a:fillRect/>
             </a:stretch>
@@ -28869,12 +29090,159 @@
                   <a:latin typeface="Microsoft JhengHei" panose="020B0604030504040204" pitchFamily="34" charset="-120"/>
                   <a:ea typeface="Microsoft JhengHei" panose="020B0604030504040204" pitchFamily="34" charset="-120"/>
                 </a:rPr>
-                <a:t>手機版畫面</a:t>
+                <a:t>手機版首面</a:t>
               </a:r>
             </a:p>
           </p:txBody>
         </p:sp>
       </p:grpSp>
+      <p:pic>
+        <p:nvPicPr>
+          <p:cNvPr id="16" name="圖片 15">
+            <a:extLst>
+              <a:ext uri="{FF2B5EF4-FFF2-40B4-BE49-F238E27FC236}">
+                <a16:creationId xmlns:a16="http://schemas.microsoft.com/office/drawing/2014/main" id="{88E6012C-9530-4137-8B66-32A2A9EDCA31}"/>
+              </a:ext>
+            </a:extLst>
+          </p:cNvPr>
+          <p:cNvPicPr>
+            <a:picLocks noChangeAspect="1"/>
+          </p:cNvPicPr>
+          <p:nvPr/>
+        </p:nvPicPr>
+        <p:blipFill>
+          <a:blip r:embed="rId3"/>
+          <a:stretch>
+            <a:fillRect/>
+          </a:stretch>
+        </p:blipFill>
+        <p:spPr>
+          <a:xfrm>
+            <a:off x="284335" y="4139238"/>
+            <a:ext cx="3271064" cy="1582304"/>
+          </a:xfrm>
+          <a:prstGeom prst="rect">
+            <a:avLst/>
+          </a:prstGeom>
+        </p:spPr>
+      </p:pic>
+      <p:pic>
+        <p:nvPicPr>
+          <p:cNvPr id="17" name="圖片 16" descr="一張含有 螢幕擷取畫面 的圖片&#10;&#10;自動產生的描述">
+            <a:extLst>
+              <a:ext uri="{FF2B5EF4-FFF2-40B4-BE49-F238E27FC236}">
+                <a16:creationId xmlns:a16="http://schemas.microsoft.com/office/drawing/2014/main" id="{23EB1BB4-7C47-40E6-8297-37CA0A3A09F5}"/>
+              </a:ext>
+            </a:extLst>
+          </p:cNvPr>
+          <p:cNvPicPr>
+            <a:picLocks noChangeAspect="1"/>
+          </p:cNvPicPr>
+          <p:nvPr/>
+        </p:nvPicPr>
+        <p:blipFill rotWithShape="1">
+          <a:blip r:embed="rId4"/>
+          <a:srcRect b="59855"/>
+          <a:stretch/>
+        </p:blipFill>
+        <p:spPr>
+          <a:xfrm>
+            <a:off x="4235801" y="4139238"/>
+            <a:ext cx="1962793" cy="1582304"/>
+          </a:xfrm>
+          <a:prstGeom prst="rect">
+            <a:avLst/>
+          </a:prstGeom>
+          <a:ln>
+            <a:solidFill>
+              <a:schemeClr val="tx1"/>
+            </a:solidFill>
+          </a:ln>
+        </p:spPr>
+      </p:pic>
+      <p:sp>
+        <p:nvSpPr>
+          <p:cNvPr id="18" name="文字方塊 17">
+            <a:extLst>
+              <a:ext uri="{FF2B5EF4-FFF2-40B4-BE49-F238E27FC236}">
+                <a16:creationId xmlns:a16="http://schemas.microsoft.com/office/drawing/2014/main" id="{9F950B86-0FC6-40A2-A33A-795C75BBE59E}"/>
+              </a:ext>
+            </a:extLst>
+          </p:cNvPr>
+          <p:cNvSpPr txBox="1"/>
+          <p:nvPr/>
+        </p:nvSpPr>
+        <p:spPr>
+          <a:xfrm>
+            <a:off x="4509312" y="3713441"/>
+            <a:ext cx="1415772" cy="338554"/>
+          </a:xfrm>
+          <a:prstGeom prst="rect">
+            <a:avLst/>
+          </a:prstGeom>
+          <a:noFill/>
+        </p:spPr>
+        <p:txBody>
+          <a:bodyPr wrap="none" rtlCol="0">
+            <a:spAutoFit/>
+          </a:bodyPr>
+          <a:lstStyle/>
+          <a:p>
+            <a:r>
+              <a:rPr kumimoji="1" lang="zh-TW" altLang="en-US" sz="1600" dirty="0">
+                <a:latin typeface="Microsoft JhengHei" panose="020B0604030504040204" pitchFamily="34" charset="-120"/>
+                <a:ea typeface="Microsoft JhengHei" panose="020B0604030504040204" pitchFamily="34" charset="-120"/>
+              </a:rPr>
+              <a:t>發文更新畫面</a:t>
+            </a:r>
+          </a:p>
+        </p:txBody>
+      </p:sp>
+      <p:sp>
+        <p:nvSpPr>
+          <p:cNvPr id="19" name="文字方塊 18">
+            <a:extLst>
+              <a:ext uri="{FF2B5EF4-FFF2-40B4-BE49-F238E27FC236}">
+                <a16:creationId xmlns:a16="http://schemas.microsoft.com/office/drawing/2014/main" id="{884F2A54-BEC9-413E-A950-1B8D1A7DAADA}"/>
+              </a:ext>
+            </a:extLst>
+          </p:cNvPr>
+          <p:cNvSpPr txBox="1"/>
+          <p:nvPr/>
+        </p:nvSpPr>
+        <p:spPr>
+          <a:xfrm>
+            <a:off x="1152013" y="3680246"/>
+            <a:ext cx="1678665" cy="338554"/>
+          </a:xfrm>
+          <a:prstGeom prst="rect">
+            <a:avLst/>
+          </a:prstGeom>
+          <a:noFill/>
+        </p:spPr>
+        <p:txBody>
+          <a:bodyPr wrap="none" rtlCol="0">
+            <a:spAutoFit/>
+          </a:bodyPr>
+          <a:lstStyle/>
+          <a:p>
+            <a:r>
+              <a:rPr kumimoji="1" lang="en-US" altLang="zh-TW" sz="1600" dirty="0">
+                <a:latin typeface="Microsoft JhengHei" panose="020B0604030504040204" pitchFamily="34" charset="-120"/>
+                <a:ea typeface="Microsoft JhengHei" panose="020B0604030504040204" pitchFamily="34" charset="-120"/>
+              </a:rPr>
+              <a:t>AWS EC2</a:t>
+            </a:r>
+            <a:r>
+              <a:rPr kumimoji="1" lang="zh-TW" altLang="en-US" sz="1600" dirty="0">
+                <a:latin typeface="Microsoft JhengHei" panose="020B0604030504040204" pitchFamily="34" charset="-120"/>
+                <a:ea typeface="Microsoft JhengHei" panose="020B0604030504040204" pitchFamily="34" charset="-120"/>
+              </a:rPr>
+              <a:t>控制台</a:t>
+            </a:r>
+          </a:p>
+        </p:txBody>
+      </p:sp>
     </p:spTree>
     <p:extLst>
       <p:ext uri="{BB962C8B-B14F-4D97-AF65-F5344CB8AC3E}">
@@ -28888,7 +29256,7 @@
 </p:sld>
 </file>
 
-<file path=ppt/slides/slide37.xml><?xml version="1.0" encoding="utf-8"?>
+<file path=ppt/slides/slide39.xml><?xml version="1.0" encoding="utf-8"?>
 <p:sld xmlns:a="http://schemas.openxmlformats.org/drawingml/2006/main" xmlns:r="http://schemas.openxmlformats.org/officeDocument/2006/relationships" xmlns:p="http://schemas.openxmlformats.org/presentationml/2006/main">
   <p:cSld>
     <p:spTree>
@@ -28987,7 +29355,7 @@
             <a:fld id="{80929F01-733D-5847-83A7-C9CEA74310DB}" type="slidenum">
               <a:rPr kumimoji="1" lang="zh-TW" altLang="en-US" smtClean="0"/>
               <a:pPr/>
-              <a:t>37</a:t>
+              <a:t>39</a:t>
             </a:fld>
             <a:endParaRPr kumimoji="1" lang="zh-TW" altLang="en-US" dirty="0"/>
           </a:p>
@@ -29502,81 +29870,6 @@
     <p:extLst>
       <p:ext uri="{BB962C8B-B14F-4D97-AF65-F5344CB8AC3E}">
         <p14:creationId xmlns:p14="http://schemas.microsoft.com/office/powerpoint/2010/main" val="1493918605"/>
-      </p:ext>
-    </p:extLst>
-  </p:cSld>
-  <p:clrMapOvr>
-    <a:masterClrMapping/>
-  </p:clrMapOvr>
-</p:sld>
-</file>
-
-<file path=ppt/slides/slide38.xml><?xml version="1.0" encoding="utf-8"?>
-<p:sld xmlns:a="http://schemas.openxmlformats.org/drawingml/2006/main" xmlns:r="http://schemas.openxmlformats.org/officeDocument/2006/relationships" xmlns:p="http://schemas.openxmlformats.org/presentationml/2006/main">
-  <p:cSld>
-    <p:spTree>
-      <p:nvGrpSpPr>
-        <p:cNvPr id="1" name=""/>
-        <p:cNvGrpSpPr/>
-        <p:nvPr/>
-      </p:nvGrpSpPr>
-      <p:grpSpPr>
-        <a:xfrm>
-          <a:off x="0" y="0"/>
-          <a:ext cx="0" cy="0"/>
-          <a:chOff x="0" y="0"/>
-          <a:chExt cx="0" cy="0"/>
-        </a:xfrm>
-      </p:grpSpPr>
-      <p:sp>
-        <p:nvSpPr>
-          <p:cNvPr id="8" name="矩形 7">
-            <a:extLst>
-              <a:ext uri="{FF2B5EF4-FFF2-40B4-BE49-F238E27FC236}">
-                <a16:creationId xmlns:a16="http://schemas.microsoft.com/office/drawing/2014/main" id="{AB7B8EA3-2C07-784C-A6FC-A4A77ED9B40D}"/>
-              </a:ext>
-            </a:extLst>
-          </p:cNvPr>
-          <p:cNvSpPr/>
-          <p:nvPr/>
-        </p:nvSpPr>
-        <p:spPr>
-          <a:xfrm>
-            <a:off x="2312407" y="3075057"/>
-            <a:ext cx="4519186" cy="707886"/>
-          </a:xfrm>
-          <a:prstGeom prst="rect">
-            <a:avLst/>
-          </a:prstGeom>
-        </p:spPr>
-        <p:txBody>
-          <a:bodyPr wrap="none">
-            <a:spAutoFit/>
-          </a:bodyPr>
-          <a:lstStyle/>
-          <a:p>
-            <a:r>
-              <a:rPr lang="zh-TW" altLang="en-US" sz="4000" b="1" dirty="0">
-                <a:solidFill>
-                  <a:srgbClr val="2B9687"/>
-                </a:solidFill>
-                <a:latin typeface="Microsoft JhengHei" panose="020B0604030504040204" pitchFamily="34" charset="-120"/>
-                <a:ea typeface="Microsoft JhengHei" panose="020B0604030504040204" pitchFamily="34" charset="-120"/>
-              </a:rPr>
-              <a:t>感謝聆聽 敬請指教</a:t>
-            </a:r>
-            <a:endParaRPr lang="zh-TW" altLang="en-US" sz="4000" dirty="0">
-              <a:effectLst/>
-              <a:latin typeface="Microsoft JhengHei" panose="020B0604030504040204" pitchFamily="34" charset="-120"/>
-              <a:ea typeface="Microsoft JhengHei" panose="020B0604030504040204" pitchFamily="34" charset="-120"/>
-            </a:endParaRPr>
-          </a:p>
-        </p:txBody>
-      </p:sp>
-    </p:spTree>
-    <p:extLst>
-      <p:ext uri="{BB962C8B-B14F-4D97-AF65-F5344CB8AC3E}">
-        <p14:creationId xmlns:p14="http://schemas.microsoft.com/office/powerpoint/2010/main" val="1994232453"/>
       </p:ext>
     </p:extLst>
   </p:cSld>
@@ -31009,7 +31302,846 @@
 </p:sld>
 </file>
 
+<file path=ppt/slides/slide40.xml><?xml version="1.0" encoding="utf-8"?>
+<p:sld xmlns:a="http://schemas.openxmlformats.org/drawingml/2006/main" xmlns:r="http://schemas.openxmlformats.org/officeDocument/2006/relationships" xmlns:p="http://schemas.openxmlformats.org/presentationml/2006/main">
+  <p:cSld>
+    <p:spTree>
+      <p:nvGrpSpPr>
+        <p:cNvPr id="1" name=""/>
+        <p:cNvGrpSpPr/>
+        <p:nvPr/>
+      </p:nvGrpSpPr>
+      <p:grpSpPr>
+        <a:xfrm>
+          <a:off x="0" y="0"/>
+          <a:ext cx="0" cy="0"/>
+          <a:chOff x="0" y="0"/>
+          <a:chExt cx="0" cy="0"/>
+        </a:xfrm>
+      </p:grpSpPr>
+      <p:sp>
+        <p:nvSpPr>
+          <p:cNvPr id="8" name="矩形 7">
+            <a:extLst>
+              <a:ext uri="{FF2B5EF4-FFF2-40B4-BE49-F238E27FC236}">
+                <a16:creationId xmlns:a16="http://schemas.microsoft.com/office/drawing/2014/main" id="{AB7B8EA3-2C07-784C-A6FC-A4A77ED9B40D}"/>
+              </a:ext>
+            </a:extLst>
+          </p:cNvPr>
+          <p:cNvSpPr/>
+          <p:nvPr/>
+        </p:nvSpPr>
+        <p:spPr>
+          <a:xfrm>
+            <a:off x="2312407" y="3075057"/>
+            <a:ext cx="4519186" cy="707886"/>
+          </a:xfrm>
+          <a:prstGeom prst="rect">
+            <a:avLst/>
+          </a:prstGeom>
+        </p:spPr>
+        <p:txBody>
+          <a:bodyPr wrap="none">
+            <a:spAutoFit/>
+          </a:bodyPr>
+          <a:lstStyle/>
+          <a:p>
+            <a:r>
+              <a:rPr lang="zh-TW" altLang="en-US" sz="4000" b="1" dirty="0">
+                <a:solidFill>
+                  <a:srgbClr val="2B9687"/>
+                </a:solidFill>
+                <a:latin typeface="Microsoft JhengHei" panose="020B0604030504040204" pitchFamily="34" charset="-120"/>
+                <a:ea typeface="Microsoft JhengHei" panose="020B0604030504040204" pitchFamily="34" charset="-120"/>
+              </a:rPr>
+              <a:t>感謝聆聽 敬請指教</a:t>
+            </a:r>
+            <a:endParaRPr lang="zh-TW" altLang="en-US" sz="4000" dirty="0">
+              <a:effectLst/>
+              <a:latin typeface="Microsoft JhengHei" panose="020B0604030504040204" pitchFamily="34" charset="-120"/>
+              <a:ea typeface="Microsoft JhengHei" panose="020B0604030504040204" pitchFamily="34" charset="-120"/>
+            </a:endParaRPr>
+          </a:p>
+        </p:txBody>
+      </p:sp>
+    </p:spTree>
+    <p:extLst>
+      <p:ext uri="{BB962C8B-B14F-4D97-AF65-F5344CB8AC3E}">
+        <p14:creationId xmlns:p14="http://schemas.microsoft.com/office/powerpoint/2010/main" val="1994232453"/>
+      </p:ext>
+    </p:extLst>
+  </p:cSld>
+  <p:clrMapOvr>
+    <a:masterClrMapping/>
+  </p:clrMapOvr>
+</p:sld>
+</file>
+
 <file path=ppt/slides/slide5.xml><?xml version="1.0" encoding="utf-8"?>
+<p:sld xmlns:a="http://schemas.openxmlformats.org/drawingml/2006/main" xmlns:r="http://schemas.openxmlformats.org/officeDocument/2006/relationships" xmlns:p="http://schemas.openxmlformats.org/presentationml/2006/main">
+  <p:cSld>
+    <p:spTree>
+      <p:nvGrpSpPr>
+        <p:cNvPr id="1" name=""/>
+        <p:cNvGrpSpPr/>
+        <p:nvPr/>
+      </p:nvGrpSpPr>
+      <p:grpSpPr>
+        <a:xfrm>
+          <a:off x="0" y="0"/>
+          <a:ext cx="0" cy="0"/>
+          <a:chOff x="0" y="0"/>
+          <a:chExt cx="0" cy="0"/>
+        </a:xfrm>
+      </p:grpSpPr>
+      <p:cxnSp>
+        <p:nvCxnSpPr>
+          <p:cNvPr id="38" name="接點: 肘形 37">
+            <a:extLst>
+              <a:ext uri="{FF2B5EF4-FFF2-40B4-BE49-F238E27FC236}">
+                <a16:creationId xmlns:a16="http://schemas.microsoft.com/office/drawing/2014/main" id="{AE69C117-3A93-4410-8D5E-359CB67AC4F2}"/>
+              </a:ext>
+            </a:extLst>
+          </p:cNvPr>
+          <p:cNvCxnSpPr>
+            <a:cxnSpLocks/>
+          </p:cNvCxnSpPr>
+          <p:nvPr/>
+        </p:nvCxnSpPr>
+        <p:spPr>
+          <a:xfrm rot="10800000" flipV="1">
+            <a:off x="6824592" y="2079660"/>
+            <a:ext cx="1917663" cy="975704"/>
+          </a:xfrm>
+          <a:prstGeom prst="bentConnector3">
+            <a:avLst>
+              <a:gd name="adj1" fmla="val 50530"/>
+            </a:avLst>
+          </a:prstGeom>
+          <a:ln w="38100"/>
+        </p:spPr>
+        <p:style>
+          <a:lnRef idx="1">
+            <a:schemeClr val="accent2"/>
+          </a:lnRef>
+          <a:fillRef idx="0">
+            <a:schemeClr val="accent2"/>
+          </a:fillRef>
+          <a:effectRef idx="0">
+            <a:schemeClr val="accent2"/>
+          </a:effectRef>
+          <a:fontRef idx="minor">
+            <a:schemeClr val="tx1"/>
+          </a:fontRef>
+        </p:style>
+      </p:cxnSp>
+      <p:cxnSp>
+        <p:nvCxnSpPr>
+          <p:cNvPr id="34" name="接點: 肘形 33">
+            <a:extLst>
+              <a:ext uri="{FF2B5EF4-FFF2-40B4-BE49-F238E27FC236}">
+                <a16:creationId xmlns:a16="http://schemas.microsoft.com/office/drawing/2014/main" id="{FDD617E3-A5F6-4619-B46D-3D78B49637C0}"/>
+              </a:ext>
+            </a:extLst>
+          </p:cNvPr>
+          <p:cNvCxnSpPr>
+            <a:cxnSpLocks/>
+          </p:cNvCxnSpPr>
+          <p:nvPr/>
+        </p:nvCxnSpPr>
+        <p:spPr>
+          <a:xfrm rot="10800000" flipV="1">
+            <a:off x="628297" y="4339165"/>
+            <a:ext cx="2141456" cy="975704"/>
+          </a:xfrm>
+          <a:prstGeom prst="bentConnector3">
+            <a:avLst>
+              <a:gd name="adj1" fmla="val 50000"/>
+            </a:avLst>
+          </a:prstGeom>
+          <a:ln w="38100"/>
+        </p:spPr>
+        <p:style>
+          <a:lnRef idx="1">
+            <a:schemeClr val="accent2"/>
+          </a:lnRef>
+          <a:fillRef idx="0">
+            <a:schemeClr val="accent2"/>
+          </a:fillRef>
+          <a:effectRef idx="0">
+            <a:schemeClr val="accent2"/>
+          </a:effectRef>
+          <a:fontRef idx="minor">
+            <a:schemeClr val="tx1"/>
+          </a:fontRef>
+        </p:style>
+      </p:cxnSp>
+      <p:cxnSp>
+        <p:nvCxnSpPr>
+          <p:cNvPr id="26" name="接點: 肘形 25">
+            <a:extLst>
+              <a:ext uri="{FF2B5EF4-FFF2-40B4-BE49-F238E27FC236}">
+                <a16:creationId xmlns:a16="http://schemas.microsoft.com/office/drawing/2014/main" id="{1BF3C86D-1C66-4FFC-9010-ED16C145B5C5}"/>
+              </a:ext>
+            </a:extLst>
+          </p:cNvPr>
+          <p:cNvCxnSpPr>
+            <a:cxnSpLocks/>
+          </p:cNvCxnSpPr>
+          <p:nvPr/>
+        </p:nvCxnSpPr>
+        <p:spPr>
+          <a:xfrm rot="10800000">
+            <a:off x="6685280" y="4487608"/>
+            <a:ext cx="1966270" cy="647257"/>
+          </a:xfrm>
+          <a:prstGeom prst="bentConnector3">
+            <a:avLst>
+              <a:gd name="adj1" fmla="val 50000"/>
+            </a:avLst>
+          </a:prstGeom>
+          <a:ln w="38100"/>
+        </p:spPr>
+        <p:style>
+          <a:lnRef idx="1">
+            <a:schemeClr val="accent2"/>
+          </a:lnRef>
+          <a:fillRef idx="0">
+            <a:schemeClr val="accent2"/>
+          </a:fillRef>
+          <a:effectRef idx="0">
+            <a:schemeClr val="accent2"/>
+          </a:effectRef>
+          <a:fontRef idx="minor">
+            <a:schemeClr val="tx1"/>
+          </a:fontRef>
+        </p:style>
+      </p:cxnSp>
+      <p:cxnSp>
+        <p:nvCxnSpPr>
+          <p:cNvPr id="25" name="接點: 肘形 24">
+            <a:extLst>
+              <a:ext uri="{FF2B5EF4-FFF2-40B4-BE49-F238E27FC236}">
+                <a16:creationId xmlns:a16="http://schemas.microsoft.com/office/drawing/2014/main" id="{3A5D7370-D243-497A-B821-241BC8B4BE56}"/>
+              </a:ext>
+            </a:extLst>
+          </p:cNvPr>
+          <p:cNvCxnSpPr/>
+          <p:nvPr/>
+        </p:nvCxnSpPr>
+        <p:spPr>
+          <a:xfrm rot="16200000" flipH="1">
+            <a:off x="1654765" y="2331589"/>
+            <a:ext cx="1371061" cy="1263650"/>
+          </a:xfrm>
+          <a:prstGeom prst="bentConnector3">
+            <a:avLst/>
+          </a:prstGeom>
+          <a:ln w="38100"/>
+        </p:spPr>
+        <p:style>
+          <a:lnRef idx="1">
+            <a:schemeClr val="accent2"/>
+          </a:lnRef>
+          <a:fillRef idx="0">
+            <a:schemeClr val="accent2"/>
+          </a:fillRef>
+          <a:effectRef idx="0">
+            <a:schemeClr val="accent2"/>
+          </a:effectRef>
+          <a:fontRef idx="minor">
+            <a:schemeClr val="tx1"/>
+          </a:fontRef>
+        </p:style>
+      </p:cxnSp>
+      <p:sp>
+        <p:nvSpPr>
+          <p:cNvPr id="20" name="矩形: 圓角 17">
+            <a:extLst>
+              <a:ext uri="{FF2B5EF4-FFF2-40B4-BE49-F238E27FC236}">
+                <a16:creationId xmlns:a16="http://schemas.microsoft.com/office/drawing/2014/main" id="{A0F62683-5185-4FB5-9CFB-FA0A0675D4BB}"/>
+              </a:ext>
+            </a:extLst>
+          </p:cNvPr>
+          <p:cNvSpPr/>
+          <p:nvPr/>
+        </p:nvSpPr>
+        <p:spPr>
+          <a:xfrm>
+            <a:off x="6561729" y="5062374"/>
+            <a:ext cx="2473110" cy="912156"/>
+          </a:xfrm>
+          <a:prstGeom prst="roundRect">
+            <a:avLst>
+              <a:gd name="adj" fmla="val 17459"/>
+            </a:avLst>
+          </a:prstGeom>
+          <a:solidFill>
+            <a:srgbClr val="479793"/>
+          </a:solidFill>
+          <a:ln>
+            <a:noFill/>
+          </a:ln>
+        </p:spPr>
+        <p:style>
+          <a:lnRef idx="2">
+            <a:schemeClr val="accent1">
+              <a:shade val="50000"/>
+            </a:schemeClr>
+          </a:lnRef>
+          <a:fillRef idx="1">
+            <a:schemeClr val="accent1"/>
+          </a:fillRef>
+          <a:effectRef idx="0">
+            <a:schemeClr val="accent1"/>
+          </a:effectRef>
+          <a:fontRef idx="minor">
+            <a:schemeClr val="lt1"/>
+          </a:fontRef>
+        </p:style>
+        <p:txBody>
+          <a:bodyPr rtlCol="0" anchor="ctr"/>
+          <a:lstStyle/>
+          <a:p>
+            <a:pPr algn="ctr"/>
+            <a:endParaRPr lang="zh-TW" altLang="en-US" dirty="0"/>
+          </a:p>
+        </p:txBody>
+      </p:sp>
+      <p:sp>
+        <p:nvSpPr>
+          <p:cNvPr id="16" name="橢圓 15">
+            <a:extLst>
+              <a:ext uri="{FF2B5EF4-FFF2-40B4-BE49-F238E27FC236}">
+                <a16:creationId xmlns:a16="http://schemas.microsoft.com/office/drawing/2014/main" id="{48A4D18A-7FFA-4261-8AC1-14C2ACA34654}"/>
+              </a:ext>
+            </a:extLst>
+          </p:cNvPr>
+          <p:cNvSpPr/>
+          <p:nvPr/>
+        </p:nvSpPr>
+        <p:spPr>
+          <a:xfrm>
+            <a:off x="2529840" y="2035847"/>
+            <a:ext cx="4592320" cy="3263485"/>
+          </a:xfrm>
+          <a:prstGeom prst="ellipse">
+            <a:avLst/>
+          </a:prstGeom>
+          <a:solidFill>
+            <a:srgbClr val="479793"/>
+          </a:solidFill>
+          <a:ln>
+            <a:noFill/>
+          </a:ln>
+        </p:spPr>
+        <p:style>
+          <a:lnRef idx="2">
+            <a:schemeClr val="accent1">
+              <a:shade val="50000"/>
+            </a:schemeClr>
+          </a:lnRef>
+          <a:fillRef idx="1">
+            <a:schemeClr val="accent1"/>
+          </a:fillRef>
+          <a:effectRef idx="0">
+            <a:schemeClr val="accent1"/>
+          </a:effectRef>
+          <a:fontRef idx="minor">
+            <a:schemeClr val="lt1"/>
+          </a:fontRef>
+        </p:style>
+        <p:txBody>
+          <a:bodyPr rtlCol="0" anchor="ctr"/>
+          <a:lstStyle/>
+          <a:p>
+            <a:pPr algn="ctr"/>
+            <a:endParaRPr lang="zh-TW" altLang="en-US"/>
+          </a:p>
+        </p:txBody>
+      </p:sp>
+      <p:sp>
+        <p:nvSpPr>
+          <p:cNvPr id="13" name="矩形: 圓角 17">
+            <a:extLst>
+              <a:ext uri="{FF2B5EF4-FFF2-40B4-BE49-F238E27FC236}">
+                <a16:creationId xmlns:a16="http://schemas.microsoft.com/office/drawing/2014/main" id="{155E6A49-26D1-43B6-856B-D7483097C99E}"/>
+              </a:ext>
+            </a:extLst>
+          </p:cNvPr>
+          <p:cNvSpPr/>
+          <p:nvPr/>
+        </p:nvSpPr>
+        <p:spPr>
+          <a:xfrm>
+            <a:off x="420795" y="1475834"/>
+            <a:ext cx="2473110" cy="912156"/>
+          </a:xfrm>
+          <a:prstGeom prst="roundRect">
+            <a:avLst>
+              <a:gd name="adj" fmla="val 17459"/>
+            </a:avLst>
+          </a:prstGeom>
+          <a:solidFill>
+            <a:srgbClr val="479793"/>
+          </a:solidFill>
+          <a:ln>
+            <a:noFill/>
+          </a:ln>
+        </p:spPr>
+        <p:style>
+          <a:lnRef idx="2">
+            <a:schemeClr val="accent1">
+              <a:shade val="50000"/>
+            </a:schemeClr>
+          </a:lnRef>
+          <a:fillRef idx="1">
+            <a:schemeClr val="accent1"/>
+          </a:fillRef>
+          <a:effectRef idx="0">
+            <a:schemeClr val="accent1"/>
+          </a:effectRef>
+          <a:fontRef idx="minor">
+            <a:schemeClr val="lt1"/>
+          </a:fontRef>
+        </p:style>
+        <p:txBody>
+          <a:bodyPr rtlCol="0" anchor="ctr"/>
+          <a:lstStyle/>
+          <a:p>
+            <a:pPr algn="ctr"/>
+            <a:endParaRPr lang="zh-TW" altLang="en-US"/>
+          </a:p>
+        </p:txBody>
+      </p:sp>
+      <p:sp>
+        <p:nvSpPr>
+          <p:cNvPr id="3" name="副標題 2">
+            <a:extLst>
+              <a:ext uri="{FF2B5EF4-FFF2-40B4-BE49-F238E27FC236}">
+                <a16:creationId xmlns:a16="http://schemas.microsoft.com/office/drawing/2014/main" id="{CBEF5A84-67B8-4093-8B37-E4EF2C27CF2B}"/>
+              </a:ext>
+            </a:extLst>
+          </p:cNvPr>
+          <p:cNvSpPr>
+            <a:spLocks noGrp="1"/>
+          </p:cNvSpPr>
+          <p:nvPr>
+            <p:ph type="subTitle" idx="1"/>
+          </p:nvPr>
+        </p:nvSpPr>
+        <p:spPr>
+          <a:xfrm>
+            <a:off x="1315982" y="827291"/>
+            <a:ext cx="6858000" cy="523727"/>
+          </a:xfrm>
+        </p:spPr>
+        <p:txBody>
+          <a:bodyPr>
+            <a:normAutofit fontScale="92500" lnSpcReduction="10000"/>
+          </a:bodyPr>
+          <a:lstStyle/>
+          <a:p>
+            <a:r>
+              <a:rPr lang="zh-TW" altLang="en-US" sz="3600" b="1" spc="-5" dirty="0">
+                <a:solidFill>
+                  <a:srgbClr val="4AAC99"/>
+                </a:solidFill>
+                <a:latin typeface="微軟正黑體" pitchFamily="34" charset="-120"/>
+                <a:ea typeface="微軟正黑體" pitchFamily="34" charset="-120"/>
+                <a:cs typeface="+mj-cs"/>
+              </a:rPr>
+              <a:t>產品用途</a:t>
+            </a:r>
+          </a:p>
+        </p:txBody>
+      </p:sp>
+      <p:sp>
+        <p:nvSpPr>
+          <p:cNvPr id="4" name="日期版面配置區 3">
+            <a:extLst>
+              <a:ext uri="{FF2B5EF4-FFF2-40B4-BE49-F238E27FC236}">
+                <a16:creationId xmlns:a16="http://schemas.microsoft.com/office/drawing/2014/main" id="{DB21991C-7C73-4C6E-BAE0-59420D867BCF}"/>
+              </a:ext>
+            </a:extLst>
+          </p:cNvPr>
+          <p:cNvSpPr>
+            <a:spLocks noGrp="1"/>
+          </p:cNvSpPr>
+          <p:nvPr>
+            <p:ph type="dt" sz="half" idx="10"/>
+          </p:nvPr>
+        </p:nvSpPr>
+        <p:spPr/>
+        <p:txBody>
+          <a:bodyPr/>
+          <a:lstStyle/>
+          <a:p>
+            <a:fld id="{FAC3B233-0F11-2949-9778-845E9C940E45}" type="datetime1">
+              <a:rPr kumimoji="1" lang="zh-TW" altLang="en-US" smtClean="0"/>
+              <a:t>2020/6/18</a:t>
+            </a:fld>
+            <a:endParaRPr kumimoji="1" lang="zh-TW" altLang="en-US"/>
+          </a:p>
+        </p:txBody>
+      </p:sp>
+      <p:sp>
+        <p:nvSpPr>
+          <p:cNvPr id="5" name="投影片編號版面配置區 4">
+            <a:extLst>
+              <a:ext uri="{FF2B5EF4-FFF2-40B4-BE49-F238E27FC236}">
+                <a16:creationId xmlns:a16="http://schemas.microsoft.com/office/drawing/2014/main" id="{13A3784C-3C30-4FD5-95D8-598A61206CE1}"/>
+              </a:ext>
+            </a:extLst>
+          </p:cNvPr>
+          <p:cNvSpPr>
+            <a:spLocks noGrp="1"/>
+          </p:cNvSpPr>
+          <p:nvPr>
+            <p:ph type="sldNum" sz="quarter" idx="12"/>
+          </p:nvPr>
+        </p:nvSpPr>
+        <p:spPr/>
+        <p:txBody>
+          <a:bodyPr/>
+          <a:lstStyle/>
+          <a:p>
+            <a:fld id="{80929F01-733D-5847-83A7-C9CEA74310DB}" type="slidenum">
+              <a:rPr kumimoji="1" lang="zh-TW" altLang="en-US" smtClean="0"/>
+              <a:t>5</a:t>
+            </a:fld>
+            <a:endParaRPr kumimoji="1" lang="zh-TW" altLang="en-US"/>
+          </a:p>
+        </p:txBody>
+      </p:sp>
+      <p:sp>
+        <p:nvSpPr>
+          <p:cNvPr id="11" name="文字方塊 10">
+            <a:extLst>
+              <a:ext uri="{FF2B5EF4-FFF2-40B4-BE49-F238E27FC236}">
+                <a16:creationId xmlns:a16="http://schemas.microsoft.com/office/drawing/2014/main" id="{B3949AFD-133D-429B-9769-4B195B8BC5F3}"/>
+              </a:ext>
+            </a:extLst>
+          </p:cNvPr>
+          <p:cNvSpPr txBox="1"/>
+          <p:nvPr/>
+        </p:nvSpPr>
+        <p:spPr>
+          <a:xfrm>
+            <a:off x="830668" y="1660142"/>
+            <a:ext cx="1620957" cy="523220"/>
+          </a:xfrm>
+          <a:prstGeom prst="rect">
+            <a:avLst/>
+          </a:prstGeom>
+          <a:noFill/>
+        </p:spPr>
+        <p:txBody>
+          <a:bodyPr wrap="none" rtlCol="0">
+            <a:spAutoFit/>
+          </a:bodyPr>
+          <a:lstStyle/>
+          <a:p>
+            <a:pPr algn="ctr"/>
+            <a:r>
+              <a:rPr lang="zh-TW" altLang="en-US" sz="2800" b="1" dirty="0">
+                <a:solidFill>
+                  <a:schemeClr val="bg1"/>
+                </a:solidFill>
+                <a:latin typeface="微軟正黑體" panose="020B0604030504040204" pitchFamily="34" charset="-120"/>
+                <a:ea typeface="微軟正黑體" panose="020B0604030504040204" pitchFamily="34" charset="-120"/>
+                <a:cs typeface="Arial" pitchFamily="34" charset="0"/>
+              </a:rPr>
+              <a:t>新聞評分</a:t>
+            </a:r>
+          </a:p>
+        </p:txBody>
+      </p:sp>
+      <p:pic>
+        <p:nvPicPr>
+          <p:cNvPr id="15" name="內容版面配置區 3">
+            <a:extLst>
+              <a:ext uri="{FF2B5EF4-FFF2-40B4-BE49-F238E27FC236}">
+                <a16:creationId xmlns:a16="http://schemas.microsoft.com/office/drawing/2014/main" id="{F138891A-2302-41D1-A458-03DBCFDA9D1B}"/>
+              </a:ext>
+            </a:extLst>
+          </p:cNvPr>
+          <p:cNvPicPr>
+            <a:picLocks noChangeAspect="1"/>
+          </p:cNvPicPr>
+          <p:nvPr/>
+        </p:nvPicPr>
+        <p:blipFill rotWithShape="1">
+          <a:blip r:embed="rId2"/>
+          <a:srcRect b="42967"/>
+          <a:stretch/>
+        </p:blipFill>
+        <p:spPr>
+          <a:xfrm>
+            <a:off x="3240732" y="2693857"/>
+            <a:ext cx="3312982" cy="1965960"/>
+          </a:xfrm>
+          <a:prstGeom prst="rect">
+            <a:avLst/>
+          </a:prstGeom>
+          <a:ln>
+            <a:solidFill>
+              <a:schemeClr val="tx1"/>
+            </a:solidFill>
+          </a:ln>
+        </p:spPr>
+      </p:pic>
+      <p:sp>
+        <p:nvSpPr>
+          <p:cNvPr id="18" name="文字方塊 17">
+            <a:extLst>
+              <a:ext uri="{FF2B5EF4-FFF2-40B4-BE49-F238E27FC236}">
+                <a16:creationId xmlns:a16="http://schemas.microsoft.com/office/drawing/2014/main" id="{1077980B-815F-4308-95CF-D98C596963AC}"/>
+              </a:ext>
+            </a:extLst>
+          </p:cNvPr>
+          <p:cNvSpPr txBox="1"/>
+          <p:nvPr/>
+        </p:nvSpPr>
+        <p:spPr>
+          <a:xfrm>
+            <a:off x="6894393" y="5255077"/>
+            <a:ext cx="1620957" cy="523220"/>
+          </a:xfrm>
+          <a:prstGeom prst="rect">
+            <a:avLst/>
+          </a:prstGeom>
+          <a:noFill/>
+        </p:spPr>
+        <p:txBody>
+          <a:bodyPr wrap="none" rtlCol="0">
+            <a:spAutoFit/>
+          </a:bodyPr>
+          <a:lstStyle/>
+          <a:p>
+            <a:pPr algn="ctr"/>
+            <a:r>
+              <a:rPr lang="zh-TW" altLang="en-US" sz="2800" b="1" dirty="0">
+                <a:solidFill>
+                  <a:schemeClr val="bg1"/>
+                </a:solidFill>
+                <a:latin typeface="微軟正黑體" panose="020B0604030504040204" pitchFamily="34" charset="-120"/>
+                <a:ea typeface="微軟正黑體" panose="020B0604030504040204" pitchFamily="34" charset="-120"/>
+                <a:cs typeface="Arial" pitchFamily="34" charset="0"/>
+              </a:rPr>
+              <a:t>投資參考</a:t>
+            </a:r>
+          </a:p>
+        </p:txBody>
+      </p:sp>
+      <p:sp>
+        <p:nvSpPr>
+          <p:cNvPr id="19" name="矩形: 圓角 17">
+            <a:extLst>
+              <a:ext uri="{FF2B5EF4-FFF2-40B4-BE49-F238E27FC236}">
+                <a16:creationId xmlns:a16="http://schemas.microsoft.com/office/drawing/2014/main" id="{2890B409-9EF7-4B36-9204-AE6A455A213F}"/>
+              </a:ext>
+            </a:extLst>
+          </p:cNvPr>
+          <p:cNvSpPr/>
+          <p:nvPr/>
+        </p:nvSpPr>
+        <p:spPr>
+          <a:xfrm>
+            <a:off x="6542201" y="1458238"/>
+            <a:ext cx="2473110" cy="912156"/>
+          </a:xfrm>
+          <a:prstGeom prst="roundRect">
+            <a:avLst>
+              <a:gd name="adj" fmla="val 17459"/>
+            </a:avLst>
+          </a:prstGeom>
+          <a:solidFill>
+            <a:srgbClr val="479793"/>
+          </a:solidFill>
+          <a:ln>
+            <a:noFill/>
+          </a:ln>
+        </p:spPr>
+        <p:style>
+          <a:lnRef idx="2">
+            <a:schemeClr val="accent1">
+              <a:shade val="50000"/>
+            </a:schemeClr>
+          </a:lnRef>
+          <a:fillRef idx="1">
+            <a:schemeClr val="accent1"/>
+          </a:fillRef>
+          <a:effectRef idx="0">
+            <a:schemeClr val="accent1"/>
+          </a:effectRef>
+          <a:fontRef idx="minor">
+            <a:schemeClr val="lt1"/>
+          </a:fontRef>
+        </p:style>
+        <p:txBody>
+          <a:bodyPr rtlCol="0" anchor="ctr"/>
+          <a:lstStyle/>
+          <a:p>
+            <a:pPr algn="ctr"/>
+            <a:endParaRPr lang="zh-TW" altLang="en-US"/>
+          </a:p>
+        </p:txBody>
+      </p:sp>
+      <p:sp>
+        <p:nvSpPr>
+          <p:cNvPr id="21" name="文字方塊 20">
+            <a:extLst>
+              <a:ext uri="{FF2B5EF4-FFF2-40B4-BE49-F238E27FC236}">
+                <a16:creationId xmlns:a16="http://schemas.microsoft.com/office/drawing/2014/main" id="{86712359-9ABA-4C7B-B069-ACA544C27E4C}"/>
+              </a:ext>
+            </a:extLst>
+          </p:cNvPr>
+          <p:cNvSpPr txBox="1"/>
+          <p:nvPr/>
+        </p:nvSpPr>
+        <p:spPr>
+          <a:xfrm>
+            <a:off x="6968277" y="1682039"/>
+            <a:ext cx="1620957" cy="523220"/>
+          </a:xfrm>
+          <a:prstGeom prst="rect">
+            <a:avLst/>
+          </a:prstGeom>
+          <a:noFill/>
+        </p:spPr>
+        <p:txBody>
+          <a:bodyPr wrap="none" rtlCol="0">
+            <a:spAutoFit/>
+          </a:bodyPr>
+          <a:lstStyle/>
+          <a:p>
+            <a:pPr algn="ctr"/>
+            <a:r>
+              <a:rPr lang="zh-TW" altLang="en-US" sz="2800" b="1" dirty="0">
+                <a:solidFill>
+                  <a:schemeClr val="bg1"/>
+                </a:solidFill>
+                <a:latin typeface="微軟正黑體" panose="020B0604030504040204" pitchFamily="34" charset="-120"/>
+                <a:ea typeface="微軟正黑體" panose="020B0604030504040204" pitchFamily="34" charset="-120"/>
+                <a:cs typeface="Arial" pitchFamily="34" charset="0"/>
+              </a:rPr>
+              <a:t>過濾訊息</a:t>
+            </a:r>
+          </a:p>
+        </p:txBody>
+      </p:sp>
+      <p:sp>
+        <p:nvSpPr>
+          <p:cNvPr id="22" name="矩形: 圓角 17">
+            <a:extLst>
+              <a:ext uri="{FF2B5EF4-FFF2-40B4-BE49-F238E27FC236}">
+                <a16:creationId xmlns:a16="http://schemas.microsoft.com/office/drawing/2014/main" id="{661CC909-D0F8-45E6-A6EF-8D30274F8F90}"/>
+              </a:ext>
+            </a:extLst>
+          </p:cNvPr>
+          <p:cNvSpPr/>
+          <p:nvPr/>
+        </p:nvSpPr>
+        <p:spPr>
+          <a:xfrm>
+            <a:off x="387644" y="5014629"/>
+            <a:ext cx="2473110" cy="912156"/>
+          </a:xfrm>
+          <a:prstGeom prst="roundRect">
+            <a:avLst>
+              <a:gd name="adj" fmla="val 17459"/>
+            </a:avLst>
+          </a:prstGeom>
+          <a:solidFill>
+            <a:srgbClr val="479793"/>
+          </a:solidFill>
+          <a:ln>
+            <a:noFill/>
+          </a:ln>
+        </p:spPr>
+        <p:style>
+          <a:lnRef idx="2">
+            <a:schemeClr val="accent1">
+              <a:shade val="50000"/>
+            </a:schemeClr>
+          </a:lnRef>
+          <a:fillRef idx="1">
+            <a:schemeClr val="accent1"/>
+          </a:fillRef>
+          <a:effectRef idx="0">
+            <a:schemeClr val="accent1"/>
+          </a:effectRef>
+          <a:fontRef idx="minor">
+            <a:schemeClr val="lt1"/>
+          </a:fontRef>
+        </p:style>
+        <p:txBody>
+          <a:bodyPr rtlCol="0" anchor="ctr"/>
+          <a:lstStyle/>
+          <a:p>
+            <a:pPr algn="ctr"/>
+            <a:endParaRPr lang="zh-TW" altLang="en-US"/>
+          </a:p>
+        </p:txBody>
+      </p:sp>
+      <p:sp>
+        <p:nvSpPr>
+          <p:cNvPr id="23" name="文字方塊 22">
+            <a:extLst>
+              <a:ext uri="{FF2B5EF4-FFF2-40B4-BE49-F238E27FC236}">
+                <a16:creationId xmlns:a16="http://schemas.microsoft.com/office/drawing/2014/main" id="{25D084A8-5D7E-44A6-A5DD-EB16F65496F8}"/>
+              </a:ext>
+            </a:extLst>
+          </p:cNvPr>
+          <p:cNvSpPr txBox="1"/>
+          <p:nvPr/>
+        </p:nvSpPr>
+        <p:spPr>
+          <a:xfrm>
+            <a:off x="768590" y="5197858"/>
+            <a:ext cx="1620957" cy="523220"/>
+          </a:xfrm>
+          <a:prstGeom prst="rect">
+            <a:avLst/>
+          </a:prstGeom>
+          <a:noFill/>
+        </p:spPr>
+        <p:txBody>
+          <a:bodyPr wrap="none" rtlCol="0">
+            <a:spAutoFit/>
+          </a:bodyPr>
+          <a:lstStyle/>
+          <a:p>
+            <a:pPr algn="ctr"/>
+            <a:r>
+              <a:rPr lang="zh-TW" altLang="en-US" sz="2800" b="1" dirty="0">
+                <a:solidFill>
+                  <a:schemeClr val="bg1"/>
+                </a:solidFill>
+                <a:latin typeface="微軟正黑體" panose="020B0604030504040204" pitchFamily="34" charset="-120"/>
+                <a:ea typeface="微軟正黑體" panose="020B0604030504040204" pitchFamily="34" charset="-120"/>
+                <a:cs typeface="Arial" pitchFamily="34" charset="0"/>
+              </a:rPr>
+              <a:t>即時資訊</a:t>
+            </a:r>
+          </a:p>
+        </p:txBody>
+      </p:sp>
+    </p:spTree>
+    <p:extLst>
+      <p:ext uri="{BB962C8B-B14F-4D97-AF65-F5344CB8AC3E}">
+        <p14:creationId xmlns:p14="http://schemas.microsoft.com/office/powerpoint/2010/main" val="1002808003"/>
+      </p:ext>
+    </p:extLst>
+  </p:cSld>
+  <p:clrMapOvr>
+    <a:masterClrMapping/>
+  </p:clrMapOvr>
+</p:sld>
+</file>
+
+<file path=ppt/slides/slide6.xml><?xml version="1.0" encoding="utf-8"?>
 <p:sld xmlns:a="http://schemas.openxmlformats.org/drawingml/2006/main" xmlns:r="http://schemas.openxmlformats.org/officeDocument/2006/relationships" xmlns:p="http://schemas.openxmlformats.org/presentationml/2006/main">
   <p:cSld>
     <p:spTree>
@@ -31080,7 +32212,7 @@
             <a:fld id="{80929F01-733D-5847-83A7-C9CEA74310DB}" type="slidenum">
               <a:rPr kumimoji="1" lang="zh-TW" altLang="en-US" smtClean="0"/>
               <a:pPr/>
-              <a:t>5</a:t>
+              <a:t>6</a:t>
             </a:fld>
             <a:endParaRPr kumimoji="1" lang="zh-TW" altLang="en-US" dirty="0"/>
           </a:p>
@@ -31091,7 +32223,7 @@
           <p:cNvPr id="6" name="標題 1">
             <a:extLst>
               <a:ext uri="{FF2B5EF4-FFF2-40B4-BE49-F238E27FC236}">
-                <a16:creationId xmlns:a16="http://schemas.microsoft.com/office/drawing/2014/main" id="{7CCBAB5C-52C8-BE46-9B90-B4D2AC68A7E4}"/>
+                <a16:creationId xmlns:a16="http://schemas.microsoft.com/office/drawing/2014/main" id="{85DD7FEE-76E4-4C4B-AB03-D610AC69DD78}"/>
               </a:ext>
             </a:extLst>
           </p:cNvPr>
@@ -31104,8 +32236,8 @@
         </p:nvSpPr>
         <p:spPr>
           <a:xfrm>
-            <a:off x="628650" y="214109"/>
-            <a:ext cx="7886700" cy="1010614"/>
+            <a:off x="554109" y="356398"/>
+            <a:ext cx="7886700" cy="979392"/>
           </a:xfrm>
         </p:spPr>
         <p:txBody>
@@ -31116,14 +32248,22 @@
           <a:p>
             <a:r>
               <a:rPr lang="zh-TW" altLang="en-US" dirty="0"/>
-              <a:t>本組專案優勢一：</a:t>
+              <a:t>優勢一</a:t>
+            </a:r>
+            <a:r>
+              <a:rPr lang="en-US" altLang="zh-TW" dirty="0"/>
+              <a:t>—</a:t>
+            </a:r>
+            <a:r>
+              <a:rPr lang="zh-TW" altLang="en-US" dirty="0"/>
+              <a:t>新聞評分：</a:t>
             </a:r>
             <a:br>
               <a:rPr lang="en-US" altLang="zh-TW" dirty="0"/>
             </a:br>
             <a:r>
               <a:rPr lang="zh-TW" altLang="en-US" dirty="0"/>
-              <a:t>建立篩選機制，讓使用者只看得到重要的新聞</a:t>
+              <a:t>透過機器學習模型，避免多位專家評分看法不一致的偏誤</a:t>
             </a:r>
             <a:endParaRPr kumimoji="1" lang="zh-TW" altLang="en-US" dirty="0"/>
           </a:p>
@@ -31134,7 +32274,7 @@
           <p:cNvPr id="7" name="投影片編號版面配置區 4">
             <a:extLst>
               <a:ext uri="{FF2B5EF4-FFF2-40B4-BE49-F238E27FC236}">
-                <a16:creationId xmlns:a16="http://schemas.microsoft.com/office/drawing/2014/main" id="{C2F36CD7-DEB0-1943-B291-B5F1EDC55086}"/>
+                <a16:creationId xmlns:a16="http://schemas.microsoft.com/office/drawing/2014/main" id="{45697EB7-DB09-1749-A725-61E9E0C4B39C}"/>
               </a:ext>
             </a:extLst>
           </p:cNvPr>
@@ -31253,7 +32393,7 @@
             <a:fld id="{80929F01-733D-5847-83A7-C9CEA74310DB}" type="slidenum">
               <a:rPr kumimoji="1" lang="zh-TW" altLang="en-US" smtClean="0"/>
               <a:pPr/>
-              <a:t>5</a:t>
+              <a:t>6</a:t>
             </a:fld>
             <a:endParaRPr kumimoji="1" lang="zh-TW" altLang="en-US" dirty="0"/>
           </a:p>
@@ -31264,7 +32404,7 @@
           <p:cNvPr id="8" name="矩形: 圓角 17">
             <a:extLst>
               <a:ext uri="{FF2B5EF4-FFF2-40B4-BE49-F238E27FC236}">
-                <a16:creationId xmlns:a16="http://schemas.microsoft.com/office/drawing/2014/main" id="{90E28558-DB5A-A143-B9D8-7B755E2015E2}"/>
+                <a16:creationId xmlns:a16="http://schemas.microsoft.com/office/drawing/2014/main" id="{4FC980DD-5466-7342-A494-AF86F2A739C5}"/>
               </a:ext>
             </a:extLst>
           </p:cNvPr>
@@ -31318,7 +32458,7 @@
           <p:cNvPr id="9" name="矩形: 圓角 18">
             <a:extLst>
               <a:ext uri="{FF2B5EF4-FFF2-40B4-BE49-F238E27FC236}">
-                <a16:creationId xmlns:a16="http://schemas.microsoft.com/office/drawing/2014/main" id="{5A7D7993-1E8C-344C-AFA1-6F09B2A7D3CD}"/>
+                <a16:creationId xmlns:a16="http://schemas.microsoft.com/office/drawing/2014/main" id="{B944976E-E7D3-2B4A-B06A-259F801A78D7}"/>
               </a:ext>
             </a:extLst>
           </p:cNvPr>
@@ -31363,7 +32503,7 @@
           <a:lstStyle/>
           <a:p>
             <a:pPr algn="ctr"/>
-            <a:endParaRPr lang="zh-TW" altLang="en-US" dirty="0"/>
+            <a:endParaRPr lang="zh-TW" altLang="en-US"/>
           </a:p>
         </p:txBody>
       </p:sp>
@@ -31372,7 +32512,7 @@
           <p:cNvPr id="10" name="矩形 9">
             <a:extLst>
               <a:ext uri="{FF2B5EF4-FFF2-40B4-BE49-F238E27FC236}">
-                <a16:creationId xmlns:a16="http://schemas.microsoft.com/office/drawing/2014/main" id="{3565163F-4E5F-8547-BA58-0566041D9F69}"/>
+                <a16:creationId xmlns:a16="http://schemas.microsoft.com/office/drawing/2014/main" id="{C63C2258-4498-FC42-8BA0-C144A748A17B}"/>
               </a:ext>
             </a:extLst>
           </p:cNvPr>
@@ -31381,8 +32521,8 @@
         </p:nvSpPr>
         <p:spPr>
           <a:xfrm>
-            <a:off x="1554917" y="1553847"/>
-            <a:ext cx="2339103" cy="523220"/>
+            <a:off x="1375381" y="1553847"/>
+            <a:ext cx="2698176" cy="523220"/>
           </a:xfrm>
           <a:prstGeom prst="rect">
             <a:avLst/>
@@ -31404,7 +32544,7 @@
                 <a:ea typeface="微軟正黑體" panose="020B0604030504040204" pitchFamily="34" charset="-120"/>
                 <a:cs typeface="Arial" pitchFamily="34" charset="0"/>
               </a:rPr>
-              <a:t>海量新聞資訊</a:t>
+              <a:t>專家看法不一致</a:t>
             </a:r>
             <a:endParaRPr lang="ko-KR" altLang="en-US" sz="2800" b="1" dirty="0">
               <a:solidFill>
@@ -31421,7 +32561,7 @@
           <p:cNvPr id="11" name="矩形 10">
             <a:extLst>
               <a:ext uri="{FF2B5EF4-FFF2-40B4-BE49-F238E27FC236}">
-                <a16:creationId xmlns:a16="http://schemas.microsoft.com/office/drawing/2014/main" id="{B2CDB2FA-AF3F-194F-AEE0-C87338C93604}"/>
+                <a16:creationId xmlns:a16="http://schemas.microsoft.com/office/drawing/2014/main" id="{DA9F424D-82AE-E945-B457-DD4AACC7A716}"/>
               </a:ext>
             </a:extLst>
           </p:cNvPr>
@@ -31430,8 +32570,8 @@
         </p:nvSpPr>
         <p:spPr>
           <a:xfrm>
-            <a:off x="4736013" y="1553847"/>
-            <a:ext cx="3180059" cy="523220"/>
+            <a:off x="5487996" y="1553847"/>
+            <a:ext cx="1904273" cy="523220"/>
           </a:xfrm>
           <a:prstGeom prst="rect">
             <a:avLst/>
@@ -31452,7 +32592,7 @@
                 <a:ea typeface="微軟正黑體" panose="020B0604030504040204" pitchFamily="34" charset="-120"/>
                 <a:cs typeface="Arial" pitchFamily="34" charset="0"/>
               </a:rPr>
-              <a:t>重要新聞篩選機制</a:t>
+              <a:t>機器學習</a:t>
             </a:r>
           </a:p>
         </p:txBody>
@@ -31462,7 +32602,7 @@
           <p:cNvPr id="12" name="矩形 11">
             <a:extLst>
               <a:ext uri="{FF2B5EF4-FFF2-40B4-BE49-F238E27FC236}">
-                <a16:creationId xmlns:a16="http://schemas.microsoft.com/office/drawing/2014/main" id="{78844D6E-2688-8C4E-830A-82DB0F8BFDF9}"/>
+                <a16:creationId xmlns:a16="http://schemas.microsoft.com/office/drawing/2014/main" id="{E8F8D5EB-31B9-1B4B-95E0-E95A47F1F11B}"/>
               </a:ext>
             </a:extLst>
           </p:cNvPr>
@@ -31471,8 +32611,8 @@
         </p:nvSpPr>
         <p:spPr>
           <a:xfrm>
-            <a:off x="1245912" y="4124780"/>
-            <a:ext cx="2957114" cy="707886"/>
+            <a:off x="1245912" y="4200892"/>
+            <a:ext cx="2957114" cy="1015663"/>
           </a:xfrm>
           <a:prstGeom prst="rect">
             <a:avLst/>
@@ -31484,7 +32624,6 @@
           </a:bodyPr>
           <a:lstStyle/>
           <a:p>
-            <a:pPr algn="ctr"/>
             <a:r>
               <a:rPr lang="zh-TW" altLang="en-US" sz="2000" b="1" dirty="0">
                 <a:solidFill>
@@ -31497,23 +32636,9 @@
                 <a:ea typeface="微軟正黑體" panose="020B0604030504040204" pitchFamily="34" charset="-120"/>
                 <a:cs typeface="Arial" pitchFamily="34" charset="0"/>
               </a:rPr>
-              <a:t>那些新聞重要</a:t>
-            </a:r>
-            <a:r>
-              <a:rPr lang="en-US" altLang="zh-TW" sz="2000" b="1" dirty="0">
-                <a:solidFill>
-                  <a:schemeClr val="tx1">
-                    <a:lumMod val="75000"/>
-                    <a:lumOff val="25000"/>
-                  </a:schemeClr>
-                </a:solidFill>
-                <a:latin typeface="微軟正黑體" panose="020B0604030504040204" pitchFamily="34" charset="-120"/>
-                <a:ea typeface="微軟正黑體" panose="020B0604030504040204" pitchFamily="34" charset="-120"/>
-                <a:cs typeface="Arial" pitchFamily="34" charset="0"/>
-              </a:rPr>
-              <a:t>?</a:t>
-            </a:r>
-            <a:endParaRPr lang="ko-KR" altLang="en-US" sz="2000" b="1" dirty="0">
+              <a:t>專家經驗判斷⽔平不⼀致</a:t>
+            </a:r>
+            <a:endParaRPr lang="en-US" altLang="zh-TW" sz="2000" b="1" dirty="0">
               <a:solidFill>
                 <a:schemeClr val="tx1">
                   <a:lumMod val="75000"/>
@@ -31521,6 +32646,7 @@
                 </a:schemeClr>
               </a:solidFill>
               <a:latin typeface="微軟正黑體" panose="020B0604030504040204" pitchFamily="34" charset="-120"/>
+              <a:ea typeface="微軟正黑體" panose="020B0604030504040204" pitchFamily="34" charset="-120"/>
               <a:cs typeface="Arial" pitchFamily="34" charset="0"/>
             </a:endParaRPr>
           </a:p>
@@ -31539,7 +32665,7 @@
           <p:cNvPr id="13" name="直線接點 12">
             <a:extLst>
               <a:ext uri="{FF2B5EF4-FFF2-40B4-BE49-F238E27FC236}">
-                <a16:creationId xmlns:a16="http://schemas.microsoft.com/office/drawing/2014/main" id="{816327F7-5AD7-2C4A-BAF7-79106659A66F}"/>
+                <a16:creationId xmlns:a16="http://schemas.microsoft.com/office/drawing/2014/main" id="{CECD63C1-0781-CF4F-8EBC-50D80A01FF91}"/>
               </a:ext>
             </a:extLst>
           </p:cNvPr>
@@ -31580,7 +32706,7 @@
           <p:cNvPr id="14" name="直線接點 13">
             <a:extLst>
               <a:ext uri="{FF2B5EF4-FFF2-40B4-BE49-F238E27FC236}">
-                <a16:creationId xmlns:a16="http://schemas.microsoft.com/office/drawing/2014/main" id="{AC3C10EE-6DB8-C043-AB22-882A3926B273}"/>
+                <a16:creationId xmlns:a16="http://schemas.microsoft.com/office/drawing/2014/main" id="{FB462F24-7997-E442-8081-AFB531513445}"/>
               </a:ext>
             </a:extLst>
           </p:cNvPr>
@@ -31616,51 +32742,12 @@
           </a:fontRef>
         </p:style>
       </p:cxnSp>
-      <p:pic>
-        <p:nvPicPr>
-          <p:cNvPr id="15" name="圖形 14" descr="目標對象">
-            <a:extLst>
-              <a:ext uri="{FF2B5EF4-FFF2-40B4-BE49-F238E27FC236}">
-                <a16:creationId xmlns:a16="http://schemas.microsoft.com/office/drawing/2014/main" id="{E8F84901-7DD3-D449-ABFC-C1ACC455E081}"/>
-              </a:ext>
-            </a:extLst>
-          </p:cNvPr>
-          <p:cNvPicPr>
-            <a:picLocks noChangeAspect="1"/>
-          </p:cNvPicPr>
-          <p:nvPr/>
-        </p:nvPicPr>
-        <p:blipFill>
-          <a:blip r:embed="rId2">
-            <a:extLst>
-              <a:ext uri="{28A0092B-C50C-407E-A947-70E740481C1C}">
-                <a14:useLocalDpi xmlns:a14="http://schemas.microsoft.com/office/drawing/2010/main" val="0"/>
-              </a:ext>
-              <a:ext uri="{96DAC541-7B7A-43D3-8B79-37D633B846F1}">
-                <asvg:svgBlip xmlns:asvg="http://schemas.microsoft.com/office/drawing/2016/SVG/main" r:embed="rId3"/>
-              </a:ext>
-            </a:extLst>
-          </a:blip>
-          <a:stretch>
-            <a:fillRect/>
-          </a:stretch>
-        </p:blipFill>
-        <p:spPr>
-          <a:xfrm>
-            <a:off x="5696042" y="2323284"/>
-            <a:ext cx="1260000" cy="1260000"/>
-          </a:xfrm>
-          <a:prstGeom prst="rect">
-            <a:avLst/>
-          </a:prstGeom>
-        </p:spPr>
-      </p:pic>
       <p:sp>
         <p:nvSpPr>
-          <p:cNvPr id="16" name="AutoShape 2" descr="Insane messy line, complicated clew way on blue background. Tangled scribble path, chaotic difficult process way. Curved white line, solving a complex problem or quest. Vector illustration">
-            <a:extLst>
-              <a:ext uri="{FF2B5EF4-FFF2-40B4-BE49-F238E27FC236}">
-                <a16:creationId xmlns:a16="http://schemas.microsoft.com/office/drawing/2014/main" id="{D50DD20D-2B91-CB42-AF12-C05E7CD53D8F}"/>
+          <p:cNvPr id="15" name="AutoShape 2" descr="Insane messy line, complicated clew way on blue background. Tangled scribble path, chaotic difficult process way. Curved white line, solving a complex problem or quest. Vector illustration">
+            <a:extLst>
+              <a:ext uri="{FF2B5EF4-FFF2-40B4-BE49-F238E27FC236}">
+                <a16:creationId xmlns:a16="http://schemas.microsoft.com/office/drawing/2014/main" id="{7449FF42-8023-BE48-8EA3-C2524A881690}"/>
               </a:ext>
             </a:extLst>
           </p:cNvPr>
@@ -31702,10 +32789,10 @@
       </p:sp>
       <p:sp>
         <p:nvSpPr>
-          <p:cNvPr id="17" name="箭號: 向右 9">
-            <a:extLst>
-              <a:ext uri="{FF2B5EF4-FFF2-40B4-BE49-F238E27FC236}">
-                <a16:creationId xmlns:a16="http://schemas.microsoft.com/office/drawing/2014/main" id="{D356ECDF-8049-E14B-892E-C7E004AE2FFE}"/>
+          <p:cNvPr id="16" name="箭號: 向右 9">
+            <a:extLst>
+              <a:ext uri="{FF2B5EF4-FFF2-40B4-BE49-F238E27FC236}">
+                <a16:creationId xmlns:a16="http://schemas.microsoft.com/office/drawing/2014/main" id="{D6A6474D-BA69-2843-A2E7-A8A87CC75653}"/>
               </a:ext>
             </a:extLst>
           </p:cNvPr>
@@ -31756,10 +32843,10 @@
       </p:sp>
       <p:sp>
         <p:nvSpPr>
-          <p:cNvPr id="18" name="文字方塊 17">
-            <a:extLst>
-              <a:ext uri="{FF2B5EF4-FFF2-40B4-BE49-F238E27FC236}">
-                <a16:creationId xmlns:a16="http://schemas.microsoft.com/office/drawing/2014/main" id="{45282A81-2582-8C42-A02B-373D9ED14B0B}"/>
+          <p:cNvPr id="17" name="文字方塊 16">
+            <a:extLst>
+              <a:ext uri="{FF2B5EF4-FFF2-40B4-BE49-F238E27FC236}">
+                <a16:creationId xmlns:a16="http://schemas.microsoft.com/office/drawing/2014/main" id="{88283245-289F-A848-977F-471CB82703F1}"/>
               </a:ext>
             </a:extLst>
           </p:cNvPr>
@@ -31768,8 +32855,8 @@
         </p:nvSpPr>
         <p:spPr>
           <a:xfrm>
-            <a:off x="4848666" y="4124780"/>
-            <a:ext cx="2771616" cy="707886"/>
+            <a:off x="4848666" y="4115118"/>
+            <a:ext cx="2771616" cy="1015663"/>
           </a:xfrm>
           <a:prstGeom prst="rect">
             <a:avLst/>
@@ -31794,42 +32881,53 @@
                 <a:ea typeface="微軟正黑體" panose="020B0604030504040204" pitchFamily="34" charset="-120"/>
                 <a:cs typeface="Arial" pitchFamily="34" charset="0"/>
               </a:rPr>
-              <a:t>系統只展現重要的新聞內容及評分</a:t>
-            </a:r>
-            <a:r>
-              <a:rPr lang="en-US" altLang="zh-TW" sz="2000" b="1" dirty="0">
-                <a:solidFill>
-                  <a:schemeClr val="tx1">
-                    <a:lumMod val="75000"/>
-                    <a:lumOff val="25000"/>
-                  </a:schemeClr>
-                </a:solidFill>
-                <a:latin typeface="微軟正黑體" panose="020B0604030504040204" pitchFamily="34" charset="-120"/>
-                <a:ea typeface="微軟正黑體" panose="020B0604030504040204" pitchFamily="34" charset="-120"/>
-                <a:cs typeface="Arial" pitchFamily="34" charset="0"/>
-              </a:rPr>
-              <a:t>(-3, -2, 2, 3)</a:t>
-            </a:r>
-            <a:endParaRPr lang="zh-TW" altLang="en-US" sz="2000" b="1" dirty="0">
-              <a:solidFill>
-                <a:schemeClr val="tx1">
-                  <a:lumMod val="75000"/>
-                  <a:lumOff val="25000"/>
-                </a:schemeClr>
-              </a:solidFill>
-              <a:latin typeface="微軟正黑體" panose="020B0604030504040204" pitchFamily="34" charset="-120"/>
-              <a:ea typeface="微軟正黑體" panose="020B0604030504040204" pitchFamily="34" charset="-120"/>
-              <a:cs typeface="Arial" pitchFamily="34" charset="0"/>
-            </a:endParaRPr>
+              <a:t>利用機器學習參考各專家評分結果，降低評分變異程度</a:t>
+            </a:r>
           </a:p>
         </p:txBody>
       </p:sp>
       <p:pic>
         <p:nvPicPr>
+          <p:cNvPr id="18" name="圖形 17">
+            <a:extLst>
+              <a:ext uri="{FF2B5EF4-FFF2-40B4-BE49-F238E27FC236}">
+                <a16:creationId xmlns:a16="http://schemas.microsoft.com/office/drawing/2014/main" id="{359A765B-AB93-7843-852B-E0388ED46949}"/>
+              </a:ext>
+            </a:extLst>
+          </p:cNvPr>
+          <p:cNvPicPr>
+            <a:picLocks noChangeAspect="1"/>
+          </p:cNvPicPr>
+          <p:nvPr/>
+        </p:nvPicPr>
+        <p:blipFill>
+          <a:blip r:embed="rId2">
+            <a:extLst>
+              <a:ext uri="{96DAC541-7B7A-43D3-8B79-37D633B846F1}">
+                <asvg:svgBlip xmlns:asvg="http://schemas.microsoft.com/office/drawing/2016/SVG/main" r:embed="rId3"/>
+              </a:ext>
+            </a:extLst>
+          </a:blip>
+          <a:stretch>
+            <a:fillRect/>
+          </a:stretch>
+        </p:blipFill>
+        <p:spPr>
+          <a:xfrm>
+            <a:off x="2137511" y="2293120"/>
+            <a:ext cx="1260000" cy="1260000"/>
+          </a:xfrm>
+          <a:prstGeom prst="rect">
+            <a:avLst/>
+          </a:prstGeom>
+        </p:spPr>
+      </p:pic>
+      <p:pic>
+        <p:nvPicPr>
           <p:cNvPr id="19" name="圖形 18">
             <a:extLst>
               <a:ext uri="{FF2B5EF4-FFF2-40B4-BE49-F238E27FC236}">
-                <a16:creationId xmlns:a16="http://schemas.microsoft.com/office/drawing/2014/main" id="{86BFB523-B177-EA47-B0CB-FC513035CCD8}"/>
+                <a16:creationId xmlns:a16="http://schemas.microsoft.com/office/drawing/2014/main" id="{3AFA5D0F-6219-2E48-9390-DBB23BE498FA}"/>
               </a:ext>
             </a:extLst>
           </p:cNvPr>
@@ -31852,8 +32950,8 @@
         </p:blipFill>
         <p:spPr>
           <a:xfrm>
-            <a:off x="2050624" y="2323284"/>
-            <a:ext cx="1258633" cy="1258633"/>
+            <a:off x="5604474" y="2211139"/>
+            <a:ext cx="1260000" cy="1260000"/>
           </a:xfrm>
           <a:prstGeom prst="rect">
             <a:avLst/>
@@ -31863,7 +32961,7 @@
     </p:spTree>
     <p:extLst>
       <p:ext uri="{BB962C8B-B14F-4D97-AF65-F5344CB8AC3E}">
-        <p14:creationId xmlns:p14="http://schemas.microsoft.com/office/powerpoint/2010/main" val="2297881215"/>
+        <p14:creationId xmlns:p14="http://schemas.microsoft.com/office/powerpoint/2010/main" val="306391585"/>
       </p:ext>
     </p:extLst>
   </p:cSld>
@@ -31873,7 +32971,7 @@
 </p:sld>
 </file>
 
-<file path=ppt/slides/slide6.xml><?xml version="1.0" encoding="utf-8"?>
+<file path=ppt/slides/slide7.xml><?xml version="1.0" encoding="utf-8"?>
 <p:sld xmlns:a="http://schemas.openxmlformats.org/drawingml/2006/main" xmlns:r="http://schemas.openxmlformats.org/officeDocument/2006/relationships" xmlns:p="http://schemas.openxmlformats.org/presentationml/2006/main">
   <p:cSld>
     <p:spTree>
@@ -31944,7 +33042,7 @@
             <a:fld id="{80929F01-733D-5847-83A7-C9CEA74310DB}" type="slidenum">
               <a:rPr kumimoji="1" lang="zh-TW" altLang="en-US" smtClean="0"/>
               <a:pPr/>
-              <a:t>6</a:t>
+              <a:t>7</a:t>
             </a:fld>
             <a:endParaRPr kumimoji="1" lang="zh-TW" altLang="en-US" dirty="0"/>
           </a:p>
@@ -31955,7 +33053,7 @@
           <p:cNvPr id="6" name="標題 1">
             <a:extLst>
               <a:ext uri="{FF2B5EF4-FFF2-40B4-BE49-F238E27FC236}">
-                <a16:creationId xmlns:a16="http://schemas.microsoft.com/office/drawing/2014/main" id="{69058E21-788F-A94E-91DB-6EEE31229D16}"/>
+                <a16:creationId xmlns:a16="http://schemas.microsoft.com/office/drawing/2014/main" id="{7CCBAB5C-52C8-BE46-9B90-B4D2AC68A7E4}"/>
               </a:ext>
             </a:extLst>
           </p:cNvPr>
@@ -31968,8 +33066,8 @@
         </p:nvSpPr>
         <p:spPr>
           <a:xfrm>
-            <a:off x="628650" y="349655"/>
-            <a:ext cx="7886700" cy="858679"/>
+            <a:off x="628650" y="214109"/>
+            <a:ext cx="7886700" cy="1010614"/>
           </a:xfrm>
         </p:spPr>
         <p:txBody>
@@ -31980,15 +33078,24 @@
           <a:p>
             <a:r>
               <a:rPr lang="zh-TW" altLang="en-US" dirty="0"/>
-              <a:t>本組專案優勢二：</a:t>
+              <a:t>優勢二</a:t>
+            </a:r>
+            <a:r>
+              <a:rPr lang="en-US" altLang="zh-TW" dirty="0"/>
+              <a:t>—</a:t>
+            </a:r>
+            <a:r>
+              <a:rPr lang="zh-TW" altLang="en-US" dirty="0"/>
+              <a:t>過濾訊息：</a:t>
             </a:r>
             <a:br>
-              <a:rPr kumimoji="1" lang="en-US" altLang="zh-TW" dirty="0"/>
+              <a:rPr lang="en-US" altLang="zh-TW" dirty="0"/>
             </a:br>
             <a:r>
-              <a:rPr kumimoji="1" lang="zh-TW" altLang="en-US" dirty="0"/>
-              <a:t>爬取最新新聞，即時更新新聞評分</a:t>
-            </a:r>
+              <a:rPr lang="zh-TW" altLang="en-US" dirty="0"/>
+              <a:t>建立篩選機制，讓使用者只看得到重要的新聞</a:t>
+            </a:r>
+            <a:endParaRPr kumimoji="1" lang="zh-TW" altLang="en-US" dirty="0"/>
           </a:p>
         </p:txBody>
       </p:sp>
@@ -31997,7 +33104,7 @@
           <p:cNvPr id="7" name="投影片編號版面配置區 4">
             <a:extLst>
               <a:ext uri="{FF2B5EF4-FFF2-40B4-BE49-F238E27FC236}">
-                <a16:creationId xmlns:a16="http://schemas.microsoft.com/office/drawing/2014/main" id="{500BBB24-199C-1740-825D-EF18AEDEAABB}"/>
+                <a16:creationId xmlns:a16="http://schemas.microsoft.com/office/drawing/2014/main" id="{C2F36CD7-DEB0-1943-B291-B5F1EDC55086}"/>
               </a:ext>
             </a:extLst>
           </p:cNvPr>
@@ -32116,7 +33223,7 @@
             <a:fld id="{80929F01-733D-5847-83A7-C9CEA74310DB}" type="slidenum">
               <a:rPr kumimoji="1" lang="zh-TW" altLang="en-US" smtClean="0"/>
               <a:pPr/>
-              <a:t>6</a:t>
+              <a:t>7</a:t>
             </a:fld>
             <a:endParaRPr kumimoji="1" lang="zh-TW" altLang="en-US" dirty="0"/>
           </a:p>
@@ -32127,7 +33234,7 @@
           <p:cNvPr id="8" name="矩形: 圓角 17">
             <a:extLst>
               <a:ext uri="{FF2B5EF4-FFF2-40B4-BE49-F238E27FC236}">
-                <a16:creationId xmlns:a16="http://schemas.microsoft.com/office/drawing/2014/main" id="{C5572869-B956-CD48-B10A-5E5BC5E92766}"/>
+                <a16:creationId xmlns:a16="http://schemas.microsoft.com/office/drawing/2014/main" id="{90E28558-DB5A-A143-B9D8-7B755E2015E2}"/>
               </a:ext>
             </a:extLst>
           </p:cNvPr>
@@ -32181,7 +33288,7 @@
           <p:cNvPr id="9" name="矩形: 圓角 18">
             <a:extLst>
               <a:ext uri="{FF2B5EF4-FFF2-40B4-BE49-F238E27FC236}">
-                <a16:creationId xmlns:a16="http://schemas.microsoft.com/office/drawing/2014/main" id="{9A30EDC3-61FB-5D4B-9011-F2DAA5A9E16F}"/>
+                <a16:creationId xmlns:a16="http://schemas.microsoft.com/office/drawing/2014/main" id="{5A7D7993-1E8C-344C-AFA1-6F09B2A7D3CD}"/>
               </a:ext>
             </a:extLst>
           </p:cNvPr>
@@ -32226,7 +33333,7 @@
           <a:lstStyle/>
           <a:p>
             <a:pPr algn="ctr"/>
-            <a:endParaRPr lang="zh-TW" altLang="en-US"/>
+            <a:endParaRPr lang="zh-TW" altLang="en-US" dirty="0"/>
           </a:p>
         </p:txBody>
       </p:sp>
@@ -32235,7 +33342,7 @@
           <p:cNvPr id="10" name="矩形 9">
             <a:extLst>
               <a:ext uri="{FF2B5EF4-FFF2-40B4-BE49-F238E27FC236}">
-                <a16:creationId xmlns:a16="http://schemas.microsoft.com/office/drawing/2014/main" id="{B24A9A4E-644E-2740-B280-D0AAF59A6EC5}"/>
+                <a16:creationId xmlns:a16="http://schemas.microsoft.com/office/drawing/2014/main" id="{3565163F-4E5F-8547-BA58-0566041D9F69}"/>
               </a:ext>
             </a:extLst>
           </p:cNvPr>
@@ -32244,8 +33351,8 @@
         </p:nvSpPr>
         <p:spPr>
           <a:xfrm>
-            <a:off x="1957032" y="1543272"/>
-            <a:ext cx="1620958" cy="523220"/>
+            <a:off x="1554917" y="1553847"/>
+            <a:ext cx="2339103" cy="523220"/>
           </a:xfrm>
           <a:prstGeom prst="rect">
             <a:avLst/>
@@ -32267,7 +33374,7 @@
                 <a:ea typeface="微軟正黑體" panose="020B0604030504040204" pitchFamily="34" charset="-120"/>
                 <a:cs typeface="Arial" pitchFamily="34" charset="0"/>
               </a:rPr>
-              <a:t>評分延遲</a:t>
+              <a:t>海量新聞資訊</a:t>
             </a:r>
             <a:endParaRPr lang="ko-KR" altLang="en-US" sz="2800" b="1" dirty="0">
               <a:solidFill>
@@ -32284,7 +33391,7 @@
           <p:cNvPr id="11" name="矩形 10">
             <a:extLst>
               <a:ext uri="{FF2B5EF4-FFF2-40B4-BE49-F238E27FC236}">
-                <a16:creationId xmlns:a16="http://schemas.microsoft.com/office/drawing/2014/main" id="{8A9F161E-EEB3-9A41-8A8B-9237B48794A5}"/>
+                <a16:creationId xmlns:a16="http://schemas.microsoft.com/office/drawing/2014/main" id="{B2CDB2FA-AF3F-194F-AEE0-C87338C93604}"/>
               </a:ext>
             </a:extLst>
           </p:cNvPr>
@@ -32293,7 +33400,7 @@
         </p:nvSpPr>
         <p:spPr>
           <a:xfrm>
-            <a:off x="4692833" y="1506797"/>
+            <a:off x="4736013" y="1553847"/>
             <a:ext cx="3180059" cy="523220"/>
           </a:xfrm>
           <a:prstGeom prst="rect">
@@ -32306,7 +33413,6 @@
           </a:bodyPr>
           <a:lstStyle/>
           <a:p>
-            <a:pPr algn="ctr"/>
             <a:r>
               <a:rPr lang="zh-TW" altLang="en-US" sz="2800" b="1" dirty="0">
                 <a:solidFill>
@@ -32316,7 +33422,7 @@
                 <a:ea typeface="微軟正黑體" panose="020B0604030504040204" pitchFamily="34" charset="-120"/>
                 <a:cs typeface="Arial" pitchFamily="34" charset="0"/>
               </a:rPr>
-              <a:t>新聞爬蟲</a:t>
+              <a:t>重要新聞篩選機制</a:t>
             </a:r>
           </a:p>
         </p:txBody>
@@ -32326,7 +33432,7 @@
           <p:cNvPr id="12" name="矩形 11">
             <a:extLst>
               <a:ext uri="{FF2B5EF4-FFF2-40B4-BE49-F238E27FC236}">
-                <a16:creationId xmlns:a16="http://schemas.microsoft.com/office/drawing/2014/main" id="{980F1261-80E7-9B48-9410-9845481914DE}"/>
+                <a16:creationId xmlns:a16="http://schemas.microsoft.com/office/drawing/2014/main" id="{78844D6E-2688-8C4E-830A-82DB0F8BFDF9}"/>
               </a:ext>
             </a:extLst>
           </p:cNvPr>
@@ -32335,8 +33441,8 @@
         </p:nvSpPr>
         <p:spPr>
           <a:xfrm>
-            <a:off x="1622958" y="4214827"/>
-            <a:ext cx="2957114" cy="1015663"/>
+            <a:off x="1245912" y="4124780"/>
+            <a:ext cx="2957114" cy="707886"/>
           </a:xfrm>
           <a:prstGeom prst="rect">
             <a:avLst/>
@@ -32348,6 +33454,7 @@
           </a:bodyPr>
           <a:lstStyle/>
           <a:p>
+            <a:pPr algn="ctr"/>
             <a:r>
               <a:rPr lang="zh-TW" altLang="en-US" sz="2000" b="1" dirty="0">
                 <a:solidFill>
@@ -32360,9 +33467,9 @@
                 <a:ea typeface="微軟正黑體" panose="020B0604030504040204" pitchFamily="34" charset="-120"/>
                 <a:cs typeface="Arial" pitchFamily="34" charset="0"/>
               </a:rPr>
-              <a:t>無法及時掌握新聞</a:t>
-            </a:r>
-            <a:br>
+              <a:t>那些新聞重要</a:t>
+            </a:r>
+            <a:r>
               <a:rPr lang="en-US" altLang="zh-TW" sz="2000" b="1" dirty="0">
                 <a:solidFill>
                   <a:schemeClr val="tx1">
@@ -32374,22 +33481,9 @@
                 <a:ea typeface="微軟正黑體" panose="020B0604030504040204" pitchFamily="34" charset="-120"/>
                 <a:cs typeface="Arial" pitchFamily="34" charset="0"/>
               </a:rPr>
-            </a:br>
-            <a:r>
-              <a:rPr lang="zh-TW" altLang="en-US" sz="2000" b="1" dirty="0">
-                <a:solidFill>
-                  <a:schemeClr val="tx1">
-                    <a:lumMod val="75000"/>
-                    <a:lumOff val="25000"/>
-                  </a:schemeClr>
-                </a:solidFill>
-                <a:latin typeface="微軟正黑體" panose="020B0604030504040204" pitchFamily="34" charset="-120"/>
-                <a:ea typeface="微軟正黑體" panose="020B0604030504040204" pitchFamily="34" charset="-120"/>
-                <a:cs typeface="Arial" pitchFamily="34" charset="0"/>
-              </a:rPr>
-              <a:t>之影響</a:t>
-            </a:r>
-            <a:endParaRPr lang="en-US" altLang="zh-TW" sz="2000" b="1" dirty="0">
+              <a:t>?</a:t>
+            </a:r>
+            <a:endParaRPr lang="ko-KR" altLang="en-US" sz="2000" b="1" dirty="0">
               <a:solidFill>
                 <a:schemeClr val="tx1">
                   <a:lumMod val="75000"/>
@@ -32397,7 +33491,6 @@
                 </a:schemeClr>
               </a:solidFill>
               <a:latin typeface="微軟正黑體" panose="020B0604030504040204" pitchFamily="34" charset="-120"/>
-              <a:ea typeface="微軟正黑體" panose="020B0604030504040204" pitchFamily="34" charset="-120"/>
               <a:cs typeface="Arial" pitchFamily="34" charset="0"/>
             </a:endParaRPr>
           </a:p>
@@ -32416,7 +33509,7 @@
           <p:cNvPr id="13" name="直線接點 12">
             <a:extLst>
               <a:ext uri="{FF2B5EF4-FFF2-40B4-BE49-F238E27FC236}">
-                <a16:creationId xmlns:a16="http://schemas.microsoft.com/office/drawing/2014/main" id="{DB6EE951-4654-554D-8C2F-16E4C190B52A}"/>
+                <a16:creationId xmlns:a16="http://schemas.microsoft.com/office/drawing/2014/main" id="{816327F7-5AD7-2C4A-BAF7-79106659A66F}"/>
               </a:ext>
             </a:extLst>
           </p:cNvPr>
@@ -32457,7 +33550,7 @@
           <p:cNvPr id="14" name="直線接點 13">
             <a:extLst>
               <a:ext uri="{FF2B5EF4-FFF2-40B4-BE49-F238E27FC236}">
-                <a16:creationId xmlns:a16="http://schemas.microsoft.com/office/drawing/2014/main" id="{E2175C95-C6CA-644D-8A54-57A5BBA35F20}"/>
+                <a16:creationId xmlns:a16="http://schemas.microsoft.com/office/drawing/2014/main" id="{AC3C10EE-6DB8-C043-AB22-882A3926B273}"/>
               </a:ext>
             </a:extLst>
           </p:cNvPr>
@@ -32493,12 +33586,51 @@
           </a:fontRef>
         </p:style>
       </p:cxnSp>
+      <p:pic>
+        <p:nvPicPr>
+          <p:cNvPr id="15" name="圖形 14" descr="目標對象">
+            <a:extLst>
+              <a:ext uri="{FF2B5EF4-FFF2-40B4-BE49-F238E27FC236}">
+                <a16:creationId xmlns:a16="http://schemas.microsoft.com/office/drawing/2014/main" id="{E8F84901-7DD3-D449-ABFC-C1ACC455E081}"/>
+              </a:ext>
+            </a:extLst>
+          </p:cNvPr>
+          <p:cNvPicPr>
+            <a:picLocks noChangeAspect="1"/>
+          </p:cNvPicPr>
+          <p:nvPr/>
+        </p:nvPicPr>
+        <p:blipFill>
+          <a:blip r:embed="rId2">
+            <a:extLst>
+              <a:ext uri="{28A0092B-C50C-407E-A947-70E740481C1C}">
+                <a14:useLocalDpi xmlns:a14="http://schemas.microsoft.com/office/drawing/2010/main" val="0"/>
+              </a:ext>
+              <a:ext uri="{96DAC541-7B7A-43D3-8B79-37D633B846F1}">
+                <asvg:svgBlip xmlns:asvg="http://schemas.microsoft.com/office/drawing/2016/SVG/main" r:embed="rId3"/>
+              </a:ext>
+            </a:extLst>
+          </a:blip>
+          <a:stretch>
+            <a:fillRect/>
+          </a:stretch>
+        </p:blipFill>
+        <p:spPr>
+          <a:xfrm>
+            <a:off x="5696042" y="2323284"/>
+            <a:ext cx="1260000" cy="1260000"/>
+          </a:xfrm>
+          <a:prstGeom prst="rect">
+            <a:avLst/>
+          </a:prstGeom>
+        </p:spPr>
+      </p:pic>
       <p:sp>
         <p:nvSpPr>
-          <p:cNvPr id="15" name="AutoShape 2" descr="Insane messy line, complicated clew way on blue background. Tangled scribble path, chaotic difficult process way. Curved white line, solving a complex problem or quest. Vector illustration">
-            <a:extLst>
-              <a:ext uri="{FF2B5EF4-FFF2-40B4-BE49-F238E27FC236}">
-                <a16:creationId xmlns:a16="http://schemas.microsoft.com/office/drawing/2014/main" id="{741C2F00-4470-2442-BF9C-D8B1868DB684}"/>
+          <p:cNvPr id="16" name="AutoShape 2" descr="Insane messy line, complicated clew way on blue background. Tangled scribble path, chaotic difficult process way. Curved white line, solving a complex problem or quest. Vector illustration">
+            <a:extLst>
+              <a:ext uri="{FF2B5EF4-FFF2-40B4-BE49-F238E27FC236}">
+                <a16:creationId xmlns:a16="http://schemas.microsoft.com/office/drawing/2014/main" id="{D50DD20D-2B91-CB42-AF12-C05E7CD53D8F}"/>
               </a:ext>
             </a:extLst>
           </p:cNvPr>
@@ -32540,10 +33672,10 @@
       </p:sp>
       <p:sp>
         <p:nvSpPr>
-          <p:cNvPr id="16" name="箭號: 向右 9">
-            <a:extLst>
-              <a:ext uri="{FF2B5EF4-FFF2-40B4-BE49-F238E27FC236}">
-                <a16:creationId xmlns:a16="http://schemas.microsoft.com/office/drawing/2014/main" id="{63BECEF9-59B5-7847-85E3-574D45B56A6A}"/>
+          <p:cNvPr id="17" name="箭號: 向右 9">
+            <a:extLst>
+              <a:ext uri="{FF2B5EF4-FFF2-40B4-BE49-F238E27FC236}">
+                <a16:creationId xmlns:a16="http://schemas.microsoft.com/office/drawing/2014/main" id="{D356ECDF-8049-E14B-892E-C7E004AE2FFE}"/>
               </a:ext>
             </a:extLst>
           </p:cNvPr>
@@ -32592,65 +33724,30 @@
           </a:p>
         </p:txBody>
       </p:sp>
-      <p:pic>
-        <p:nvPicPr>
-          <p:cNvPr id="17" name="圖形 16">
-            <a:extLst>
-              <a:ext uri="{FF2B5EF4-FFF2-40B4-BE49-F238E27FC236}">
-                <a16:creationId xmlns:a16="http://schemas.microsoft.com/office/drawing/2014/main" id="{A6001CE7-5E6F-5C41-8A74-16B37F52803B}"/>
-              </a:ext>
-            </a:extLst>
-          </p:cNvPr>
-          <p:cNvPicPr>
-            <a:picLocks noChangeAspect="1"/>
-          </p:cNvPicPr>
+      <p:sp>
+        <p:nvSpPr>
+          <p:cNvPr id="18" name="文字方塊 17">
+            <a:extLst>
+              <a:ext uri="{FF2B5EF4-FFF2-40B4-BE49-F238E27FC236}">
+                <a16:creationId xmlns:a16="http://schemas.microsoft.com/office/drawing/2014/main" id="{45282A81-2582-8C42-A02B-373D9ED14B0B}"/>
+              </a:ext>
+            </a:extLst>
+          </p:cNvPr>
+          <p:cNvSpPr txBox="1"/>
           <p:nvPr/>
-        </p:nvPicPr>
-        <p:blipFill>
-          <a:blip r:embed="rId2">
-            <a:extLst>
-              <a:ext uri="{96DAC541-7B7A-43D3-8B79-37D633B846F1}">
-                <asvg:svgBlip xmlns:asvg="http://schemas.microsoft.com/office/drawing/2016/SVG/main" r:embed="rId3"/>
-              </a:ext>
-            </a:extLst>
-          </a:blip>
-          <a:stretch>
-            <a:fillRect/>
-          </a:stretch>
-        </p:blipFill>
+        </p:nvSpPr>
         <p:spPr>
           <a:xfrm>
-            <a:off x="2137511" y="2217442"/>
-            <a:ext cx="1260000" cy="1260000"/>
+            <a:off x="4848666" y="4124780"/>
+            <a:ext cx="2771616" cy="707886"/>
           </a:xfrm>
           <a:prstGeom prst="rect">
             <a:avLst/>
           </a:prstGeom>
-        </p:spPr>
-      </p:pic>
-      <p:sp>
-        <p:nvSpPr>
-          <p:cNvPr id="18" name="矩形 17">
-            <a:extLst>
-              <a:ext uri="{FF2B5EF4-FFF2-40B4-BE49-F238E27FC236}">
-                <a16:creationId xmlns:a16="http://schemas.microsoft.com/office/drawing/2014/main" id="{1493B846-C391-084F-AC5C-ADC898A149D2}"/>
-              </a:ext>
-            </a:extLst>
-          </p:cNvPr>
-          <p:cNvSpPr/>
-          <p:nvPr/>
-        </p:nvSpPr>
-        <p:spPr>
-          <a:xfrm>
-            <a:off x="5041766" y="4124055"/>
-            <a:ext cx="2373642" cy="1323439"/>
-          </a:xfrm>
-          <a:prstGeom prst="rect">
-            <a:avLst/>
-          </a:prstGeom>
+          <a:noFill/>
         </p:spPr>
         <p:txBody>
-          <a:bodyPr wrap="square">
+          <a:bodyPr wrap="square" rtlCol="0">
             <a:spAutoFit/>
           </a:bodyPr>
           <a:lstStyle/>
@@ -32667,9 +33764,23 @@
                 <a:ea typeface="微軟正黑體" panose="020B0604030504040204" pitchFamily="34" charset="-120"/>
                 <a:cs typeface="Arial" pitchFamily="34" charset="0"/>
               </a:rPr>
-              <a:t>針對公開資訊觀測站，每十秒爬一次，即時更新</a:t>
-            </a:r>
-            <a:endParaRPr lang="en-US" altLang="zh-TW" sz="2000" b="1" dirty="0">
+              <a:t>系統只展現重要的新聞內容及評分</a:t>
+            </a:r>
+            <a:r>
+              <a:rPr lang="en-US" altLang="zh-TW" sz="2000" b="1" dirty="0">
+                <a:solidFill>
+                  <a:schemeClr val="tx1">
+                    <a:lumMod val="75000"/>
+                    <a:lumOff val="25000"/>
+                  </a:schemeClr>
+                </a:solidFill>
+                <a:latin typeface="微軟正黑體" panose="020B0604030504040204" pitchFamily="34" charset="-120"/>
+                <a:ea typeface="微軟正黑體" panose="020B0604030504040204" pitchFamily="34" charset="-120"/>
+                <a:cs typeface="Arial" pitchFamily="34" charset="0"/>
+              </a:rPr>
+              <a:t>(-3, -2, 2, 3)</a:t>
+            </a:r>
+            <a:endParaRPr lang="zh-TW" altLang="en-US" sz="2000" b="1" dirty="0">
               <a:solidFill>
                 <a:schemeClr val="tx1">
                   <a:lumMod val="75000"/>
@@ -32681,14 +33792,6 @@
               <a:cs typeface="Arial" pitchFamily="34" charset="0"/>
             </a:endParaRPr>
           </a:p>
-          <a:p>
-            <a:pPr algn="ctr"/>
-            <a:endParaRPr lang="zh-TW" altLang="en-US" sz="2000" b="1" dirty="0">
-              <a:solidFill>
-                <a:schemeClr val="bg1"/>
-              </a:solidFill>
-            </a:endParaRPr>
-          </a:p>
         </p:txBody>
       </p:sp>
       <p:pic>
@@ -32696,7 +33799,7 @@
           <p:cNvPr id="19" name="圖形 18">
             <a:extLst>
               <a:ext uri="{FF2B5EF4-FFF2-40B4-BE49-F238E27FC236}">
-                <a16:creationId xmlns:a16="http://schemas.microsoft.com/office/drawing/2014/main" id="{0F70E0E9-85C3-2947-8273-B6C52A683B08}"/>
+                <a16:creationId xmlns:a16="http://schemas.microsoft.com/office/drawing/2014/main" id="{86BFB523-B177-EA47-B0CB-FC513035CCD8}"/>
               </a:ext>
             </a:extLst>
           </p:cNvPr>
@@ -32719,8 +33822,8 @@
         </p:blipFill>
         <p:spPr>
           <a:xfrm>
-            <a:off x="5652862" y="2169000"/>
-            <a:ext cx="1260000" cy="1260000"/>
+            <a:off x="2050624" y="2323284"/>
+            <a:ext cx="1258633" cy="1258633"/>
           </a:xfrm>
           <a:prstGeom prst="rect">
             <a:avLst/>
@@ -32730,7 +33833,7 @@
     </p:spTree>
     <p:extLst>
       <p:ext uri="{BB962C8B-B14F-4D97-AF65-F5344CB8AC3E}">
-        <p14:creationId xmlns:p14="http://schemas.microsoft.com/office/powerpoint/2010/main" val="3150490202"/>
+        <p14:creationId xmlns:p14="http://schemas.microsoft.com/office/powerpoint/2010/main" val="2297881215"/>
       </p:ext>
     </p:extLst>
   </p:cSld>
@@ -32740,7 +33843,7 @@
 </p:sld>
 </file>
 
-<file path=ppt/slides/slide7.xml><?xml version="1.0" encoding="utf-8"?>
+<file path=ppt/slides/slide8.xml><?xml version="1.0" encoding="utf-8"?>
 <p:sld xmlns:a="http://schemas.openxmlformats.org/drawingml/2006/main" xmlns:r="http://schemas.openxmlformats.org/officeDocument/2006/relationships" xmlns:p="http://schemas.openxmlformats.org/presentationml/2006/main">
   <p:cSld>
     <p:spTree>
@@ -32811,7 +33914,7 @@
             <a:fld id="{80929F01-733D-5847-83A7-C9CEA74310DB}" type="slidenum">
               <a:rPr kumimoji="1" lang="zh-TW" altLang="en-US" smtClean="0"/>
               <a:pPr/>
-              <a:t>7</a:t>
+              <a:t>8</a:t>
             </a:fld>
             <a:endParaRPr kumimoji="1" lang="zh-TW" altLang="en-US" dirty="0"/>
           </a:p>
@@ -32822,7 +33925,7 @@
           <p:cNvPr id="6" name="標題 1">
             <a:extLst>
               <a:ext uri="{FF2B5EF4-FFF2-40B4-BE49-F238E27FC236}">
-                <a16:creationId xmlns:a16="http://schemas.microsoft.com/office/drawing/2014/main" id="{85DD7FEE-76E4-4C4B-AB03-D610AC69DD78}"/>
+                <a16:creationId xmlns:a16="http://schemas.microsoft.com/office/drawing/2014/main" id="{69058E21-788F-A94E-91DB-6EEE31229D16}"/>
               </a:ext>
             </a:extLst>
           </p:cNvPr>
@@ -32835,8 +33938,8 @@
         </p:nvSpPr>
         <p:spPr>
           <a:xfrm>
-            <a:off x="554109" y="356398"/>
-            <a:ext cx="7886700" cy="979392"/>
+            <a:off x="628650" y="349655"/>
+            <a:ext cx="7886700" cy="858679"/>
           </a:xfrm>
         </p:spPr>
         <p:txBody>
@@ -32847,16 +33950,23 @@
           <a:p>
             <a:r>
               <a:rPr lang="zh-TW" altLang="en-US" dirty="0"/>
-              <a:t>本組專案優勢三：</a:t>
+              <a:t>優勢三</a:t>
+            </a:r>
+            <a:r>
+              <a:rPr lang="en-US" altLang="zh-TW" dirty="0"/>
+              <a:t>—</a:t>
+            </a:r>
+            <a:r>
+              <a:rPr lang="zh-TW" altLang="en-US" dirty="0"/>
+              <a:t>即時資訊：</a:t>
             </a:r>
             <a:br>
-              <a:rPr lang="en-US" altLang="zh-TW" dirty="0"/>
+              <a:rPr kumimoji="1" lang="en-US" altLang="zh-TW" dirty="0"/>
             </a:br>
             <a:r>
-              <a:rPr lang="zh-TW" altLang="en-US" dirty="0"/>
-              <a:t>透過機器學習模型，避免多位專家評分看法不一致的偏誤</a:t>
-            </a:r>
-            <a:endParaRPr kumimoji="1" lang="zh-TW" altLang="en-US" dirty="0"/>
+              <a:rPr kumimoji="1" lang="zh-TW" altLang="en-US" dirty="0"/>
+              <a:t>爬取最新新聞，即時更新新聞評分</a:t>
+            </a:r>
           </a:p>
         </p:txBody>
       </p:sp>
@@ -32865,7 +33975,7 @@
           <p:cNvPr id="7" name="投影片編號版面配置區 4">
             <a:extLst>
               <a:ext uri="{FF2B5EF4-FFF2-40B4-BE49-F238E27FC236}">
-                <a16:creationId xmlns:a16="http://schemas.microsoft.com/office/drawing/2014/main" id="{45697EB7-DB09-1749-A725-61E9E0C4B39C}"/>
+                <a16:creationId xmlns:a16="http://schemas.microsoft.com/office/drawing/2014/main" id="{500BBB24-199C-1740-825D-EF18AEDEAABB}"/>
               </a:ext>
             </a:extLst>
           </p:cNvPr>
@@ -32984,7 +34094,7 @@
             <a:fld id="{80929F01-733D-5847-83A7-C9CEA74310DB}" type="slidenum">
               <a:rPr kumimoji="1" lang="zh-TW" altLang="en-US" smtClean="0"/>
               <a:pPr/>
-              <a:t>7</a:t>
+              <a:t>8</a:t>
             </a:fld>
             <a:endParaRPr kumimoji="1" lang="zh-TW" altLang="en-US" dirty="0"/>
           </a:p>
@@ -32995,7 +34105,7 @@
           <p:cNvPr id="8" name="矩形: 圓角 17">
             <a:extLst>
               <a:ext uri="{FF2B5EF4-FFF2-40B4-BE49-F238E27FC236}">
-                <a16:creationId xmlns:a16="http://schemas.microsoft.com/office/drawing/2014/main" id="{4FC980DD-5466-7342-A494-AF86F2A739C5}"/>
+                <a16:creationId xmlns:a16="http://schemas.microsoft.com/office/drawing/2014/main" id="{C5572869-B956-CD48-B10A-5E5BC5E92766}"/>
               </a:ext>
             </a:extLst>
           </p:cNvPr>
@@ -33049,7 +34159,7 @@
           <p:cNvPr id="9" name="矩形: 圓角 18">
             <a:extLst>
               <a:ext uri="{FF2B5EF4-FFF2-40B4-BE49-F238E27FC236}">
-                <a16:creationId xmlns:a16="http://schemas.microsoft.com/office/drawing/2014/main" id="{B944976E-E7D3-2B4A-B06A-259F801A78D7}"/>
+                <a16:creationId xmlns:a16="http://schemas.microsoft.com/office/drawing/2014/main" id="{9A30EDC3-61FB-5D4B-9011-F2DAA5A9E16F}"/>
               </a:ext>
             </a:extLst>
           </p:cNvPr>
@@ -33103,7 +34213,7 @@
           <p:cNvPr id="10" name="矩形 9">
             <a:extLst>
               <a:ext uri="{FF2B5EF4-FFF2-40B4-BE49-F238E27FC236}">
-                <a16:creationId xmlns:a16="http://schemas.microsoft.com/office/drawing/2014/main" id="{C63C2258-4498-FC42-8BA0-C144A748A17B}"/>
+                <a16:creationId xmlns:a16="http://schemas.microsoft.com/office/drawing/2014/main" id="{B24A9A4E-644E-2740-B280-D0AAF59A6EC5}"/>
               </a:ext>
             </a:extLst>
           </p:cNvPr>
@@ -33112,8 +34222,8 @@
         </p:nvSpPr>
         <p:spPr>
           <a:xfrm>
-            <a:off x="1375381" y="1553847"/>
-            <a:ext cx="2698176" cy="523220"/>
+            <a:off x="1957032" y="1543272"/>
+            <a:ext cx="1620958" cy="523220"/>
           </a:xfrm>
           <a:prstGeom prst="rect">
             <a:avLst/>
@@ -33135,7 +34245,7 @@
                 <a:ea typeface="微軟正黑體" panose="020B0604030504040204" pitchFamily="34" charset="-120"/>
                 <a:cs typeface="Arial" pitchFamily="34" charset="0"/>
               </a:rPr>
-              <a:t>專家看法不一致</a:t>
+              <a:t>評分延遲</a:t>
             </a:r>
             <a:endParaRPr lang="ko-KR" altLang="en-US" sz="2800" b="1" dirty="0">
               <a:solidFill>
@@ -33152,7 +34262,7 @@
           <p:cNvPr id="11" name="矩形 10">
             <a:extLst>
               <a:ext uri="{FF2B5EF4-FFF2-40B4-BE49-F238E27FC236}">
-                <a16:creationId xmlns:a16="http://schemas.microsoft.com/office/drawing/2014/main" id="{DA9F424D-82AE-E945-B457-DD4AACC7A716}"/>
+                <a16:creationId xmlns:a16="http://schemas.microsoft.com/office/drawing/2014/main" id="{8A9F161E-EEB3-9A41-8A8B-9237B48794A5}"/>
               </a:ext>
             </a:extLst>
           </p:cNvPr>
@@ -33161,8 +34271,8 @@
         </p:nvSpPr>
         <p:spPr>
           <a:xfrm>
-            <a:off x="5487996" y="1553847"/>
-            <a:ext cx="1904273" cy="523220"/>
+            <a:off x="4692833" y="1506797"/>
+            <a:ext cx="3180059" cy="523220"/>
           </a:xfrm>
           <a:prstGeom prst="rect">
             <a:avLst/>
@@ -33174,6 +34284,7 @@
           </a:bodyPr>
           <a:lstStyle/>
           <a:p>
+            <a:pPr algn="ctr"/>
             <a:r>
               <a:rPr lang="zh-TW" altLang="en-US" sz="2800" b="1" dirty="0">
                 <a:solidFill>
@@ -33183,7 +34294,7 @@
                 <a:ea typeface="微軟正黑體" panose="020B0604030504040204" pitchFamily="34" charset="-120"/>
                 <a:cs typeface="Arial" pitchFamily="34" charset="0"/>
               </a:rPr>
-              <a:t>機器學習</a:t>
+              <a:t>新聞爬蟲</a:t>
             </a:r>
           </a:p>
         </p:txBody>
@@ -33193,7 +34304,7 @@
           <p:cNvPr id="12" name="矩形 11">
             <a:extLst>
               <a:ext uri="{FF2B5EF4-FFF2-40B4-BE49-F238E27FC236}">
-                <a16:creationId xmlns:a16="http://schemas.microsoft.com/office/drawing/2014/main" id="{E8F8D5EB-31B9-1B4B-95E0-E95A47F1F11B}"/>
+                <a16:creationId xmlns:a16="http://schemas.microsoft.com/office/drawing/2014/main" id="{980F1261-80E7-9B48-9410-9845481914DE}"/>
               </a:ext>
             </a:extLst>
           </p:cNvPr>
@@ -33202,7 +34313,7 @@
         </p:nvSpPr>
         <p:spPr>
           <a:xfrm>
-            <a:off x="1245912" y="4200892"/>
+            <a:off x="1622958" y="4214827"/>
             <a:ext cx="2957114" cy="1015663"/>
           </a:xfrm>
           <a:prstGeom prst="rect">
@@ -33227,7 +34338,34 @@
                 <a:ea typeface="微軟正黑體" panose="020B0604030504040204" pitchFamily="34" charset="-120"/>
                 <a:cs typeface="Arial" pitchFamily="34" charset="0"/>
               </a:rPr>
-              <a:t>專家經驗判斷⽔平不⼀致</a:t>
+              <a:t>無法及時掌握新聞</a:t>
+            </a:r>
+            <a:br>
+              <a:rPr lang="en-US" altLang="zh-TW" sz="2000" b="1" dirty="0">
+                <a:solidFill>
+                  <a:schemeClr val="tx1">
+                    <a:lumMod val="75000"/>
+                    <a:lumOff val="25000"/>
+                  </a:schemeClr>
+                </a:solidFill>
+                <a:latin typeface="微軟正黑體" panose="020B0604030504040204" pitchFamily="34" charset="-120"/>
+                <a:ea typeface="微軟正黑體" panose="020B0604030504040204" pitchFamily="34" charset="-120"/>
+                <a:cs typeface="Arial" pitchFamily="34" charset="0"/>
+              </a:rPr>
+            </a:br>
+            <a:r>
+              <a:rPr lang="zh-TW" altLang="en-US" sz="2000" b="1" dirty="0">
+                <a:solidFill>
+                  <a:schemeClr val="tx1">
+                    <a:lumMod val="75000"/>
+                    <a:lumOff val="25000"/>
+                  </a:schemeClr>
+                </a:solidFill>
+                <a:latin typeface="微軟正黑體" panose="020B0604030504040204" pitchFamily="34" charset="-120"/>
+                <a:ea typeface="微軟正黑體" panose="020B0604030504040204" pitchFamily="34" charset="-120"/>
+                <a:cs typeface="Arial" pitchFamily="34" charset="0"/>
+              </a:rPr>
+              <a:t>之影響</a:t>
             </a:r>
             <a:endParaRPr lang="en-US" altLang="zh-TW" sz="2000" b="1" dirty="0">
               <a:solidFill>
@@ -33256,7 +34394,7 @@
           <p:cNvPr id="13" name="直線接點 12">
             <a:extLst>
               <a:ext uri="{FF2B5EF4-FFF2-40B4-BE49-F238E27FC236}">
-                <a16:creationId xmlns:a16="http://schemas.microsoft.com/office/drawing/2014/main" id="{CECD63C1-0781-CF4F-8EBC-50D80A01FF91}"/>
+                <a16:creationId xmlns:a16="http://schemas.microsoft.com/office/drawing/2014/main" id="{DB6EE951-4654-554D-8C2F-16E4C190B52A}"/>
               </a:ext>
             </a:extLst>
           </p:cNvPr>
@@ -33297,7 +34435,7 @@
           <p:cNvPr id="14" name="直線接點 13">
             <a:extLst>
               <a:ext uri="{FF2B5EF4-FFF2-40B4-BE49-F238E27FC236}">
-                <a16:creationId xmlns:a16="http://schemas.microsoft.com/office/drawing/2014/main" id="{FB462F24-7997-E442-8081-AFB531513445}"/>
+                <a16:creationId xmlns:a16="http://schemas.microsoft.com/office/drawing/2014/main" id="{E2175C95-C6CA-644D-8A54-57A5BBA35F20}"/>
               </a:ext>
             </a:extLst>
           </p:cNvPr>
@@ -33338,7 +34476,7 @@
           <p:cNvPr id="15" name="AutoShape 2" descr="Insane messy line, complicated clew way on blue background. Tangled scribble path, chaotic difficult process way. Curved white line, solving a complex problem or quest. Vector illustration">
             <a:extLst>
               <a:ext uri="{FF2B5EF4-FFF2-40B4-BE49-F238E27FC236}">
-                <a16:creationId xmlns:a16="http://schemas.microsoft.com/office/drawing/2014/main" id="{7449FF42-8023-BE48-8EA3-C2524A881690}"/>
+                <a16:creationId xmlns:a16="http://schemas.microsoft.com/office/drawing/2014/main" id="{741C2F00-4470-2442-BF9C-D8B1868DB684}"/>
               </a:ext>
             </a:extLst>
           </p:cNvPr>
@@ -33383,7 +34521,7 @@
           <p:cNvPr id="16" name="箭號: 向右 9">
             <a:extLst>
               <a:ext uri="{FF2B5EF4-FFF2-40B4-BE49-F238E27FC236}">
-                <a16:creationId xmlns:a16="http://schemas.microsoft.com/office/drawing/2014/main" id="{D6A6474D-BA69-2843-A2E7-A8A87CC75653}"/>
+                <a16:creationId xmlns:a16="http://schemas.microsoft.com/office/drawing/2014/main" id="{63BECEF9-59B5-7847-85E3-574D45B56A6A}"/>
               </a:ext>
             </a:extLst>
           </p:cNvPr>
@@ -33432,30 +34570,65 @@
           </a:p>
         </p:txBody>
       </p:sp>
+      <p:pic>
+        <p:nvPicPr>
+          <p:cNvPr id="17" name="圖形 16">
+            <a:extLst>
+              <a:ext uri="{FF2B5EF4-FFF2-40B4-BE49-F238E27FC236}">
+                <a16:creationId xmlns:a16="http://schemas.microsoft.com/office/drawing/2014/main" id="{A6001CE7-5E6F-5C41-8A74-16B37F52803B}"/>
+              </a:ext>
+            </a:extLst>
+          </p:cNvPr>
+          <p:cNvPicPr>
+            <a:picLocks noChangeAspect="1"/>
+          </p:cNvPicPr>
+          <p:nvPr/>
+        </p:nvPicPr>
+        <p:blipFill>
+          <a:blip r:embed="rId2">
+            <a:extLst>
+              <a:ext uri="{96DAC541-7B7A-43D3-8B79-37D633B846F1}">
+                <asvg:svgBlip xmlns:asvg="http://schemas.microsoft.com/office/drawing/2016/SVG/main" r:embed="rId3"/>
+              </a:ext>
+            </a:extLst>
+          </a:blip>
+          <a:stretch>
+            <a:fillRect/>
+          </a:stretch>
+        </p:blipFill>
+        <p:spPr>
+          <a:xfrm>
+            <a:off x="2137511" y="2217442"/>
+            <a:ext cx="1260000" cy="1260000"/>
+          </a:xfrm>
+          <a:prstGeom prst="rect">
+            <a:avLst/>
+          </a:prstGeom>
+        </p:spPr>
+      </p:pic>
       <p:sp>
         <p:nvSpPr>
-          <p:cNvPr id="17" name="文字方塊 16">
-            <a:extLst>
-              <a:ext uri="{FF2B5EF4-FFF2-40B4-BE49-F238E27FC236}">
-                <a16:creationId xmlns:a16="http://schemas.microsoft.com/office/drawing/2014/main" id="{88283245-289F-A848-977F-471CB82703F1}"/>
-              </a:ext>
-            </a:extLst>
-          </p:cNvPr>
-          <p:cNvSpPr txBox="1"/>
+          <p:cNvPr id="18" name="矩形 17">
+            <a:extLst>
+              <a:ext uri="{FF2B5EF4-FFF2-40B4-BE49-F238E27FC236}">
+                <a16:creationId xmlns:a16="http://schemas.microsoft.com/office/drawing/2014/main" id="{1493B846-C391-084F-AC5C-ADC898A149D2}"/>
+              </a:ext>
+            </a:extLst>
+          </p:cNvPr>
+          <p:cNvSpPr/>
           <p:nvPr/>
         </p:nvSpPr>
         <p:spPr>
           <a:xfrm>
-            <a:off x="4848666" y="4115118"/>
-            <a:ext cx="2771616" cy="1015663"/>
+            <a:off x="5041766" y="4124055"/>
+            <a:ext cx="2373642" cy="1323439"/>
           </a:xfrm>
           <a:prstGeom prst="rect">
             <a:avLst/>
           </a:prstGeom>
-          <a:noFill/>
         </p:spPr>
         <p:txBody>
-          <a:bodyPr wrap="square" rtlCol="0">
+          <a:bodyPr wrap="square">
             <a:spAutoFit/>
           </a:bodyPr>
           <a:lstStyle/>
@@ -33472,17 +34645,36 @@
                 <a:ea typeface="微軟正黑體" panose="020B0604030504040204" pitchFamily="34" charset="-120"/>
                 <a:cs typeface="Arial" pitchFamily="34" charset="0"/>
               </a:rPr>
-              <a:t>利用機器學習參考各專家評分結果，降低評分變異程度</a:t>
-            </a:r>
+              <a:t>針對公開資訊觀測站，每十秒爬一次，即時更新</a:t>
+            </a:r>
+            <a:endParaRPr lang="en-US" altLang="zh-TW" sz="2000" b="1" dirty="0">
+              <a:solidFill>
+                <a:schemeClr val="tx1">
+                  <a:lumMod val="75000"/>
+                  <a:lumOff val="25000"/>
+                </a:schemeClr>
+              </a:solidFill>
+              <a:latin typeface="微軟正黑體" panose="020B0604030504040204" pitchFamily="34" charset="-120"/>
+              <a:ea typeface="微軟正黑體" panose="020B0604030504040204" pitchFamily="34" charset="-120"/>
+              <a:cs typeface="Arial" pitchFamily="34" charset="0"/>
+            </a:endParaRPr>
+          </a:p>
+          <a:p>
+            <a:pPr algn="ctr"/>
+            <a:endParaRPr lang="zh-TW" altLang="en-US" sz="2000" b="1" dirty="0">
+              <a:solidFill>
+                <a:schemeClr val="bg1"/>
+              </a:solidFill>
+            </a:endParaRPr>
           </a:p>
         </p:txBody>
       </p:sp>
       <p:pic>
         <p:nvPicPr>
-          <p:cNvPr id="18" name="圖形 17">
-            <a:extLst>
-              <a:ext uri="{FF2B5EF4-FFF2-40B4-BE49-F238E27FC236}">
-                <a16:creationId xmlns:a16="http://schemas.microsoft.com/office/drawing/2014/main" id="{359A765B-AB93-7843-852B-E0388ED46949}"/>
+          <p:cNvPr id="19" name="圖形 18">
+            <a:extLst>
+              <a:ext uri="{FF2B5EF4-FFF2-40B4-BE49-F238E27FC236}">
+                <a16:creationId xmlns:a16="http://schemas.microsoft.com/office/drawing/2014/main" id="{0F70E0E9-85C3-2947-8273-B6C52A683B08}"/>
               </a:ext>
             </a:extLst>
           </p:cNvPr>
@@ -33492,10 +34684,10 @@
           <p:nvPr/>
         </p:nvPicPr>
         <p:blipFill>
-          <a:blip r:embed="rId2">
+          <a:blip r:embed="rId4">
             <a:extLst>
               <a:ext uri="{96DAC541-7B7A-43D3-8B79-37D633B846F1}">
-                <asvg:svgBlip xmlns:asvg="http://schemas.microsoft.com/office/drawing/2016/SVG/main" r:embed="rId3"/>
+                <asvg:svgBlip xmlns:asvg="http://schemas.microsoft.com/office/drawing/2016/SVG/main" r:embed="rId5"/>
               </a:ext>
             </a:extLst>
           </a:blip>
@@ -33505,43 +34697,7 @@
         </p:blipFill>
         <p:spPr>
           <a:xfrm>
-            <a:off x="2137511" y="2293120"/>
-            <a:ext cx="1260000" cy="1260000"/>
-          </a:xfrm>
-          <a:prstGeom prst="rect">
-            <a:avLst/>
-          </a:prstGeom>
-        </p:spPr>
-      </p:pic>
-      <p:pic>
-        <p:nvPicPr>
-          <p:cNvPr id="19" name="圖形 18">
-            <a:extLst>
-              <a:ext uri="{FF2B5EF4-FFF2-40B4-BE49-F238E27FC236}">
-                <a16:creationId xmlns:a16="http://schemas.microsoft.com/office/drawing/2014/main" id="{3AFA5D0F-6219-2E48-9390-DBB23BE498FA}"/>
-              </a:ext>
-            </a:extLst>
-          </p:cNvPr>
-          <p:cNvPicPr>
-            <a:picLocks noChangeAspect="1"/>
-          </p:cNvPicPr>
-          <p:nvPr/>
-        </p:nvPicPr>
-        <p:blipFill>
-          <a:blip r:embed="rId4">
-            <a:extLst>
-              <a:ext uri="{96DAC541-7B7A-43D3-8B79-37D633B846F1}">
-                <asvg:svgBlip xmlns:asvg="http://schemas.microsoft.com/office/drawing/2016/SVG/main" r:embed="rId5"/>
-              </a:ext>
-            </a:extLst>
-          </a:blip>
-          <a:stretch>
-            <a:fillRect/>
-          </a:stretch>
-        </p:blipFill>
-        <p:spPr>
-          <a:xfrm>
-            <a:off x="5604474" y="2211139"/>
+            <a:off x="5652862" y="2169000"/>
             <a:ext cx="1260000" cy="1260000"/>
           </a:xfrm>
           <a:prstGeom prst="rect">
@@ -33552,121 +34708,7 @@
     </p:spTree>
     <p:extLst>
       <p:ext uri="{BB962C8B-B14F-4D97-AF65-F5344CB8AC3E}">
-        <p14:creationId xmlns:p14="http://schemas.microsoft.com/office/powerpoint/2010/main" val="306391585"/>
-      </p:ext>
-    </p:extLst>
-  </p:cSld>
-  <p:clrMapOvr>
-    <a:masterClrMapping/>
-  </p:clrMapOvr>
-</p:sld>
-</file>
-
-<file path=ppt/slides/slide8.xml><?xml version="1.0" encoding="utf-8"?>
-<p:sld xmlns:a="http://schemas.openxmlformats.org/drawingml/2006/main" xmlns:r="http://schemas.openxmlformats.org/officeDocument/2006/relationships" xmlns:p="http://schemas.openxmlformats.org/presentationml/2006/main">
-  <p:cSld>
-    <p:spTree>
-      <p:nvGrpSpPr>
-        <p:cNvPr id="1" name=""/>
-        <p:cNvGrpSpPr/>
-        <p:nvPr/>
-      </p:nvGrpSpPr>
-      <p:grpSpPr>
-        <a:xfrm>
-          <a:off x="0" y="0"/>
-          <a:ext cx="0" cy="0"/>
-          <a:chOff x="0" y="0"/>
-          <a:chExt cx="0" cy="0"/>
-        </a:xfrm>
-      </p:grpSpPr>
-      <p:sp>
-        <p:nvSpPr>
-          <p:cNvPr id="4" name="標題 3">
-            <a:extLst>
-              <a:ext uri="{FF2B5EF4-FFF2-40B4-BE49-F238E27FC236}">
-                <a16:creationId xmlns:a16="http://schemas.microsoft.com/office/drawing/2014/main" id="{65D8D0B7-A88F-8444-A50B-614843E904C6}"/>
-              </a:ext>
-            </a:extLst>
-          </p:cNvPr>
-          <p:cNvSpPr>
-            <a:spLocks noGrp="1"/>
-          </p:cNvSpPr>
-          <p:nvPr>
-            <p:ph type="title"/>
-          </p:nvPr>
-        </p:nvSpPr>
-        <p:spPr/>
-        <p:txBody>
-          <a:bodyPr/>
-          <a:lstStyle/>
-          <a:p>
-            <a:r>
-              <a:rPr lang="en-US" altLang="zh-TW" dirty="0">
-                <a:solidFill>
-                  <a:srgbClr val="4AAC99"/>
-                </a:solidFill>
-                <a:latin typeface="Microsoft JhengHei" panose="020B0604030504040204" pitchFamily="34" charset="-120"/>
-              </a:rPr>
-              <a:t>02</a:t>
-            </a:r>
-            <a:endParaRPr lang="zh-TW" altLang="en-US" dirty="0">
-              <a:solidFill>
-                <a:srgbClr val="4AAC99"/>
-              </a:solidFill>
-              <a:latin typeface="Microsoft JhengHei" panose="020B0604030504040204" pitchFamily="34" charset="-120"/>
-            </a:endParaRPr>
-          </a:p>
-        </p:txBody>
-      </p:sp>
-      <p:sp>
-        <p:nvSpPr>
-          <p:cNvPr id="5" name="文字版面配置區 4">
-            <a:extLst>
-              <a:ext uri="{FF2B5EF4-FFF2-40B4-BE49-F238E27FC236}">
-                <a16:creationId xmlns:a16="http://schemas.microsoft.com/office/drawing/2014/main" id="{001D45A4-756B-054A-88C9-BD20D1A2C25B}"/>
-              </a:ext>
-            </a:extLst>
-          </p:cNvPr>
-          <p:cNvSpPr>
-            <a:spLocks noGrp="1"/>
-          </p:cNvSpPr>
-          <p:nvPr>
-            <p:ph type="body" sz="quarter" idx="13"/>
-          </p:nvPr>
-        </p:nvSpPr>
-        <p:spPr>
-          <a:xfrm>
-            <a:off x="2104373" y="3171031"/>
-            <a:ext cx="4982227" cy="515938"/>
-          </a:xfrm>
-        </p:spPr>
-        <p:txBody>
-          <a:bodyPr/>
-          <a:lstStyle/>
-          <a:p>
-            <a:pPr>
-              <a:spcBef>
-                <a:spcPct val="0"/>
-              </a:spcBef>
-            </a:pPr>
-            <a:r>
-              <a:rPr lang="zh-TW" altLang="en-US" dirty="0">
-                <a:latin typeface="微軟正黑體" panose="020B0604030504040204" pitchFamily="34" charset="-120"/>
-                <a:ea typeface="微軟正黑體" panose="020B0604030504040204" pitchFamily="34" charset="-120"/>
-              </a:rPr>
-              <a:t>專案流程圖</a:t>
-            </a:r>
-            <a:endParaRPr lang="en-US" altLang="zh-CN" dirty="0">
-              <a:latin typeface="微軟正黑體" panose="020B0604030504040204" pitchFamily="34" charset="-120"/>
-              <a:ea typeface="微軟正黑體" panose="020B0604030504040204" pitchFamily="34" charset="-120"/>
-            </a:endParaRPr>
-          </a:p>
-        </p:txBody>
-      </p:sp>
-    </p:spTree>
-    <p:extLst>
-      <p:ext uri="{BB962C8B-B14F-4D97-AF65-F5344CB8AC3E}">
-        <p14:creationId xmlns:p14="http://schemas.microsoft.com/office/powerpoint/2010/main" val="1553861855"/>
+        <p14:creationId xmlns:p14="http://schemas.microsoft.com/office/powerpoint/2010/main" val="3150490202"/>
       </p:ext>
     </p:extLst>
   </p:cSld>
@@ -33695,38 +34737,10 @@
       </p:grpSpPr>
       <p:sp>
         <p:nvSpPr>
-          <p:cNvPr id="2" name="標題 1">
-            <a:extLst>
-              <a:ext uri="{FF2B5EF4-FFF2-40B4-BE49-F238E27FC236}">
-                <a16:creationId xmlns:a16="http://schemas.microsoft.com/office/drawing/2014/main" id="{21D46EF1-12EA-C94F-9F03-C7FE589E8C7A}"/>
-              </a:ext>
-            </a:extLst>
-          </p:cNvPr>
-          <p:cNvSpPr>
-            <a:spLocks noGrp="1"/>
-          </p:cNvSpPr>
-          <p:nvPr>
-            <p:ph type="title"/>
-          </p:nvPr>
-        </p:nvSpPr>
-        <p:spPr/>
-        <p:txBody>
-          <a:bodyPr/>
-          <a:lstStyle/>
-          <a:p>
-            <a:r>
-              <a:rPr kumimoji="1" lang="zh-TW" altLang="en-US" dirty="0"/>
-              <a:t>專案流程圖</a:t>
-            </a:r>
-          </a:p>
-        </p:txBody>
-      </p:sp>
-      <p:sp>
-        <p:nvSpPr>
           <p:cNvPr id="4" name="日期版面配置區 3">
             <a:extLst>
               <a:ext uri="{FF2B5EF4-FFF2-40B4-BE49-F238E27FC236}">
-                <a16:creationId xmlns:a16="http://schemas.microsoft.com/office/drawing/2014/main" id="{190A1806-A5E7-ED48-84B7-A10F862FB7D3}"/>
+                <a16:creationId xmlns:a16="http://schemas.microsoft.com/office/drawing/2014/main" id="{E975F7AD-3EBB-C949-9B32-2C38B4827D17}"/>
               </a:ext>
             </a:extLst>
           </p:cNvPr>
@@ -33744,6 +34758,7 @@
           <a:p>
             <a:fld id="{868F4FC5-FE50-A64D-A7E3-22233A0C6925}" type="datetime1">
               <a:rPr kumimoji="1" lang="zh-TW" altLang="en-US" smtClean="0"/>
+              <a:pPr/>
               <a:t>2020/6/18</a:t>
             </a:fld>
             <a:endParaRPr kumimoji="1" lang="zh-TW" altLang="en-US" dirty="0"/>
@@ -33755,7 +34770,7 @@
           <p:cNvPr id="5" name="投影片編號版面配置區 4">
             <a:extLst>
               <a:ext uri="{FF2B5EF4-FFF2-40B4-BE49-F238E27FC236}">
-                <a16:creationId xmlns:a16="http://schemas.microsoft.com/office/drawing/2014/main" id="{DABF132B-1148-4041-B62C-1765B1EFCE4B}"/>
+                <a16:creationId xmlns:a16="http://schemas.microsoft.com/office/drawing/2014/main" id="{2C082C73-7909-6F48-A205-2CBC81129335}"/>
               </a:ext>
             </a:extLst>
           </p:cNvPr>
@@ -33780,42 +34795,886 @@
           </a:p>
         </p:txBody>
       </p:sp>
-      <p:pic>
-        <p:nvPicPr>
-          <p:cNvPr id="11" name="圖片 10" descr="一張含有 文字, 地圖 的圖片&#10;&#10;自動產生的描述">
-            <a:extLst>
-              <a:ext uri="{FF2B5EF4-FFF2-40B4-BE49-F238E27FC236}">
-                <a16:creationId xmlns:a16="http://schemas.microsoft.com/office/drawing/2014/main" id="{102E35A8-6754-BF4D-BFDE-E914C8AA20F2}"/>
-              </a:ext>
-            </a:extLst>
-          </p:cNvPr>
-          <p:cNvPicPr>
-            <a:picLocks noChangeAspect="1"/>
-          </p:cNvPicPr>
-          <p:nvPr/>
-        </p:nvPicPr>
-        <p:blipFill>
-          <a:blip r:embed="rId2"/>
-          <a:stretch>
-            <a:fillRect/>
-          </a:stretch>
-        </p:blipFill>
+      <p:sp>
+        <p:nvSpPr>
+          <p:cNvPr id="6" name="標題 1">
+            <a:extLst>
+              <a:ext uri="{FF2B5EF4-FFF2-40B4-BE49-F238E27FC236}">
+                <a16:creationId xmlns:a16="http://schemas.microsoft.com/office/drawing/2014/main" id="{69058E21-788F-A94E-91DB-6EEE31229D16}"/>
+              </a:ext>
+            </a:extLst>
+          </p:cNvPr>
+          <p:cNvSpPr>
+            <a:spLocks noGrp="1"/>
+          </p:cNvSpPr>
+          <p:nvPr>
+            <p:ph type="title"/>
+          </p:nvPr>
+        </p:nvSpPr>
         <p:spPr>
           <a:xfrm>
-            <a:off x="864192" y="934295"/>
-            <a:ext cx="6848945" cy="5479383"/>
+            <a:off x="628650" y="349655"/>
+            <a:ext cx="7886700" cy="858679"/>
+          </a:xfrm>
+        </p:spPr>
+        <p:txBody>
+          <a:bodyPr>
+            <a:normAutofit/>
+          </a:bodyPr>
+          <a:lstStyle/>
+          <a:p>
+            <a:r>
+              <a:rPr lang="zh-TW" altLang="en-US" dirty="0"/>
+              <a:t>優勢四</a:t>
+            </a:r>
+            <a:r>
+              <a:rPr lang="en-US" altLang="zh-TW" dirty="0"/>
+              <a:t>—</a:t>
+            </a:r>
+            <a:r>
+              <a:rPr lang="zh-TW" altLang="en-US" dirty="0"/>
+              <a:t>投資參考：</a:t>
+            </a:r>
+            <a:br>
+              <a:rPr kumimoji="1" lang="en-US" altLang="zh-TW" dirty="0"/>
+            </a:br>
+            <a:r>
+              <a:rPr kumimoji="1" lang="zh-TW" altLang="en-US" dirty="0"/>
+              <a:t>透過預測預期漲跌幅指標，作為投資參考</a:t>
+            </a:r>
+          </a:p>
+        </p:txBody>
+      </p:sp>
+      <p:sp>
+        <p:nvSpPr>
+          <p:cNvPr id="7" name="投影片編號版面配置區 4">
+            <a:extLst>
+              <a:ext uri="{FF2B5EF4-FFF2-40B4-BE49-F238E27FC236}">
+                <a16:creationId xmlns:a16="http://schemas.microsoft.com/office/drawing/2014/main" id="{500BBB24-199C-1740-825D-EF18AEDEAABB}"/>
+              </a:ext>
+            </a:extLst>
+          </p:cNvPr>
+          <p:cNvSpPr txBox="1">
+            <a:spLocks/>
+          </p:cNvSpPr>
+          <p:nvPr/>
+        </p:nvSpPr>
+        <p:spPr>
+          <a:xfrm>
+            <a:off x="3317421" y="5664499"/>
+            <a:ext cx="2057400" cy="365125"/>
           </a:xfrm>
           <a:prstGeom prst="rect">
             <a:avLst/>
           </a:prstGeom>
         </p:spPr>
-      </p:pic>
+        <p:txBody>
+          <a:bodyPr vert="horz" lIns="91440" tIns="45720" rIns="91440" bIns="45720" rtlCol="0" anchor="ctr"/>
+          <a:lstStyle>
+            <a:defPPr>
+              <a:defRPr lang="en-US"/>
+            </a:defPPr>
+            <a:lvl1pPr marL="0" algn="r" defTabSz="457200" rtl="0" eaLnBrk="1" latinLnBrk="0" hangingPunct="1">
+              <a:defRPr sz="1200" kern="1200">
+                <a:solidFill>
+                  <a:schemeClr val="tx1"/>
+                </a:solidFill>
+                <a:latin typeface="Microsoft JhengHei" panose="020B0604030504040204" pitchFamily="34" charset="-120"/>
+                <a:ea typeface="Microsoft JhengHei" panose="020B0604030504040204" pitchFamily="34" charset="-120"/>
+                <a:cs typeface="+mn-cs"/>
+              </a:defRPr>
+            </a:lvl1pPr>
+            <a:lvl2pPr marL="457200" algn="l" defTabSz="457200" rtl="0" eaLnBrk="1" latinLnBrk="0" hangingPunct="1">
+              <a:defRPr sz="1800" kern="1200">
+                <a:solidFill>
+                  <a:schemeClr val="tx1"/>
+                </a:solidFill>
+                <a:latin typeface="+mn-lt"/>
+                <a:ea typeface="+mn-ea"/>
+                <a:cs typeface="+mn-cs"/>
+              </a:defRPr>
+            </a:lvl2pPr>
+            <a:lvl3pPr marL="914400" algn="l" defTabSz="457200" rtl="0" eaLnBrk="1" latinLnBrk="0" hangingPunct="1">
+              <a:defRPr sz="1800" kern="1200">
+                <a:solidFill>
+                  <a:schemeClr val="tx1"/>
+                </a:solidFill>
+                <a:latin typeface="+mn-lt"/>
+                <a:ea typeface="+mn-ea"/>
+                <a:cs typeface="+mn-cs"/>
+              </a:defRPr>
+            </a:lvl3pPr>
+            <a:lvl4pPr marL="1371600" algn="l" defTabSz="457200" rtl="0" eaLnBrk="1" latinLnBrk="0" hangingPunct="1">
+              <a:defRPr sz="1800" kern="1200">
+                <a:solidFill>
+                  <a:schemeClr val="tx1"/>
+                </a:solidFill>
+                <a:latin typeface="+mn-lt"/>
+                <a:ea typeface="+mn-ea"/>
+                <a:cs typeface="+mn-cs"/>
+              </a:defRPr>
+            </a:lvl4pPr>
+            <a:lvl5pPr marL="1828800" algn="l" defTabSz="457200" rtl="0" eaLnBrk="1" latinLnBrk="0" hangingPunct="1">
+              <a:defRPr sz="1800" kern="1200">
+                <a:solidFill>
+                  <a:schemeClr val="tx1"/>
+                </a:solidFill>
+                <a:latin typeface="+mn-lt"/>
+                <a:ea typeface="+mn-ea"/>
+                <a:cs typeface="+mn-cs"/>
+              </a:defRPr>
+            </a:lvl5pPr>
+            <a:lvl6pPr marL="2286000" algn="l" defTabSz="457200" rtl="0" eaLnBrk="1" latinLnBrk="0" hangingPunct="1">
+              <a:defRPr sz="1800" kern="1200">
+                <a:solidFill>
+                  <a:schemeClr val="tx1"/>
+                </a:solidFill>
+                <a:latin typeface="+mn-lt"/>
+                <a:ea typeface="+mn-ea"/>
+                <a:cs typeface="+mn-cs"/>
+              </a:defRPr>
+            </a:lvl6pPr>
+            <a:lvl7pPr marL="2743200" algn="l" defTabSz="457200" rtl="0" eaLnBrk="1" latinLnBrk="0" hangingPunct="1">
+              <a:defRPr sz="1800" kern="1200">
+                <a:solidFill>
+                  <a:schemeClr val="tx1"/>
+                </a:solidFill>
+                <a:latin typeface="+mn-lt"/>
+                <a:ea typeface="+mn-ea"/>
+                <a:cs typeface="+mn-cs"/>
+              </a:defRPr>
+            </a:lvl7pPr>
+            <a:lvl8pPr marL="3200400" algn="l" defTabSz="457200" rtl="0" eaLnBrk="1" latinLnBrk="0" hangingPunct="1">
+              <a:defRPr sz="1800" kern="1200">
+                <a:solidFill>
+                  <a:schemeClr val="tx1"/>
+                </a:solidFill>
+                <a:latin typeface="+mn-lt"/>
+                <a:ea typeface="+mn-ea"/>
+                <a:cs typeface="+mn-cs"/>
+              </a:defRPr>
+            </a:lvl8pPr>
+            <a:lvl9pPr marL="3657600" algn="l" defTabSz="457200" rtl="0" eaLnBrk="1" latinLnBrk="0" hangingPunct="1">
+              <a:defRPr sz="1800" kern="1200">
+                <a:solidFill>
+                  <a:schemeClr val="tx1"/>
+                </a:solidFill>
+                <a:latin typeface="+mn-lt"/>
+                <a:ea typeface="+mn-ea"/>
+                <a:cs typeface="+mn-cs"/>
+              </a:defRPr>
+            </a:lvl9pPr>
+          </a:lstStyle>
+          <a:p>
+            <a:fld id="{80929F01-733D-5847-83A7-C9CEA74310DB}" type="slidenum">
+              <a:rPr kumimoji="1" lang="zh-TW" altLang="en-US" smtClean="0"/>
+              <a:pPr/>
+              <a:t>9</a:t>
+            </a:fld>
+            <a:endParaRPr kumimoji="1" lang="zh-TW" altLang="en-US" dirty="0"/>
+          </a:p>
+        </p:txBody>
+      </p:sp>
       <p:sp>
         <p:nvSpPr>
-          <p:cNvPr id="12" name="文字方塊 11">
-            <a:extLst>
-              <a:ext uri="{FF2B5EF4-FFF2-40B4-BE49-F238E27FC236}">
-                <a16:creationId xmlns:a16="http://schemas.microsoft.com/office/drawing/2014/main" id="{3275FB1E-0A70-6C4B-A791-11D11D4E914A}"/>
+          <p:cNvPr id="8" name="矩形: 圓角 17">
+            <a:extLst>
+              <a:ext uri="{FF2B5EF4-FFF2-40B4-BE49-F238E27FC236}">
+                <a16:creationId xmlns:a16="http://schemas.microsoft.com/office/drawing/2014/main" id="{C5572869-B956-CD48-B10A-5E5BC5E92766}"/>
+              </a:ext>
+            </a:extLst>
+          </p:cNvPr>
+          <p:cNvSpPr/>
+          <p:nvPr/>
+        </p:nvSpPr>
+        <p:spPr>
+          <a:xfrm>
+            <a:off x="1144409" y="1195079"/>
+            <a:ext cx="3083282" cy="4673579"/>
+          </a:xfrm>
+          <a:prstGeom prst="roundRect">
+            <a:avLst>
+              <a:gd name="adj" fmla="val 17459"/>
+            </a:avLst>
+          </a:prstGeom>
+          <a:solidFill>
+            <a:srgbClr val="479793"/>
+          </a:solidFill>
+          <a:ln>
+            <a:noFill/>
+          </a:ln>
+        </p:spPr>
+        <p:style>
+          <a:lnRef idx="2">
+            <a:schemeClr val="accent1">
+              <a:shade val="50000"/>
+            </a:schemeClr>
+          </a:lnRef>
+          <a:fillRef idx="1">
+            <a:schemeClr val="accent1"/>
+          </a:fillRef>
+          <a:effectRef idx="0">
+            <a:schemeClr val="accent1"/>
+          </a:effectRef>
+          <a:fontRef idx="minor">
+            <a:schemeClr val="lt1"/>
+          </a:fontRef>
+        </p:style>
+        <p:txBody>
+          <a:bodyPr rtlCol="0" anchor="ctr"/>
+          <a:lstStyle/>
+          <a:p>
+            <a:pPr algn="ctr"/>
+            <a:endParaRPr lang="zh-TW" altLang="en-US"/>
+          </a:p>
+        </p:txBody>
+      </p:sp>
+      <p:sp>
+        <p:nvSpPr>
+          <p:cNvPr id="9" name="矩形: 圓角 18">
+            <a:extLst>
+              <a:ext uri="{FF2B5EF4-FFF2-40B4-BE49-F238E27FC236}">
+                <a16:creationId xmlns:a16="http://schemas.microsoft.com/office/drawing/2014/main" id="{9A30EDC3-61FB-5D4B-9011-F2DAA5A9E16F}"/>
+              </a:ext>
+            </a:extLst>
+          </p:cNvPr>
+          <p:cNvSpPr/>
+          <p:nvPr/>
+        </p:nvSpPr>
+        <p:spPr>
+          <a:xfrm>
+            <a:off x="4692833" y="1290385"/>
+            <a:ext cx="3083282" cy="4673579"/>
+          </a:xfrm>
+          <a:prstGeom prst="roundRect">
+            <a:avLst>
+              <a:gd name="adj" fmla="val 17459"/>
+            </a:avLst>
+          </a:prstGeom>
+          <a:solidFill>
+            <a:srgbClr val="479793"/>
+          </a:solidFill>
+          <a:ln>
+            <a:noFill/>
+          </a:ln>
+        </p:spPr>
+        <p:style>
+          <a:lnRef idx="2">
+            <a:schemeClr val="accent1">
+              <a:shade val="50000"/>
+            </a:schemeClr>
+          </a:lnRef>
+          <a:fillRef idx="1">
+            <a:schemeClr val="accent1"/>
+          </a:fillRef>
+          <a:effectRef idx="0">
+            <a:schemeClr val="accent1"/>
+          </a:effectRef>
+          <a:fontRef idx="minor">
+            <a:schemeClr val="lt1"/>
+          </a:fontRef>
+        </p:style>
+        <p:txBody>
+          <a:bodyPr rtlCol="0" anchor="ctr"/>
+          <a:lstStyle/>
+          <a:p>
+            <a:pPr algn="ctr"/>
+            <a:endParaRPr lang="zh-TW" altLang="en-US" dirty="0"/>
+          </a:p>
+        </p:txBody>
+      </p:sp>
+      <p:sp>
+        <p:nvSpPr>
+          <p:cNvPr id="10" name="矩形 9">
+            <a:extLst>
+              <a:ext uri="{FF2B5EF4-FFF2-40B4-BE49-F238E27FC236}">
+                <a16:creationId xmlns:a16="http://schemas.microsoft.com/office/drawing/2014/main" id="{B24A9A4E-644E-2740-B280-D0AAF59A6EC5}"/>
+              </a:ext>
+            </a:extLst>
+          </p:cNvPr>
+          <p:cNvSpPr/>
+          <p:nvPr/>
+        </p:nvSpPr>
+        <p:spPr>
+          <a:xfrm>
+            <a:off x="1525026" y="1543272"/>
+            <a:ext cx="2484975" cy="523220"/>
+          </a:xfrm>
+          <a:prstGeom prst="rect">
+            <a:avLst/>
+          </a:prstGeom>
+        </p:spPr>
+        <p:txBody>
+          <a:bodyPr wrap="none">
+            <a:spAutoFit/>
+          </a:bodyPr>
+          <a:lstStyle/>
+          <a:p>
+            <a:pPr algn="ctr"/>
+            <a:r>
+              <a:rPr lang="zh-TW" altLang="en-US" sz="2800" b="1" dirty="0">
+                <a:solidFill>
+                  <a:schemeClr val="bg1"/>
+                </a:solidFill>
+                <a:latin typeface="微軟正黑體" panose="020B0604030504040204" pitchFamily="34" charset="-120"/>
+                <a:ea typeface="微軟正黑體" panose="020B0604030504040204" pitchFamily="34" charset="-120"/>
+                <a:cs typeface="Arial" pitchFamily="34" charset="0"/>
+              </a:rPr>
+              <a:t>大新聞</a:t>
+            </a:r>
+            <a:r>
+              <a:rPr lang="en-US" altLang="zh-TW" sz="2800" b="1" dirty="0">
+                <a:solidFill>
+                  <a:schemeClr val="bg1"/>
+                </a:solidFill>
+                <a:latin typeface="微軟正黑體" panose="020B0604030504040204" pitchFamily="34" charset="-120"/>
+                <a:ea typeface="微軟正黑體" panose="020B0604030504040204" pitchFamily="34" charset="-120"/>
+                <a:cs typeface="Arial" pitchFamily="34" charset="0"/>
+              </a:rPr>
+              <a:t>V.S</a:t>
+            </a:r>
+            <a:r>
+              <a:rPr lang="zh-TW" altLang="en-US" sz="2800" b="1" dirty="0">
+                <a:solidFill>
+                  <a:schemeClr val="bg1"/>
+                </a:solidFill>
+                <a:latin typeface="微軟正黑體" panose="020B0604030504040204" pitchFamily="34" charset="-120"/>
+                <a:ea typeface="微軟正黑體" panose="020B0604030504040204" pitchFamily="34" charset="-120"/>
+                <a:cs typeface="Arial" pitchFamily="34" charset="0"/>
+              </a:rPr>
+              <a:t>股價</a:t>
+            </a:r>
+            <a:endParaRPr lang="ko-KR" altLang="en-US" sz="2800" b="1" dirty="0">
+              <a:solidFill>
+                <a:schemeClr val="bg1"/>
+              </a:solidFill>
+              <a:latin typeface="微軟正黑體" panose="020B0604030504040204" pitchFamily="34" charset="-120"/>
+              <a:cs typeface="Arial" pitchFamily="34" charset="0"/>
+            </a:endParaRPr>
+          </a:p>
+        </p:txBody>
+      </p:sp>
+      <p:sp>
+        <p:nvSpPr>
+          <p:cNvPr id="11" name="矩形 10">
+            <a:extLst>
+              <a:ext uri="{FF2B5EF4-FFF2-40B4-BE49-F238E27FC236}">
+                <a16:creationId xmlns:a16="http://schemas.microsoft.com/office/drawing/2014/main" id="{8A9F161E-EEB3-9A41-8A8B-9237B48794A5}"/>
+              </a:ext>
+            </a:extLst>
+          </p:cNvPr>
+          <p:cNvSpPr/>
+          <p:nvPr/>
+        </p:nvSpPr>
+        <p:spPr>
+          <a:xfrm>
+            <a:off x="4692833" y="1506797"/>
+            <a:ext cx="3180059" cy="523220"/>
+          </a:xfrm>
+          <a:prstGeom prst="rect">
+            <a:avLst/>
+          </a:prstGeom>
+        </p:spPr>
+        <p:txBody>
+          <a:bodyPr wrap="square">
+            <a:spAutoFit/>
+          </a:bodyPr>
+          <a:lstStyle/>
+          <a:p>
+            <a:pPr algn="ctr"/>
+            <a:r>
+              <a:rPr lang="zh-TW" altLang="en-US" sz="2800" b="1" dirty="0">
+                <a:solidFill>
+                  <a:schemeClr val="bg1"/>
+                </a:solidFill>
+                <a:latin typeface="微軟正黑體" panose="020B0604030504040204" pitchFamily="34" charset="-120"/>
+                <a:ea typeface="微軟正黑體" panose="020B0604030504040204" pitchFamily="34" charset="-120"/>
+                <a:cs typeface="Arial" pitchFamily="34" charset="0"/>
+              </a:rPr>
+              <a:t>股價預測</a:t>
+            </a:r>
+          </a:p>
+        </p:txBody>
+      </p:sp>
+      <p:sp>
+        <p:nvSpPr>
+          <p:cNvPr id="12" name="矩形 11">
+            <a:extLst>
+              <a:ext uri="{FF2B5EF4-FFF2-40B4-BE49-F238E27FC236}">
+                <a16:creationId xmlns:a16="http://schemas.microsoft.com/office/drawing/2014/main" id="{980F1261-80E7-9B48-9410-9845481914DE}"/>
+              </a:ext>
+            </a:extLst>
+          </p:cNvPr>
+          <p:cNvSpPr/>
+          <p:nvPr/>
+        </p:nvSpPr>
+        <p:spPr>
+          <a:xfrm>
+            <a:off x="1645423" y="4396253"/>
+            <a:ext cx="2321548" cy="1015663"/>
+          </a:xfrm>
+          <a:prstGeom prst="rect">
+            <a:avLst/>
+          </a:prstGeom>
+        </p:spPr>
+        <p:txBody>
+          <a:bodyPr wrap="square">
+            <a:spAutoFit/>
+          </a:bodyPr>
+          <a:lstStyle/>
+          <a:p>
+            <a:r>
+              <a:rPr lang="zh-TW" altLang="en-US" sz="2000" b="1" dirty="0">
+                <a:solidFill>
+                  <a:schemeClr val="tx1">
+                    <a:lumMod val="75000"/>
+                    <a:lumOff val="25000"/>
+                  </a:schemeClr>
+                </a:solidFill>
+                <a:latin typeface="微軟正黑體" panose="020B0604030504040204" pitchFamily="34" charset="-120"/>
+                <a:ea typeface="微軟正黑體" panose="020B0604030504040204" pitchFamily="34" charset="-120"/>
+                <a:cs typeface="Arial" pitchFamily="34" charset="0"/>
+              </a:rPr>
+              <a:t>大新聞不一定影響股價</a:t>
+            </a:r>
+            <a:endParaRPr lang="en-US" altLang="zh-TW" sz="2000" b="1" dirty="0">
+              <a:solidFill>
+                <a:schemeClr val="tx1">
+                  <a:lumMod val="75000"/>
+                  <a:lumOff val="25000"/>
+                </a:schemeClr>
+              </a:solidFill>
+              <a:latin typeface="微軟正黑體" panose="020B0604030504040204" pitchFamily="34" charset="-120"/>
+              <a:ea typeface="微軟正黑體" panose="020B0604030504040204" pitchFamily="34" charset="-120"/>
+              <a:cs typeface="Arial" pitchFamily="34" charset="0"/>
+            </a:endParaRPr>
+          </a:p>
+          <a:p>
+            <a:pPr algn="ctr"/>
+            <a:endParaRPr lang="zh-TW" altLang="en-US" sz="2000" b="1" dirty="0">
+              <a:solidFill>
+                <a:schemeClr val="bg1"/>
+              </a:solidFill>
+            </a:endParaRPr>
+          </a:p>
+        </p:txBody>
+      </p:sp>
+      <p:cxnSp>
+        <p:nvCxnSpPr>
+          <p:cNvPr id="13" name="直線接點 12">
+            <a:extLst>
+              <a:ext uri="{FF2B5EF4-FFF2-40B4-BE49-F238E27FC236}">
+                <a16:creationId xmlns:a16="http://schemas.microsoft.com/office/drawing/2014/main" id="{DB6EE951-4654-554D-8C2F-16E4C190B52A}"/>
+              </a:ext>
+            </a:extLst>
+          </p:cNvPr>
+          <p:cNvCxnSpPr/>
+          <p:nvPr/>
+        </p:nvCxnSpPr>
+        <p:spPr>
+          <a:xfrm>
+            <a:off x="1715951" y="4037013"/>
+            <a:ext cx="2103120" cy="0"/>
+          </a:xfrm>
+          <a:prstGeom prst="line">
+            <a:avLst/>
+          </a:prstGeom>
+          <a:ln>
+            <a:solidFill>
+              <a:schemeClr val="bg1"/>
+            </a:solidFill>
+          </a:ln>
+        </p:spPr>
+        <p:style>
+          <a:lnRef idx="1">
+            <a:schemeClr val="accent1"/>
+          </a:lnRef>
+          <a:fillRef idx="0">
+            <a:schemeClr val="accent1"/>
+          </a:fillRef>
+          <a:effectRef idx="0">
+            <a:schemeClr val="accent1"/>
+          </a:effectRef>
+          <a:fontRef idx="minor">
+            <a:schemeClr val="tx1"/>
+          </a:fontRef>
+        </p:style>
+      </p:cxnSp>
+      <p:cxnSp>
+        <p:nvCxnSpPr>
+          <p:cNvPr id="14" name="直線接點 13">
+            <a:extLst>
+              <a:ext uri="{FF2B5EF4-FFF2-40B4-BE49-F238E27FC236}">
+                <a16:creationId xmlns:a16="http://schemas.microsoft.com/office/drawing/2014/main" id="{E2175C95-C6CA-644D-8A54-57A5BBA35F20}"/>
+              </a:ext>
+            </a:extLst>
+          </p:cNvPr>
+          <p:cNvCxnSpPr/>
+          <p:nvPr/>
+        </p:nvCxnSpPr>
+        <p:spPr>
+          <a:xfrm>
+            <a:off x="5182914" y="4037013"/>
+            <a:ext cx="2103120" cy="0"/>
+          </a:xfrm>
+          <a:prstGeom prst="line">
+            <a:avLst/>
+          </a:prstGeom>
+          <a:ln>
+            <a:solidFill>
+              <a:srgbClr val="1E3148"/>
+            </a:solidFill>
+          </a:ln>
+        </p:spPr>
+        <p:style>
+          <a:lnRef idx="1">
+            <a:schemeClr val="accent1"/>
+          </a:lnRef>
+          <a:fillRef idx="0">
+            <a:schemeClr val="accent1"/>
+          </a:fillRef>
+          <a:effectRef idx="0">
+            <a:schemeClr val="accent1"/>
+          </a:effectRef>
+          <a:fontRef idx="minor">
+            <a:schemeClr val="tx1"/>
+          </a:fontRef>
+        </p:style>
+      </p:cxnSp>
+      <p:sp>
+        <p:nvSpPr>
+          <p:cNvPr id="15" name="AutoShape 2" descr="Insane messy line, complicated clew way on blue background. Tangled scribble path, chaotic difficult process way. Curved white line, solving a complex problem or quest. Vector illustration">
+            <a:extLst>
+              <a:ext uri="{FF2B5EF4-FFF2-40B4-BE49-F238E27FC236}">
+                <a16:creationId xmlns:a16="http://schemas.microsoft.com/office/drawing/2014/main" id="{741C2F00-4470-2442-BF9C-D8B1868DB684}"/>
+              </a:ext>
+            </a:extLst>
+          </p:cNvPr>
+          <p:cNvSpPr>
+            <a:spLocks noChangeAspect="1" noChangeArrowheads="1"/>
+          </p:cNvSpPr>
+          <p:nvPr/>
+        </p:nvSpPr>
+        <p:spPr bwMode="auto">
+          <a:xfrm>
+            <a:off x="4419600" y="3276600"/>
+            <a:ext cx="304800" cy="304800"/>
+          </a:xfrm>
+          <a:prstGeom prst="rect">
+            <a:avLst/>
+          </a:prstGeom>
+          <a:noFill/>
+          <a:extLst>
+            <a:ext uri="{909E8E84-426E-40DD-AFC4-6F175D3DCCD1}">
+              <a14:hiddenFill xmlns:a14="http://schemas.microsoft.com/office/drawing/2010/main">
+                <a:solidFill>
+                  <a:srgbClr val="FFFFFF"/>
+                </a:solidFill>
+              </a14:hiddenFill>
+            </a:ext>
+          </a:extLst>
+        </p:spPr>
+        <p:txBody>
+          <a:bodyPr vert="horz" wrap="square" lIns="91440" tIns="45720" rIns="91440" bIns="45720" numCol="1" anchor="t" anchorCtr="0" compatLnSpc="1">
+            <a:prstTxWarp prst="textNoShape">
+              <a:avLst/>
+            </a:prstTxWarp>
+          </a:bodyPr>
+          <a:lstStyle/>
+          <a:p>
+            <a:endParaRPr lang="zh-TW" altLang="en-US"/>
+          </a:p>
+        </p:txBody>
+      </p:sp>
+      <p:sp>
+        <p:nvSpPr>
+          <p:cNvPr id="16" name="箭號: 向右 9">
+            <a:extLst>
+              <a:ext uri="{FF2B5EF4-FFF2-40B4-BE49-F238E27FC236}">
+                <a16:creationId xmlns:a16="http://schemas.microsoft.com/office/drawing/2014/main" id="{63BECEF9-59B5-7847-85E3-574D45B56A6A}"/>
+              </a:ext>
+            </a:extLst>
+          </p:cNvPr>
+          <p:cNvSpPr/>
+          <p:nvPr/>
+        </p:nvSpPr>
+        <p:spPr>
+          <a:xfrm>
+            <a:off x="4346121" y="3491912"/>
+            <a:ext cx="302677" cy="304800"/>
+          </a:xfrm>
+          <a:prstGeom prst="rightArrow">
+            <a:avLst/>
+          </a:prstGeom>
+          <a:solidFill>
+            <a:srgbClr val="479793"/>
+          </a:solidFill>
+          <a:ln>
+            <a:solidFill>
+              <a:srgbClr val="479793"/>
+            </a:solidFill>
+          </a:ln>
+        </p:spPr>
+        <p:style>
+          <a:lnRef idx="2">
+            <a:schemeClr val="accent1">
+              <a:shade val="50000"/>
+            </a:schemeClr>
+          </a:lnRef>
+          <a:fillRef idx="1">
+            <a:schemeClr val="accent1"/>
+          </a:fillRef>
+          <a:effectRef idx="0">
+            <a:schemeClr val="accent1"/>
+          </a:effectRef>
+          <a:fontRef idx="minor">
+            <a:schemeClr val="lt1"/>
+          </a:fontRef>
+        </p:style>
+        <p:txBody>
+          <a:bodyPr rtlCol="0" anchor="ctr"/>
+          <a:lstStyle/>
+          <a:p>
+            <a:pPr algn="ctr"/>
+            <a:endParaRPr lang="zh-TW" altLang="en-US"/>
+          </a:p>
+        </p:txBody>
+      </p:sp>
+      <p:sp>
+        <p:nvSpPr>
+          <p:cNvPr id="18" name="矩形 17">
+            <a:extLst>
+              <a:ext uri="{FF2B5EF4-FFF2-40B4-BE49-F238E27FC236}">
+                <a16:creationId xmlns:a16="http://schemas.microsoft.com/office/drawing/2014/main" id="{1493B846-C391-084F-AC5C-ADC898A149D2}"/>
+              </a:ext>
+            </a:extLst>
+          </p:cNvPr>
+          <p:cNvSpPr/>
+          <p:nvPr/>
+        </p:nvSpPr>
+        <p:spPr>
+          <a:xfrm>
+            <a:off x="5041766" y="4124055"/>
+            <a:ext cx="2373642" cy="707886"/>
+          </a:xfrm>
+          <a:prstGeom prst="rect">
+            <a:avLst/>
+          </a:prstGeom>
+        </p:spPr>
+        <p:txBody>
+          <a:bodyPr wrap="square">
+            <a:spAutoFit/>
+          </a:bodyPr>
+          <a:lstStyle/>
+          <a:p>
+            <a:r>
+              <a:rPr lang="zh-TW" altLang="en-US" sz="2000" b="1" dirty="0">
+                <a:solidFill>
+                  <a:schemeClr val="tx1">
+                    <a:lumMod val="75000"/>
+                    <a:lumOff val="25000"/>
+                  </a:schemeClr>
+                </a:solidFill>
+                <a:latin typeface="微軟正黑體" panose="020B0604030504040204" pitchFamily="34" charset="-120"/>
+                <a:ea typeface="微軟正黑體" panose="020B0604030504040204" pitchFamily="34" charset="-120"/>
+                <a:cs typeface="Arial" pitchFamily="34" charset="0"/>
+              </a:rPr>
+              <a:t>用事件分析法分析股價的異常報酬率</a:t>
+            </a:r>
+            <a:endParaRPr lang="zh-TW" altLang="en-US" sz="2000" b="1" dirty="0">
+              <a:solidFill>
+                <a:schemeClr val="bg1"/>
+              </a:solidFill>
+            </a:endParaRPr>
+          </a:p>
+        </p:txBody>
+      </p:sp>
+      <p:cxnSp>
+        <p:nvCxnSpPr>
+          <p:cNvPr id="30" name="直線接點 29">
+            <a:extLst>
+              <a:ext uri="{FF2B5EF4-FFF2-40B4-BE49-F238E27FC236}">
+                <a16:creationId xmlns:a16="http://schemas.microsoft.com/office/drawing/2014/main" id="{2E4D2F5E-9C5D-46E1-93D8-EF9F3ECB4B56}"/>
+              </a:ext>
+            </a:extLst>
+          </p:cNvPr>
+          <p:cNvCxnSpPr/>
+          <p:nvPr/>
+        </p:nvCxnSpPr>
+        <p:spPr>
+          <a:xfrm flipV="1">
+            <a:off x="1838960" y="3037840"/>
+            <a:ext cx="477520" cy="391160"/>
+          </a:xfrm>
+          <a:prstGeom prst="line">
+            <a:avLst/>
+          </a:prstGeom>
+          <a:ln w="57150">
+            <a:solidFill>
+              <a:schemeClr val="tx1"/>
+            </a:solidFill>
+          </a:ln>
+        </p:spPr>
+        <p:style>
+          <a:lnRef idx="1">
+            <a:schemeClr val="accent1"/>
+          </a:lnRef>
+          <a:fillRef idx="0">
+            <a:schemeClr val="accent1"/>
+          </a:fillRef>
+          <a:effectRef idx="0">
+            <a:schemeClr val="accent1"/>
+          </a:effectRef>
+          <a:fontRef idx="minor">
+            <a:schemeClr val="tx1"/>
+          </a:fontRef>
+        </p:style>
+      </p:cxnSp>
+      <p:cxnSp>
+        <p:nvCxnSpPr>
+          <p:cNvPr id="33" name="直線接點 32">
+            <a:extLst>
+              <a:ext uri="{FF2B5EF4-FFF2-40B4-BE49-F238E27FC236}">
+                <a16:creationId xmlns:a16="http://schemas.microsoft.com/office/drawing/2014/main" id="{6BA4FC64-8070-4EE5-A23B-F8EEB2B063F3}"/>
+              </a:ext>
+            </a:extLst>
+          </p:cNvPr>
+          <p:cNvCxnSpPr>
+            <a:cxnSpLocks/>
+          </p:cNvCxnSpPr>
+          <p:nvPr/>
+        </p:nvCxnSpPr>
+        <p:spPr>
+          <a:xfrm flipH="1" flipV="1">
+            <a:off x="2291082" y="3037840"/>
+            <a:ext cx="178888" cy="238760"/>
+          </a:xfrm>
+          <a:prstGeom prst="line">
+            <a:avLst/>
+          </a:prstGeom>
+          <a:ln w="57150">
+            <a:solidFill>
+              <a:schemeClr val="tx1"/>
+            </a:solidFill>
+          </a:ln>
+        </p:spPr>
+        <p:style>
+          <a:lnRef idx="1">
+            <a:schemeClr val="accent1"/>
+          </a:lnRef>
+          <a:fillRef idx="0">
+            <a:schemeClr val="accent1"/>
+          </a:fillRef>
+          <a:effectRef idx="0">
+            <a:schemeClr val="accent1"/>
+          </a:effectRef>
+          <a:fontRef idx="minor">
+            <a:schemeClr val="tx1"/>
+          </a:fontRef>
+        </p:style>
+      </p:cxnSp>
+      <p:cxnSp>
+        <p:nvCxnSpPr>
+          <p:cNvPr id="36" name="直線接點 35">
+            <a:extLst>
+              <a:ext uri="{FF2B5EF4-FFF2-40B4-BE49-F238E27FC236}">
+                <a16:creationId xmlns:a16="http://schemas.microsoft.com/office/drawing/2014/main" id="{402B0926-BC0E-4DFD-B199-145C13030BC9}"/>
+              </a:ext>
+            </a:extLst>
+          </p:cNvPr>
+          <p:cNvCxnSpPr>
+            <a:cxnSpLocks/>
+          </p:cNvCxnSpPr>
+          <p:nvPr/>
+        </p:nvCxnSpPr>
+        <p:spPr>
+          <a:xfrm flipV="1">
+            <a:off x="2447290" y="2753354"/>
+            <a:ext cx="605245" cy="503789"/>
+          </a:xfrm>
+          <a:prstGeom prst="line">
+            <a:avLst/>
+          </a:prstGeom>
+          <a:ln w="57150">
+            <a:solidFill>
+              <a:schemeClr val="tx1"/>
+            </a:solidFill>
+          </a:ln>
+        </p:spPr>
+        <p:style>
+          <a:lnRef idx="1">
+            <a:schemeClr val="accent1"/>
+          </a:lnRef>
+          <a:fillRef idx="0">
+            <a:schemeClr val="accent1"/>
+          </a:fillRef>
+          <a:effectRef idx="0">
+            <a:schemeClr val="accent1"/>
+          </a:effectRef>
+          <a:fontRef idx="minor">
+            <a:schemeClr val="tx1"/>
+          </a:fontRef>
+        </p:style>
+      </p:cxnSp>
+      <p:sp>
+        <p:nvSpPr>
+          <p:cNvPr id="35" name="等腰三角形 34">
+            <a:extLst>
+              <a:ext uri="{FF2B5EF4-FFF2-40B4-BE49-F238E27FC236}">
+                <a16:creationId xmlns:a16="http://schemas.microsoft.com/office/drawing/2014/main" id="{BB620A05-6DE4-483D-97B4-DF10742D61C8}"/>
+              </a:ext>
+            </a:extLst>
+          </p:cNvPr>
+          <p:cNvSpPr/>
+          <p:nvPr/>
+        </p:nvSpPr>
+        <p:spPr>
+          <a:xfrm rot="2912549">
+            <a:off x="3038656" y="2562053"/>
+            <a:ext cx="186112" cy="258195"/>
+          </a:xfrm>
+          <a:prstGeom prst="triangle">
+            <a:avLst>
+              <a:gd name="adj" fmla="val 51488"/>
+            </a:avLst>
+          </a:prstGeom>
+          <a:ln>
+            <a:solidFill>
+              <a:schemeClr val="tx1"/>
+            </a:solidFill>
+          </a:ln>
+        </p:spPr>
+        <p:style>
+          <a:lnRef idx="2">
+            <a:schemeClr val="dk1">
+              <a:shade val="50000"/>
+            </a:schemeClr>
+          </a:lnRef>
+          <a:fillRef idx="1">
+            <a:schemeClr val="dk1"/>
+          </a:fillRef>
+          <a:effectRef idx="0">
+            <a:schemeClr val="dk1"/>
+          </a:effectRef>
+          <a:fontRef idx="minor">
+            <a:schemeClr val="lt1"/>
+          </a:fontRef>
+        </p:style>
+        <p:txBody>
+          <a:bodyPr rtlCol="0" anchor="ctr"/>
+          <a:lstStyle/>
+          <a:p>
+            <a:pPr algn="ctr"/>
+            <a:endParaRPr lang="zh-TW" altLang="en-US"/>
+          </a:p>
+        </p:txBody>
+      </p:sp>
+      <p:sp>
+        <p:nvSpPr>
+          <p:cNvPr id="38" name="文字方塊 37">
+            <a:extLst>
+              <a:ext uri="{FF2B5EF4-FFF2-40B4-BE49-F238E27FC236}">
+                <a16:creationId xmlns:a16="http://schemas.microsoft.com/office/drawing/2014/main" id="{5B069161-0C35-4B19-842A-30ECEDE64394}"/>
               </a:ext>
             </a:extLst>
           </p:cNvPr>
@@ -33824,8 +35683,8 @@
         </p:nvSpPr>
         <p:spPr>
           <a:xfrm>
-            <a:off x="1734623" y="1056067"/>
-            <a:ext cx="1569660" cy="369332"/>
+            <a:off x="5768763" y="2258659"/>
+            <a:ext cx="919648" cy="1292662"/>
           </a:xfrm>
           <a:prstGeom prst="rect">
             <a:avLst/>
@@ -33833,131 +35692,31 @@
           <a:noFill/>
         </p:spPr>
         <p:txBody>
-          <a:bodyPr wrap="none" rtlCol="0">
+          <a:bodyPr wrap="square" rtlCol="0">
             <a:spAutoFit/>
           </a:bodyPr>
           <a:lstStyle/>
           <a:p>
-            <a:r>
-              <a:rPr kumimoji="1" lang="zh-TW" altLang="en-US" b="1" dirty="0">
-                <a:solidFill>
-                  <a:srgbClr val="4AAC99"/>
-                </a:solidFill>
-                <a:latin typeface="Microsoft JhengHei" panose="020B0604030504040204" pitchFamily="34" charset="-120"/>
-                <a:ea typeface="Microsoft JhengHei" panose="020B0604030504040204" pitchFamily="34" charset="-120"/>
-              </a:rPr>
-              <a:t>模型訓練過程</a:t>
-            </a:r>
-          </a:p>
-        </p:txBody>
-      </p:sp>
-      <p:sp>
-        <p:nvSpPr>
-          <p:cNvPr id="13" name="文字方塊 12">
-            <a:extLst>
-              <a:ext uri="{FF2B5EF4-FFF2-40B4-BE49-F238E27FC236}">
-                <a16:creationId xmlns:a16="http://schemas.microsoft.com/office/drawing/2014/main" id="{F70AA940-037C-1F4D-8032-1B08D7EE3E32}"/>
-              </a:ext>
-            </a:extLst>
-          </p:cNvPr>
-          <p:cNvSpPr txBox="1"/>
-          <p:nvPr/>
-        </p:nvSpPr>
-        <p:spPr>
-          <a:xfrm>
-            <a:off x="7338426" y="3075230"/>
-            <a:ext cx="1415772" cy="584775"/>
-          </a:xfrm>
-          <a:prstGeom prst="rect">
-            <a:avLst/>
-          </a:prstGeom>
-          <a:noFill/>
-        </p:spPr>
-        <p:txBody>
-          <a:bodyPr wrap="none" rtlCol="0">
-            <a:spAutoFit/>
-          </a:bodyPr>
-          <a:lstStyle/>
+            <a:endParaRPr lang="en-US" altLang="zh-TW" dirty="0"/>
+          </a:p>
           <a:p>
             <a:pPr algn="ctr"/>
             <a:r>
-              <a:rPr kumimoji="1" lang="zh-TW" altLang="en-US" sz="1600" b="1" dirty="0">
-                <a:solidFill>
-                  <a:srgbClr val="4AAC99"/>
-                </a:solidFill>
-                <a:latin typeface="Microsoft JhengHei" panose="020B0604030504040204" pitchFamily="34" charset="-120"/>
-                <a:ea typeface="Microsoft JhengHei" panose="020B0604030504040204" pitchFamily="34" charset="-120"/>
-              </a:rPr>
-              <a:t>最新新聞評分</a:t>
-            </a:r>
-            <a:br>
-              <a:rPr kumimoji="1" lang="en-US" altLang="zh-TW" sz="1600" b="1" dirty="0">
-                <a:solidFill>
-                  <a:srgbClr val="4AAC99"/>
-                </a:solidFill>
-                <a:latin typeface="Microsoft JhengHei" panose="020B0604030504040204" pitchFamily="34" charset="-120"/>
-                <a:ea typeface="Microsoft JhengHei" panose="020B0604030504040204" pitchFamily="34" charset="-120"/>
-              </a:rPr>
-            </a:br>
-            <a:r>
-              <a:rPr kumimoji="1" lang="zh-TW" altLang="en-US" sz="1600" b="1" dirty="0">
-                <a:solidFill>
-                  <a:srgbClr val="4AAC99"/>
-                </a:solidFill>
-                <a:latin typeface="Microsoft JhengHei" panose="020B0604030504040204" pitchFamily="34" charset="-120"/>
-                <a:ea typeface="Microsoft JhengHei" panose="020B0604030504040204" pitchFamily="34" charset="-120"/>
-              </a:rPr>
-              <a:t>與漲跌預測</a:t>
-            </a:r>
-          </a:p>
-        </p:txBody>
-      </p:sp>
-      <p:sp>
-        <p:nvSpPr>
-          <p:cNvPr id="14" name="文字方塊 13">
-            <a:extLst>
-              <a:ext uri="{FF2B5EF4-FFF2-40B4-BE49-F238E27FC236}">
-                <a16:creationId xmlns:a16="http://schemas.microsoft.com/office/drawing/2014/main" id="{96933F0B-C702-A048-8C9E-59698DF9AAC9}"/>
-              </a:ext>
-            </a:extLst>
-          </p:cNvPr>
-          <p:cNvSpPr txBox="1"/>
-          <p:nvPr/>
-        </p:nvSpPr>
-        <p:spPr>
-          <a:xfrm>
-            <a:off x="7543611" y="5508551"/>
-            <a:ext cx="1005403" cy="338554"/>
-          </a:xfrm>
-          <a:prstGeom prst="rect">
-            <a:avLst/>
-          </a:prstGeom>
-          <a:noFill/>
-        </p:spPr>
-        <p:txBody>
-          <a:bodyPr wrap="none" rtlCol="0">
-            <a:spAutoFit/>
-          </a:bodyPr>
-          <a:lstStyle/>
-          <a:p>
-            <a:pPr algn="ctr"/>
-            <a:r>
-              <a:rPr kumimoji="1" lang="zh-TW" altLang="en-US" sz="1600" b="1" dirty="0">
-                <a:solidFill>
-                  <a:srgbClr val="4AAC99"/>
-                </a:solidFill>
-                <a:latin typeface="Microsoft JhengHei" panose="020B0604030504040204" pitchFamily="34" charset="-120"/>
-                <a:ea typeface="Microsoft JhengHei" panose="020B0604030504040204" pitchFamily="34" charset="-120"/>
-              </a:rPr>
-              <a:t>結果呈現</a:t>
-            </a:r>
+              <a:rPr lang="en-US" altLang="zh-TW" sz="6000" dirty="0">
+                <a:latin typeface="Arial Black" panose="020B0A04020102020204" pitchFamily="34" charset="0"/>
+              </a:rPr>
+              <a:t>$</a:t>
+            </a:r>
+            <a:endParaRPr lang="zh-TW" altLang="en-US" sz="6000" dirty="0">
+              <a:latin typeface="Arial Black" panose="020B0A04020102020204" pitchFamily="34" charset="0"/>
+            </a:endParaRPr>
           </a:p>
         </p:txBody>
       </p:sp>
     </p:spTree>
     <p:extLst>
       <p:ext uri="{BB962C8B-B14F-4D97-AF65-F5344CB8AC3E}">
-        <p14:creationId xmlns:p14="http://schemas.microsoft.com/office/powerpoint/2010/main" val="3654779372"/>
+        <p14:creationId xmlns:p14="http://schemas.microsoft.com/office/powerpoint/2010/main" val="125049985"/>
       </p:ext>
     </p:extLst>
   </p:cSld>

--- a/報告擋/Fintech.pptx
+++ b/報告擋/Fintech.pptx
@@ -15,11 +15,11 @@
     <p:sldId id="288" r:id="rId3"/>
     <p:sldId id="432" r:id="rId4"/>
     <p:sldId id="436" r:id="rId5"/>
-    <p:sldId id="473" r:id="rId6"/>
+    <p:sldId id="474" r:id="rId6"/>
     <p:sldId id="439" r:id="rId7"/>
     <p:sldId id="437" r:id="rId8"/>
     <p:sldId id="438" r:id="rId9"/>
-    <p:sldId id="474" r:id="rId10"/>
+    <p:sldId id="475" r:id="rId10"/>
     <p:sldId id="435" r:id="rId11"/>
     <p:sldId id="287" r:id="rId12"/>
     <p:sldId id="433" r:id="rId13"/>
@@ -34,7 +34,7 @@
     <p:sldId id="464" r:id="rId22"/>
     <p:sldId id="465" r:id="rId23"/>
     <p:sldId id="466" r:id="rId24"/>
-    <p:sldId id="301" r:id="rId25"/>
+    <p:sldId id="476" r:id="rId25"/>
     <p:sldId id="469" r:id="rId26"/>
     <p:sldId id="470" r:id="rId27"/>
     <p:sldId id="468" r:id="rId28"/>
@@ -48,7 +48,7 @@
     <p:sldId id="453" r:id="rId36"/>
     <p:sldId id="454" r:id="rId37"/>
     <p:sldId id="452" r:id="rId38"/>
-    <p:sldId id="451" r:id="rId39"/>
+    <p:sldId id="477" r:id="rId39"/>
     <p:sldId id="462" r:id="rId40"/>
     <p:sldId id="463" r:id="rId41"/>
   </p:sldIdLst>
@@ -2908,7 +2908,7 @@
         <p:spPr>
           <a:xfrm>
             <a:off x="5879713" y="3848372"/>
-            <a:ext cx="2106154" cy="400110"/>
+            <a:ext cx="2236510" cy="400110"/>
           </a:xfrm>
           <a:prstGeom prst="rect">
             <a:avLst/>
@@ -2921,18 +2921,11 @@
           <a:lstStyle/>
           <a:p>
             <a:r>
-              <a:rPr lang="en-US" altLang="zh-TW" sz="2000" dirty="0">
-                <a:latin typeface="Microsoft JhengHei" panose="020B0604030504040204" pitchFamily="34" charset="-120"/>
-                <a:ea typeface="Microsoft JhengHei" panose="020B0604030504040204" pitchFamily="34" charset="-120"/>
-              </a:rPr>
-              <a:t>Mentor</a:t>
-            </a:r>
-            <a:r>
               <a:rPr lang="zh-TW" altLang="en-US" sz="2000" dirty="0">
                 <a:latin typeface="Microsoft JhengHei" panose="020B0604030504040204" pitchFamily="34" charset="-120"/>
                 <a:ea typeface="Microsoft JhengHei" panose="020B0604030504040204" pitchFamily="34" charset="-120"/>
               </a:rPr>
-              <a:t>：詹益安</a:t>
+              <a:t>指導業師：詹益安</a:t>
             </a:r>
           </a:p>
         </p:txBody>
@@ -3975,7 +3968,7 @@
                 <a:latin typeface="微軟正黑體" panose="020B0604030504040204" pitchFamily="34" charset="-120"/>
                 <a:ea typeface="微軟正黑體" panose="020B0604030504040204" pitchFamily="34" charset="-120"/>
               </a:rPr>
-              <a:t>23703</a:t>
+              <a:t>23,703</a:t>
             </a:r>
           </a:p>
           <a:p>
@@ -4870,8 +4863,8 @@
         </p:nvSpPr>
         <p:spPr>
           <a:xfrm>
-            <a:off x="6243119" y="120951"/>
-            <a:ext cx="2646879" cy="338554"/>
+            <a:off x="6243120" y="120951"/>
+            <a:ext cx="2646878" cy="338554"/>
           </a:xfrm>
           <a:prstGeom prst="rect">
             <a:avLst/>
@@ -4904,7 +4897,7 @@
                 <a:ea typeface="微軟正黑體" pitchFamily="34" charset="-120"/>
                 <a:cs typeface="BiauKai"/>
               </a:rPr>
-              <a:t>｜</a:t>
+              <a:t>｜斷</a:t>
             </a:r>
             <a:r>
               <a:rPr lang="zh-CN" altLang="en-US" sz="1600" dirty="0">
@@ -4917,7 +4910,7 @@
                 <a:latin typeface="Microsoft JhengHei" panose="020B0604030504040204" pitchFamily="34" charset="-120"/>
                 <a:ea typeface="Microsoft JhengHei" panose="020B0604030504040204" pitchFamily="34" charset="-120"/>
               </a:rPr>
-              <a:t>切詞</a:t>
+              <a:t>詞</a:t>
             </a:r>
             <a:r>
               <a:rPr kumimoji="1" lang="zh-CN" altLang="en-US" sz="1600" dirty="0">
@@ -7604,7 +7597,7 @@
                 <a:latin typeface="微軟正黑體" panose="020B0604030504040204" pitchFamily="34" charset="-120"/>
                 <a:ea typeface="微軟正黑體" panose="020B0604030504040204" pitchFamily="34" charset="-120"/>
               </a:rPr>
-              <a:t>再切詞工具方面我們選擇</a:t>
+              <a:t>在切詞工具方面我們選擇</a:t>
             </a:r>
             <a:r>
               <a:rPr lang="en-US" altLang="zh-TW" b="1" dirty="0">
@@ -7777,7 +7770,7 @@
         </p:nvCxnSpPr>
         <p:spPr>
           <a:xfrm>
-            <a:off x="3600450" y="0"/>
+            <a:off x="3009901" y="-12526"/>
             <a:ext cx="0" cy="6048000"/>
           </a:xfrm>
           <a:prstGeom prst="line">
@@ -7818,7 +7811,7 @@
         </p:nvSpPr>
         <p:spPr>
           <a:xfrm>
-            <a:off x="2700770" y="2283581"/>
+            <a:off x="2110221" y="2271055"/>
             <a:ext cx="350095" cy="346249"/>
           </a:xfrm>
           <a:prstGeom prst="rect">
@@ -7857,7 +7850,7 @@
         </p:nvSpPr>
         <p:spPr bwMode="auto">
           <a:xfrm>
-            <a:off x="3943350" y="2211540"/>
+            <a:off x="3352801" y="2199014"/>
             <a:ext cx="1557643" cy="490329"/>
           </a:xfrm>
           <a:prstGeom prst="rect">
@@ -7970,7 +7963,7 @@
                 <a:latin typeface="微軟正黑體" panose="020B0604030504040204" pitchFamily="34" charset="-120"/>
                 <a:ea typeface="微軟正黑體" panose="020B0604030504040204" pitchFamily="34" charset="-120"/>
               </a:rPr>
-              <a:t>現有問題描述</a:t>
+              <a:t>現有問題描述與本專案優勢</a:t>
             </a:r>
           </a:p>
         </p:txBody>
@@ -7989,7 +7982,7 @@
         </p:nvSpPr>
         <p:spPr>
           <a:xfrm>
-            <a:off x="2700770" y="3062812"/>
+            <a:off x="2110221" y="3050286"/>
             <a:ext cx="377747" cy="346249"/>
           </a:xfrm>
           <a:prstGeom prst="rect">
@@ -8028,7 +8021,7 @@
         </p:nvSpPr>
         <p:spPr>
           <a:xfrm>
-            <a:off x="2700770" y="3857843"/>
+            <a:off x="2110221" y="3845317"/>
             <a:ext cx="384961" cy="346249"/>
           </a:xfrm>
           <a:prstGeom prst="rect">
@@ -8067,7 +8060,7 @@
         </p:nvSpPr>
         <p:spPr>
           <a:xfrm>
-            <a:off x="2700770" y="4657425"/>
+            <a:off x="2110221" y="4644899"/>
             <a:ext cx="377747" cy="346249"/>
           </a:xfrm>
           <a:prstGeom prst="rect">
@@ -8106,7 +8099,7 @@
         </p:nvSpPr>
         <p:spPr bwMode="auto">
           <a:xfrm>
-            <a:off x="3943350" y="2990771"/>
+            <a:off x="3352801" y="2978245"/>
             <a:ext cx="1557643" cy="490329"/>
           </a:xfrm>
           <a:prstGeom prst="rect">
@@ -8242,7 +8235,7 @@
         </p:nvSpPr>
         <p:spPr bwMode="auto">
           <a:xfrm>
-            <a:off x="3943350" y="3785802"/>
+            <a:off x="3352801" y="3773276"/>
             <a:ext cx="2623700" cy="490329"/>
           </a:xfrm>
           <a:prstGeom prst="rect">
@@ -8378,7 +8371,7 @@
         </p:nvSpPr>
         <p:spPr bwMode="auto">
           <a:xfrm>
-            <a:off x="3943350" y="1163044"/>
+            <a:off x="3352801" y="1150518"/>
             <a:ext cx="3105149" cy="759594"/>
           </a:xfrm>
           <a:prstGeom prst="rect">
@@ -8517,7 +8510,7 @@
         </p:nvSpPr>
         <p:spPr bwMode="auto">
           <a:xfrm>
-            <a:off x="3943350" y="4565033"/>
+            <a:off x="3352801" y="4552507"/>
             <a:ext cx="2623700" cy="490329"/>
           </a:xfrm>
           <a:prstGeom prst="rect">
@@ -8743,8 +8736,8 @@
         </p:nvSpPr>
         <p:spPr>
           <a:xfrm>
-            <a:off x="6243119" y="120951"/>
-            <a:ext cx="2646879" cy="338554"/>
+            <a:off x="6243120" y="120951"/>
+            <a:ext cx="2646878" cy="338554"/>
           </a:xfrm>
           <a:prstGeom prst="rect">
             <a:avLst/>
@@ -8786,6 +8779,20 @@
               <a:t>｜</a:t>
             </a:r>
             <a:r>
+              <a:rPr kumimoji="1" lang="zh-CN" altLang="en-US" sz="1600" dirty="0">
+                <a:solidFill>
+                  <a:schemeClr val="tx1">
+                    <a:lumMod val="65000"/>
+                    <a:lumOff val="35000"/>
+                  </a:schemeClr>
+                </a:solidFill>
+                <a:latin typeface="Microsoft JhengHei" panose="020B0604030504040204" pitchFamily="34" charset="-120"/>
+                <a:ea typeface="Microsoft JhengHei" panose="020B0604030504040204" pitchFamily="34" charset="-120"/>
+                <a:cs typeface="BiauKai"/>
+              </a:rPr>
+              <a:t>斷</a:t>
+            </a:r>
+            <a:r>
               <a:rPr lang="zh-CN" altLang="en-US" sz="1600" dirty="0">
                 <a:solidFill>
                   <a:schemeClr val="tx1">
@@ -8796,7 +8803,7 @@
                 <a:latin typeface="Microsoft JhengHei" panose="020B0604030504040204" pitchFamily="34" charset="-120"/>
                 <a:ea typeface="Microsoft JhengHei" panose="020B0604030504040204" pitchFamily="34" charset="-120"/>
               </a:rPr>
-              <a:t>切詞</a:t>
+              <a:t>詞</a:t>
             </a:r>
             <a:r>
               <a:rPr kumimoji="1" lang="zh-CN" altLang="en-US" sz="1600" dirty="0">
@@ -9300,8 +9307,8 @@
         </p:nvSpPr>
         <p:spPr>
           <a:xfrm>
-            <a:off x="6243119" y="120951"/>
-            <a:ext cx="2646879" cy="338554"/>
+            <a:off x="6243120" y="120951"/>
+            <a:ext cx="2646878" cy="338554"/>
           </a:xfrm>
           <a:prstGeom prst="rect">
             <a:avLst/>
@@ -9343,6 +9350,20 @@
               <a:t>｜</a:t>
             </a:r>
             <a:r>
+              <a:rPr kumimoji="1" lang="zh-CN" altLang="en-US" sz="1600" dirty="0">
+                <a:solidFill>
+                  <a:schemeClr val="tx1">
+                    <a:lumMod val="65000"/>
+                    <a:lumOff val="35000"/>
+                  </a:schemeClr>
+                </a:solidFill>
+                <a:latin typeface="Microsoft JhengHei" panose="020B0604030504040204" pitchFamily="34" charset="-120"/>
+                <a:ea typeface="Microsoft JhengHei" panose="020B0604030504040204" pitchFamily="34" charset="-120"/>
+                <a:cs typeface="BiauKai"/>
+              </a:rPr>
+              <a:t>斷</a:t>
+            </a:r>
+            <a:r>
               <a:rPr lang="zh-CN" altLang="en-US" sz="1600" dirty="0">
                 <a:solidFill>
                   <a:schemeClr val="tx1">
@@ -9353,7 +9374,7 @@
                 <a:latin typeface="Microsoft JhengHei" panose="020B0604030504040204" pitchFamily="34" charset="-120"/>
                 <a:ea typeface="Microsoft JhengHei" panose="020B0604030504040204" pitchFamily="34" charset="-120"/>
               </a:rPr>
-              <a:t>切詞</a:t>
+              <a:t>詞</a:t>
             </a:r>
             <a:r>
               <a:rPr kumimoji="1" lang="zh-CN" altLang="en-US" sz="1600" dirty="0">
@@ -10469,104 +10490,6 @@
               <a:t>22</a:t>
             </a:fld>
             <a:endParaRPr kumimoji="1" lang="zh-TW" altLang="en-US" dirty="0"/>
-          </a:p>
-        </p:txBody>
-      </p:sp>
-      <p:sp>
-        <p:nvSpPr>
-          <p:cNvPr id="6" name="文字方塊 5">
-            <a:extLst>
-              <a:ext uri="{FF2B5EF4-FFF2-40B4-BE49-F238E27FC236}">
-                <a16:creationId xmlns:a16="http://schemas.microsoft.com/office/drawing/2014/main" id="{7D94E14C-36FB-B04C-B208-1F65084F5707}"/>
-              </a:ext>
-            </a:extLst>
-          </p:cNvPr>
-          <p:cNvSpPr txBox="1"/>
-          <p:nvPr/>
-        </p:nvSpPr>
-        <p:spPr>
-          <a:xfrm>
-            <a:off x="6243119" y="120951"/>
-            <a:ext cx="2646879" cy="338554"/>
-          </a:xfrm>
-          <a:prstGeom prst="rect">
-            <a:avLst/>
-          </a:prstGeom>
-          <a:noFill/>
-        </p:spPr>
-        <p:txBody>
-          <a:bodyPr wrap="none" rtlCol="0">
-            <a:spAutoFit/>
-          </a:bodyPr>
-          <a:lstStyle/>
-          <a:p>
-            <a:pPr algn="r"/>
-            <a:r>
-              <a:rPr lang="zh-CN" altLang="en-US" sz="1600" dirty="0">
-                <a:solidFill>
-                  <a:schemeClr val="tx1">
-                    <a:lumMod val="65000"/>
-                    <a:lumOff val="35000"/>
-                  </a:schemeClr>
-                </a:solidFill>
-                <a:latin typeface="Microsoft JhengHei" panose="020B0604030504040204" pitchFamily="34" charset="-120"/>
-                <a:ea typeface="Microsoft JhengHei" panose="020B0604030504040204" pitchFamily="34" charset="-120"/>
-              </a:rPr>
-              <a:t>爬蟲</a:t>
-            </a:r>
-            <a:r>
-              <a:rPr kumimoji="1" lang="zh-CN" altLang="en-US" sz="1600" dirty="0">
-                <a:solidFill>
-                  <a:schemeClr val="tx1">
-                    <a:lumMod val="65000"/>
-                    <a:lumOff val="35000"/>
-                  </a:schemeClr>
-                </a:solidFill>
-                <a:latin typeface="微軟正黑體" pitchFamily="34" charset="-120"/>
-                <a:ea typeface="微軟正黑體" pitchFamily="34" charset="-120"/>
-                <a:cs typeface="BiauKai"/>
-              </a:rPr>
-              <a:t>｜</a:t>
-            </a:r>
-            <a:r>
-              <a:rPr lang="zh-CN" altLang="en-US" sz="1600" dirty="0">
-                <a:solidFill>
-                  <a:schemeClr val="tx1">
-                    <a:lumMod val="65000"/>
-                    <a:lumOff val="35000"/>
-                  </a:schemeClr>
-                </a:solidFill>
-                <a:latin typeface="Microsoft JhengHei" panose="020B0604030504040204" pitchFamily="34" charset="-120"/>
-                <a:ea typeface="Microsoft JhengHei" panose="020B0604030504040204" pitchFamily="34" charset="-120"/>
-              </a:rPr>
-              <a:t>切詞</a:t>
-            </a:r>
-            <a:r>
-              <a:rPr kumimoji="1" lang="zh-CN" altLang="en-US" sz="1600" dirty="0">
-                <a:solidFill>
-                  <a:schemeClr val="tx1">
-                    <a:lumMod val="65000"/>
-                    <a:lumOff val="35000"/>
-                  </a:schemeClr>
-                </a:solidFill>
-                <a:latin typeface="微軟正黑體" pitchFamily="34" charset="-120"/>
-                <a:ea typeface="微軟正黑體" pitchFamily="34" charset="-120"/>
-                <a:cs typeface="BiauKai"/>
-              </a:rPr>
-              <a:t>｜</a:t>
-            </a:r>
-            <a:r>
-              <a:rPr lang="zh-CN" altLang="en-US" sz="1600" b="1" dirty="0">
-                <a:latin typeface="Microsoft JhengHei" panose="020B0604030504040204" pitchFamily="34" charset="-120"/>
-                <a:ea typeface="Microsoft JhengHei" panose="020B0604030504040204" pitchFamily="34" charset="-120"/>
-              </a:rPr>
-              <a:t>新聞評分模型</a:t>
-            </a:r>
-            <a:endParaRPr kumimoji="1" lang="zh-TW" altLang="en-US" sz="1600" b="1" dirty="0">
-              <a:latin typeface="微軟正黑體" pitchFamily="34" charset="-120"/>
-              <a:ea typeface="微軟正黑體" pitchFamily="34" charset="-120"/>
-              <a:cs typeface="BiauKai"/>
-            </a:endParaRPr>
           </a:p>
         </p:txBody>
       </p:sp>
@@ -10927,6 +10850,118 @@
           </a:graphicData>
         </a:graphic>
       </p:graphicFrame>
+      <p:sp>
+        <p:nvSpPr>
+          <p:cNvPr id="10" name="文字方塊 9">
+            <a:extLst>
+              <a:ext uri="{FF2B5EF4-FFF2-40B4-BE49-F238E27FC236}">
+                <a16:creationId xmlns:a16="http://schemas.microsoft.com/office/drawing/2014/main" id="{06BE3452-6573-ED4E-894E-185E77407C62}"/>
+              </a:ext>
+            </a:extLst>
+          </p:cNvPr>
+          <p:cNvSpPr txBox="1"/>
+          <p:nvPr/>
+        </p:nvSpPr>
+        <p:spPr>
+          <a:xfrm>
+            <a:off x="6243120" y="120951"/>
+            <a:ext cx="2646878" cy="338554"/>
+          </a:xfrm>
+          <a:prstGeom prst="rect">
+            <a:avLst/>
+          </a:prstGeom>
+          <a:noFill/>
+        </p:spPr>
+        <p:txBody>
+          <a:bodyPr wrap="none" rtlCol="0">
+            <a:spAutoFit/>
+          </a:bodyPr>
+          <a:lstStyle/>
+          <a:p>
+            <a:pPr algn="r"/>
+            <a:r>
+              <a:rPr lang="zh-CN" altLang="en-US" sz="1600" dirty="0">
+                <a:solidFill>
+                  <a:schemeClr val="tx1">
+                    <a:lumMod val="65000"/>
+                    <a:lumOff val="35000"/>
+                  </a:schemeClr>
+                </a:solidFill>
+                <a:latin typeface="Microsoft JhengHei" panose="020B0604030504040204" pitchFamily="34" charset="-120"/>
+                <a:ea typeface="Microsoft JhengHei" panose="020B0604030504040204" pitchFamily="34" charset="-120"/>
+              </a:rPr>
+              <a:t>爬蟲</a:t>
+            </a:r>
+            <a:r>
+              <a:rPr kumimoji="1" lang="zh-CN" altLang="en-US" sz="1600" dirty="0">
+                <a:solidFill>
+                  <a:schemeClr val="tx1">
+                    <a:lumMod val="65000"/>
+                    <a:lumOff val="35000"/>
+                  </a:schemeClr>
+                </a:solidFill>
+                <a:latin typeface="微軟正黑體" pitchFamily="34" charset="-120"/>
+                <a:ea typeface="微軟正黑體" pitchFamily="34" charset="-120"/>
+                <a:cs typeface="BiauKai"/>
+              </a:rPr>
+              <a:t>｜</a:t>
+            </a:r>
+            <a:r>
+              <a:rPr kumimoji="1" lang="zh-CN" altLang="en-US" sz="1600" dirty="0">
+                <a:solidFill>
+                  <a:schemeClr val="tx1">
+                    <a:lumMod val="65000"/>
+                    <a:lumOff val="35000"/>
+                  </a:schemeClr>
+                </a:solidFill>
+                <a:latin typeface="Microsoft JhengHei" panose="020B0604030504040204" pitchFamily="34" charset="-120"/>
+                <a:ea typeface="Microsoft JhengHei" panose="020B0604030504040204" pitchFamily="34" charset="-120"/>
+                <a:cs typeface="BiauKai"/>
+              </a:rPr>
+              <a:t>斷</a:t>
+            </a:r>
+            <a:r>
+              <a:rPr lang="zh-CN" altLang="en-US" sz="1600" dirty="0">
+                <a:solidFill>
+                  <a:schemeClr val="tx1">
+                    <a:lumMod val="65000"/>
+                    <a:lumOff val="35000"/>
+                  </a:schemeClr>
+                </a:solidFill>
+                <a:latin typeface="Microsoft JhengHei" panose="020B0604030504040204" pitchFamily="34" charset="-120"/>
+                <a:ea typeface="Microsoft JhengHei" panose="020B0604030504040204" pitchFamily="34" charset="-120"/>
+              </a:rPr>
+              <a:t>詞</a:t>
+            </a:r>
+            <a:r>
+              <a:rPr kumimoji="1" lang="zh-CN" altLang="en-US" sz="1600" dirty="0">
+                <a:solidFill>
+                  <a:schemeClr val="tx1">
+                    <a:lumMod val="65000"/>
+                    <a:lumOff val="35000"/>
+                  </a:schemeClr>
+                </a:solidFill>
+                <a:latin typeface="微軟正黑體" pitchFamily="34" charset="-120"/>
+                <a:ea typeface="微軟正黑體" pitchFamily="34" charset="-120"/>
+                <a:cs typeface="BiauKai"/>
+              </a:rPr>
+              <a:t>｜</a:t>
+            </a:r>
+            <a:r>
+              <a:rPr lang="zh-CN" altLang="en-US" sz="1600" b="1" dirty="0">
+                <a:latin typeface="Microsoft JhengHei" panose="020B0604030504040204" pitchFamily="34" charset="-120"/>
+                <a:ea typeface="Microsoft JhengHei" panose="020B0604030504040204" pitchFamily="34" charset="-120"/>
+              </a:rPr>
+              <a:t>新聞評分模型</a:t>
+            </a:r>
+            <a:endParaRPr kumimoji="1" lang="zh-TW" altLang="en-US" sz="1600" b="1" dirty="0">
+              <a:latin typeface="微軟正黑體" pitchFamily="34" charset="-120"/>
+              <a:ea typeface="微軟正黑體" pitchFamily="34" charset="-120"/>
+              <a:cs typeface="BiauKai"/>
+            </a:endParaRPr>
+          </a:p>
+        </p:txBody>
+      </p:sp>
     </p:spTree>
     <p:extLst>
       <p:ext uri="{BB962C8B-B14F-4D97-AF65-F5344CB8AC3E}">
@@ -11014,104 +11049,6 @@
               <a:t>23</a:t>
             </a:fld>
             <a:endParaRPr kumimoji="1" lang="zh-TW" altLang="en-US" dirty="0"/>
-          </a:p>
-        </p:txBody>
-      </p:sp>
-      <p:sp>
-        <p:nvSpPr>
-          <p:cNvPr id="6" name="文字方塊 5">
-            <a:extLst>
-              <a:ext uri="{FF2B5EF4-FFF2-40B4-BE49-F238E27FC236}">
-                <a16:creationId xmlns:a16="http://schemas.microsoft.com/office/drawing/2014/main" id="{7D94E14C-36FB-B04C-B208-1F65084F5707}"/>
-              </a:ext>
-            </a:extLst>
-          </p:cNvPr>
-          <p:cNvSpPr txBox="1"/>
-          <p:nvPr/>
-        </p:nvSpPr>
-        <p:spPr>
-          <a:xfrm>
-            <a:off x="6243119" y="120951"/>
-            <a:ext cx="2646879" cy="338554"/>
-          </a:xfrm>
-          <a:prstGeom prst="rect">
-            <a:avLst/>
-          </a:prstGeom>
-          <a:noFill/>
-        </p:spPr>
-        <p:txBody>
-          <a:bodyPr wrap="none" rtlCol="0">
-            <a:spAutoFit/>
-          </a:bodyPr>
-          <a:lstStyle/>
-          <a:p>
-            <a:pPr algn="r"/>
-            <a:r>
-              <a:rPr lang="zh-CN" altLang="en-US" sz="1600" dirty="0">
-                <a:solidFill>
-                  <a:schemeClr val="tx1">
-                    <a:lumMod val="65000"/>
-                    <a:lumOff val="35000"/>
-                  </a:schemeClr>
-                </a:solidFill>
-                <a:latin typeface="Microsoft JhengHei" panose="020B0604030504040204" pitchFamily="34" charset="-120"/>
-                <a:ea typeface="Microsoft JhengHei" panose="020B0604030504040204" pitchFamily="34" charset="-120"/>
-              </a:rPr>
-              <a:t>爬蟲</a:t>
-            </a:r>
-            <a:r>
-              <a:rPr kumimoji="1" lang="zh-CN" altLang="en-US" sz="1600" dirty="0">
-                <a:solidFill>
-                  <a:schemeClr val="tx1">
-                    <a:lumMod val="65000"/>
-                    <a:lumOff val="35000"/>
-                  </a:schemeClr>
-                </a:solidFill>
-                <a:latin typeface="微軟正黑體" pitchFamily="34" charset="-120"/>
-                <a:ea typeface="微軟正黑體" pitchFamily="34" charset="-120"/>
-                <a:cs typeface="BiauKai"/>
-              </a:rPr>
-              <a:t>｜</a:t>
-            </a:r>
-            <a:r>
-              <a:rPr lang="zh-CN" altLang="en-US" sz="1600" dirty="0">
-                <a:solidFill>
-                  <a:schemeClr val="tx1">
-                    <a:lumMod val="65000"/>
-                    <a:lumOff val="35000"/>
-                  </a:schemeClr>
-                </a:solidFill>
-                <a:latin typeface="Microsoft JhengHei" panose="020B0604030504040204" pitchFamily="34" charset="-120"/>
-                <a:ea typeface="Microsoft JhengHei" panose="020B0604030504040204" pitchFamily="34" charset="-120"/>
-              </a:rPr>
-              <a:t>切詞</a:t>
-            </a:r>
-            <a:r>
-              <a:rPr kumimoji="1" lang="zh-CN" altLang="en-US" sz="1600" dirty="0">
-                <a:solidFill>
-                  <a:schemeClr val="tx1">
-                    <a:lumMod val="65000"/>
-                    <a:lumOff val="35000"/>
-                  </a:schemeClr>
-                </a:solidFill>
-                <a:latin typeface="微軟正黑體" pitchFamily="34" charset="-120"/>
-                <a:ea typeface="微軟正黑體" pitchFamily="34" charset="-120"/>
-                <a:cs typeface="BiauKai"/>
-              </a:rPr>
-              <a:t>｜</a:t>
-            </a:r>
-            <a:r>
-              <a:rPr lang="zh-CN" altLang="en-US" sz="1600" b="1" dirty="0">
-                <a:latin typeface="Microsoft JhengHei" panose="020B0604030504040204" pitchFamily="34" charset="-120"/>
-                <a:ea typeface="Microsoft JhengHei" panose="020B0604030504040204" pitchFamily="34" charset="-120"/>
-              </a:rPr>
-              <a:t>新聞評分模型</a:t>
-            </a:r>
-            <a:endParaRPr kumimoji="1" lang="zh-TW" altLang="en-US" sz="1600" b="1" dirty="0">
-              <a:latin typeface="微軟正黑體" pitchFamily="34" charset="-120"/>
-              <a:ea typeface="微軟正黑體" pitchFamily="34" charset="-120"/>
-              <a:cs typeface="BiauKai"/>
-            </a:endParaRPr>
           </a:p>
         </p:txBody>
       </p:sp>
@@ -12598,6 +12535,118 @@
           </a:p>
         </p:txBody>
       </p:sp>
+      <p:sp>
+        <p:nvSpPr>
+          <p:cNvPr id="11" name="文字方塊 10">
+            <a:extLst>
+              <a:ext uri="{FF2B5EF4-FFF2-40B4-BE49-F238E27FC236}">
+                <a16:creationId xmlns:a16="http://schemas.microsoft.com/office/drawing/2014/main" id="{C23CDCF2-B0CA-3E44-8838-71E942FE42B3}"/>
+              </a:ext>
+            </a:extLst>
+          </p:cNvPr>
+          <p:cNvSpPr txBox="1"/>
+          <p:nvPr/>
+        </p:nvSpPr>
+        <p:spPr>
+          <a:xfrm>
+            <a:off x="6243120" y="120951"/>
+            <a:ext cx="2646878" cy="338554"/>
+          </a:xfrm>
+          <a:prstGeom prst="rect">
+            <a:avLst/>
+          </a:prstGeom>
+          <a:noFill/>
+        </p:spPr>
+        <p:txBody>
+          <a:bodyPr wrap="none" rtlCol="0">
+            <a:spAutoFit/>
+          </a:bodyPr>
+          <a:lstStyle/>
+          <a:p>
+            <a:pPr algn="r"/>
+            <a:r>
+              <a:rPr lang="zh-CN" altLang="en-US" sz="1600" dirty="0">
+                <a:solidFill>
+                  <a:schemeClr val="tx1">
+                    <a:lumMod val="65000"/>
+                    <a:lumOff val="35000"/>
+                  </a:schemeClr>
+                </a:solidFill>
+                <a:latin typeface="Microsoft JhengHei" panose="020B0604030504040204" pitchFamily="34" charset="-120"/>
+                <a:ea typeface="Microsoft JhengHei" panose="020B0604030504040204" pitchFamily="34" charset="-120"/>
+              </a:rPr>
+              <a:t>爬蟲</a:t>
+            </a:r>
+            <a:r>
+              <a:rPr kumimoji="1" lang="zh-CN" altLang="en-US" sz="1600" dirty="0">
+                <a:solidFill>
+                  <a:schemeClr val="tx1">
+                    <a:lumMod val="65000"/>
+                    <a:lumOff val="35000"/>
+                  </a:schemeClr>
+                </a:solidFill>
+                <a:latin typeface="微軟正黑體" pitchFamily="34" charset="-120"/>
+                <a:ea typeface="微軟正黑體" pitchFamily="34" charset="-120"/>
+                <a:cs typeface="BiauKai"/>
+              </a:rPr>
+              <a:t>｜</a:t>
+            </a:r>
+            <a:r>
+              <a:rPr kumimoji="1" lang="zh-CN" altLang="en-US" sz="1600" dirty="0">
+                <a:solidFill>
+                  <a:schemeClr val="tx1">
+                    <a:lumMod val="65000"/>
+                    <a:lumOff val="35000"/>
+                  </a:schemeClr>
+                </a:solidFill>
+                <a:latin typeface="Microsoft JhengHei" panose="020B0604030504040204" pitchFamily="34" charset="-120"/>
+                <a:ea typeface="Microsoft JhengHei" panose="020B0604030504040204" pitchFamily="34" charset="-120"/>
+                <a:cs typeface="BiauKai"/>
+              </a:rPr>
+              <a:t>斷</a:t>
+            </a:r>
+            <a:r>
+              <a:rPr lang="zh-CN" altLang="en-US" sz="1600" dirty="0">
+                <a:solidFill>
+                  <a:schemeClr val="tx1">
+                    <a:lumMod val="65000"/>
+                    <a:lumOff val="35000"/>
+                  </a:schemeClr>
+                </a:solidFill>
+                <a:latin typeface="Microsoft JhengHei" panose="020B0604030504040204" pitchFamily="34" charset="-120"/>
+                <a:ea typeface="Microsoft JhengHei" panose="020B0604030504040204" pitchFamily="34" charset="-120"/>
+              </a:rPr>
+              <a:t>詞</a:t>
+            </a:r>
+            <a:r>
+              <a:rPr kumimoji="1" lang="zh-CN" altLang="en-US" sz="1600" dirty="0">
+                <a:solidFill>
+                  <a:schemeClr val="tx1">
+                    <a:lumMod val="65000"/>
+                    <a:lumOff val="35000"/>
+                  </a:schemeClr>
+                </a:solidFill>
+                <a:latin typeface="微軟正黑體" pitchFamily="34" charset="-120"/>
+                <a:ea typeface="微軟正黑體" pitchFamily="34" charset="-120"/>
+                <a:cs typeface="BiauKai"/>
+              </a:rPr>
+              <a:t>｜</a:t>
+            </a:r>
+            <a:r>
+              <a:rPr lang="zh-CN" altLang="en-US" sz="1600" b="1" dirty="0">
+                <a:latin typeface="Microsoft JhengHei" panose="020B0604030504040204" pitchFamily="34" charset="-120"/>
+                <a:ea typeface="Microsoft JhengHei" panose="020B0604030504040204" pitchFamily="34" charset="-120"/>
+              </a:rPr>
+              <a:t>新聞評分模型</a:t>
+            </a:r>
+            <a:endParaRPr kumimoji="1" lang="zh-TW" altLang="en-US" sz="1600" b="1" dirty="0">
+              <a:latin typeface="微軟正黑體" pitchFamily="34" charset="-120"/>
+              <a:ea typeface="微軟正黑體" pitchFamily="34" charset="-120"/>
+              <a:cs typeface="BiauKai"/>
+            </a:endParaRPr>
+          </a:p>
+        </p:txBody>
+      </p:sp>
     </p:spTree>
     <p:extLst>
       <p:ext uri="{BB962C8B-B14F-4D97-AF65-F5344CB8AC3E}">
@@ -12630,10 +12679,70 @@
       </p:grpSpPr>
       <p:sp>
         <p:nvSpPr>
-          <p:cNvPr id="2" name="標題 1">
-            <a:extLst>
-              <a:ext uri="{FF2B5EF4-FFF2-40B4-BE49-F238E27FC236}">
-                <a16:creationId xmlns:a16="http://schemas.microsoft.com/office/drawing/2014/main" id="{21D46EF1-12EA-C94F-9F03-C7FE589E8C7A}"/>
+          <p:cNvPr id="4" name="日期版面配置區 3">
+            <a:extLst>
+              <a:ext uri="{FF2B5EF4-FFF2-40B4-BE49-F238E27FC236}">
+                <a16:creationId xmlns:a16="http://schemas.microsoft.com/office/drawing/2014/main" id="{5DF78ADF-D50A-EB4E-93CB-803150C60548}"/>
+              </a:ext>
+            </a:extLst>
+          </p:cNvPr>
+          <p:cNvSpPr>
+            <a:spLocks noGrp="1"/>
+          </p:cNvSpPr>
+          <p:nvPr>
+            <p:ph type="dt" sz="half" idx="10"/>
+          </p:nvPr>
+        </p:nvSpPr>
+        <p:spPr/>
+        <p:txBody>
+          <a:bodyPr/>
+          <a:lstStyle/>
+          <a:p>
+            <a:fld id="{868F4FC5-FE50-A64D-A7E3-22233A0C6925}" type="datetime1">
+              <a:rPr kumimoji="1" lang="zh-TW" altLang="en-US" smtClean="0"/>
+              <a:pPr/>
+              <a:t>2020/6/18</a:t>
+            </a:fld>
+            <a:endParaRPr kumimoji="1" lang="zh-TW" altLang="en-US" dirty="0"/>
+          </a:p>
+        </p:txBody>
+      </p:sp>
+      <p:sp>
+        <p:nvSpPr>
+          <p:cNvPr id="5" name="投影片編號版面配置區 4">
+            <a:extLst>
+              <a:ext uri="{FF2B5EF4-FFF2-40B4-BE49-F238E27FC236}">
+                <a16:creationId xmlns:a16="http://schemas.microsoft.com/office/drawing/2014/main" id="{7667E2AC-E629-A64F-A5F3-715BF86535A3}"/>
+              </a:ext>
+            </a:extLst>
+          </p:cNvPr>
+          <p:cNvSpPr>
+            <a:spLocks noGrp="1"/>
+          </p:cNvSpPr>
+          <p:nvPr>
+            <p:ph type="sldNum" sz="quarter" idx="12"/>
+          </p:nvPr>
+        </p:nvSpPr>
+        <p:spPr/>
+        <p:txBody>
+          <a:bodyPr/>
+          <a:lstStyle/>
+          <a:p>
+            <a:fld id="{80929F01-733D-5847-83A7-C9CEA74310DB}" type="slidenum">
+              <a:rPr kumimoji="1" lang="zh-TW" altLang="en-US" smtClean="0"/>
+              <a:pPr/>
+              <a:t>24</a:t>
+            </a:fld>
+            <a:endParaRPr kumimoji="1" lang="zh-TW" altLang="en-US" dirty="0"/>
+          </a:p>
+        </p:txBody>
+      </p:sp>
+      <p:sp>
+        <p:nvSpPr>
+          <p:cNvPr id="6" name="標題 1">
+            <a:extLst>
+              <a:ext uri="{FF2B5EF4-FFF2-40B4-BE49-F238E27FC236}">
+                <a16:creationId xmlns:a16="http://schemas.microsoft.com/office/drawing/2014/main" id="{471B296A-350D-1B47-BD72-0D44067AE002}"/>
               </a:ext>
             </a:extLst>
           </p:cNvPr>
@@ -12669,39 +12778,10 @@
       </p:sp>
       <p:sp>
         <p:nvSpPr>
-          <p:cNvPr id="4" name="日期版面配置區 3">
-            <a:extLst>
-              <a:ext uri="{FF2B5EF4-FFF2-40B4-BE49-F238E27FC236}">
-                <a16:creationId xmlns:a16="http://schemas.microsoft.com/office/drawing/2014/main" id="{190A1806-A5E7-ED48-84B7-A10F862FB7D3}"/>
-              </a:ext>
-            </a:extLst>
-          </p:cNvPr>
-          <p:cNvSpPr>
-            <a:spLocks noGrp="1"/>
-          </p:cNvSpPr>
-          <p:nvPr>
-            <p:ph type="dt" sz="half" idx="10"/>
-          </p:nvPr>
-        </p:nvSpPr>
-        <p:spPr/>
-        <p:txBody>
-          <a:bodyPr/>
-          <a:lstStyle/>
-          <a:p>
-            <a:fld id="{868F4FC5-FE50-A64D-A7E3-22233A0C6925}" type="datetime1">
-              <a:rPr kumimoji="1" lang="zh-TW" altLang="en-US" smtClean="0"/>
-              <a:t>2020/6/18</a:t>
-            </a:fld>
-            <a:endParaRPr kumimoji="1" lang="zh-TW" altLang="en-US" dirty="0"/>
-          </a:p>
-        </p:txBody>
-      </p:sp>
-      <p:sp>
-        <p:nvSpPr>
-          <p:cNvPr id="24" name="矩形: 圓角 23">
-            <a:extLst>
-              <a:ext uri="{FF2B5EF4-FFF2-40B4-BE49-F238E27FC236}">
-                <a16:creationId xmlns:a16="http://schemas.microsoft.com/office/drawing/2014/main" id="{105DE2BE-12CE-4556-B7E4-0D71A8C80543}"/>
+          <p:cNvPr id="7" name="矩形: 圓角 23">
+            <a:extLst>
+              <a:ext uri="{FF2B5EF4-FFF2-40B4-BE49-F238E27FC236}">
+                <a16:creationId xmlns:a16="http://schemas.microsoft.com/office/drawing/2014/main" id="{E7E76540-62A1-3C44-8309-6EBD8842B540}"/>
               </a:ext>
             </a:extLst>
           </p:cNvPr>
@@ -12752,10 +12832,10 @@
       </p:sp>
       <p:sp>
         <p:nvSpPr>
-          <p:cNvPr id="25" name="矩形 24">
-            <a:extLst>
-              <a:ext uri="{FF2B5EF4-FFF2-40B4-BE49-F238E27FC236}">
-                <a16:creationId xmlns:a16="http://schemas.microsoft.com/office/drawing/2014/main" id="{1338A67D-284A-439F-BD6E-1A5ED7295320}"/>
+          <p:cNvPr id="8" name="矩形 7">
+            <a:extLst>
+              <a:ext uri="{FF2B5EF4-FFF2-40B4-BE49-F238E27FC236}">
+                <a16:creationId xmlns:a16="http://schemas.microsoft.com/office/drawing/2014/main" id="{67AFB028-EDC5-EF40-BFCE-466951431CAA}"/>
               </a:ext>
             </a:extLst>
           </p:cNvPr>
@@ -12800,10 +12880,10 @@
       </p:sp>
       <p:cxnSp>
         <p:nvCxnSpPr>
-          <p:cNvPr id="26" name="直線接點 25">
-            <a:extLst>
-              <a:ext uri="{FF2B5EF4-FFF2-40B4-BE49-F238E27FC236}">
-                <a16:creationId xmlns:a16="http://schemas.microsoft.com/office/drawing/2014/main" id="{8E2AD147-2599-4402-B403-CFD9ABA7BAD5}"/>
+          <p:cNvPr id="9" name="直線接點 8">
+            <a:extLst>
+              <a:ext uri="{FF2B5EF4-FFF2-40B4-BE49-F238E27FC236}">
+                <a16:creationId xmlns:a16="http://schemas.microsoft.com/office/drawing/2014/main" id="{83E6515C-3B0F-AE48-B6AB-B875DF879558}"/>
               </a:ext>
             </a:extLst>
           </p:cNvPr>
@@ -12843,10 +12923,10 @@
       </p:cxnSp>
       <p:pic>
         <p:nvPicPr>
-          <p:cNvPr id="29" name="圖形 28">
-            <a:extLst>
-              <a:ext uri="{FF2B5EF4-FFF2-40B4-BE49-F238E27FC236}">
-                <a16:creationId xmlns:a16="http://schemas.microsoft.com/office/drawing/2014/main" id="{85496D95-866A-4EAA-8EE7-9D3FE032810E}"/>
+          <p:cNvPr id="10" name="圖形 9">
+            <a:extLst>
+              <a:ext uri="{FF2B5EF4-FFF2-40B4-BE49-F238E27FC236}">
+                <a16:creationId xmlns:a16="http://schemas.microsoft.com/office/drawing/2014/main" id="{C9775AD1-4D76-CE47-8648-D30F6C99D886}"/>
               </a:ext>
             </a:extLst>
           </p:cNvPr>
@@ -12879,10 +12959,10 @@
       </p:pic>
       <p:sp>
         <p:nvSpPr>
-          <p:cNvPr id="5" name="文字方塊 4">
-            <a:extLst>
-              <a:ext uri="{FF2B5EF4-FFF2-40B4-BE49-F238E27FC236}">
-                <a16:creationId xmlns:a16="http://schemas.microsoft.com/office/drawing/2014/main" id="{3A6747EB-FAA8-41FB-BB7B-F740201EFB42}"/>
+          <p:cNvPr id="11" name="文字方塊 10">
+            <a:extLst>
+              <a:ext uri="{FF2B5EF4-FFF2-40B4-BE49-F238E27FC236}">
+                <a16:creationId xmlns:a16="http://schemas.microsoft.com/office/drawing/2014/main" id="{3BA1AFF8-846C-3241-BE40-47165F88A6B5}"/>
               </a:ext>
             </a:extLst>
           </p:cNvPr>
@@ -12935,10 +13015,10 @@
       </p:sp>
       <p:sp>
         <p:nvSpPr>
-          <p:cNvPr id="6" name="矩形: 圓角 5">
-            <a:extLst>
-              <a:ext uri="{FF2B5EF4-FFF2-40B4-BE49-F238E27FC236}">
-                <a16:creationId xmlns:a16="http://schemas.microsoft.com/office/drawing/2014/main" id="{308FDCA9-68B7-4AE6-A7CE-B4BC16667D19}"/>
+          <p:cNvPr id="12" name="矩形: 圓角 5">
+            <a:extLst>
+              <a:ext uri="{FF2B5EF4-FFF2-40B4-BE49-F238E27FC236}">
+                <a16:creationId xmlns:a16="http://schemas.microsoft.com/office/drawing/2014/main" id="{6B1FFFEC-DF7A-8440-BDB3-7AE26A9FAE1E}"/>
               </a:ext>
             </a:extLst>
           </p:cNvPr>
@@ -13071,10 +13151,10 @@
       </p:sp>
       <p:sp>
         <p:nvSpPr>
-          <p:cNvPr id="27" name="矩形: 圓角 26">
-            <a:extLst>
-              <a:ext uri="{FF2B5EF4-FFF2-40B4-BE49-F238E27FC236}">
-                <a16:creationId xmlns:a16="http://schemas.microsoft.com/office/drawing/2014/main" id="{1430B771-801B-4953-8332-2149A4F4916C}"/>
+          <p:cNvPr id="13" name="矩形: 圓角 26">
+            <a:extLst>
+              <a:ext uri="{FF2B5EF4-FFF2-40B4-BE49-F238E27FC236}">
+                <a16:creationId xmlns:a16="http://schemas.microsoft.com/office/drawing/2014/main" id="{1EF6CA6A-8078-034C-A42D-104736DC5966}"/>
               </a:ext>
             </a:extLst>
           </p:cNvPr>
@@ -13200,10 +13280,10 @@
       </p:sp>
       <p:sp>
         <p:nvSpPr>
-          <p:cNvPr id="28" name="矩形: 圓角 27">
-            <a:extLst>
-              <a:ext uri="{FF2B5EF4-FFF2-40B4-BE49-F238E27FC236}">
-                <a16:creationId xmlns:a16="http://schemas.microsoft.com/office/drawing/2014/main" id="{FE3936CF-96BF-4305-A4D5-80D62AD5EB62}"/>
+          <p:cNvPr id="14" name="矩形: 圓角 27">
+            <a:extLst>
+              <a:ext uri="{FF2B5EF4-FFF2-40B4-BE49-F238E27FC236}">
+                <a16:creationId xmlns:a16="http://schemas.microsoft.com/office/drawing/2014/main" id="{3A6230EF-2CB9-2B4F-AFCC-BF3008BF4739}"/>
               </a:ext>
             </a:extLst>
           </p:cNvPr>
@@ -13371,10 +13451,10 @@
       </p:sp>
       <p:sp>
         <p:nvSpPr>
-          <p:cNvPr id="33" name="矩形: 圓角 32">
-            <a:extLst>
-              <a:ext uri="{FF2B5EF4-FFF2-40B4-BE49-F238E27FC236}">
-                <a16:creationId xmlns:a16="http://schemas.microsoft.com/office/drawing/2014/main" id="{C807654C-D28E-496B-ACC5-7025958A1B89}"/>
+          <p:cNvPr id="15" name="矩形: 圓角 32">
+            <a:extLst>
+              <a:ext uri="{FF2B5EF4-FFF2-40B4-BE49-F238E27FC236}">
+                <a16:creationId xmlns:a16="http://schemas.microsoft.com/office/drawing/2014/main" id="{01A9B9DA-86CA-F040-9F9B-9412F634A0DC}"/>
               </a:ext>
             </a:extLst>
           </p:cNvPr>
@@ -13500,10 +13580,10 @@
       </p:sp>
       <p:sp>
         <p:nvSpPr>
-          <p:cNvPr id="34" name="矩形: 圓角 33">
-            <a:extLst>
-              <a:ext uri="{FF2B5EF4-FFF2-40B4-BE49-F238E27FC236}">
-                <a16:creationId xmlns:a16="http://schemas.microsoft.com/office/drawing/2014/main" id="{57571BAD-59FA-4DB6-A791-0A0D053D9D1A}"/>
+          <p:cNvPr id="16" name="矩形: 圓角 33">
+            <a:extLst>
+              <a:ext uri="{FF2B5EF4-FFF2-40B4-BE49-F238E27FC236}">
+                <a16:creationId xmlns:a16="http://schemas.microsoft.com/office/drawing/2014/main" id="{25109590-8693-3F4D-AB22-C6D3F157054F}"/>
               </a:ext>
             </a:extLst>
           </p:cNvPr>
@@ -13641,10 +13721,122 @@
           </a:p>
         </p:txBody>
       </p:sp>
+      <p:sp>
+        <p:nvSpPr>
+          <p:cNvPr id="17" name="文字方塊 16">
+            <a:extLst>
+              <a:ext uri="{FF2B5EF4-FFF2-40B4-BE49-F238E27FC236}">
+                <a16:creationId xmlns:a16="http://schemas.microsoft.com/office/drawing/2014/main" id="{1F67B3FA-438A-8644-9D1A-C813888411BD}"/>
+              </a:ext>
+            </a:extLst>
+          </p:cNvPr>
+          <p:cNvSpPr txBox="1"/>
+          <p:nvPr/>
+        </p:nvSpPr>
+        <p:spPr>
+          <a:xfrm>
+            <a:off x="6243120" y="120951"/>
+            <a:ext cx="2646878" cy="338554"/>
+          </a:xfrm>
+          <a:prstGeom prst="rect">
+            <a:avLst/>
+          </a:prstGeom>
+          <a:noFill/>
+        </p:spPr>
+        <p:txBody>
+          <a:bodyPr wrap="none" rtlCol="0">
+            <a:spAutoFit/>
+          </a:bodyPr>
+          <a:lstStyle/>
+          <a:p>
+            <a:pPr algn="r"/>
+            <a:r>
+              <a:rPr lang="zh-CN" altLang="en-US" sz="1600" dirty="0">
+                <a:solidFill>
+                  <a:schemeClr val="tx1">
+                    <a:lumMod val="65000"/>
+                    <a:lumOff val="35000"/>
+                  </a:schemeClr>
+                </a:solidFill>
+                <a:latin typeface="Microsoft JhengHei" panose="020B0604030504040204" pitchFamily="34" charset="-120"/>
+                <a:ea typeface="Microsoft JhengHei" panose="020B0604030504040204" pitchFamily="34" charset="-120"/>
+              </a:rPr>
+              <a:t>爬蟲</a:t>
+            </a:r>
+            <a:r>
+              <a:rPr kumimoji="1" lang="zh-CN" altLang="en-US" sz="1600" dirty="0">
+                <a:solidFill>
+                  <a:schemeClr val="tx1">
+                    <a:lumMod val="65000"/>
+                    <a:lumOff val="35000"/>
+                  </a:schemeClr>
+                </a:solidFill>
+                <a:latin typeface="微軟正黑體" pitchFamily="34" charset="-120"/>
+                <a:ea typeface="微軟正黑體" pitchFamily="34" charset="-120"/>
+                <a:cs typeface="BiauKai"/>
+              </a:rPr>
+              <a:t>｜</a:t>
+            </a:r>
+            <a:r>
+              <a:rPr kumimoji="1" lang="zh-CN" altLang="en-US" sz="1600" dirty="0">
+                <a:solidFill>
+                  <a:schemeClr val="tx1">
+                    <a:lumMod val="65000"/>
+                    <a:lumOff val="35000"/>
+                  </a:schemeClr>
+                </a:solidFill>
+                <a:latin typeface="Microsoft JhengHei" panose="020B0604030504040204" pitchFamily="34" charset="-120"/>
+                <a:ea typeface="Microsoft JhengHei" panose="020B0604030504040204" pitchFamily="34" charset="-120"/>
+                <a:cs typeface="BiauKai"/>
+              </a:rPr>
+              <a:t>斷</a:t>
+            </a:r>
+            <a:r>
+              <a:rPr lang="zh-CN" altLang="en-US" sz="1600" dirty="0">
+                <a:solidFill>
+                  <a:schemeClr val="tx1">
+                    <a:lumMod val="65000"/>
+                    <a:lumOff val="35000"/>
+                  </a:schemeClr>
+                </a:solidFill>
+                <a:latin typeface="Microsoft JhengHei" panose="020B0604030504040204" pitchFamily="34" charset="-120"/>
+                <a:ea typeface="Microsoft JhengHei" panose="020B0604030504040204" pitchFamily="34" charset="-120"/>
+              </a:rPr>
+              <a:t>詞</a:t>
+            </a:r>
+            <a:r>
+              <a:rPr kumimoji="1" lang="zh-CN" altLang="en-US" sz="1600" dirty="0">
+                <a:solidFill>
+                  <a:schemeClr val="tx1">
+                    <a:lumMod val="65000"/>
+                    <a:lumOff val="35000"/>
+                  </a:schemeClr>
+                </a:solidFill>
+                <a:latin typeface="微軟正黑體" pitchFamily="34" charset="-120"/>
+                <a:ea typeface="微軟正黑體" pitchFamily="34" charset="-120"/>
+                <a:cs typeface="BiauKai"/>
+              </a:rPr>
+              <a:t>｜</a:t>
+            </a:r>
+            <a:r>
+              <a:rPr lang="zh-CN" altLang="en-US" sz="1600" b="1" dirty="0">
+                <a:latin typeface="Microsoft JhengHei" panose="020B0604030504040204" pitchFamily="34" charset="-120"/>
+                <a:ea typeface="Microsoft JhengHei" panose="020B0604030504040204" pitchFamily="34" charset="-120"/>
+              </a:rPr>
+              <a:t>新聞評分模型</a:t>
+            </a:r>
+            <a:endParaRPr kumimoji="1" lang="zh-TW" altLang="en-US" sz="1600" b="1" dirty="0">
+              <a:latin typeface="微軟正黑體" pitchFamily="34" charset="-120"/>
+              <a:ea typeface="微軟正黑體" pitchFamily="34" charset="-120"/>
+              <a:cs typeface="BiauKai"/>
+            </a:endParaRPr>
+          </a:p>
+        </p:txBody>
+      </p:sp>
     </p:spTree>
     <p:extLst>
       <p:ext uri="{BB962C8B-B14F-4D97-AF65-F5344CB8AC3E}">
-        <p14:creationId xmlns:p14="http://schemas.microsoft.com/office/powerpoint/2010/main" val="2488273786"/>
+        <p14:creationId xmlns:p14="http://schemas.microsoft.com/office/powerpoint/2010/main" val="1060029809"/>
       </p:ext>
     </p:extLst>
   </p:cSld>
@@ -13728,104 +13920,6 @@
               <a:t>25</a:t>
             </a:fld>
             <a:endParaRPr kumimoji="1" lang="zh-TW" altLang="en-US" dirty="0"/>
-          </a:p>
-        </p:txBody>
-      </p:sp>
-      <p:sp>
-        <p:nvSpPr>
-          <p:cNvPr id="6" name="文字方塊 5">
-            <a:extLst>
-              <a:ext uri="{FF2B5EF4-FFF2-40B4-BE49-F238E27FC236}">
-                <a16:creationId xmlns:a16="http://schemas.microsoft.com/office/drawing/2014/main" id="{EC00C08E-6F9A-174C-8591-83C779092830}"/>
-              </a:ext>
-            </a:extLst>
-          </p:cNvPr>
-          <p:cNvSpPr txBox="1"/>
-          <p:nvPr/>
-        </p:nvSpPr>
-        <p:spPr>
-          <a:xfrm>
-            <a:off x="6243119" y="120951"/>
-            <a:ext cx="2646879" cy="338554"/>
-          </a:xfrm>
-          <a:prstGeom prst="rect">
-            <a:avLst/>
-          </a:prstGeom>
-          <a:noFill/>
-        </p:spPr>
-        <p:txBody>
-          <a:bodyPr wrap="none" rtlCol="0">
-            <a:spAutoFit/>
-          </a:bodyPr>
-          <a:lstStyle/>
-          <a:p>
-            <a:pPr algn="r"/>
-            <a:r>
-              <a:rPr lang="zh-CN" altLang="en-US" sz="1600" dirty="0">
-                <a:solidFill>
-                  <a:schemeClr val="tx1">
-                    <a:lumMod val="65000"/>
-                    <a:lumOff val="35000"/>
-                  </a:schemeClr>
-                </a:solidFill>
-                <a:latin typeface="Microsoft JhengHei" panose="020B0604030504040204" pitchFamily="34" charset="-120"/>
-                <a:ea typeface="Microsoft JhengHei" panose="020B0604030504040204" pitchFamily="34" charset="-120"/>
-              </a:rPr>
-              <a:t>爬蟲</a:t>
-            </a:r>
-            <a:r>
-              <a:rPr kumimoji="1" lang="zh-CN" altLang="en-US" sz="1600" dirty="0">
-                <a:solidFill>
-                  <a:schemeClr val="tx1">
-                    <a:lumMod val="65000"/>
-                    <a:lumOff val="35000"/>
-                  </a:schemeClr>
-                </a:solidFill>
-                <a:latin typeface="微軟正黑體" pitchFamily="34" charset="-120"/>
-                <a:ea typeface="微軟正黑體" pitchFamily="34" charset="-120"/>
-                <a:cs typeface="BiauKai"/>
-              </a:rPr>
-              <a:t>｜</a:t>
-            </a:r>
-            <a:r>
-              <a:rPr lang="zh-CN" altLang="en-US" sz="1600" dirty="0">
-                <a:solidFill>
-                  <a:schemeClr val="tx1">
-                    <a:lumMod val="65000"/>
-                    <a:lumOff val="35000"/>
-                  </a:schemeClr>
-                </a:solidFill>
-                <a:latin typeface="Microsoft JhengHei" panose="020B0604030504040204" pitchFamily="34" charset="-120"/>
-                <a:ea typeface="Microsoft JhengHei" panose="020B0604030504040204" pitchFamily="34" charset="-120"/>
-              </a:rPr>
-              <a:t>切詞</a:t>
-            </a:r>
-            <a:r>
-              <a:rPr kumimoji="1" lang="zh-CN" altLang="en-US" sz="1600" dirty="0">
-                <a:solidFill>
-                  <a:schemeClr val="tx1">
-                    <a:lumMod val="65000"/>
-                    <a:lumOff val="35000"/>
-                  </a:schemeClr>
-                </a:solidFill>
-                <a:latin typeface="微軟正黑體" pitchFamily="34" charset="-120"/>
-                <a:ea typeface="微軟正黑體" pitchFamily="34" charset="-120"/>
-                <a:cs typeface="BiauKai"/>
-              </a:rPr>
-              <a:t>｜</a:t>
-            </a:r>
-            <a:r>
-              <a:rPr lang="zh-CN" altLang="en-US" sz="1600" b="1" dirty="0">
-                <a:latin typeface="Microsoft JhengHei" panose="020B0604030504040204" pitchFamily="34" charset="-120"/>
-                <a:ea typeface="Microsoft JhengHei" panose="020B0604030504040204" pitchFamily="34" charset="-120"/>
-              </a:rPr>
-              <a:t>新聞評分模型</a:t>
-            </a:r>
-            <a:endParaRPr kumimoji="1" lang="zh-TW" altLang="en-US" sz="1600" b="1" dirty="0">
-              <a:latin typeface="微軟正黑體" pitchFamily="34" charset="-120"/>
-              <a:ea typeface="微軟正黑體" pitchFamily="34" charset="-120"/>
-              <a:cs typeface="BiauKai"/>
-            </a:endParaRPr>
           </a:p>
         </p:txBody>
       </p:sp>
@@ -14458,6 +14552,118 @@
           </a:p>
         </p:txBody>
       </p:sp>
+      <p:sp>
+        <p:nvSpPr>
+          <p:cNvPr id="18" name="文字方塊 17">
+            <a:extLst>
+              <a:ext uri="{FF2B5EF4-FFF2-40B4-BE49-F238E27FC236}">
+                <a16:creationId xmlns:a16="http://schemas.microsoft.com/office/drawing/2014/main" id="{91F5306B-18A7-D447-AF75-71E64929113D}"/>
+              </a:ext>
+            </a:extLst>
+          </p:cNvPr>
+          <p:cNvSpPr txBox="1"/>
+          <p:nvPr/>
+        </p:nvSpPr>
+        <p:spPr>
+          <a:xfrm>
+            <a:off x="6243120" y="120951"/>
+            <a:ext cx="2646878" cy="338554"/>
+          </a:xfrm>
+          <a:prstGeom prst="rect">
+            <a:avLst/>
+          </a:prstGeom>
+          <a:noFill/>
+        </p:spPr>
+        <p:txBody>
+          <a:bodyPr wrap="none" rtlCol="0">
+            <a:spAutoFit/>
+          </a:bodyPr>
+          <a:lstStyle/>
+          <a:p>
+            <a:pPr algn="r"/>
+            <a:r>
+              <a:rPr lang="zh-CN" altLang="en-US" sz="1600" dirty="0">
+                <a:solidFill>
+                  <a:schemeClr val="tx1">
+                    <a:lumMod val="65000"/>
+                    <a:lumOff val="35000"/>
+                  </a:schemeClr>
+                </a:solidFill>
+                <a:latin typeface="Microsoft JhengHei" panose="020B0604030504040204" pitchFamily="34" charset="-120"/>
+                <a:ea typeface="Microsoft JhengHei" panose="020B0604030504040204" pitchFamily="34" charset="-120"/>
+              </a:rPr>
+              <a:t>爬蟲</a:t>
+            </a:r>
+            <a:r>
+              <a:rPr kumimoji="1" lang="zh-CN" altLang="en-US" sz="1600" dirty="0">
+                <a:solidFill>
+                  <a:schemeClr val="tx1">
+                    <a:lumMod val="65000"/>
+                    <a:lumOff val="35000"/>
+                  </a:schemeClr>
+                </a:solidFill>
+                <a:latin typeface="微軟正黑體" pitchFamily="34" charset="-120"/>
+                <a:ea typeface="微軟正黑體" pitchFamily="34" charset="-120"/>
+                <a:cs typeface="BiauKai"/>
+              </a:rPr>
+              <a:t>｜</a:t>
+            </a:r>
+            <a:r>
+              <a:rPr kumimoji="1" lang="zh-CN" altLang="en-US" sz="1600" dirty="0">
+                <a:solidFill>
+                  <a:schemeClr val="tx1">
+                    <a:lumMod val="65000"/>
+                    <a:lumOff val="35000"/>
+                  </a:schemeClr>
+                </a:solidFill>
+                <a:latin typeface="Microsoft JhengHei" panose="020B0604030504040204" pitchFamily="34" charset="-120"/>
+                <a:ea typeface="Microsoft JhengHei" panose="020B0604030504040204" pitchFamily="34" charset="-120"/>
+                <a:cs typeface="BiauKai"/>
+              </a:rPr>
+              <a:t>斷</a:t>
+            </a:r>
+            <a:r>
+              <a:rPr lang="zh-CN" altLang="en-US" sz="1600" dirty="0">
+                <a:solidFill>
+                  <a:schemeClr val="tx1">
+                    <a:lumMod val="65000"/>
+                    <a:lumOff val="35000"/>
+                  </a:schemeClr>
+                </a:solidFill>
+                <a:latin typeface="Microsoft JhengHei" panose="020B0604030504040204" pitchFamily="34" charset="-120"/>
+                <a:ea typeface="Microsoft JhengHei" panose="020B0604030504040204" pitchFamily="34" charset="-120"/>
+              </a:rPr>
+              <a:t>詞</a:t>
+            </a:r>
+            <a:r>
+              <a:rPr kumimoji="1" lang="zh-CN" altLang="en-US" sz="1600" dirty="0">
+                <a:solidFill>
+                  <a:schemeClr val="tx1">
+                    <a:lumMod val="65000"/>
+                    <a:lumOff val="35000"/>
+                  </a:schemeClr>
+                </a:solidFill>
+                <a:latin typeface="微軟正黑體" pitchFamily="34" charset="-120"/>
+                <a:ea typeface="微軟正黑體" pitchFamily="34" charset="-120"/>
+                <a:cs typeface="BiauKai"/>
+              </a:rPr>
+              <a:t>｜</a:t>
+            </a:r>
+            <a:r>
+              <a:rPr lang="zh-CN" altLang="en-US" sz="1600" b="1" dirty="0">
+                <a:latin typeface="Microsoft JhengHei" panose="020B0604030504040204" pitchFamily="34" charset="-120"/>
+                <a:ea typeface="Microsoft JhengHei" panose="020B0604030504040204" pitchFamily="34" charset="-120"/>
+              </a:rPr>
+              <a:t>新聞評分模型</a:t>
+            </a:r>
+            <a:endParaRPr kumimoji="1" lang="zh-TW" altLang="en-US" sz="1600" b="1" dirty="0">
+              <a:latin typeface="微軟正黑體" pitchFamily="34" charset="-120"/>
+              <a:ea typeface="微軟正黑體" pitchFamily="34" charset="-120"/>
+              <a:cs typeface="BiauKai"/>
+            </a:endParaRPr>
+          </a:p>
+        </p:txBody>
+      </p:sp>
     </p:spTree>
     <p:extLst>
       <p:ext uri="{BB962C8B-B14F-4D97-AF65-F5344CB8AC3E}">
@@ -14545,104 +14751,6 @@
               <a:t>26</a:t>
             </a:fld>
             <a:endParaRPr kumimoji="1" lang="zh-TW" altLang="en-US" dirty="0"/>
-          </a:p>
-        </p:txBody>
-      </p:sp>
-      <p:sp>
-        <p:nvSpPr>
-          <p:cNvPr id="6" name="文字方塊 5">
-            <a:extLst>
-              <a:ext uri="{FF2B5EF4-FFF2-40B4-BE49-F238E27FC236}">
-                <a16:creationId xmlns:a16="http://schemas.microsoft.com/office/drawing/2014/main" id="{EC00C08E-6F9A-174C-8591-83C779092830}"/>
-              </a:ext>
-            </a:extLst>
-          </p:cNvPr>
-          <p:cNvSpPr txBox="1"/>
-          <p:nvPr/>
-        </p:nvSpPr>
-        <p:spPr>
-          <a:xfrm>
-            <a:off x="6243119" y="120951"/>
-            <a:ext cx="2646879" cy="338554"/>
-          </a:xfrm>
-          <a:prstGeom prst="rect">
-            <a:avLst/>
-          </a:prstGeom>
-          <a:noFill/>
-        </p:spPr>
-        <p:txBody>
-          <a:bodyPr wrap="none" rtlCol="0">
-            <a:spAutoFit/>
-          </a:bodyPr>
-          <a:lstStyle/>
-          <a:p>
-            <a:pPr algn="r"/>
-            <a:r>
-              <a:rPr lang="zh-CN" altLang="en-US" sz="1600" dirty="0">
-                <a:solidFill>
-                  <a:schemeClr val="tx1">
-                    <a:lumMod val="65000"/>
-                    <a:lumOff val="35000"/>
-                  </a:schemeClr>
-                </a:solidFill>
-                <a:latin typeface="Microsoft JhengHei" panose="020B0604030504040204" pitchFamily="34" charset="-120"/>
-                <a:ea typeface="Microsoft JhengHei" panose="020B0604030504040204" pitchFamily="34" charset="-120"/>
-              </a:rPr>
-              <a:t>爬蟲</a:t>
-            </a:r>
-            <a:r>
-              <a:rPr kumimoji="1" lang="zh-CN" altLang="en-US" sz="1600" dirty="0">
-                <a:solidFill>
-                  <a:schemeClr val="tx1">
-                    <a:lumMod val="65000"/>
-                    <a:lumOff val="35000"/>
-                  </a:schemeClr>
-                </a:solidFill>
-                <a:latin typeface="微軟正黑體" pitchFamily="34" charset="-120"/>
-                <a:ea typeface="微軟正黑體" pitchFamily="34" charset="-120"/>
-                <a:cs typeface="BiauKai"/>
-              </a:rPr>
-              <a:t>｜</a:t>
-            </a:r>
-            <a:r>
-              <a:rPr lang="zh-CN" altLang="en-US" sz="1600" dirty="0">
-                <a:solidFill>
-                  <a:schemeClr val="tx1">
-                    <a:lumMod val="65000"/>
-                    <a:lumOff val="35000"/>
-                  </a:schemeClr>
-                </a:solidFill>
-                <a:latin typeface="Microsoft JhengHei" panose="020B0604030504040204" pitchFamily="34" charset="-120"/>
-                <a:ea typeface="Microsoft JhengHei" panose="020B0604030504040204" pitchFamily="34" charset="-120"/>
-              </a:rPr>
-              <a:t>切詞</a:t>
-            </a:r>
-            <a:r>
-              <a:rPr kumimoji="1" lang="zh-CN" altLang="en-US" sz="1600" dirty="0">
-                <a:solidFill>
-                  <a:schemeClr val="tx1">
-                    <a:lumMod val="65000"/>
-                    <a:lumOff val="35000"/>
-                  </a:schemeClr>
-                </a:solidFill>
-                <a:latin typeface="微軟正黑體" pitchFamily="34" charset="-120"/>
-                <a:ea typeface="微軟正黑體" pitchFamily="34" charset="-120"/>
-                <a:cs typeface="BiauKai"/>
-              </a:rPr>
-              <a:t>｜</a:t>
-            </a:r>
-            <a:r>
-              <a:rPr lang="zh-CN" altLang="en-US" sz="1600" b="1" dirty="0">
-                <a:latin typeface="Microsoft JhengHei" panose="020B0604030504040204" pitchFamily="34" charset="-120"/>
-                <a:ea typeface="Microsoft JhengHei" panose="020B0604030504040204" pitchFamily="34" charset="-120"/>
-              </a:rPr>
-              <a:t>新聞評分模型</a:t>
-            </a:r>
-            <a:endParaRPr kumimoji="1" lang="zh-TW" altLang="en-US" sz="1600" b="1" dirty="0">
-              <a:latin typeface="微軟正黑體" pitchFamily="34" charset="-120"/>
-              <a:ea typeface="微軟正黑體" pitchFamily="34" charset="-120"/>
-              <a:cs typeface="BiauKai"/>
-            </a:endParaRPr>
           </a:p>
         </p:txBody>
       </p:sp>
@@ -15005,6 +15113,118 @@
           </a:prstGeom>
         </p:spPr>
       </p:pic>
+      <p:sp>
+        <p:nvSpPr>
+          <p:cNvPr id="10" name="文字方塊 9">
+            <a:extLst>
+              <a:ext uri="{FF2B5EF4-FFF2-40B4-BE49-F238E27FC236}">
+                <a16:creationId xmlns:a16="http://schemas.microsoft.com/office/drawing/2014/main" id="{0C04D5A0-6186-514C-A958-E6BC6DEED24A}"/>
+              </a:ext>
+            </a:extLst>
+          </p:cNvPr>
+          <p:cNvSpPr txBox="1"/>
+          <p:nvPr/>
+        </p:nvSpPr>
+        <p:spPr>
+          <a:xfrm>
+            <a:off x="6243120" y="120951"/>
+            <a:ext cx="2646878" cy="338554"/>
+          </a:xfrm>
+          <a:prstGeom prst="rect">
+            <a:avLst/>
+          </a:prstGeom>
+          <a:noFill/>
+        </p:spPr>
+        <p:txBody>
+          <a:bodyPr wrap="none" rtlCol="0">
+            <a:spAutoFit/>
+          </a:bodyPr>
+          <a:lstStyle/>
+          <a:p>
+            <a:pPr algn="r"/>
+            <a:r>
+              <a:rPr lang="zh-CN" altLang="en-US" sz="1600" dirty="0">
+                <a:solidFill>
+                  <a:schemeClr val="tx1">
+                    <a:lumMod val="65000"/>
+                    <a:lumOff val="35000"/>
+                  </a:schemeClr>
+                </a:solidFill>
+                <a:latin typeface="Microsoft JhengHei" panose="020B0604030504040204" pitchFamily="34" charset="-120"/>
+                <a:ea typeface="Microsoft JhengHei" panose="020B0604030504040204" pitchFamily="34" charset="-120"/>
+              </a:rPr>
+              <a:t>爬蟲</a:t>
+            </a:r>
+            <a:r>
+              <a:rPr kumimoji="1" lang="zh-CN" altLang="en-US" sz="1600" dirty="0">
+                <a:solidFill>
+                  <a:schemeClr val="tx1">
+                    <a:lumMod val="65000"/>
+                    <a:lumOff val="35000"/>
+                  </a:schemeClr>
+                </a:solidFill>
+                <a:latin typeface="微軟正黑體" pitchFamily="34" charset="-120"/>
+                <a:ea typeface="微軟正黑體" pitchFamily="34" charset="-120"/>
+                <a:cs typeface="BiauKai"/>
+              </a:rPr>
+              <a:t>｜</a:t>
+            </a:r>
+            <a:r>
+              <a:rPr kumimoji="1" lang="zh-CN" altLang="en-US" sz="1600" dirty="0">
+                <a:solidFill>
+                  <a:schemeClr val="tx1">
+                    <a:lumMod val="65000"/>
+                    <a:lumOff val="35000"/>
+                  </a:schemeClr>
+                </a:solidFill>
+                <a:latin typeface="Microsoft JhengHei" panose="020B0604030504040204" pitchFamily="34" charset="-120"/>
+                <a:ea typeface="Microsoft JhengHei" panose="020B0604030504040204" pitchFamily="34" charset="-120"/>
+                <a:cs typeface="BiauKai"/>
+              </a:rPr>
+              <a:t>斷</a:t>
+            </a:r>
+            <a:r>
+              <a:rPr lang="zh-CN" altLang="en-US" sz="1600" dirty="0">
+                <a:solidFill>
+                  <a:schemeClr val="tx1">
+                    <a:lumMod val="65000"/>
+                    <a:lumOff val="35000"/>
+                  </a:schemeClr>
+                </a:solidFill>
+                <a:latin typeface="Microsoft JhengHei" panose="020B0604030504040204" pitchFamily="34" charset="-120"/>
+                <a:ea typeface="Microsoft JhengHei" panose="020B0604030504040204" pitchFamily="34" charset="-120"/>
+              </a:rPr>
+              <a:t>詞</a:t>
+            </a:r>
+            <a:r>
+              <a:rPr kumimoji="1" lang="zh-CN" altLang="en-US" sz="1600" dirty="0">
+                <a:solidFill>
+                  <a:schemeClr val="tx1">
+                    <a:lumMod val="65000"/>
+                    <a:lumOff val="35000"/>
+                  </a:schemeClr>
+                </a:solidFill>
+                <a:latin typeface="微軟正黑體" pitchFamily="34" charset="-120"/>
+                <a:ea typeface="微軟正黑體" pitchFamily="34" charset="-120"/>
+                <a:cs typeface="BiauKai"/>
+              </a:rPr>
+              <a:t>｜</a:t>
+            </a:r>
+            <a:r>
+              <a:rPr lang="zh-CN" altLang="en-US" sz="1600" b="1" dirty="0">
+                <a:latin typeface="Microsoft JhengHei" panose="020B0604030504040204" pitchFamily="34" charset="-120"/>
+                <a:ea typeface="Microsoft JhengHei" panose="020B0604030504040204" pitchFamily="34" charset="-120"/>
+              </a:rPr>
+              <a:t>新聞評分模型</a:t>
+            </a:r>
+            <a:endParaRPr kumimoji="1" lang="zh-TW" altLang="en-US" sz="1600" b="1" dirty="0">
+              <a:latin typeface="微軟正黑體" pitchFamily="34" charset="-120"/>
+              <a:ea typeface="微軟正黑體" pitchFamily="34" charset="-120"/>
+              <a:cs typeface="BiauKai"/>
+            </a:endParaRPr>
+          </a:p>
+        </p:txBody>
+      </p:sp>
     </p:spTree>
     <p:extLst>
       <p:ext uri="{BB962C8B-B14F-4D97-AF65-F5344CB8AC3E}">
@@ -15092,104 +15312,6 @@
               <a:t>27</a:t>
             </a:fld>
             <a:endParaRPr kumimoji="1" lang="zh-TW" altLang="en-US" dirty="0"/>
-          </a:p>
-        </p:txBody>
-      </p:sp>
-      <p:sp>
-        <p:nvSpPr>
-          <p:cNvPr id="6" name="文字方塊 5">
-            <a:extLst>
-              <a:ext uri="{FF2B5EF4-FFF2-40B4-BE49-F238E27FC236}">
-                <a16:creationId xmlns:a16="http://schemas.microsoft.com/office/drawing/2014/main" id="{7D94E14C-36FB-B04C-B208-1F65084F5707}"/>
-              </a:ext>
-            </a:extLst>
-          </p:cNvPr>
-          <p:cNvSpPr txBox="1"/>
-          <p:nvPr/>
-        </p:nvSpPr>
-        <p:spPr>
-          <a:xfrm>
-            <a:off x="6243119" y="120951"/>
-            <a:ext cx="2646879" cy="338554"/>
-          </a:xfrm>
-          <a:prstGeom prst="rect">
-            <a:avLst/>
-          </a:prstGeom>
-          <a:noFill/>
-        </p:spPr>
-        <p:txBody>
-          <a:bodyPr wrap="none" rtlCol="0">
-            <a:spAutoFit/>
-          </a:bodyPr>
-          <a:lstStyle/>
-          <a:p>
-            <a:pPr algn="r"/>
-            <a:r>
-              <a:rPr lang="zh-CN" altLang="en-US" sz="1600" dirty="0">
-                <a:solidFill>
-                  <a:schemeClr val="tx1">
-                    <a:lumMod val="65000"/>
-                    <a:lumOff val="35000"/>
-                  </a:schemeClr>
-                </a:solidFill>
-                <a:latin typeface="Microsoft JhengHei" panose="020B0604030504040204" pitchFamily="34" charset="-120"/>
-                <a:ea typeface="Microsoft JhengHei" panose="020B0604030504040204" pitchFamily="34" charset="-120"/>
-              </a:rPr>
-              <a:t>爬蟲</a:t>
-            </a:r>
-            <a:r>
-              <a:rPr kumimoji="1" lang="zh-CN" altLang="en-US" sz="1600" dirty="0">
-                <a:solidFill>
-                  <a:schemeClr val="tx1">
-                    <a:lumMod val="65000"/>
-                    <a:lumOff val="35000"/>
-                  </a:schemeClr>
-                </a:solidFill>
-                <a:latin typeface="微軟正黑體" pitchFamily="34" charset="-120"/>
-                <a:ea typeface="微軟正黑體" pitchFamily="34" charset="-120"/>
-                <a:cs typeface="BiauKai"/>
-              </a:rPr>
-              <a:t>｜</a:t>
-            </a:r>
-            <a:r>
-              <a:rPr lang="zh-CN" altLang="en-US" sz="1600" dirty="0">
-                <a:solidFill>
-                  <a:schemeClr val="tx1">
-                    <a:lumMod val="65000"/>
-                    <a:lumOff val="35000"/>
-                  </a:schemeClr>
-                </a:solidFill>
-                <a:latin typeface="Microsoft JhengHei" panose="020B0604030504040204" pitchFamily="34" charset="-120"/>
-                <a:ea typeface="Microsoft JhengHei" panose="020B0604030504040204" pitchFamily="34" charset="-120"/>
-              </a:rPr>
-              <a:t>切詞</a:t>
-            </a:r>
-            <a:r>
-              <a:rPr kumimoji="1" lang="zh-CN" altLang="en-US" sz="1600" dirty="0">
-                <a:solidFill>
-                  <a:schemeClr val="tx1">
-                    <a:lumMod val="65000"/>
-                    <a:lumOff val="35000"/>
-                  </a:schemeClr>
-                </a:solidFill>
-                <a:latin typeface="微軟正黑體" pitchFamily="34" charset="-120"/>
-                <a:ea typeface="微軟正黑體" pitchFamily="34" charset="-120"/>
-                <a:cs typeface="BiauKai"/>
-              </a:rPr>
-              <a:t>｜</a:t>
-            </a:r>
-            <a:r>
-              <a:rPr lang="zh-CN" altLang="en-US" sz="1600" b="1" dirty="0">
-                <a:latin typeface="Microsoft JhengHei" panose="020B0604030504040204" pitchFamily="34" charset="-120"/>
-                <a:ea typeface="Microsoft JhengHei" panose="020B0604030504040204" pitchFamily="34" charset="-120"/>
-              </a:rPr>
-              <a:t>新聞評分模型</a:t>
-            </a:r>
-            <a:endParaRPr kumimoji="1" lang="zh-TW" altLang="en-US" sz="1600" b="1" dirty="0">
-              <a:latin typeface="微軟正黑體" pitchFamily="34" charset="-120"/>
-              <a:ea typeface="微軟正黑體" pitchFamily="34" charset="-120"/>
-              <a:cs typeface="BiauKai"/>
-            </a:endParaRPr>
           </a:p>
         </p:txBody>
       </p:sp>
@@ -19012,6 +19134,118 @@
           </a:graphicData>
         </a:graphic>
       </p:graphicFrame>
+      <p:sp>
+        <p:nvSpPr>
+          <p:cNvPr id="12" name="文字方塊 11">
+            <a:extLst>
+              <a:ext uri="{FF2B5EF4-FFF2-40B4-BE49-F238E27FC236}">
+                <a16:creationId xmlns:a16="http://schemas.microsoft.com/office/drawing/2014/main" id="{2F23CC85-AC11-7748-9F86-532E637E21C4}"/>
+              </a:ext>
+            </a:extLst>
+          </p:cNvPr>
+          <p:cNvSpPr txBox="1"/>
+          <p:nvPr/>
+        </p:nvSpPr>
+        <p:spPr>
+          <a:xfrm>
+            <a:off x="6243120" y="120951"/>
+            <a:ext cx="2646878" cy="338554"/>
+          </a:xfrm>
+          <a:prstGeom prst="rect">
+            <a:avLst/>
+          </a:prstGeom>
+          <a:noFill/>
+        </p:spPr>
+        <p:txBody>
+          <a:bodyPr wrap="none" rtlCol="0">
+            <a:spAutoFit/>
+          </a:bodyPr>
+          <a:lstStyle/>
+          <a:p>
+            <a:pPr algn="r"/>
+            <a:r>
+              <a:rPr lang="zh-CN" altLang="en-US" sz="1600" dirty="0">
+                <a:solidFill>
+                  <a:schemeClr val="tx1">
+                    <a:lumMod val="65000"/>
+                    <a:lumOff val="35000"/>
+                  </a:schemeClr>
+                </a:solidFill>
+                <a:latin typeface="Microsoft JhengHei" panose="020B0604030504040204" pitchFamily="34" charset="-120"/>
+                <a:ea typeface="Microsoft JhengHei" panose="020B0604030504040204" pitchFamily="34" charset="-120"/>
+              </a:rPr>
+              <a:t>爬蟲</a:t>
+            </a:r>
+            <a:r>
+              <a:rPr kumimoji="1" lang="zh-CN" altLang="en-US" sz="1600" dirty="0">
+                <a:solidFill>
+                  <a:schemeClr val="tx1">
+                    <a:lumMod val="65000"/>
+                    <a:lumOff val="35000"/>
+                  </a:schemeClr>
+                </a:solidFill>
+                <a:latin typeface="微軟正黑體" pitchFamily="34" charset="-120"/>
+                <a:ea typeface="微軟正黑體" pitchFamily="34" charset="-120"/>
+                <a:cs typeface="BiauKai"/>
+              </a:rPr>
+              <a:t>｜</a:t>
+            </a:r>
+            <a:r>
+              <a:rPr kumimoji="1" lang="zh-CN" altLang="en-US" sz="1600" dirty="0">
+                <a:solidFill>
+                  <a:schemeClr val="tx1">
+                    <a:lumMod val="65000"/>
+                    <a:lumOff val="35000"/>
+                  </a:schemeClr>
+                </a:solidFill>
+                <a:latin typeface="Microsoft JhengHei" panose="020B0604030504040204" pitchFamily="34" charset="-120"/>
+                <a:ea typeface="Microsoft JhengHei" panose="020B0604030504040204" pitchFamily="34" charset="-120"/>
+                <a:cs typeface="BiauKai"/>
+              </a:rPr>
+              <a:t>斷</a:t>
+            </a:r>
+            <a:r>
+              <a:rPr lang="zh-CN" altLang="en-US" sz="1600" dirty="0">
+                <a:solidFill>
+                  <a:schemeClr val="tx1">
+                    <a:lumMod val="65000"/>
+                    <a:lumOff val="35000"/>
+                  </a:schemeClr>
+                </a:solidFill>
+                <a:latin typeface="Microsoft JhengHei" panose="020B0604030504040204" pitchFamily="34" charset="-120"/>
+                <a:ea typeface="Microsoft JhengHei" panose="020B0604030504040204" pitchFamily="34" charset="-120"/>
+              </a:rPr>
+              <a:t>詞</a:t>
+            </a:r>
+            <a:r>
+              <a:rPr kumimoji="1" lang="zh-CN" altLang="en-US" sz="1600" dirty="0">
+                <a:solidFill>
+                  <a:schemeClr val="tx1">
+                    <a:lumMod val="65000"/>
+                    <a:lumOff val="35000"/>
+                  </a:schemeClr>
+                </a:solidFill>
+                <a:latin typeface="微軟正黑體" pitchFamily="34" charset="-120"/>
+                <a:ea typeface="微軟正黑體" pitchFamily="34" charset="-120"/>
+                <a:cs typeface="BiauKai"/>
+              </a:rPr>
+              <a:t>｜</a:t>
+            </a:r>
+            <a:r>
+              <a:rPr lang="zh-CN" altLang="en-US" sz="1600" b="1" dirty="0">
+                <a:latin typeface="Microsoft JhengHei" panose="020B0604030504040204" pitchFamily="34" charset="-120"/>
+                <a:ea typeface="Microsoft JhengHei" panose="020B0604030504040204" pitchFamily="34" charset="-120"/>
+              </a:rPr>
+              <a:t>新聞評分模型</a:t>
+            </a:r>
+            <a:endParaRPr kumimoji="1" lang="zh-TW" altLang="en-US" sz="1600" b="1" dirty="0">
+              <a:latin typeface="微軟正黑體" pitchFamily="34" charset="-120"/>
+              <a:ea typeface="微軟正黑體" pitchFamily="34" charset="-120"/>
+              <a:cs typeface="BiauKai"/>
+            </a:endParaRPr>
+          </a:p>
+        </p:txBody>
+      </p:sp>
     </p:spTree>
     <p:extLst>
       <p:ext uri="{BB962C8B-B14F-4D97-AF65-F5344CB8AC3E}">
@@ -19099,104 +19333,6 @@
               <a:t>28</a:t>
             </a:fld>
             <a:endParaRPr kumimoji="1" lang="zh-TW" altLang="en-US" dirty="0"/>
-          </a:p>
-        </p:txBody>
-      </p:sp>
-      <p:sp>
-        <p:nvSpPr>
-          <p:cNvPr id="6" name="文字方塊 5">
-            <a:extLst>
-              <a:ext uri="{FF2B5EF4-FFF2-40B4-BE49-F238E27FC236}">
-                <a16:creationId xmlns:a16="http://schemas.microsoft.com/office/drawing/2014/main" id="{EC00C08E-6F9A-174C-8591-83C779092830}"/>
-              </a:ext>
-            </a:extLst>
-          </p:cNvPr>
-          <p:cNvSpPr txBox="1"/>
-          <p:nvPr/>
-        </p:nvSpPr>
-        <p:spPr>
-          <a:xfrm>
-            <a:off x="6243119" y="120951"/>
-            <a:ext cx="2646879" cy="338554"/>
-          </a:xfrm>
-          <a:prstGeom prst="rect">
-            <a:avLst/>
-          </a:prstGeom>
-          <a:noFill/>
-        </p:spPr>
-        <p:txBody>
-          <a:bodyPr wrap="none" rtlCol="0">
-            <a:spAutoFit/>
-          </a:bodyPr>
-          <a:lstStyle/>
-          <a:p>
-            <a:pPr algn="r"/>
-            <a:r>
-              <a:rPr lang="zh-CN" altLang="en-US" sz="1600" dirty="0">
-                <a:solidFill>
-                  <a:schemeClr val="tx1">
-                    <a:lumMod val="65000"/>
-                    <a:lumOff val="35000"/>
-                  </a:schemeClr>
-                </a:solidFill>
-                <a:latin typeface="Microsoft JhengHei" panose="020B0604030504040204" pitchFamily="34" charset="-120"/>
-                <a:ea typeface="Microsoft JhengHei" panose="020B0604030504040204" pitchFamily="34" charset="-120"/>
-              </a:rPr>
-              <a:t>爬蟲</a:t>
-            </a:r>
-            <a:r>
-              <a:rPr kumimoji="1" lang="zh-CN" altLang="en-US" sz="1600" dirty="0">
-                <a:solidFill>
-                  <a:schemeClr val="tx1">
-                    <a:lumMod val="65000"/>
-                    <a:lumOff val="35000"/>
-                  </a:schemeClr>
-                </a:solidFill>
-                <a:latin typeface="微軟正黑體" pitchFamily="34" charset="-120"/>
-                <a:ea typeface="微軟正黑體" pitchFamily="34" charset="-120"/>
-                <a:cs typeface="BiauKai"/>
-              </a:rPr>
-              <a:t>｜</a:t>
-            </a:r>
-            <a:r>
-              <a:rPr lang="zh-CN" altLang="en-US" sz="1600" dirty="0">
-                <a:solidFill>
-                  <a:schemeClr val="tx1">
-                    <a:lumMod val="65000"/>
-                    <a:lumOff val="35000"/>
-                  </a:schemeClr>
-                </a:solidFill>
-                <a:latin typeface="Microsoft JhengHei" panose="020B0604030504040204" pitchFamily="34" charset="-120"/>
-                <a:ea typeface="Microsoft JhengHei" panose="020B0604030504040204" pitchFamily="34" charset="-120"/>
-              </a:rPr>
-              <a:t>切詞</a:t>
-            </a:r>
-            <a:r>
-              <a:rPr kumimoji="1" lang="zh-CN" altLang="en-US" sz="1600" dirty="0">
-                <a:solidFill>
-                  <a:schemeClr val="tx1">
-                    <a:lumMod val="65000"/>
-                    <a:lumOff val="35000"/>
-                  </a:schemeClr>
-                </a:solidFill>
-                <a:latin typeface="微軟正黑體" pitchFamily="34" charset="-120"/>
-                <a:ea typeface="微軟正黑體" pitchFamily="34" charset="-120"/>
-                <a:cs typeface="BiauKai"/>
-              </a:rPr>
-              <a:t>｜</a:t>
-            </a:r>
-            <a:r>
-              <a:rPr lang="zh-CN" altLang="en-US" sz="1600" b="1" dirty="0">
-                <a:latin typeface="Microsoft JhengHei" panose="020B0604030504040204" pitchFamily="34" charset="-120"/>
-                <a:ea typeface="Microsoft JhengHei" panose="020B0604030504040204" pitchFamily="34" charset="-120"/>
-              </a:rPr>
-              <a:t>新聞評分模型</a:t>
-            </a:r>
-            <a:endParaRPr kumimoji="1" lang="zh-TW" altLang="en-US" sz="1600" b="1" dirty="0">
-              <a:latin typeface="微軟正黑體" pitchFamily="34" charset="-120"/>
-              <a:ea typeface="微軟正黑體" pitchFamily="34" charset="-120"/>
-              <a:cs typeface="BiauKai"/>
-            </a:endParaRPr>
           </a:p>
         </p:txBody>
       </p:sp>
@@ -20063,7 +20199,7 @@
             <a:r>
               <a:rPr lang="zh-CN" altLang="en-US" b="1" dirty="0">
                 <a:solidFill>
-                  <a:srgbClr val="FF0000"/>
+                  <a:schemeClr val="bg1"/>
                 </a:solidFill>
                 <a:latin typeface="微軟正黑體" panose="020B0604030504040204" pitchFamily="34" charset="-120"/>
                 <a:ea typeface="微軟正黑體" panose="020B0604030504040204" pitchFamily="34" charset="-120"/>
@@ -20073,7 +20209,7 @@
             <a:r>
               <a:rPr lang="en-US" altLang="zh-TW" b="1" dirty="0">
                 <a:solidFill>
-                  <a:srgbClr val="FF0000"/>
+                  <a:schemeClr val="bg1"/>
                 </a:solidFill>
                 <a:latin typeface="微軟正黑體" panose="020B0604030504040204" pitchFamily="34" charset="-120"/>
                 <a:ea typeface="微軟正黑體" panose="020B0604030504040204" pitchFamily="34" charset="-120"/>
@@ -20083,7 +20219,7 @@
             <a:r>
               <a:rPr lang="zh-TW" altLang="en-US" b="1" dirty="0">
                 <a:solidFill>
-                  <a:srgbClr val="FF0000"/>
+                  <a:schemeClr val="bg1"/>
                 </a:solidFill>
                 <a:latin typeface="微軟正黑體" panose="020B0604030504040204" pitchFamily="34" charset="-120"/>
                 <a:ea typeface="微軟正黑體" panose="020B0604030504040204" pitchFamily="34" charset="-120"/>
@@ -20093,7 +20229,7 @@
             <a:r>
               <a:rPr lang="en-US" altLang="zh-TW" b="1" dirty="0">
                 <a:solidFill>
-                  <a:srgbClr val="FF0000"/>
+                  <a:schemeClr val="bg1"/>
                 </a:solidFill>
                 <a:latin typeface="微軟正黑體" panose="020B0604030504040204" pitchFamily="34" charset="-120"/>
                 <a:ea typeface="微軟正黑體" panose="020B0604030504040204" pitchFamily="34" charset="-120"/>
@@ -20103,7 +20239,7 @@
             <a:r>
               <a:rPr lang="zh-TW" altLang="en-US" b="1" dirty="0">
                 <a:solidFill>
-                  <a:srgbClr val="FF0000"/>
+                  <a:schemeClr val="bg1"/>
                 </a:solidFill>
                 <a:latin typeface="微軟正黑體" panose="020B0604030504040204" pitchFamily="34" charset="-120"/>
                 <a:ea typeface="微軟正黑體" panose="020B0604030504040204" pitchFamily="34" charset="-120"/>
@@ -20113,7 +20249,7 @@
             <a:r>
               <a:rPr lang="en-US" altLang="zh-TW" b="1" dirty="0">
                 <a:solidFill>
-                  <a:srgbClr val="FF0000"/>
+                  <a:schemeClr val="bg1"/>
                 </a:solidFill>
                 <a:latin typeface="微軟正黑體" panose="020B0604030504040204" pitchFamily="34" charset="-120"/>
                 <a:ea typeface="微軟正黑體" panose="020B0604030504040204" pitchFamily="34" charset="-120"/>
@@ -20123,7 +20259,7 @@
             <a:r>
               <a:rPr lang="zh-TW" altLang="en-US" b="1" dirty="0">
                 <a:solidFill>
-                  <a:srgbClr val="FF0000"/>
+                  <a:schemeClr val="bg1"/>
                 </a:solidFill>
                 <a:latin typeface="微軟正黑體" panose="020B0604030504040204" pitchFamily="34" charset="-120"/>
                 <a:ea typeface="微軟正黑體" panose="020B0604030504040204" pitchFamily="34" charset="-120"/>
@@ -20133,7 +20269,7 @@
             <a:r>
               <a:rPr lang="en-US" altLang="zh-TW" b="1" dirty="0">
                 <a:solidFill>
-                  <a:srgbClr val="FF0000"/>
+                  <a:schemeClr val="bg1"/>
                 </a:solidFill>
                 <a:latin typeface="微軟正黑體" panose="020B0604030504040204" pitchFamily="34" charset="-120"/>
                 <a:ea typeface="微軟正黑體" panose="020B0604030504040204" pitchFamily="34" charset="-120"/>
@@ -20143,7 +20279,7 @@
             <a:r>
               <a:rPr lang="zh-TW" altLang="en-US" b="1" dirty="0">
                 <a:solidFill>
-                  <a:srgbClr val="FF0000"/>
+                  <a:schemeClr val="bg1"/>
                 </a:solidFill>
                 <a:latin typeface="微軟正黑體" panose="020B0604030504040204" pitchFamily="34" charset="-120"/>
                 <a:ea typeface="微軟正黑體" panose="020B0604030504040204" pitchFamily="34" charset="-120"/>
@@ -20153,7 +20289,7 @@
             <a:r>
               <a:rPr lang="zh-CN" altLang="en-US" b="1" dirty="0">
                 <a:solidFill>
-                  <a:srgbClr val="FF0000"/>
+                  <a:schemeClr val="bg1"/>
                 </a:solidFill>
                 <a:latin typeface="微軟正黑體" panose="020B0604030504040204" pitchFamily="34" charset="-120"/>
                 <a:ea typeface="微軟正黑體" panose="020B0604030504040204" pitchFamily="34" charset="-120"/>
@@ -20231,6 +20367,118 @@
           </a:p>
           <a:p>
             <a:endParaRPr lang="zh-TW" altLang="en-US" dirty="0"/>
+          </a:p>
+        </p:txBody>
+      </p:sp>
+      <p:sp>
+        <p:nvSpPr>
+          <p:cNvPr id="23" name="文字方塊 22">
+            <a:extLst>
+              <a:ext uri="{FF2B5EF4-FFF2-40B4-BE49-F238E27FC236}">
+                <a16:creationId xmlns:a16="http://schemas.microsoft.com/office/drawing/2014/main" id="{D7E25E8B-7FE4-6849-97BE-62457BD48946}"/>
+              </a:ext>
+            </a:extLst>
+          </p:cNvPr>
+          <p:cNvSpPr txBox="1"/>
+          <p:nvPr/>
+        </p:nvSpPr>
+        <p:spPr>
+          <a:xfrm>
+            <a:off x="6243120" y="120951"/>
+            <a:ext cx="2646878" cy="338554"/>
+          </a:xfrm>
+          <a:prstGeom prst="rect">
+            <a:avLst/>
+          </a:prstGeom>
+          <a:noFill/>
+        </p:spPr>
+        <p:txBody>
+          <a:bodyPr wrap="none" rtlCol="0">
+            <a:spAutoFit/>
+          </a:bodyPr>
+          <a:lstStyle/>
+          <a:p>
+            <a:pPr algn="r"/>
+            <a:r>
+              <a:rPr lang="zh-CN" altLang="en-US" sz="1600" dirty="0">
+                <a:solidFill>
+                  <a:schemeClr val="tx1">
+                    <a:lumMod val="65000"/>
+                    <a:lumOff val="35000"/>
+                  </a:schemeClr>
+                </a:solidFill>
+                <a:latin typeface="Microsoft JhengHei" panose="020B0604030504040204" pitchFamily="34" charset="-120"/>
+                <a:ea typeface="Microsoft JhengHei" panose="020B0604030504040204" pitchFamily="34" charset="-120"/>
+              </a:rPr>
+              <a:t>爬蟲</a:t>
+            </a:r>
+            <a:r>
+              <a:rPr kumimoji="1" lang="zh-CN" altLang="en-US" sz="1600" dirty="0">
+                <a:solidFill>
+                  <a:schemeClr val="tx1">
+                    <a:lumMod val="65000"/>
+                    <a:lumOff val="35000"/>
+                  </a:schemeClr>
+                </a:solidFill>
+                <a:latin typeface="微軟正黑體" pitchFamily="34" charset="-120"/>
+                <a:ea typeface="微軟正黑體" pitchFamily="34" charset="-120"/>
+                <a:cs typeface="BiauKai"/>
+              </a:rPr>
+              <a:t>｜</a:t>
+            </a:r>
+            <a:r>
+              <a:rPr kumimoji="1" lang="zh-CN" altLang="en-US" sz="1600" dirty="0">
+                <a:solidFill>
+                  <a:schemeClr val="tx1">
+                    <a:lumMod val="65000"/>
+                    <a:lumOff val="35000"/>
+                  </a:schemeClr>
+                </a:solidFill>
+                <a:latin typeface="Microsoft JhengHei" panose="020B0604030504040204" pitchFamily="34" charset="-120"/>
+                <a:ea typeface="Microsoft JhengHei" panose="020B0604030504040204" pitchFamily="34" charset="-120"/>
+                <a:cs typeface="BiauKai"/>
+              </a:rPr>
+              <a:t>斷</a:t>
+            </a:r>
+            <a:r>
+              <a:rPr lang="zh-CN" altLang="en-US" sz="1600" dirty="0">
+                <a:solidFill>
+                  <a:schemeClr val="tx1">
+                    <a:lumMod val="65000"/>
+                    <a:lumOff val="35000"/>
+                  </a:schemeClr>
+                </a:solidFill>
+                <a:latin typeface="Microsoft JhengHei" panose="020B0604030504040204" pitchFamily="34" charset="-120"/>
+                <a:ea typeface="Microsoft JhengHei" panose="020B0604030504040204" pitchFamily="34" charset="-120"/>
+              </a:rPr>
+              <a:t>詞</a:t>
+            </a:r>
+            <a:r>
+              <a:rPr kumimoji="1" lang="zh-CN" altLang="en-US" sz="1600" dirty="0">
+                <a:solidFill>
+                  <a:schemeClr val="tx1">
+                    <a:lumMod val="65000"/>
+                    <a:lumOff val="35000"/>
+                  </a:schemeClr>
+                </a:solidFill>
+                <a:latin typeface="微軟正黑體" pitchFamily="34" charset="-120"/>
+                <a:ea typeface="微軟正黑體" pitchFamily="34" charset="-120"/>
+                <a:cs typeface="BiauKai"/>
+              </a:rPr>
+              <a:t>｜</a:t>
+            </a:r>
+            <a:r>
+              <a:rPr lang="zh-CN" altLang="en-US" sz="1600" b="1" dirty="0">
+                <a:latin typeface="Microsoft JhengHei" panose="020B0604030504040204" pitchFamily="34" charset="-120"/>
+                <a:ea typeface="Microsoft JhengHei" panose="020B0604030504040204" pitchFamily="34" charset="-120"/>
+              </a:rPr>
+              <a:t>新聞評分模型</a:t>
+            </a:r>
+            <a:endParaRPr kumimoji="1" lang="zh-TW" altLang="en-US" sz="1600" b="1" dirty="0">
+              <a:latin typeface="微軟正黑體" pitchFamily="34" charset="-120"/>
+              <a:ea typeface="微軟正黑體" pitchFamily="34" charset="-120"/>
+              <a:cs typeface="BiauKai"/>
+            </a:endParaRPr>
           </a:p>
         </p:txBody>
       </p:sp>
@@ -20321,104 +20569,6 @@
               <a:t>29</a:t>
             </a:fld>
             <a:endParaRPr kumimoji="1" lang="zh-TW" altLang="en-US" dirty="0"/>
-          </a:p>
-        </p:txBody>
-      </p:sp>
-      <p:sp>
-        <p:nvSpPr>
-          <p:cNvPr id="6" name="文字方塊 5">
-            <a:extLst>
-              <a:ext uri="{FF2B5EF4-FFF2-40B4-BE49-F238E27FC236}">
-                <a16:creationId xmlns:a16="http://schemas.microsoft.com/office/drawing/2014/main" id="{EC00C08E-6F9A-174C-8591-83C779092830}"/>
-              </a:ext>
-            </a:extLst>
-          </p:cNvPr>
-          <p:cNvSpPr txBox="1"/>
-          <p:nvPr/>
-        </p:nvSpPr>
-        <p:spPr>
-          <a:xfrm>
-            <a:off x="6243119" y="120951"/>
-            <a:ext cx="2646879" cy="338554"/>
-          </a:xfrm>
-          <a:prstGeom prst="rect">
-            <a:avLst/>
-          </a:prstGeom>
-          <a:noFill/>
-        </p:spPr>
-        <p:txBody>
-          <a:bodyPr wrap="none" rtlCol="0">
-            <a:spAutoFit/>
-          </a:bodyPr>
-          <a:lstStyle/>
-          <a:p>
-            <a:pPr algn="r"/>
-            <a:r>
-              <a:rPr lang="zh-CN" altLang="en-US" sz="1600" dirty="0">
-                <a:solidFill>
-                  <a:schemeClr val="tx1">
-                    <a:lumMod val="65000"/>
-                    <a:lumOff val="35000"/>
-                  </a:schemeClr>
-                </a:solidFill>
-                <a:latin typeface="Microsoft JhengHei" panose="020B0604030504040204" pitchFamily="34" charset="-120"/>
-                <a:ea typeface="Microsoft JhengHei" panose="020B0604030504040204" pitchFamily="34" charset="-120"/>
-              </a:rPr>
-              <a:t>爬蟲</a:t>
-            </a:r>
-            <a:r>
-              <a:rPr kumimoji="1" lang="zh-CN" altLang="en-US" sz="1600" dirty="0">
-                <a:solidFill>
-                  <a:schemeClr val="tx1">
-                    <a:lumMod val="65000"/>
-                    <a:lumOff val="35000"/>
-                  </a:schemeClr>
-                </a:solidFill>
-                <a:latin typeface="微軟正黑體" pitchFamily="34" charset="-120"/>
-                <a:ea typeface="微軟正黑體" pitchFamily="34" charset="-120"/>
-                <a:cs typeface="BiauKai"/>
-              </a:rPr>
-              <a:t>｜</a:t>
-            </a:r>
-            <a:r>
-              <a:rPr lang="zh-CN" altLang="en-US" sz="1600" dirty="0">
-                <a:solidFill>
-                  <a:schemeClr val="tx1">
-                    <a:lumMod val="65000"/>
-                    <a:lumOff val="35000"/>
-                  </a:schemeClr>
-                </a:solidFill>
-                <a:latin typeface="Microsoft JhengHei" panose="020B0604030504040204" pitchFamily="34" charset="-120"/>
-                <a:ea typeface="Microsoft JhengHei" panose="020B0604030504040204" pitchFamily="34" charset="-120"/>
-              </a:rPr>
-              <a:t>切詞</a:t>
-            </a:r>
-            <a:r>
-              <a:rPr kumimoji="1" lang="zh-CN" altLang="en-US" sz="1600" dirty="0">
-                <a:solidFill>
-                  <a:schemeClr val="tx1">
-                    <a:lumMod val="65000"/>
-                    <a:lumOff val="35000"/>
-                  </a:schemeClr>
-                </a:solidFill>
-                <a:latin typeface="微軟正黑體" pitchFamily="34" charset="-120"/>
-                <a:ea typeface="微軟正黑體" pitchFamily="34" charset="-120"/>
-                <a:cs typeface="BiauKai"/>
-              </a:rPr>
-              <a:t>｜</a:t>
-            </a:r>
-            <a:r>
-              <a:rPr lang="zh-CN" altLang="en-US" sz="1600" b="1" dirty="0">
-                <a:latin typeface="Microsoft JhengHei" panose="020B0604030504040204" pitchFamily="34" charset="-120"/>
-                <a:ea typeface="Microsoft JhengHei" panose="020B0604030504040204" pitchFamily="34" charset="-120"/>
-              </a:rPr>
-              <a:t>新聞評分模型</a:t>
-            </a:r>
-            <a:endParaRPr kumimoji="1" lang="zh-TW" altLang="en-US" sz="1600" b="1" dirty="0">
-              <a:latin typeface="微軟正黑體" pitchFamily="34" charset="-120"/>
-              <a:ea typeface="微軟正黑體" pitchFamily="34" charset="-120"/>
-              <a:cs typeface="BiauKai"/>
-            </a:endParaRPr>
           </a:p>
         </p:txBody>
       </p:sp>
@@ -20786,6 +20936,118 @@
           </a:xfrm>
         </p:spPr>
       </p:pic>
+      <p:sp>
+        <p:nvSpPr>
+          <p:cNvPr id="10" name="文字方塊 9">
+            <a:extLst>
+              <a:ext uri="{FF2B5EF4-FFF2-40B4-BE49-F238E27FC236}">
+                <a16:creationId xmlns:a16="http://schemas.microsoft.com/office/drawing/2014/main" id="{DAAFC878-32AC-E241-AB31-A4C385AEB09D}"/>
+              </a:ext>
+            </a:extLst>
+          </p:cNvPr>
+          <p:cNvSpPr txBox="1"/>
+          <p:nvPr/>
+        </p:nvSpPr>
+        <p:spPr>
+          <a:xfrm>
+            <a:off x="6243120" y="120951"/>
+            <a:ext cx="2646878" cy="338554"/>
+          </a:xfrm>
+          <a:prstGeom prst="rect">
+            <a:avLst/>
+          </a:prstGeom>
+          <a:noFill/>
+        </p:spPr>
+        <p:txBody>
+          <a:bodyPr wrap="none" rtlCol="0">
+            <a:spAutoFit/>
+          </a:bodyPr>
+          <a:lstStyle/>
+          <a:p>
+            <a:pPr algn="r"/>
+            <a:r>
+              <a:rPr lang="zh-CN" altLang="en-US" sz="1600" dirty="0">
+                <a:solidFill>
+                  <a:schemeClr val="tx1">
+                    <a:lumMod val="65000"/>
+                    <a:lumOff val="35000"/>
+                  </a:schemeClr>
+                </a:solidFill>
+                <a:latin typeface="Microsoft JhengHei" panose="020B0604030504040204" pitchFamily="34" charset="-120"/>
+                <a:ea typeface="Microsoft JhengHei" panose="020B0604030504040204" pitchFamily="34" charset="-120"/>
+              </a:rPr>
+              <a:t>爬蟲</a:t>
+            </a:r>
+            <a:r>
+              <a:rPr kumimoji="1" lang="zh-CN" altLang="en-US" sz="1600" dirty="0">
+                <a:solidFill>
+                  <a:schemeClr val="tx1">
+                    <a:lumMod val="65000"/>
+                    <a:lumOff val="35000"/>
+                  </a:schemeClr>
+                </a:solidFill>
+                <a:latin typeface="微軟正黑體" pitchFamily="34" charset="-120"/>
+                <a:ea typeface="微軟正黑體" pitchFamily="34" charset="-120"/>
+                <a:cs typeface="BiauKai"/>
+              </a:rPr>
+              <a:t>｜</a:t>
+            </a:r>
+            <a:r>
+              <a:rPr kumimoji="1" lang="zh-CN" altLang="en-US" sz="1600" dirty="0">
+                <a:solidFill>
+                  <a:schemeClr val="tx1">
+                    <a:lumMod val="65000"/>
+                    <a:lumOff val="35000"/>
+                  </a:schemeClr>
+                </a:solidFill>
+                <a:latin typeface="Microsoft JhengHei" panose="020B0604030504040204" pitchFamily="34" charset="-120"/>
+                <a:ea typeface="Microsoft JhengHei" panose="020B0604030504040204" pitchFamily="34" charset="-120"/>
+                <a:cs typeface="BiauKai"/>
+              </a:rPr>
+              <a:t>斷</a:t>
+            </a:r>
+            <a:r>
+              <a:rPr lang="zh-CN" altLang="en-US" sz="1600" dirty="0">
+                <a:solidFill>
+                  <a:schemeClr val="tx1">
+                    <a:lumMod val="65000"/>
+                    <a:lumOff val="35000"/>
+                  </a:schemeClr>
+                </a:solidFill>
+                <a:latin typeface="Microsoft JhengHei" panose="020B0604030504040204" pitchFamily="34" charset="-120"/>
+                <a:ea typeface="Microsoft JhengHei" panose="020B0604030504040204" pitchFamily="34" charset="-120"/>
+              </a:rPr>
+              <a:t>詞</a:t>
+            </a:r>
+            <a:r>
+              <a:rPr kumimoji="1" lang="zh-CN" altLang="en-US" sz="1600" dirty="0">
+                <a:solidFill>
+                  <a:schemeClr val="tx1">
+                    <a:lumMod val="65000"/>
+                    <a:lumOff val="35000"/>
+                  </a:schemeClr>
+                </a:solidFill>
+                <a:latin typeface="微軟正黑體" pitchFamily="34" charset="-120"/>
+                <a:ea typeface="微軟正黑體" pitchFamily="34" charset="-120"/>
+                <a:cs typeface="BiauKai"/>
+              </a:rPr>
+              <a:t>｜</a:t>
+            </a:r>
+            <a:r>
+              <a:rPr lang="zh-CN" altLang="en-US" sz="1600" b="1" dirty="0">
+                <a:latin typeface="Microsoft JhengHei" panose="020B0604030504040204" pitchFamily="34" charset="-120"/>
+                <a:ea typeface="Microsoft JhengHei" panose="020B0604030504040204" pitchFamily="34" charset="-120"/>
+              </a:rPr>
+              <a:t>新聞評分模型</a:t>
+            </a:r>
+            <a:endParaRPr kumimoji="1" lang="zh-TW" altLang="en-US" sz="1600" b="1" dirty="0">
+              <a:latin typeface="微軟正黑體" pitchFamily="34" charset="-120"/>
+              <a:ea typeface="微軟正黑體" pitchFamily="34" charset="-120"/>
+              <a:cs typeface="BiauKai"/>
+            </a:endParaRPr>
+          </a:p>
+        </p:txBody>
+      </p:sp>
     </p:spTree>
     <p:extLst>
       <p:ext uri="{BB962C8B-B14F-4D97-AF65-F5344CB8AC3E}">
@@ -20888,6 +21150,20 @@
               </a:rPr>
               <a:t>現有問題描述</a:t>
             </a:r>
+            <a:r>
+              <a:rPr lang="en-US" altLang="zh-TW" dirty="0">
+                <a:latin typeface="Microsoft JhengHei" panose="020B0604030504040204" pitchFamily="34" charset="-120"/>
+                <a:ea typeface="Microsoft JhengHei" panose="020B0604030504040204" pitchFamily="34" charset="-120"/>
+              </a:rPr>
+              <a:t> &amp; </a:t>
+            </a:r>
+            <a:r>
+              <a:rPr lang="zh-TW" altLang="en-US" dirty="0">
+                <a:latin typeface="Microsoft JhengHei" panose="020B0604030504040204" pitchFamily="34" charset="-120"/>
+                <a:ea typeface="Microsoft JhengHei" panose="020B0604030504040204" pitchFamily="34" charset="-120"/>
+              </a:rPr>
+              <a:t>本專案優勢</a:t>
+            </a:r>
           </a:p>
         </p:txBody>
       </p:sp>
@@ -20909,8 +21185,8 @@
         </p:nvSpPr>
         <p:spPr>
           <a:xfrm>
-            <a:off x="2801910" y="3872345"/>
-            <a:ext cx="3540179" cy="515938"/>
+            <a:off x="1649476" y="4057721"/>
+            <a:ext cx="3540179" cy="2090044"/>
           </a:xfrm>
         </p:spPr>
         <p:txBody>
@@ -20960,6 +21236,247 @@
               <a:latin typeface="Microsoft JhengHei" panose="020B0604030504040204" pitchFamily="34" charset="-120"/>
               <a:ea typeface="Microsoft JhengHei" panose="020B0604030504040204" pitchFamily="34" charset="-120"/>
             </a:endParaRPr>
+          </a:p>
+        </p:txBody>
+      </p:sp>
+      <p:sp>
+        <p:nvSpPr>
+          <p:cNvPr id="6" name="文字版面配置區 5">
+            <a:extLst>
+              <a:ext uri="{FF2B5EF4-FFF2-40B4-BE49-F238E27FC236}">
+                <a16:creationId xmlns:a16="http://schemas.microsoft.com/office/drawing/2014/main" id="{F8CB9A80-E793-504E-8E30-6280D6E91964}"/>
+              </a:ext>
+            </a:extLst>
+          </p:cNvPr>
+          <p:cNvSpPr txBox="1">
+            <a:spLocks/>
+          </p:cNvSpPr>
+          <p:nvPr/>
+        </p:nvSpPr>
+        <p:spPr>
+          <a:xfrm>
+            <a:off x="4267495" y="3872345"/>
+            <a:ext cx="3540179" cy="2090044"/>
+          </a:xfrm>
+          <a:prstGeom prst="rect">
+            <a:avLst/>
+          </a:prstGeom>
+        </p:spPr>
+        <p:txBody>
+          <a:bodyPr vert="horz" lIns="91440" tIns="45720" rIns="91440" bIns="45720" rtlCol="0">
+            <a:noAutofit/>
+          </a:bodyPr>
+          <a:lstStyle>
+            <a:lvl1pPr marL="0" indent="0" algn="ctr" defTabSz="914400" rtl="0" eaLnBrk="1" latinLnBrk="0" hangingPunct="1">
+              <a:lnSpc>
+                <a:spcPct val="90000"/>
+              </a:lnSpc>
+              <a:spcBef>
+                <a:spcPts val="1000"/>
+              </a:spcBef>
+              <a:buFont typeface="Arial" panose="020B0604020202020204" pitchFamily="34" charset="0"/>
+              <a:buNone/>
+              <a:defRPr sz="2000" b="0" kern="1200">
+                <a:solidFill>
+                  <a:schemeClr val="tx1"/>
+                </a:solidFill>
+                <a:latin typeface="+mj-ea"/>
+                <a:ea typeface="+mj-ea"/>
+                <a:cs typeface="+mn-cs"/>
+              </a:defRPr>
+            </a:lvl1pPr>
+            <a:lvl2pPr marL="457200" indent="0" algn="l" defTabSz="914400" rtl="0" eaLnBrk="1" latinLnBrk="0" hangingPunct="1">
+              <a:lnSpc>
+                <a:spcPct val="90000"/>
+              </a:lnSpc>
+              <a:spcBef>
+                <a:spcPts val="500"/>
+              </a:spcBef>
+              <a:buFont typeface="Arial" panose="020B0604020202020204" pitchFamily="34" charset="0"/>
+              <a:buNone/>
+              <a:defRPr sz="2400" kern="1200">
+                <a:solidFill>
+                  <a:schemeClr val="tx1"/>
+                </a:solidFill>
+                <a:latin typeface="Microsoft JhengHei" panose="020B0604030504040204" pitchFamily="34" charset="-120"/>
+                <a:ea typeface="Microsoft JhengHei" panose="020B0604030504040204" pitchFamily="34" charset="-120"/>
+                <a:cs typeface="+mn-cs"/>
+              </a:defRPr>
+            </a:lvl2pPr>
+            <a:lvl3pPr marL="914400" indent="0" algn="l" defTabSz="914400" rtl="0" eaLnBrk="1" latinLnBrk="0" hangingPunct="1">
+              <a:lnSpc>
+                <a:spcPct val="90000"/>
+              </a:lnSpc>
+              <a:spcBef>
+                <a:spcPts val="500"/>
+              </a:spcBef>
+              <a:buFont typeface="Arial" panose="020B0604020202020204" pitchFamily="34" charset="0"/>
+              <a:buNone/>
+              <a:defRPr sz="2000" kern="1200">
+                <a:solidFill>
+                  <a:schemeClr val="tx1"/>
+                </a:solidFill>
+                <a:latin typeface="Microsoft JhengHei" panose="020B0604030504040204" pitchFamily="34" charset="-120"/>
+                <a:ea typeface="Microsoft JhengHei" panose="020B0604030504040204" pitchFamily="34" charset="-120"/>
+                <a:cs typeface="+mn-cs"/>
+              </a:defRPr>
+            </a:lvl3pPr>
+            <a:lvl4pPr marL="1371600" indent="0" algn="l" defTabSz="914400" rtl="0" eaLnBrk="1" latinLnBrk="0" hangingPunct="1">
+              <a:lnSpc>
+                <a:spcPct val="90000"/>
+              </a:lnSpc>
+              <a:spcBef>
+                <a:spcPts val="500"/>
+              </a:spcBef>
+              <a:buFont typeface="Arial" panose="020B0604020202020204" pitchFamily="34" charset="0"/>
+              <a:buNone/>
+              <a:defRPr sz="1800" kern="1200">
+                <a:solidFill>
+                  <a:schemeClr val="tx1"/>
+                </a:solidFill>
+                <a:latin typeface="Microsoft JhengHei" panose="020B0604030504040204" pitchFamily="34" charset="-120"/>
+                <a:ea typeface="Microsoft JhengHei" panose="020B0604030504040204" pitchFamily="34" charset="-120"/>
+                <a:cs typeface="+mn-cs"/>
+              </a:defRPr>
+            </a:lvl4pPr>
+            <a:lvl5pPr marL="1828800" indent="0" algn="l" defTabSz="914400" rtl="0" eaLnBrk="1" latinLnBrk="0" hangingPunct="1">
+              <a:lnSpc>
+                <a:spcPct val="90000"/>
+              </a:lnSpc>
+              <a:spcBef>
+                <a:spcPts val="500"/>
+              </a:spcBef>
+              <a:buFont typeface="Arial" panose="020B0604020202020204" pitchFamily="34" charset="0"/>
+              <a:buNone/>
+              <a:defRPr sz="1800" kern="1200">
+                <a:solidFill>
+                  <a:schemeClr val="tx1"/>
+                </a:solidFill>
+                <a:latin typeface="Microsoft JhengHei" panose="020B0604030504040204" pitchFamily="34" charset="-120"/>
+                <a:ea typeface="Microsoft JhengHei" panose="020B0604030504040204" pitchFamily="34" charset="-120"/>
+                <a:cs typeface="+mn-cs"/>
+              </a:defRPr>
+            </a:lvl5pPr>
+            <a:lvl6pPr marL="2514600" indent="-228600" algn="l" defTabSz="914400" rtl="0" eaLnBrk="1" latinLnBrk="0" hangingPunct="1">
+              <a:lnSpc>
+                <a:spcPct val="90000"/>
+              </a:lnSpc>
+              <a:spcBef>
+                <a:spcPts val="500"/>
+              </a:spcBef>
+              <a:buFont typeface="Arial" panose="020B0604020202020204" pitchFamily="34" charset="0"/>
+              <a:buChar char="•"/>
+              <a:defRPr sz="1800" kern="1200">
+                <a:solidFill>
+                  <a:schemeClr val="tx1"/>
+                </a:solidFill>
+                <a:latin typeface="+mn-lt"/>
+                <a:ea typeface="+mn-ea"/>
+                <a:cs typeface="+mn-cs"/>
+              </a:defRPr>
+            </a:lvl6pPr>
+            <a:lvl7pPr marL="2971800" indent="-228600" algn="l" defTabSz="914400" rtl="0" eaLnBrk="1" latinLnBrk="0" hangingPunct="1">
+              <a:lnSpc>
+                <a:spcPct val="90000"/>
+              </a:lnSpc>
+              <a:spcBef>
+                <a:spcPts val="500"/>
+              </a:spcBef>
+              <a:buFont typeface="Arial" panose="020B0604020202020204" pitchFamily="34" charset="0"/>
+              <a:buChar char="•"/>
+              <a:defRPr sz="1800" kern="1200">
+                <a:solidFill>
+                  <a:schemeClr val="tx1"/>
+                </a:solidFill>
+                <a:latin typeface="+mn-lt"/>
+                <a:ea typeface="+mn-ea"/>
+                <a:cs typeface="+mn-cs"/>
+              </a:defRPr>
+            </a:lvl7pPr>
+            <a:lvl8pPr marL="3429000" indent="-228600" algn="l" defTabSz="914400" rtl="0" eaLnBrk="1" latinLnBrk="0" hangingPunct="1">
+              <a:lnSpc>
+                <a:spcPct val="90000"/>
+              </a:lnSpc>
+              <a:spcBef>
+                <a:spcPts val="500"/>
+              </a:spcBef>
+              <a:buFont typeface="Arial" panose="020B0604020202020204" pitchFamily="34" charset="0"/>
+              <a:buChar char="•"/>
+              <a:defRPr sz="1800" kern="1200">
+                <a:solidFill>
+                  <a:schemeClr val="tx1"/>
+                </a:solidFill>
+                <a:latin typeface="+mn-lt"/>
+                <a:ea typeface="+mn-ea"/>
+                <a:cs typeface="+mn-cs"/>
+              </a:defRPr>
+            </a:lvl8pPr>
+            <a:lvl9pPr marL="3886200" indent="-228600" algn="l" defTabSz="914400" rtl="0" eaLnBrk="1" latinLnBrk="0" hangingPunct="1">
+              <a:lnSpc>
+                <a:spcPct val="90000"/>
+              </a:lnSpc>
+              <a:spcBef>
+                <a:spcPts val="500"/>
+              </a:spcBef>
+              <a:buFont typeface="Arial" panose="020B0604020202020204" pitchFamily="34" charset="0"/>
+              <a:buChar char="•"/>
+              <a:defRPr sz="1800" kern="1200">
+                <a:solidFill>
+                  <a:schemeClr val="tx1"/>
+                </a:solidFill>
+                <a:latin typeface="+mn-lt"/>
+                <a:ea typeface="+mn-ea"/>
+                <a:cs typeface="+mn-cs"/>
+              </a:defRPr>
+            </a:lvl9pPr>
+          </a:lstStyle>
+          <a:p>
+            <a:r>
+              <a:rPr lang="zh-CN" altLang="en-US" dirty="0">
+                <a:latin typeface="Microsoft JhengHei" panose="020B0604030504040204" pitchFamily="34" charset="-120"/>
+                <a:ea typeface="Microsoft JhengHei" panose="020B0604030504040204" pitchFamily="34" charset="-120"/>
+              </a:rPr>
+              <a:t>準確的新聞評分</a:t>
+            </a:r>
+            <a:endParaRPr lang="en-US" altLang="zh-CN" dirty="0">
+              <a:latin typeface="Microsoft JhengHei" panose="020B0604030504040204" pitchFamily="34" charset="-120"/>
+              <a:ea typeface="Microsoft JhengHei" panose="020B0604030504040204" pitchFamily="34" charset="-120"/>
+            </a:endParaRPr>
+          </a:p>
+          <a:p>
+            <a:r>
+              <a:rPr lang="zh-TW" altLang="en-US" dirty="0">
+                <a:latin typeface="Microsoft JhengHei" panose="020B0604030504040204" pitchFamily="34" charset="-120"/>
+                <a:ea typeface="Microsoft JhengHei" panose="020B0604030504040204" pitchFamily="34" charset="-120"/>
+              </a:rPr>
+              <a:t>過濾不重要的訊息</a:t>
+            </a:r>
+            <a:endParaRPr lang="en-US" altLang="zh-TW" dirty="0">
+              <a:latin typeface="Microsoft JhengHei" panose="020B0604030504040204" pitchFamily="34" charset="-120"/>
+              <a:ea typeface="Microsoft JhengHei" panose="020B0604030504040204" pitchFamily="34" charset="-120"/>
+            </a:endParaRPr>
+          </a:p>
+          <a:p>
+            <a:r>
+              <a:rPr lang="zh-TW" altLang="en-US" dirty="0">
+                <a:latin typeface="Microsoft JhengHei" panose="020B0604030504040204" pitchFamily="34" charset="-120"/>
+                <a:ea typeface="Microsoft JhengHei" panose="020B0604030504040204" pitchFamily="34" charset="-120"/>
+              </a:rPr>
+              <a:t>提供即時資訊</a:t>
+            </a:r>
+            <a:endParaRPr lang="en-US" altLang="zh-TW" dirty="0">
+              <a:latin typeface="Microsoft JhengHei" panose="020B0604030504040204" pitchFamily="34" charset="-120"/>
+              <a:ea typeface="Microsoft JhengHei" panose="020B0604030504040204" pitchFamily="34" charset="-120"/>
+            </a:endParaRPr>
+          </a:p>
+          <a:p>
+            <a:r>
+              <a:rPr lang="zh-CN" altLang="en-US" dirty="0">
+                <a:latin typeface="Microsoft JhengHei" panose="020B0604030504040204" pitchFamily="34" charset="-120"/>
+                <a:ea typeface="Microsoft JhengHei" panose="020B0604030504040204" pitchFamily="34" charset="-120"/>
+              </a:rPr>
+              <a:t>可作為投資參考工具</a:t>
+            </a:r>
           </a:p>
         </p:txBody>
       </p:sp>
@@ -21050,104 +21567,6 @@
               <a:t>30</a:t>
             </a:fld>
             <a:endParaRPr kumimoji="1" lang="zh-TW" altLang="en-US" dirty="0"/>
-          </a:p>
-        </p:txBody>
-      </p:sp>
-      <p:sp>
-        <p:nvSpPr>
-          <p:cNvPr id="6" name="文字方塊 5">
-            <a:extLst>
-              <a:ext uri="{FF2B5EF4-FFF2-40B4-BE49-F238E27FC236}">
-                <a16:creationId xmlns:a16="http://schemas.microsoft.com/office/drawing/2014/main" id="{EC00C08E-6F9A-174C-8591-83C779092830}"/>
-              </a:ext>
-            </a:extLst>
-          </p:cNvPr>
-          <p:cNvSpPr txBox="1"/>
-          <p:nvPr/>
-        </p:nvSpPr>
-        <p:spPr>
-          <a:xfrm>
-            <a:off x="6243119" y="120951"/>
-            <a:ext cx="2646879" cy="338554"/>
-          </a:xfrm>
-          <a:prstGeom prst="rect">
-            <a:avLst/>
-          </a:prstGeom>
-          <a:noFill/>
-        </p:spPr>
-        <p:txBody>
-          <a:bodyPr wrap="none" rtlCol="0">
-            <a:spAutoFit/>
-          </a:bodyPr>
-          <a:lstStyle/>
-          <a:p>
-            <a:pPr algn="r"/>
-            <a:r>
-              <a:rPr lang="zh-CN" altLang="en-US" sz="1600" dirty="0">
-                <a:solidFill>
-                  <a:schemeClr val="tx1">
-                    <a:lumMod val="65000"/>
-                    <a:lumOff val="35000"/>
-                  </a:schemeClr>
-                </a:solidFill>
-                <a:latin typeface="Microsoft JhengHei" panose="020B0604030504040204" pitchFamily="34" charset="-120"/>
-                <a:ea typeface="Microsoft JhengHei" panose="020B0604030504040204" pitchFamily="34" charset="-120"/>
-              </a:rPr>
-              <a:t>爬蟲</a:t>
-            </a:r>
-            <a:r>
-              <a:rPr kumimoji="1" lang="zh-CN" altLang="en-US" sz="1600" dirty="0">
-                <a:solidFill>
-                  <a:schemeClr val="tx1">
-                    <a:lumMod val="65000"/>
-                    <a:lumOff val="35000"/>
-                  </a:schemeClr>
-                </a:solidFill>
-                <a:latin typeface="微軟正黑體" pitchFamily="34" charset="-120"/>
-                <a:ea typeface="微軟正黑體" pitchFamily="34" charset="-120"/>
-                <a:cs typeface="BiauKai"/>
-              </a:rPr>
-              <a:t>｜</a:t>
-            </a:r>
-            <a:r>
-              <a:rPr lang="zh-CN" altLang="en-US" sz="1600" dirty="0">
-                <a:solidFill>
-                  <a:schemeClr val="tx1">
-                    <a:lumMod val="65000"/>
-                    <a:lumOff val="35000"/>
-                  </a:schemeClr>
-                </a:solidFill>
-                <a:latin typeface="Microsoft JhengHei" panose="020B0604030504040204" pitchFamily="34" charset="-120"/>
-                <a:ea typeface="Microsoft JhengHei" panose="020B0604030504040204" pitchFamily="34" charset="-120"/>
-              </a:rPr>
-              <a:t>切詞</a:t>
-            </a:r>
-            <a:r>
-              <a:rPr kumimoji="1" lang="zh-CN" altLang="en-US" sz="1600" dirty="0">
-                <a:solidFill>
-                  <a:schemeClr val="tx1">
-                    <a:lumMod val="65000"/>
-                    <a:lumOff val="35000"/>
-                  </a:schemeClr>
-                </a:solidFill>
-                <a:latin typeface="微軟正黑體" pitchFamily="34" charset="-120"/>
-                <a:ea typeface="微軟正黑體" pitchFamily="34" charset="-120"/>
-                <a:cs typeface="BiauKai"/>
-              </a:rPr>
-              <a:t>｜</a:t>
-            </a:r>
-            <a:r>
-              <a:rPr lang="zh-CN" altLang="en-US" sz="1600" b="1" dirty="0">
-                <a:latin typeface="Microsoft JhengHei" panose="020B0604030504040204" pitchFamily="34" charset="-120"/>
-                <a:ea typeface="Microsoft JhengHei" panose="020B0604030504040204" pitchFamily="34" charset="-120"/>
-              </a:rPr>
-              <a:t>新聞評分模型</a:t>
-            </a:r>
-            <a:endParaRPr kumimoji="1" lang="zh-TW" altLang="en-US" sz="1600" b="1" dirty="0">
-              <a:latin typeface="微軟正黑體" pitchFamily="34" charset="-120"/>
-              <a:ea typeface="微軟正黑體" pitchFamily="34" charset="-120"/>
-              <a:cs typeface="BiauKai"/>
-            </a:endParaRPr>
           </a:p>
         </p:txBody>
       </p:sp>
@@ -22813,6 +23232,118 @@
           </a:p>
         </p:txBody>
       </p:sp>
+      <p:sp>
+        <p:nvSpPr>
+          <p:cNvPr id="10" name="文字方塊 9">
+            <a:extLst>
+              <a:ext uri="{FF2B5EF4-FFF2-40B4-BE49-F238E27FC236}">
+                <a16:creationId xmlns:a16="http://schemas.microsoft.com/office/drawing/2014/main" id="{3078E433-6155-FC4B-B492-227504CEAB43}"/>
+              </a:ext>
+            </a:extLst>
+          </p:cNvPr>
+          <p:cNvSpPr txBox="1"/>
+          <p:nvPr/>
+        </p:nvSpPr>
+        <p:spPr>
+          <a:xfrm>
+            <a:off x="6243120" y="120951"/>
+            <a:ext cx="2646878" cy="338554"/>
+          </a:xfrm>
+          <a:prstGeom prst="rect">
+            <a:avLst/>
+          </a:prstGeom>
+          <a:noFill/>
+        </p:spPr>
+        <p:txBody>
+          <a:bodyPr wrap="none" rtlCol="0">
+            <a:spAutoFit/>
+          </a:bodyPr>
+          <a:lstStyle/>
+          <a:p>
+            <a:pPr algn="r"/>
+            <a:r>
+              <a:rPr lang="zh-CN" altLang="en-US" sz="1600" dirty="0">
+                <a:solidFill>
+                  <a:schemeClr val="tx1">
+                    <a:lumMod val="65000"/>
+                    <a:lumOff val="35000"/>
+                  </a:schemeClr>
+                </a:solidFill>
+                <a:latin typeface="Microsoft JhengHei" panose="020B0604030504040204" pitchFamily="34" charset="-120"/>
+                <a:ea typeface="Microsoft JhengHei" panose="020B0604030504040204" pitchFamily="34" charset="-120"/>
+              </a:rPr>
+              <a:t>爬蟲</a:t>
+            </a:r>
+            <a:r>
+              <a:rPr kumimoji="1" lang="zh-CN" altLang="en-US" sz="1600" dirty="0">
+                <a:solidFill>
+                  <a:schemeClr val="tx1">
+                    <a:lumMod val="65000"/>
+                    <a:lumOff val="35000"/>
+                  </a:schemeClr>
+                </a:solidFill>
+                <a:latin typeface="微軟正黑體" pitchFamily="34" charset="-120"/>
+                <a:ea typeface="微軟正黑體" pitchFamily="34" charset="-120"/>
+                <a:cs typeface="BiauKai"/>
+              </a:rPr>
+              <a:t>｜</a:t>
+            </a:r>
+            <a:r>
+              <a:rPr kumimoji="1" lang="zh-CN" altLang="en-US" sz="1600" dirty="0">
+                <a:solidFill>
+                  <a:schemeClr val="tx1">
+                    <a:lumMod val="65000"/>
+                    <a:lumOff val="35000"/>
+                  </a:schemeClr>
+                </a:solidFill>
+                <a:latin typeface="Microsoft JhengHei" panose="020B0604030504040204" pitchFamily="34" charset="-120"/>
+                <a:ea typeface="Microsoft JhengHei" panose="020B0604030504040204" pitchFamily="34" charset="-120"/>
+                <a:cs typeface="BiauKai"/>
+              </a:rPr>
+              <a:t>斷</a:t>
+            </a:r>
+            <a:r>
+              <a:rPr lang="zh-CN" altLang="en-US" sz="1600" dirty="0">
+                <a:solidFill>
+                  <a:schemeClr val="tx1">
+                    <a:lumMod val="65000"/>
+                    <a:lumOff val="35000"/>
+                  </a:schemeClr>
+                </a:solidFill>
+                <a:latin typeface="Microsoft JhengHei" panose="020B0604030504040204" pitchFamily="34" charset="-120"/>
+                <a:ea typeface="Microsoft JhengHei" panose="020B0604030504040204" pitchFamily="34" charset="-120"/>
+              </a:rPr>
+              <a:t>詞</a:t>
+            </a:r>
+            <a:r>
+              <a:rPr kumimoji="1" lang="zh-CN" altLang="en-US" sz="1600" dirty="0">
+                <a:solidFill>
+                  <a:schemeClr val="tx1">
+                    <a:lumMod val="65000"/>
+                    <a:lumOff val="35000"/>
+                  </a:schemeClr>
+                </a:solidFill>
+                <a:latin typeface="微軟正黑體" pitchFamily="34" charset="-120"/>
+                <a:ea typeface="微軟正黑體" pitchFamily="34" charset="-120"/>
+                <a:cs typeface="BiauKai"/>
+              </a:rPr>
+              <a:t>｜</a:t>
+            </a:r>
+            <a:r>
+              <a:rPr lang="zh-CN" altLang="en-US" sz="1600" b="1" dirty="0">
+                <a:latin typeface="Microsoft JhengHei" panose="020B0604030504040204" pitchFamily="34" charset="-120"/>
+                <a:ea typeface="Microsoft JhengHei" panose="020B0604030504040204" pitchFamily="34" charset="-120"/>
+              </a:rPr>
+              <a:t>新聞評分模型</a:t>
+            </a:r>
+            <a:endParaRPr kumimoji="1" lang="zh-TW" altLang="en-US" sz="1600" b="1" dirty="0">
+              <a:latin typeface="微軟正黑體" pitchFamily="34" charset="-120"/>
+              <a:ea typeface="微軟正黑體" pitchFamily="34" charset="-120"/>
+              <a:cs typeface="BiauKai"/>
+            </a:endParaRPr>
+          </a:p>
+        </p:txBody>
+      </p:sp>
     </p:spTree>
     <p:extLst>
       <p:ext uri="{BB962C8B-B14F-4D97-AF65-F5344CB8AC3E}">
@@ -28064,7 +28595,7 @@
                 <a:latin typeface="Microsoft JhengHei" panose="020B0604030504040204" pitchFamily="34" charset="-120"/>
                 <a:ea typeface="Microsoft JhengHei" panose="020B0604030504040204" pitchFamily="34" charset="-120"/>
               </a:rPr>
-              <a:t>等資料存放在資料庫中，未來公司需要做使用即可直接做存取</a:t>
+              <a:t>等資料存放在資料庫中，若未來公司需要使用即可直接存取</a:t>
             </a:r>
             <a:endParaRPr kumimoji="1" lang="en-US" altLang="zh-TW" dirty="0">
               <a:latin typeface="Microsoft JhengHei" panose="020B0604030504040204" pitchFamily="34" charset="-120"/>
@@ -29118,12 +29649,17 @@
         </p:blipFill>
         <p:spPr>
           <a:xfrm>
-            <a:off x="284335" y="4139238"/>
-            <a:ext cx="3271064" cy="1582304"/>
+            <a:off x="284334" y="4139237"/>
+            <a:ext cx="3587699" cy="1735469"/>
           </a:xfrm>
           <a:prstGeom prst="rect">
             <a:avLst/>
           </a:prstGeom>
+          <a:ln>
+            <a:solidFill>
+              <a:schemeClr val="tx1"/>
+            </a:solidFill>
+          </a:ln>
         </p:spPr>
       </p:pic>
       <p:pic>
@@ -29246,7 +29782,7 @@
     </p:spTree>
     <p:extLst>
       <p:ext uri="{BB962C8B-B14F-4D97-AF65-F5344CB8AC3E}">
-        <p14:creationId xmlns:p14="http://schemas.microsoft.com/office/powerpoint/2010/main" val="2911905980"/>
+        <p14:creationId xmlns:p14="http://schemas.microsoft.com/office/powerpoint/2010/main" val="2360991936"/>
       </p:ext>
     </p:extLst>
   </p:cSld>
@@ -31394,12 +31930,72 @@
           <a:chExt cx="0" cy="0"/>
         </a:xfrm>
       </p:grpSpPr>
+      <p:sp>
+        <p:nvSpPr>
+          <p:cNvPr id="4" name="日期版面配置區 3">
+            <a:extLst>
+              <a:ext uri="{FF2B5EF4-FFF2-40B4-BE49-F238E27FC236}">
+                <a16:creationId xmlns:a16="http://schemas.microsoft.com/office/drawing/2014/main" id="{DB8A2E08-72E2-2240-9E32-D42E11AFC2F7}"/>
+              </a:ext>
+            </a:extLst>
+          </p:cNvPr>
+          <p:cNvSpPr>
+            <a:spLocks noGrp="1"/>
+          </p:cNvSpPr>
+          <p:nvPr>
+            <p:ph type="dt" sz="half" idx="10"/>
+          </p:nvPr>
+        </p:nvSpPr>
+        <p:spPr/>
+        <p:txBody>
+          <a:bodyPr/>
+          <a:lstStyle/>
+          <a:p>
+            <a:fld id="{868F4FC5-FE50-A64D-A7E3-22233A0C6925}" type="datetime1">
+              <a:rPr kumimoji="1" lang="zh-TW" altLang="en-US" smtClean="0"/>
+              <a:pPr/>
+              <a:t>2020/6/18</a:t>
+            </a:fld>
+            <a:endParaRPr kumimoji="1" lang="zh-TW" altLang="en-US" dirty="0"/>
+          </a:p>
+        </p:txBody>
+      </p:sp>
+      <p:sp>
+        <p:nvSpPr>
+          <p:cNvPr id="5" name="投影片編號版面配置區 4">
+            <a:extLst>
+              <a:ext uri="{FF2B5EF4-FFF2-40B4-BE49-F238E27FC236}">
+                <a16:creationId xmlns:a16="http://schemas.microsoft.com/office/drawing/2014/main" id="{4ECCBDE9-52C1-BD49-926A-A91DB688DB5C}"/>
+              </a:ext>
+            </a:extLst>
+          </p:cNvPr>
+          <p:cNvSpPr>
+            <a:spLocks noGrp="1"/>
+          </p:cNvSpPr>
+          <p:nvPr>
+            <p:ph type="sldNum" sz="quarter" idx="12"/>
+          </p:nvPr>
+        </p:nvSpPr>
+        <p:spPr/>
+        <p:txBody>
+          <a:bodyPr/>
+          <a:lstStyle/>
+          <a:p>
+            <a:fld id="{80929F01-733D-5847-83A7-C9CEA74310DB}" type="slidenum">
+              <a:rPr kumimoji="1" lang="zh-TW" altLang="en-US" smtClean="0"/>
+              <a:pPr/>
+              <a:t>5</a:t>
+            </a:fld>
+            <a:endParaRPr kumimoji="1" lang="zh-TW" altLang="en-US" dirty="0"/>
+          </a:p>
+        </p:txBody>
+      </p:sp>
       <p:cxnSp>
         <p:nvCxnSpPr>
-          <p:cNvPr id="38" name="接點: 肘形 37">
-            <a:extLst>
-              <a:ext uri="{FF2B5EF4-FFF2-40B4-BE49-F238E27FC236}">
-                <a16:creationId xmlns:a16="http://schemas.microsoft.com/office/drawing/2014/main" id="{AE69C117-3A93-4410-8D5E-359CB67AC4F2}"/>
+          <p:cNvPr id="21" name="接點: 肘形 37">
+            <a:extLst>
+              <a:ext uri="{FF2B5EF4-FFF2-40B4-BE49-F238E27FC236}">
+                <a16:creationId xmlns:a16="http://schemas.microsoft.com/office/drawing/2014/main" id="{9C99570A-3C69-8544-8411-51A1C7F9BCC2}"/>
               </a:ext>
             </a:extLst>
           </p:cNvPr>
@@ -31437,10 +32033,10 @@
       </p:cxnSp>
       <p:cxnSp>
         <p:nvCxnSpPr>
-          <p:cNvPr id="34" name="接點: 肘形 33">
-            <a:extLst>
-              <a:ext uri="{FF2B5EF4-FFF2-40B4-BE49-F238E27FC236}">
-                <a16:creationId xmlns:a16="http://schemas.microsoft.com/office/drawing/2014/main" id="{FDD617E3-A5F6-4619-B46D-3D78B49637C0}"/>
+          <p:cNvPr id="22" name="接點: 肘形 33">
+            <a:extLst>
+              <a:ext uri="{FF2B5EF4-FFF2-40B4-BE49-F238E27FC236}">
+                <a16:creationId xmlns:a16="http://schemas.microsoft.com/office/drawing/2014/main" id="{CCAAD455-8739-8443-9E14-7824572E3408}"/>
               </a:ext>
             </a:extLst>
           </p:cNvPr>
@@ -31478,10 +32074,10 @@
       </p:cxnSp>
       <p:cxnSp>
         <p:nvCxnSpPr>
-          <p:cNvPr id="26" name="接點: 肘形 25">
-            <a:extLst>
-              <a:ext uri="{FF2B5EF4-FFF2-40B4-BE49-F238E27FC236}">
-                <a16:creationId xmlns:a16="http://schemas.microsoft.com/office/drawing/2014/main" id="{1BF3C86D-1C66-4FFC-9010-ED16C145B5C5}"/>
+          <p:cNvPr id="23" name="接點: 肘形 25">
+            <a:extLst>
+              <a:ext uri="{FF2B5EF4-FFF2-40B4-BE49-F238E27FC236}">
+                <a16:creationId xmlns:a16="http://schemas.microsoft.com/office/drawing/2014/main" id="{836DF04F-2B9B-EB42-A2CE-493071108E6A}"/>
               </a:ext>
             </a:extLst>
           </p:cNvPr>
@@ -31519,10 +32115,10 @@
       </p:cxnSp>
       <p:cxnSp>
         <p:nvCxnSpPr>
-          <p:cNvPr id="25" name="接點: 肘形 24">
-            <a:extLst>
-              <a:ext uri="{FF2B5EF4-FFF2-40B4-BE49-F238E27FC236}">
-                <a16:creationId xmlns:a16="http://schemas.microsoft.com/office/drawing/2014/main" id="{3A5D7370-D243-497A-B821-241BC8B4BE56}"/>
+          <p:cNvPr id="24" name="接點: 肘形 24">
+            <a:extLst>
+              <a:ext uri="{FF2B5EF4-FFF2-40B4-BE49-F238E27FC236}">
+                <a16:creationId xmlns:a16="http://schemas.microsoft.com/office/drawing/2014/main" id="{E4FD6968-9F02-8540-8585-C06B822B0F4A}"/>
               </a:ext>
             </a:extLst>
           </p:cNvPr>
@@ -31556,10 +32152,10 @@
       </p:cxnSp>
       <p:sp>
         <p:nvSpPr>
-          <p:cNvPr id="20" name="矩形: 圓角 17">
-            <a:extLst>
-              <a:ext uri="{FF2B5EF4-FFF2-40B4-BE49-F238E27FC236}">
-                <a16:creationId xmlns:a16="http://schemas.microsoft.com/office/drawing/2014/main" id="{A0F62683-5185-4FB5-9CFB-FA0A0675D4BB}"/>
+          <p:cNvPr id="25" name="矩形: 圓角 17">
+            <a:extLst>
+              <a:ext uri="{FF2B5EF4-FFF2-40B4-BE49-F238E27FC236}">
+                <a16:creationId xmlns:a16="http://schemas.microsoft.com/office/drawing/2014/main" id="{0EC6249B-2BCF-064D-AE7D-6C4D9DF73461}"/>
               </a:ext>
             </a:extLst>
           </p:cNvPr>
@@ -31610,10 +32206,10 @@
       </p:sp>
       <p:sp>
         <p:nvSpPr>
-          <p:cNvPr id="16" name="橢圓 15">
-            <a:extLst>
-              <a:ext uri="{FF2B5EF4-FFF2-40B4-BE49-F238E27FC236}">
-                <a16:creationId xmlns:a16="http://schemas.microsoft.com/office/drawing/2014/main" id="{48A4D18A-7FFA-4261-8AC1-14C2ACA34654}"/>
+          <p:cNvPr id="26" name="橢圓 25">
+            <a:extLst>
+              <a:ext uri="{FF2B5EF4-FFF2-40B4-BE49-F238E27FC236}">
+                <a16:creationId xmlns:a16="http://schemas.microsoft.com/office/drawing/2014/main" id="{CEFCADC6-5065-F142-A010-96444F306AFD}"/>
               </a:ext>
             </a:extLst>
           </p:cNvPr>
@@ -31662,10 +32258,10 @@
       </p:sp>
       <p:sp>
         <p:nvSpPr>
-          <p:cNvPr id="13" name="矩形: 圓角 17">
-            <a:extLst>
-              <a:ext uri="{FF2B5EF4-FFF2-40B4-BE49-F238E27FC236}">
-                <a16:creationId xmlns:a16="http://schemas.microsoft.com/office/drawing/2014/main" id="{155E6A49-26D1-43B6-856B-D7483097C99E}"/>
+          <p:cNvPr id="27" name="矩形: 圓角 17">
+            <a:extLst>
+              <a:ext uri="{FF2B5EF4-FFF2-40B4-BE49-F238E27FC236}">
+                <a16:creationId xmlns:a16="http://schemas.microsoft.com/office/drawing/2014/main" id="{9DACD3BD-E23E-AC48-9F3E-D596C148A444}"/>
               </a:ext>
             </a:extLst>
           </p:cNvPr>
@@ -31716,110 +32312,10 @@
       </p:sp>
       <p:sp>
         <p:nvSpPr>
-          <p:cNvPr id="3" name="副標題 2">
-            <a:extLst>
-              <a:ext uri="{FF2B5EF4-FFF2-40B4-BE49-F238E27FC236}">
-                <a16:creationId xmlns:a16="http://schemas.microsoft.com/office/drawing/2014/main" id="{CBEF5A84-67B8-4093-8B37-E4EF2C27CF2B}"/>
-              </a:ext>
-            </a:extLst>
-          </p:cNvPr>
-          <p:cNvSpPr>
-            <a:spLocks noGrp="1"/>
-          </p:cNvSpPr>
-          <p:nvPr>
-            <p:ph type="subTitle" idx="1"/>
-          </p:nvPr>
-        </p:nvSpPr>
-        <p:spPr>
-          <a:xfrm>
-            <a:off x="1315982" y="827291"/>
-            <a:ext cx="6858000" cy="523727"/>
-          </a:xfrm>
-        </p:spPr>
-        <p:txBody>
-          <a:bodyPr>
-            <a:normAutofit fontScale="92500" lnSpcReduction="10000"/>
-          </a:bodyPr>
-          <a:lstStyle/>
-          <a:p>
-            <a:r>
-              <a:rPr lang="zh-TW" altLang="en-US" sz="3600" b="1" spc="-5" dirty="0">
-                <a:solidFill>
-                  <a:srgbClr val="4AAC99"/>
-                </a:solidFill>
-                <a:latin typeface="微軟正黑體" pitchFamily="34" charset="-120"/>
-                <a:ea typeface="微軟正黑體" pitchFamily="34" charset="-120"/>
-                <a:cs typeface="+mj-cs"/>
-              </a:rPr>
-              <a:t>產品用途</a:t>
-            </a:r>
-          </a:p>
-        </p:txBody>
-      </p:sp>
-      <p:sp>
-        <p:nvSpPr>
-          <p:cNvPr id="4" name="日期版面配置區 3">
-            <a:extLst>
-              <a:ext uri="{FF2B5EF4-FFF2-40B4-BE49-F238E27FC236}">
-                <a16:creationId xmlns:a16="http://schemas.microsoft.com/office/drawing/2014/main" id="{DB21991C-7C73-4C6E-BAE0-59420D867BCF}"/>
-              </a:ext>
-            </a:extLst>
-          </p:cNvPr>
-          <p:cNvSpPr>
-            <a:spLocks noGrp="1"/>
-          </p:cNvSpPr>
-          <p:nvPr>
-            <p:ph type="dt" sz="half" idx="10"/>
-          </p:nvPr>
-        </p:nvSpPr>
-        <p:spPr/>
-        <p:txBody>
-          <a:bodyPr/>
-          <a:lstStyle/>
-          <a:p>
-            <a:fld id="{FAC3B233-0F11-2949-9778-845E9C940E45}" type="datetime1">
-              <a:rPr kumimoji="1" lang="zh-TW" altLang="en-US" smtClean="0"/>
-              <a:t>2020/6/18</a:t>
-            </a:fld>
-            <a:endParaRPr kumimoji="1" lang="zh-TW" altLang="en-US"/>
-          </a:p>
-        </p:txBody>
-      </p:sp>
-      <p:sp>
-        <p:nvSpPr>
-          <p:cNvPr id="5" name="投影片編號版面配置區 4">
-            <a:extLst>
-              <a:ext uri="{FF2B5EF4-FFF2-40B4-BE49-F238E27FC236}">
-                <a16:creationId xmlns:a16="http://schemas.microsoft.com/office/drawing/2014/main" id="{13A3784C-3C30-4FD5-95D8-598A61206CE1}"/>
-              </a:ext>
-            </a:extLst>
-          </p:cNvPr>
-          <p:cNvSpPr>
-            <a:spLocks noGrp="1"/>
-          </p:cNvSpPr>
-          <p:nvPr>
-            <p:ph type="sldNum" sz="quarter" idx="12"/>
-          </p:nvPr>
-        </p:nvSpPr>
-        <p:spPr/>
-        <p:txBody>
-          <a:bodyPr/>
-          <a:lstStyle/>
-          <a:p>
-            <a:fld id="{80929F01-733D-5847-83A7-C9CEA74310DB}" type="slidenum">
-              <a:rPr kumimoji="1" lang="zh-TW" altLang="en-US" smtClean="0"/>
-              <a:t>5</a:t>
-            </a:fld>
-            <a:endParaRPr kumimoji="1" lang="zh-TW" altLang="en-US"/>
-          </a:p>
-        </p:txBody>
-      </p:sp>
-      <p:sp>
-        <p:nvSpPr>
-          <p:cNvPr id="11" name="文字方塊 10">
-            <a:extLst>
-              <a:ext uri="{FF2B5EF4-FFF2-40B4-BE49-F238E27FC236}">
-                <a16:creationId xmlns:a16="http://schemas.microsoft.com/office/drawing/2014/main" id="{B3949AFD-133D-429B-9769-4B195B8BC5F3}"/>
+          <p:cNvPr id="29" name="文字方塊 28">
+            <a:extLst>
+              <a:ext uri="{FF2B5EF4-FFF2-40B4-BE49-F238E27FC236}">
+                <a16:creationId xmlns:a16="http://schemas.microsoft.com/office/drawing/2014/main" id="{36A58E5D-0637-0C49-AEF6-CBA6BEA7ABB4}"/>
               </a:ext>
             </a:extLst>
           </p:cNvPr>
@@ -31859,10 +32355,10 @@
       </p:sp>
       <p:pic>
         <p:nvPicPr>
-          <p:cNvPr id="15" name="內容版面配置區 3">
-            <a:extLst>
-              <a:ext uri="{FF2B5EF4-FFF2-40B4-BE49-F238E27FC236}">
-                <a16:creationId xmlns:a16="http://schemas.microsoft.com/office/drawing/2014/main" id="{F138891A-2302-41D1-A458-03DBCFDA9D1B}"/>
+          <p:cNvPr id="30" name="內容版面配置區 3">
+            <a:extLst>
+              <a:ext uri="{FF2B5EF4-FFF2-40B4-BE49-F238E27FC236}">
+                <a16:creationId xmlns:a16="http://schemas.microsoft.com/office/drawing/2014/main" id="{B0A5DD23-53AF-0C4C-B87D-38C34C182FE7}"/>
               </a:ext>
             </a:extLst>
           </p:cNvPr>
@@ -31893,10 +32389,10 @@
       </p:pic>
       <p:sp>
         <p:nvSpPr>
-          <p:cNvPr id="18" name="文字方塊 17">
-            <a:extLst>
-              <a:ext uri="{FF2B5EF4-FFF2-40B4-BE49-F238E27FC236}">
-                <a16:creationId xmlns:a16="http://schemas.microsoft.com/office/drawing/2014/main" id="{1077980B-815F-4308-95CF-D98C596963AC}"/>
+          <p:cNvPr id="31" name="文字方塊 30">
+            <a:extLst>
+              <a:ext uri="{FF2B5EF4-FFF2-40B4-BE49-F238E27FC236}">
+                <a16:creationId xmlns:a16="http://schemas.microsoft.com/office/drawing/2014/main" id="{B1C82948-D084-7244-8EAA-8283FDA6C3F7}"/>
               </a:ext>
             </a:extLst>
           </p:cNvPr>
@@ -31936,10 +32432,10 @@
       </p:sp>
       <p:sp>
         <p:nvSpPr>
-          <p:cNvPr id="19" name="矩形: 圓角 17">
-            <a:extLst>
-              <a:ext uri="{FF2B5EF4-FFF2-40B4-BE49-F238E27FC236}">
-                <a16:creationId xmlns:a16="http://schemas.microsoft.com/office/drawing/2014/main" id="{2890B409-9EF7-4B36-9204-AE6A455A213F}"/>
+          <p:cNvPr id="32" name="矩形: 圓角 17">
+            <a:extLst>
+              <a:ext uri="{FF2B5EF4-FFF2-40B4-BE49-F238E27FC236}">
+                <a16:creationId xmlns:a16="http://schemas.microsoft.com/office/drawing/2014/main" id="{E69BC57C-D995-1E40-853C-1A97E8E87C83}"/>
               </a:ext>
             </a:extLst>
           </p:cNvPr>
@@ -31990,10 +32486,10 @@
       </p:sp>
       <p:sp>
         <p:nvSpPr>
-          <p:cNvPr id="21" name="文字方塊 20">
-            <a:extLst>
-              <a:ext uri="{FF2B5EF4-FFF2-40B4-BE49-F238E27FC236}">
-                <a16:creationId xmlns:a16="http://schemas.microsoft.com/office/drawing/2014/main" id="{86712359-9ABA-4C7B-B069-ACA544C27E4C}"/>
+          <p:cNvPr id="33" name="文字方塊 32">
+            <a:extLst>
+              <a:ext uri="{FF2B5EF4-FFF2-40B4-BE49-F238E27FC236}">
+                <a16:creationId xmlns:a16="http://schemas.microsoft.com/office/drawing/2014/main" id="{D547F01D-5B8E-3B4E-B69D-5BA2CEEBBA61}"/>
               </a:ext>
             </a:extLst>
           </p:cNvPr>
@@ -32033,10 +32529,10 @@
       </p:sp>
       <p:sp>
         <p:nvSpPr>
-          <p:cNvPr id="22" name="矩形: 圓角 17">
-            <a:extLst>
-              <a:ext uri="{FF2B5EF4-FFF2-40B4-BE49-F238E27FC236}">
-                <a16:creationId xmlns:a16="http://schemas.microsoft.com/office/drawing/2014/main" id="{661CC909-D0F8-45E6-A6EF-8D30274F8F90}"/>
+          <p:cNvPr id="34" name="矩形: 圓角 17">
+            <a:extLst>
+              <a:ext uri="{FF2B5EF4-FFF2-40B4-BE49-F238E27FC236}">
+                <a16:creationId xmlns:a16="http://schemas.microsoft.com/office/drawing/2014/main" id="{39DEC940-E3E0-A144-B7B0-0AF0008286AE}"/>
               </a:ext>
             </a:extLst>
           </p:cNvPr>
@@ -32087,10 +32583,10 @@
       </p:sp>
       <p:sp>
         <p:nvSpPr>
-          <p:cNvPr id="23" name="文字方塊 22">
-            <a:extLst>
-              <a:ext uri="{FF2B5EF4-FFF2-40B4-BE49-F238E27FC236}">
-                <a16:creationId xmlns:a16="http://schemas.microsoft.com/office/drawing/2014/main" id="{25D084A8-5D7E-44A6-A5DD-EB16F65496F8}"/>
+          <p:cNvPr id="35" name="文字方塊 34">
+            <a:extLst>
+              <a:ext uri="{FF2B5EF4-FFF2-40B4-BE49-F238E27FC236}">
+                <a16:creationId xmlns:a16="http://schemas.microsoft.com/office/drawing/2014/main" id="{3B736F2A-E3D2-7347-81AC-04FD70706F01}"/>
               </a:ext>
             </a:extLst>
           </p:cNvPr>
@@ -32128,10 +32624,45 @@
           </a:p>
         </p:txBody>
       </p:sp>
+      <p:sp>
+        <p:nvSpPr>
+          <p:cNvPr id="36" name="標題 1">
+            <a:extLst>
+              <a:ext uri="{FF2B5EF4-FFF2-40B4-BE49-F238E27FC236}">
+                <a16:creationId xmlns:a16="http://schemas.microsoft.com/office/drawing/2014/main" id="{809C82CD-B394-D54D-8153-F6686D191074}"/>
+              </a:ext>
+            </a:extLst>
+          </p:cNvPr>
+          <p:cNvSpPr>
+            <a:spLocks noGrp="1"/>
+          </p:cNvSpPr>
+          <p:nvPr>
+            <p:ph type="title"/>
+          </p:nvPr>
+        </p:nvSpPr>
+        <p:spPr>
+          <a:xfrm>
+            <a:off x="568433" y="461177"/>
+            <a:ext cx="7886700" cy="599076"/>
+          </a:xfrm>
+        </p:spPr>
+        <p:txBody>
+          <a:bodyPr>
+            <a:normAutofit/>
+          </a:bodyPr>
+          <a:lstStyle/>
+          <a:p>
+            <a:r>
+              <a:rPr kumimoji="1" lang="zh-TW" altLang="en-US" dirty="0"/>
+              <a:t>本專案產品用途與競爭優勢</a:t>
+            </a:r>
+          </a:p>
+        </p:txBody>
+      </p:sp>
     </p:spTree>
     <p:extLst>
       <p:ext uri="{BB962C8B-B14F-4D97-AF65-F5344CB8AC3E}">
-        <p14:creationId xmlns:p14="http://schemas.microsoft.com/office/powerpoint/2010/main" val="1002808003"/>
+        <p14:creationId xmlns:p14="http://schemas.microsoft.com/office/powerpoint/2010/main" val="4023016231"/>
       </p:ext>
     </p:extLst>
   </p:cSld>
@@ -32236,7 +32767,7 @@
         </p:nvSpPr>
         <p:spPr>
           <a:xfrm>
-            <a:off x="554109" y="356398"/>
+            <a:off x="628650" y="291518"/>
             <a:ext cx="7886700" cy="979392"/>
           </a:xfrm>
         </p:spPr>
@@ -32252,11 +32783,11 @@
             </a:r>
             <a:r>
               <a:rPr lang="en-US" altLang="zh-TW" dirty="0"/>
-              <a:t>—</a:t>
+              <a:t>  </a:t>
             </a:r>
             <a:r>
               <a:rPr lang="zh-TW" altLang="en-US" dirty="0"/>
-              <a:t>新聞評分：</a:t>
+              <a:t>準確的新聞評分：</a:t>
             </a:r>
             <a:br>
               <a:rPr lang="en-US" altLang="zh-TW" dirty="0"/>
@@ -33078,15 +33609,15 @@
           <a:p>
             <a:r>
               <a:rPr lang="zh-TW" altLang="en-US" dirty="0"/>
-              <a:t>優勢二</a:t>
+              <a:t>優勢二 </a:t>
             </a:r>
             <a:r>
               <a:rPr lang="en-US" altLang="zh-TW" dirty="0"/>
-              <a:t>—</a:t>
+              <a:t> </a:t>
             </a:r>
             <a:r>
               <a:rPr lang="zh-TW" altLang="en-US" dirty="0"/>
-              <a:t>過濾訊息：</a:t>
+              <a:t>過濾不重要的訊息：</a:t>
             </a:r>
             <a:br>
               <a:rPr lang="en-US" altLang="zh-TW" dirty="0"/>
@@ -33938,7 +34469,7 @@
         </p:nvSpPr>
         <p:spPr>
           <a:xfrm>
-            <a:off x="628650" y="349655"/>
+            <a:off x="628650" y="287025"/>
             <a:ext cx="7886700" cy="858679"/>
           </a:xfrm>
         </p:spPr>
@@ -33954,11 +34485,11 @@
             </a:r>
             <a:r>
               <a:rPr lang="en-US" altLang="zh-TW" dirty="0"/>
-              <a:t>—</a:t>
+              <a:t>  </a:t>
             </a:r>
             <a:r>
               <a:rPr lang="zh-TW" altLang="en-US" dirty="0"/>
-              <a:t>即時資訊：</a:t>
+              <a:t>提供即時資訊：</a:t>
             </a:r>
             <a:br>
               <a:rPr kumimoji="1" lang="en-US" altLang="zh-TW" dirty="0"/>
@@ -34825,15 +35356,18 @@
           <a:p>
             <a:r>
               <a:rPr lang="zh-TW" altLang="en-US" dirty="0"/>
-              <a:t>優勢四</a:t>
-            </a:r>
-            <a:r>
-              <a:rPr lang="en-US" altLang="zh-TW" dirty="0"/>
-              <a:t>—</a:t>
+              <a:t>優勢四  </a:t>
+            </a:r>
+            <a:r>
+              <a:rPr lang="zh-CN" altLang="en-US" dirty="0">
+                <a:latin typeface="Microsoft JhengHei" panose="020B0604030504040204" pitchFamily="34" charset="-120"/>
+                <a:ea typeface="Microsoft JhengHei" panose="020B0604030504040204" pitchFamily="34" charset="-120"/>
+              </a:rPr>
+              <a:t>可作為投資參考工具</a:t>
             </a:r>
             <a:r>
               <a:rPr lang="zh-TW" altLang="en-US" dirty="0"/>
-              <a:t>投資參考：</a:t>
+              <a:t>：</a:t>
             </a:r>
             <a:br>
               <a:rPr kumimoji="1" lang="en-US" altLang="zh-TW" dirty="0"/>
@@ -34989,7 +35523,7 @@
         </p:nvSpPr>
         <p:spPr>
           <a:xfrm>
-            <a:off x="1144409" y="1195079"/>
+            <a:off x="1181987" y="1295287"/>
             <a:ext cx="3083282" cy="4673579"/>
           </a:xfrm>
           <a:prstGeom prst="roundRect">
@@ -35716,7 +36250,7 @@
     </p:spTree>
     <p:extLst>
       <p:ext uri="{BB962C8B-B14F-4D97-AF65-F5344CB8AC3E}">
-        <p14:creationId xmlns:p14="http://schemas.microsoft.com/office/powerpoint/2010/main" val="125049985"/>
+        <p14:creationId xmlns:p14="http://schemas.microsoft.com/office/powerpoint/2010/main" val="767785886"/>
       </p:ext>
     </p:extLst>
   </p:cSld>

--- a/報告擋/Fintech.pptx
+++ b/報告擋/Fintech.pptx
@@ -3251,99 +3251,12 @@
           <a:chExt cx="0" cy="0"/>
         </a:xfrm>
       </p:grpSpPr>
-      <p:sp>
-        <p:nvSpPr>
-          <p:cNvPr id="2" name="標題 1">
-            <a:extLst>
-              <a:ext uri="{FF2B5EF4-FFF2-40B4-BE49-F238E27FC236}">
-                <a16:creationId xmlns:a16="http://schemas.microsoft.com/office/drawing/2014/main" id="{21D46EF1-12EA-C94F-9F03-C7FE589E8C7A}"/>
-              </a:ext>
-            </a:extLst>
-          </p:cNvPr>
-          <p:cNvSpPr>
-            <a:spLocks noGrp="1"/>
-          </p:cNvSpPr>
-          <p:nvPr>
-            <p:ph type="title"/>
-          </p:nvPr>
-        </p:nvSpPr>
-        <p:spPr/>
-        <p:txBody>
-          <a:bodyPr/>
-          <a:lstStyle/>
-          <a:p>
-            <a:r>
-              <a:rPr kumimoji="1" lang="zh-TW" altLang="en-US" dirty="0"/>
-              <a:t>專案流程圖</a:t>
-            </a:r>
-          </a:p>
-        </p:txBody>
-      </p:sp>
-      <p:sp>
-        <p:nvSpPr>
-          <p:cNvPr id="4" name="日期版面配置區 3">
-            <a:extLst>
-              <a:ext uri="{FF2B5EF4-FFF2-40B4-BE49-F238E27FC236}">
-                <a16:creationId xmlns:a16="http://schemas.microsoft.com/office/drawing/2014/main" id="{190A1806-A5E7-ED48-84B7-A10F862FB7D3}"/>
-              </a:ext>
-            </a:extLst>
-          </p:cNvPr>
-          <p:cNvSpPr>
-            <a:spLocks noGrp="1"/>
-          </p:cNvSpPr>
-          <p:nvPr>
-            <p:ph type="dt" sz="half" idx="10"/>
-          </p:nvPr>
-        </p:nvSpPr>
-        <p:spPr/>
-        <p:txBody>
-          <a:bodyPr/>
-          <a:lstStyle/>
-          <a:p>
-            <a:fld id="{868F4FC5-FE50-A64D-A7E3-22233A0C6925}" type="datetime1">
-              <a:rPr kumimoji="1" lang="zh-TW" altLang="en-US" smtClean="0"/>
-              <a:t>2020/6/18</a:t>
-            </a:fld>
-            <a:endParaRPr kumimoji="1" lang="zh-TW" altLang="en-US" dirty="0"/>
-          </a:p>
-        </p:txBody>
-      </p:sp>
-      <p:sp>
-        <p:nvSpPr>
-          <p:cNvPr id="5" name="投影片編號版面配置區 4">
-            <a:extLst>
-              <a:ext uri="{FF2B5EF4-FFF2-40B4-BE49-F238E27FC236}">
-                <a16:creationId xmlns:a16="http://schemas.microsoft.com/office/drawing/2014/main" id="{DABF132B-1148-4041-B62C-1765B1EFCE4B}"/>
-              </a:ext>
-            </a:extLst>
-          </p:cNvPr>
-          <p:cNvSpPr>
-            <a:spLocks noGrp="1"/>
-          </p:cNvSpPr>
-          <p:nvPr>
-            <p:ph type="sldNum" sz="quarter" idx="12"/>
-          </p:nvPr>
-        </p:nvSpPr>
-        <p:spPr/>
-        <p:txBody>
-          <a:bodyPr/>
-          <a:lstStyle/>
-          <a:p>
-            <a:fld id="{80929F01-733D-5847-83A7-C9CEA74310DB}" type="slidenum">
-              <a:rPr kumimoji="1" lang="zh-TW" altLang="en-US" smtClean="0"/>
-              <a:pPr/>
-              <a:t>11</a:t>
-            </a:fld>
-            <a:endParaRPr kumimoji="1" lang="zh-TW" altLang="en-US" dirty="0"/>
-          </a:p>
-        </p:txBody>
-      </p:sp>
       <p:pic>
         <p:nvPicPr>
-          <p:cNvPr id="11" name="圖片 10" descr="一張含有 文字, 地圖 的圖片&#10;&#10;自動產生的描述">
-            <a:extLst>
-              <a:ext uri="{FF2B5EF4-FFF2-40B4-BE49-F238E27FC236}">
-                <a16:creationId xmlns:a16="http://schemas.microsoft.com/office/drawing/2014/main" id="{102E35A8-6754-BF4D-BFDE-E914C8AA20F2}"/>
+          <p:cNvPr id="8" name="圖片 7" descr="一張含有 文字, 地圖 的圖片&#10;&#10;自動產生的描述">
+            <a:extLst>
+              <a:ext uri="{FF2B5EF4-FFF2-40B4-BE49-F238E27FC236}">
+                <a16:creationId xmlns:a16="http://schemas.microsoft.com/office/drawing/2014/main" id="{C49D9CAD-B299-8447-AE7B-C727609AADD2}"/>
               </a:ext>
             </a:extLst>
           </p:cNvPr>
@@ -3360,14 +3273,101 @@
         </p:blipFill>
         <p:spPr>
           <a:xfrm>
-            <a:off x="864192" y="934295"/>
-            <a:ext cx="6848945" cy="5479383"/>
+            <a:off x="873516" y="986076"/>
+            <a:ext cx="6613134" cy="5271937"/>
           </a:xfrm>
           <a:prstGeom prst="rect">
             <a:avLst/>
           </a:prstGeom>
         </p:spPr>
       </p:pic>
+      <p:sp>
+        <p:nvSpPr>
+          <p:cNvPr id="2" name="標題 1">
+            <a:extLst>
+              <a:ext uri="{FF2B5EF4-FFF2-40B4-BE49-F238E27FC236}">
+                <a16:creationId xmlns:a16="http://schemas.microsoft.com/office/drawing/2014/main" id="{21D46EF1-12EA-C94F-9F03-C7FE589E8C7A}"/>
+              </a:ext>
+            </a:extLst>
+          </p:cNvPr>
+          <p:cNvSpPr>
+            <a:spLocks noGrp="1"/>
+          </p:cNvSpPr>
+          <p:nvPr>
+            <p:ph type="title"/>
+          </p:nvPr>
+        </p:nvSpPr>
+        <p:spPr/>
+        <p:txBody>
+          <a:bodyPr/>
+          <a:lstStyle/>
+          <a:p>
+            <a:r>
+              <a:rPr kumimoji="1" lang="zh-TW" altLang="en-US" dirty="0"/>
+              <a:t>專案流程圖</a:t>
+            </a:r>
+          </a:p>
+        </p:txBody>
+      </p:sp>
+      <p:sp>
+        <p:nvSpPr>
+          <p:cNvPr id="4" name="日期版面配置區 3">
+            <a:extLst>
+              <a:ext uri="{FF2B5EF4-FFF2-40B4-BE49-F238E27FC236}">
+                <a16:creationId xmlns:a16="http://schemas.microsoft.com/office/drawing/2014/main" id="{190A1806-A5E7-ED48-84B7-A10F862FB7D3}"/>
+              </a:ext>
+            </a:extLst>
+          </p:cNvPr>
+          <p:cNvSpPr>
+            <a:spLocks noGrp="1"/>
+          </p:cNvSpPr>
+          <p:nvPr>
+            <p:ph type="dt" sz="half" idx="10"/>
+          </p:nvPr>
+        </p:nvSpPr>
+        <p:spPr/>
+        <p:txBody>
+          <a:bodyPr/>
+          <a:lstStyle/>
+          <a:p>
+            <a:fld id="{868F4FC5-FE50-A64D-A7E3-22233A0C6925}" type="datetime1">
+              <a:rPr kumimoji="1" lang="zh-TW" altLang="en-US" smtClean="0"/>
+              <a:t>2020/6/18</a:t>
+            </a:fld>
+            <a:endParaRPr kumimoji="1" lang="zh-TW" altLang="en-US" dirty="0"/>
+          </a:p>
+        </p:txBody>
+      </p:sp>
+      <p:sp>
+        <p:nvSpPr>
+          <p:cNvPr id="5" name="投影片編號版面配置區 4">
+            <a:extLst>
+              <a:ext uri="{FF2B5EF4-FFF2-40B4-BE49-F238E27FC236}">
+                <a16:creationId xmlns:a16="http://schemas.microsoft.com/office/drawing/2014/main" id="{DABF132B-1148-4041-B62C-1765B1EFCE4B}"/>
+              </a:ext>
+            </a:extLst>
+          </p:cNvPr>
+          <p:cNvSpPr>
+            <a:spLocks noGrp="1"/>
+          </p:cNvSpPr>
+          <p:nvPr>
+            <p:ph type="sldNum" sz="quarter" idx="12"/>
+          </p:nvPr>
+        </p:nvSpPr>
+        <p:spPr/>
+        <p:txBody>
+          <a:bodyPr/>
+          <a:lstStyle/>
+          <a:p>
+            <a:fld id="{80929F01-733D-5847-83A7-C9CEA74310DB}" type="slidenum">
+              <a:rPr kumimoji="1" lang="zh-TW" altLang="en-US" smtClean="0"/>
+              <a:pPr/>
+              <a:t>11</a:t>
+            </a:fld>
+            <a:endParaRPr kumimoji="1" lang="zh-TW" altLang="en-US" dirty="0"/>
+          </a:p>
+        </p:txBody>
+      </p:sp>
       <p:sp>
         <p:nvSpPr>
           <p:cNvPr id="12" name="文字方塊 11">
